--- a/DVUP.pptx
+++ b/DVUP.pptx
@@ -5,7 +5,7 @@
     <p:sldMasterId id="2147483648" r:id="rId1"/>
   </p:sldMasterIdLst>
   <p:notesMasterIdLst>
-    <p:notesMasterId r:id="rId18"/>
+    <p:notesMasterId r:id="rId19"/>
   </p:notesMasterIdLst>
   <p:sldIdLst>
     <p:sldId id="256" r:id="rId2"/>
@@ -20,10 +20,11 @@
     <p:sldId id="262" r:id="rId11"/>
     <p:sldId id="273" r:id="rId12"/>
     <p:sldId id="270" r:id="rId13"/>
-    <p:sldId id="274" r:id="rId14"/>
-    <p:sldId id="275" r:id="rId15"/>
-    <p:sldId id="276" r:id="rId16"/>
-    <p:sldId id="277" r:id="rId17"/>
+    <p:sldId id="278" r:id="rId14"/>
+    <p:sldId id="274" r:id="rId15"/>
+    <p:sldId id="275" r:id="rId16"/>
+    <p:sldId id="276" r:id="rId17"/>
+    <p:sldId id="277" r:id="rId18"/>
   </p:sldIdLst>
   <p:sldSz cx="12192000" cy="6858000"/>
   <p:notesSz cx="6858000" cy="9144000"/>
@@ -122,6 +123,11 @@
       </a:defRPr>
     </a:lvl9pPr>
   </p:defaultTextStyle>
+  <p:extLst>
+    <p:ext uri="{EFAFB233-063F-42B5-8137-9DF3F51BA10A}">
+      <p15:sldGuideLst xmlns:p15="http://schemas.microsoft.com/office/powerpoint/2012/main"/>
+    </p:ext>
+  </p:extLst>
 </p:presentation>
 </file>
 
@@ -5768,7 +5774,7 @@
           <a:p>
             <a:fld id="{BE346C69-C552-486E-97F5-C89421E9FDC7}" type="datetimeFigureOut">
               <a:rPr lang="en-US" smtClean="0"/>
-              <a:t>5/30/2023</a:t>
+              <a:t>6/24/2023</a:t>
             </a:fld>
             <a:endParaRPr lang="en-US"/>
           </a:p>
@@ -6035,6 +6041,93 @@
 </p:notesMaster>
 </file>
 
+<file path=ppt/notesSlides/notesSlide1.xml><?xml version="1.0" encoding="utf-8"?>
+<p:notes xmlns:a="http://schemas.openxmlformats.org/drawingml/2006/main" xmlns:r="http://schemas.openxmlformats.org/officeDocument/2006/relationships" xmlns:p="http://schemas.openxmlformats.org/presentationml/2006/main">
+  <p:cSld>
+    <p:spTree>
+      <p:nvGrpSpPr>
+        <p:cNvPr id="1" name=""/>
+        <p:cNvGrpSpPr/>
+        <p:nvPr/>
+      </p:nvGrpSpPr>
+      <p:grpSpPr>
+        <a:xfrm>
+          <a:off x="0" y="0"/>
+          <a:ext cx="0" cy="0"/>
+          <a:chOff x="0" y="0"/>
+          <a:chExt cx="0" cy="0"/>
+        </a:xfrm>
+      </p:grpSpPr>
+      <p:sp>
+        <p:nvSpPr>
+          <p:cNvPr id="2" name="Slide Image Placeholder 1"/>
+          <p:cNvSpPr>
+            <a:spLocks noGrp="1" noRot="1" noChangeAspect="1"/>
+          </p:cNvSpPr>
+          <p:nvPr>
+            <p:ph type="sldImg"/>
+          </p:nvPr>
+        </p:nvSpPr>
+        <p:spPr/>
+      </p:sp>
+      <p:sp>
+        <p:nvSpPr>
+          <p:cNvPr id="3" name="Notes Placeholder 2"/>
+          <p:cNvSpPr>
+            <a:spLocks noGrp="1"/>
+          </p:cNvSpPr>
+          <p:nvPr>
+            <p:ph type="body" idx="1"/>
+          </p:nvPr>
+        </p:nvSpPr>
+        <p:spPr/>
+        <p:txBody>
+          <a:bodyPr/>
+          <a:lstStyle/>
+          <a:p>
+            <a:r>
+              <a:rPr lang="en-US" dirty="0"/>
+              <a:t>Data: sample_1_YesNo</a:t>
+            </a:r>
+          </a:p>
+        </p:txBody>
+      </p:sp>
+      <p:sp>
+        <p:nvSpPr>
+          <p:cNvPr id="4" name="Slide Number Placeholder 3"/>
+          <p:cNvSpPr>
+            <a:spLocks noGrp="1"/>
+          </p:cNvSpPr>
+          <p:nvPr>
+            <p:ph type="sldNum" sz="quarter" idx="5"/>
+          </p:nvPr>
+        </p:nvSpPr>
+        <p:spPr/>
+        <p:txBody>
+          <a:bodyPr/>
+          <a:lstStyle/>
+          <a:p>
+            <a:fld id="{E2A54669-0D51-4C42-B375-DC5BE00670A4}" type="slidenum">
+              <a:rPr lang="en-US" smtClean="0"/>
+              <a:t>12</a:t>
+            </a:fld>
+            <a:endParaRPr lang="en-US"/>
+          </a:p>
+        </p:txBody>
+      </p:sp>
+    </p:spTree>
+    <p:extLst>
+      <p:ext uri="{BB962C8B-B14F-4D97-AF65-F5344CB8AC3E}">
+        <p14:creationId xmlns:p14="http://schemas.microsoft.com/office/powerpoint/2010/main" val="2561423358"/>
+      </p:ext>
+    </p:extLst>
+  </p:cSld>
+  <p:clrMapOvr>
+    <a:masterClrMapping/>
+  </p:clrMapOvr>
+</p:notes>
+</file>
+
 <file path=ppt/slideLayouts/slideLayout1.xml><?xml version="1.0" encoding="utf-8"?>
 <p:sldLayout xmlns:a="http://schemas.openxmlformats.org/drawingml/2006/main" xmlns:r="http://schemas.openxmlformats.org/officeDocument/2006/relationships" xmlns:p="http://schemas.openxmlformats.org/presentationml/2006/main" type="title" preserve="1">
   <p:cSld name="Title Slide">
@@ -6182,7 +6275,7 @@
           <a:p>
             <a:fld id="{3FF1292D-9B44-4C04-8564-57DE07DA270C}" type="datetimeFigureOut">
               <a:rPr lang="en-US" smtClean="0"/>
-              <a:t>5/30/2023</a:t>
+              <a:t>6/24/2023</a:t>
             </a:fld>
             <a:endParaRPr lang="en-US"/>
           </a:p>
@@ -6380,7 +6473,7 @@
           <a:p>
             <a:fld id="{3FF1292D-9B44-4C04-8564-57DE07DA270C}" type="datetimeFigureOut">
               <a:rPr lang="en-US" smtClean="0"/>
-              <a:t>5/30/2023</a:t>
+              <a:t>6/24/2023</a:t>
             </a:fld>
             <a:endParaRPr lang="en-US"/>
           </a:p>
@@ -6588,7 +6681,7 @@
           <a:p>
             <a:fld id="{3FF1292D-9B44-4C04-8564-57DE07DA270C}" type="datetimeFigureOut">
               <a:rPr lang="en-US" smtClean="0"/>
-              <a:t>5/30/2023</a:t>
+              <a:t>6/24/2023</a:t>
             </a:fld>
             <a:endParaRPr lang="en-US"/>
           </a:p>
@@ -6786,7 +6879,7 @@
           <a:p>
             <a:fld id="{3FF1292D-9B44-4C04-8564-57DE07DA270C}" type="datetimeFigureOut">
               <a:rPr lang="en-US" smtClean="0"/>
-              <a:t>5/30/2023</a:t>
+              <a:t>6/24/2023</a:t>
             </a:fld>
             <a:endParaRPr lang="en-US"/>
           </a:p>
@@ -7061,7 +7154,7 @@
           <a:p>
             <a:fld id="{3FF1292D-9B44-4C04-8564-57DE07DA270C}" type="datetimeFigureOut">
               <a:rPr lang="en-US" smtClean="0"/>
-              <a:t>5/30/2023</a:t>
+              <a:t>6/24/2023</a:t>
             </a:fld>
             <a:endParaRPr lang="en-US"/>
           </a:p>
@@ -7326,7 +7419,7 @@
           <a:p>
             <a:fld id="{3FF1292D-9B44-4C04-8564-57DE07DA270C}" type="datetimeFigureOut">
               <a:rPr lang="en-US" smtClean="0"/>
-              <a:t>5/30/2023</a:t>
+              <a:t>6/24/2023</a:t>
             </a:fld>
             <a:endParaRPr lang="en-US"/>
           </a:p>
@@ -7738,7 +7831,7 @@
           <a:p>
             <a:fld id="{3FF1292D-9B44-4C04-8564-57DE07DA270C}" type="datetimeFigureOut">
               <a:rPr lang="en-US" smtClean="0"/>
-              <a:t>5/30/2023</a:t>
+              <a:t>6/24/2023</a:t>
             </a:fld>
             <a:endParaRPr lang="en-US"/>
           </a:p>
@@ -7879,7 +7972,7 @@
           <a:p>
             <a:fld id="{3FF1292D-9B44-4C04-8564-57DE07DA270C}" type="datetimeFigureOut">
               <a:rPr lang="en-US" smtClean="0"/>
-              <a:t>5/30/2023</a:t>
+              <a:t>6/24/2023</a:t>
             </a:fld>
             <a:endParaRPr lang="en-US"/>
           </a:p>
@@ -7992,7 +8085,7 @@
           <a:p>
             <a:fld id="{3FF1292D-9B44-4C04-8564-57DE07DA270C}" type="datetimeFigureOut">
               <a:rPr lang="en-US" smtClean="0"/>
-              <a:t>5/30/2023</a:t>
+              <a:t>6/24/2023</a:t>
             </a:fld>
             <a:endParaRPr lang="en-US"/>
           </a:p>
@@ -8303,7 +8396,7 @@
           <a:p>
             <a:fld id="{3FF1292D-9B44-4C04-8564-57DE07DA270C}" type="datetimeFigureOut">
               <a:rPr lang="en-US" smtClean="0"/>
-              <a:t>5/30/2023</a:t>
+              <a:t>6/24/2023</a:t>
             </a:fld>
             <a:endParaRPr lang="en-US"/>
           </a:p>
@@ -8591,7 +8684,7 @@
           <a:p>
             <a:fld id="{3FF1292D-9B44-4C04-8564-57DE07DA270C}" type="datetimeFigureOut">
               <a:rPr lang="en-US" smtClean="0"/>
-              <a:t>5/30/2023</a:t>
+              <a:t>6/24/2023</a:t>
             </a:fld>
             <a:endParaRPr lang="en-US"/>
           </a:p>
@@ -8832,7 +8925,7 @@
           <a:p>
             <a:fld id="{3FF1292D-9B44-4C04-8564-57DE07DA270C}" type="datetimeFigureOut">
               <a:rPr lang="en-US" smtClean="0"/>
-              <a:t>5/30/2023</a:t>
+              <a:t>6/24/2023</a:t>
             </a:fld>
             <a:endParaRPr lang="en-US"/>
           </a:p>
@@ -10306,7 +10399,10 @@
               <a:rPr lang="en-US" sz="2000" dirty="0" err="1"/>
               <a:t>PandaPy</a:t>
             </a:r>
-            <a:endParaRPr lang="en-US" sz="2000" dirty="0"/>
+            <a:r>
+              <a:rPr lang="en-US" sz="2000" dirty="0"/>
+              <a:t>, NumPy</a:t>
+            </a:r>
           </a:p>
           <a:p>
             <a:pPr lvl="1"/>
@@ -10370,29 +10466,38 @@
           <a:p>
             <a:r>
               <a:rPr lang="en-US" sz="2400" dirty="0"/>
-              <a:t>Libraries we’ll use:</a:t>
+              <a:t>Libraries we’ll use today:</a:t>
             </a:r>
           </a:p>
           <a:p>
             <a:pPr lvl="1"/>
             <a:r>
-              <a:rPr lang="en-US" sz="2000" dirty="0"/>
+              <a:rPr lang="en-US" sz="2000" dirty="0">
+                <a:hlinkClick r:id="rId2"/>
+              </a:rPr>
               <a:t>Pandas</a:t>
             </a:r>
+            <a:endParaRPr lang="en-US" sz="2000" dirty="0"/>
           </a:p>
           <a:p>
             <a:pPr lvl="1"/>
             <a:r>
-              <a:rPr lang="en-US" sz="2000" dirty="0"/>
+              <a:rPr lang="en-US" sz="2000" dirty="0">
+                <a:hlinkClick r:id="rId3"/>
+              </a:rPr>
               <a:t>Matplotlib</a:t>
             </a:r>
+            <a:endParaRPr lang="en-US" sz="2000" dirty="0"/>
           </a:p>
           <a:p>
             <a:pPr lvl="1"/>
             <a:r>
-              <a:rPr lang="en-US" sz="2000" dirty="0"/>
+              <a:rPr lang="en-US" sz="2000" dirty="0">
+                <a:hlinkClick r:id="rId4"/>
+              </a:rPr>
               <a:t>Seaborn</a:t>
             </a:r>
+            <a:endParaRPr lang="en-US" sz="2000" dirty="0"/>
           </a:p>
         </p:txBody>
       </p:sp>
@@ -10476,7 +10581,7 @@
                     <a:lumMod val="65000"/>
                   </a:schemeClr>
                 </a:solidFill>
-                <a:hlinkClick r:id="rId2">
+                <a:hlinkClick r:id="rId5">
                   <a:extLst>
                     <a:ext uri="{A12FA001-AC4F-418D-AE19-62706E023703}">
                       <ahyp:hlinkClr xmlns:ahyp="http://schemas.microsoft.com/office/drawing/2018/hyperlinkcolor" val="tx"/>
@@ -10502,7 +10607,7 @@
                     <a:lumMod val="65000"/>
                   </a:schemeClr>
                 </a:solidFill>
-                <a:hlinkClick r:id="rId3">
+                <a:hlinkClick r:id="rId6">
                   <a:extLst>
                     <a:ext uri="{A12FA001-AC4F-418D-AE19-62706E023703}">
                       <ahyp:hlinkClr xmlns:ahyp="http://schemas.microsoft.com/office/drawing/2018/hyperlinkcolor" val="tx"/>
@@ -10652,7 +10757,7 @@
           <a:lstStyle/>
           <a:p>
             <a:r>
-              <a:rPr lang="en-US" sz="4800"/>
+              <a:rPr lang="en-US" sz="4800" dirty="0"/>
               <a:t>Let’s Make Some Visuals!</a:t>
             </a:r>
           </a:p>
@@ -10967,10 +11072,6 @@
               <a:t>Scale</a:t>
             </a:r>
           </a:p>
-          <a:p>
-            <a:pPr lvl="1"/>
-            <a:endParaRPr lang="en-US" sz="2200" dirty="0"/>
-          </a:p>
         </p:txBody>
       </p:sp>
     </p:spTree>
@@ -10987,251 +11088,6 @@
 </file>
 
 <file path=ppt/slides/slide13.xml><?xml version="1.0" encoding="utf-8"?>
-<p:sld xmlns:a="http://schemas.openxmlformats.org/drawingml/2006/main" xmlns:r="http://schemas.openxmlformats.org/officeDocument/2006/relationships" xmlns:p="http://schemas.openxmlformats.org/presentationml/2006/main">
-  <p:cSld>
-    <p:spTree>
-      <p:nvGrpSpPr>
-        <p:cNvPr id="1" name=""/>
-        <p:cNvGrpSpPr/>
-        <p:nvPr/>
-      </p:nvGrpSpPr>
-      <p:grpSpPr>
-        <a:xfrm>
-          <a:off x="0" y="0"/>
-          <a:ext cx="0" cy="0"/>
-          <a:chOff x="0" y="0"/>
-          <a:chExt cx="0" cy="0"/>
-        </a:xfrm>
-      </p:grpSpPr>
-      <p:sp>
-        <p:nvSpPr>
-          <p:cNvPr id="2" name="Title 1">
-            <a:extLst>
-              <a:ext uri="{FF2B5EF4-FFF2-40B4-BE49-F238E27FC236}">
-                <a16:creationId xmlns:a16="http://schemas.microsoft.com/office/drawing/2014/main" id="{2DDBF285-B190-7396-2182-98DB31EE7DAD}"/>
-              </a:ext>
-            </a:extLst>
-          </p:cNvPr>
-          <p:cNvSpPr>
-            <a:spLocks noGrp="1"/>
-          </p:cNvSpPr>
-          <p:nvPr>
-            <p:ph type="title"/>
-          </p:nvPr>
-        </p:nvSpPr>
-        <p:spPr/>
-        <p:txBody>
-          <a:bodyPr>
-            <a:normAutofit/>
-          </a:bodyPr>
-          <a:lstStyle/>
-          <a:p>
-            <a:pPr algn="ctr"/>
-            <a:r>
-              <a:rPr lang="en-US" sz="4800" dirty="0"/>
-              <a:t>Thinking About Data</a:t>
-            </a:r>
-          </a:p>
-        </p:txBody>
-      </p:sp>
-      <p:sp>
-        <p:nvSpPr>
-          <p:cNvPr id="3" name="Text Placeholder 2">
-            <a:extLst>
-              <a:ext uri="{FF2B5EF4-FFF2-40B4-BE49-F238E27FC236}">
-                <a16:creationId xmlns:a16="http://schemas.microsoft.com/office/drawing/2014/main" id="{8CED0DA0-43C4-07DE-55A1-5A382EE047D7}"/>
-              </a:ext>
-            </a:extLst>
-          </p:cNvPr>
-          <p:cNvSpPr>
-            <a:spLocks noGrp="1"/>
-          </p:cNvSpPr>
-          <p:nvPr>
-            <p:ph type="body" idx="1"/>
-          </p:nvPr>
-        </p:nvSpPr>
-        <p:spPr/>
-        <p:txBody>
-          <a:bodyPr/>
-          <a:lstStyle/>
-          <a:p>
-            <a:r>
-              <a:rPr lang="en-US" dirty="0"/>
-              <a:t>Clean Data</a:t>
-            </a:r>
-          </a:p>
-        </p:txBody>
-      </p:sp>
-      <p:sp>
-        <p:nvSpPr>
-          <p:cNvPr id="4" name="Content Placeholder 3">
-            <a:extLst>
-              <a:ext uri="{FF2B5EF4-FFF2-40B4-BE49-F238E27FC236}">
-                <a16:creationId xmlns:a16="http://schemas.microsoft.com/office/drawing/2014/main" id="{0DDD4BDF-9DB3-900A-F906-65C9881BC3C3}"/>
-              </a:ext>
-            </a:extLst>
-          </p:cNvPr>
-          <p:cNvSpPr>
-            <a:spLocks noGrp="1"/>
-          </p:cNvSpPr>
-          <p:nvPr>
-            <p:ph sz="half" idx="2"/>
-          </p:nvPr>
-        </p:nvSpPr>
-        <p:spPr/>
-        <p:txBody>
-          <a:bodyPr/>
-          <a:lstStyle/>
-          <a:p>
-            <a:r>
-              <a:rPr lang="en-US" dirty="0"/>
-              <a:t>No empty/missing values</a:t>
-            </a:r>
-          </a:p>
-          <a:p>
-            <a:r>
-              <a:rPr lang="en-US" dirty="0"/>
-              <a:t>Consistent data type in each column</a:t>
-            </a:r>
-          </a:p>
-          <a:p>
-            <a:r>
-              <a:rPr lang="en-US" dirty="0"/>
-              <a:t>Column headers are variable names, not values</a:t>
-            </a:r>
-          </a:p>
-          <a:p>
-            <a:r>
-              <a:rPr lang="en-US" dirty="0"/>
-              <a:t>Data is ready to use!</a:t>
-            </a:r>
-          </a:p>
-          <a:p>
-            <a:endParaRPr lang="en-US" dirty="0"/>
-          </a:p>
-          <a:p>
-            <a:endParaRPr lang="en-US" dirty="0"/>
-          </a:p>
-        </p:txBody>
-      </p:sp>
-      <p:sp>
-        <p:nvSpPr>
-          <p:cNvPr id="5" name="Text Placeholder 4">
-            <a:extLst>
-              <a:ext uri="{FF2B5EF4-FFF2-40B4-BE49-F238E27FC236}">
-                <a16:creationId xmlns:a16="http://schemas.microsoft.com/office/drawing/2014/main" id="{986CCB52-FED5-D681-D5C3-D162B5EEF376}"/>
-              </a:ext>
-            </a:extLst>
-          </p:cNvPr>
-          <p:cNvSpPr>
-            <a:spLocks noGrp="1"/>
-          </p:cNvSpPr>
-          <p:nvPr>
-            <p:ph type="body" sz="quarter" idx="3"/>
-          </p:nvPr>
-        </p:nvSpPr>
-        <p:spPr/>
-        <p:txBody>
-          <a:bodyPr/>
-          <a:lstStyle/>
-          <a:p>
-            <a:r>
-              <a:rPr lang="en-US" dirty="0"/>
-              <a:t>Messy Data</a:t>
-            </a:r>
-          </a:p>
-        </p:txBody>
-      </p:sp>
-      <p:sp>
-        <p:nvSpPr>
-          <p:cNvPr id="6" name="Content Placeholder 5">
-            <a:extLst>
-              <a:ext uri="{FF2B5EF4-FFF2-40B4-BE49-F238E27FC236}">
-                <a16:creationId xmlns:a16="http://schemas.microsoft.com/office/drawing/2014/main" id="{BEBCDADC-1CBD-0DF3-7B45-A00462FBD2B7}"/>
-              </a:ext>
-            </a:extLst>
-          </p:cNvPr>
-          <p:cNvSpPr>
-            <a:spLocks noGrp="1"/>
-          </p:cNvSpPr>
-          <p:nvPr>
-            <p:ph sz="quarter" idx="4"/>
-          </p:nvPr>
-        </p:nvSpPr>
-        <p:spPr/>
-        <p:txBody>
-          <a:bodyPr/>
-          <a:lstStyle/>
-          <a:p>
-            <a:r>
-              <a:rPr lang="en-US" dirty="0"/>
-              <a:t>Messy data can include:</a:t>
-            </a:r>
-          </a:p>
-          <a:p>
-            <a:pPr lvl="1"/>
-            <a:r>
-              <a:rPr lang="en-US" dirty="0"/>
-              <a:t>Empty/missing values</a:t>
-            </a:r>
-          </a:p>
-          <a:p>
-            <a:pPr lvl="1"/>
-            <a:r>
-              <a:rPr lang="en-US" dirty="0"/>
-              <a:t>Mixed data types in each column</a:t>
-            </a:r>
-          </a:p>
-          <a:p>
-            <a:pPr lvl="1"/>
-            <a:r>
-              <a:rPr lang="en-US" dirty="0"/>
-              <a:t>Multiples variables stored in one column</a:t>
-            </a:r>
-          </a:p>
-          <a:p>
-            <a:r>
-              <a:rPr lang="en-US" dirty="0"/>
-              <a:t>Data requires cleaning</a:t>
-            </a:r>
-            <a:endParaRPr lang="en-US" dirty="0">
-              <a:sym typeface="Wingdings" panose="05000000000000000000" pitchFamily="2" charset="2"/>
-            </a:endParaRPr>
-          </a:p>
-          <a:p>
-            <a:pPr lvl="1"/>
-            <a:r>
-              <a:rPr lang="en-US" dirty="0">
-                <a:sym typeface="Wingdings" panose="05000000000000000000" pitchFamily="2" charset="2"/>
-              </a:rPr>
-              <a:t>This could be a course in and of itself!</a:t>
-            </a:r>
-            <a:endParaRPr lang="en-US" dirty="0"/>
-          </a:p>
-          <a:p>
-            <a:pPr lvl="1"/>
-            <a:endParaRPr lang="en-US" dirty="0"/>
-          </a:p>
-          <a:p>
-            <a:pPr lvl="1"/>
-            <a:endParaRPr lang="en-US" dirty="0"/>
-          </a:p>
-        </p:txBody>
-      </p:sp>
-    </p:spTree>
-    <p:extLst>
-      <p:ext uri="{BB962C8B-B14F-4D97-AF65-F5344CB8AC3E}">
-        <p14:creationId xmlns:p14="http://schemas.microsoft.com/office/powerpoint/2010/main" val="2641329426"/>
-      </p:ext>
-    </p:extLst>
-  </p:cSld>
-  <p:clrMapOvr>
-    <a:masterClrMapping/>
-  </p:clrMapOvr>
-</p:sld>
-</file>
-
-<file path=ppt/slides/slide14.xml><?xml version="1.0" encoding="utf-8"?>
 <p:sld xmlns:a="http://schemas.openxmlformats.org/drawingml/2006/main" xmlns:r="http://schemas.openxmlformats.org/officeDocument/2006/relationships" xmlns:p="http://schemas.openxmlformats.org/presentationml/2006/main">
   <p:cSld>
     <p:bg>
@@ -11628,6 +11484,887 @@
           <a:p>
             <a:r>
               <a:rPr lang="en-US" sz="4800" dirty="0"/>
+              <a:t>Loading Data</a:t>
+            </a:r>
+          </a:p>
+        </p:txBody>
+      </p:sp>
+      <p:sp>
+        <p:nvSpPr>
+          <p:cNvPr id="3" name="Content Placeholder 2">
+            <a:extLst>
+              <a:ext uri="{FF2B5EF4-FFF2-40B4-BE49-F238E27FC236}">
+                <a16:creationId xmlns:a16="http://schemas.microsoft.com/office/drawing/2014/main" id="{95FA2FF2-74BA-F91F-C52E-A588687A9C83}"/>
+              </a:ext>
+            </a:extLst>
+          </p:cNvPr>
+          <p:cNvSpPr>
+            <a:spLocks noGrp="1"/>
+          </p:cNvSpPr>
+          <p:nvPr>
+            <p:ph idx="1"/>
+          </p:nvPr>
+        </p:nvSpPr>
+        <p:spPr>
+          <a:xfrm>
+            <a:off x="1045028" y="3017522"/>
+            <a:ext cx="9941319" cy="3124658"/>
+          </a:xfrm>
+        </p:spPr>
+        <p:txBody>
+          <a:bodyPr anchor="ctr">
+            <a:normAutofit fontScale="85000" lnSpcReduction="20000"/>
+          </a:bodyPr>
+          <a:lstStyle/>
+          <a:p>
+            <a:r>
+              <a:rPr lang="en-US" sz="2400" dirty="0"/>
+              <a:t>Pandas can read numerous file types</a:t>
+            </a:r>
+          </a:p>
+          <a:p>
+            <a:pPr lvl="1"/>
+            <a:r>
+              <a:rPr lang="en-US" sz="2000" dirty="0"/>
+              <a:t>In all instances you will need a file path of some kind so the program knows where to look</a:t>
+            </a:r>
+          </a:p>
+          <a:p>
+            <a:pPr lvl="1"/>
+            <a:r>
+              <a:rPr lang="en-US" sz="2000" dirty="0"/>
+              <a:t>We will read files into a </a:t>
+            </a:r>
+            <a:r>
+              <a:rPr lang="en-US" sz="2000" dirty="0" err="1"/>
+              <a:t>dataframe</a:t>
+            </a:r>
+            <a:r>
+              <a:rPr lang="en-US" sz="2000" dirty="0"/>
+              <a:t> (</a:t>
+            </a:r>
+            <a:r>
+              <a:rPr lang="en-US" sz="2000" dirty="0" err="1"/>
+              <a:t>df</a:t>
+            </a:r>
+            <a:r>
+              <a:rPr lang="en-US" sz="2000" dirty="0"/>
+              <a:t>), which is basically Pandas’ version of a spreadsheet, but way cooler</a:t>
+            </a:r>
+          </a:p>
+          <a:p>
+            <a:pPr lvl="1"/>
+            <a:r>
+              <a:rPr lang="en-US" sz="2000" dirty="0" err="1"/>
+              <a:t>xls</a:t>
+            </a:r>
+            <a:r>
+              <a:rPr lang="en-US" sz="2000" dirty="0"/>
+              <a:t>/xlsx: </a:t>
+            </a:r>
+            <a:r>
+              <a:rPr lang="en-US" sz="2000" dirty="0" err="1"/>
+              <a:t>df</a:t>
+            </a:r>
+            <a:r>
+              <a:rPr lang="en-US" sz="2000" dirty="0"/>
+              <a:t> = </a:t>
+            </a:r>
+            <a:r>
+              <a:rPr lang="en-US" sz="2000" dirty="0" err="1"/>
+              <a:t>pd.read_excel</a:t>
+            </a:r>
+            <a:r>
+              <a:rPr lang="en-US" sz="2000" dirty="0"/>
+              <a:t>(r’[insert file path here – brackets not needed])</a:t>
+            </a:r>
+          </a:p>
+          <a:p>
+            <a:pPr lvl="1"/>
+            <a:r>
+              <a:rPr lang="en-US" sz="2000" dirty="0"/>
+              <a:t>csv: </a:t>
+            </a:r>
+            <a:r>
+              <a:rPr lang="en-US" sz="2000" dirty="0" err="1"/>
+              <a:t>df</a:t>
+            </a:r>
+            <a:r>
+              <a:rPr lang="en-US" sz="2000" dirty="0"/>
+              <a:t> = </a:t>
+            </a:r>
+            <a:r>
+              <a:rPr lang="en-US" sz="2000" dirty="0" err="1"/>
+              <a:t>pd.read_csv</a:t>
+            </a:r>
+            <a:r>
+              <a:rPr lang="en-US" sz="2000" dirty="0"/>
+              <a:t>(r’[insert file path here – brackets not needed])</a:t>
+            </a:r>
+          </a:p>
+          <a:p>
+            <a:r>
+              <a:rPr lang="en-US" sz="2400" dirty="0"/>
+              <a:t>I’ve loaded the data. Now what?</a:t>
+            </a:r>
+          </a:p>
+          <a:p>
+            <a:pPr lvl="1"/>
+            <a:r>
+              <a:rPr lang="en-US" sz="2000" dirty="0"/>
+              <a:t>View </a:t>
+            </a:r>
+            <a:r>
+              <a:rPr lang="en-US" sz="2000" dirty="0" err="1"/>
+              <a:t>dataframe</a:t>
+            </a:r>
+            <a:endParaRPr lang="en-US" sz="2000" dirty="0"/>
+          </a:p>
+          <a:p>
+            <a:pPr lvl="1"/>
+            <a:r>
+              <a:rPr lang="en-US" sz="2000" dirty="0"/>
+              <a:t>How may records (rows)? How many columns?</a:t>
+            </a:r>
+          </a:p>
+          <a:p>
+            <a:pPr lvl="1"/>
+            <a:r>
+              <a:rPr lang="en-US" sz="2000" dirty="0"/>
+              <a:t>What data types do you have?</a:t>
+            </a:r>
+          </a:p>
+          <a:p>
+            <a:pPr lvl="1"/>
+            <a:r>
+              <a:rPr lang="en-US" sz="2000" dirty="0"/>
+              <a:t>Is any information missing?</a:t>
+            </a:r>
+          </a:p>
+          <a:p>
+            <a:pPr lvl="1"/>
+            <a:r>
+              <a:rPr lang="en-US" sz="2000" dirty="0"/>
+              <a:t>In short, </a:t>
+            </a:r>
+            <a:r>
+              <a:rPr lang="en-US" sz="2000" i="1" dirty="0"/>
+              <a:t>think about the data!</a:t>
+            </a:r>
+          </a:p>
+          <a:p>
+            <a:pPr lvl="1"/>
+            <a:endParaRPr lang="en-US" sz="2000" i="1" dirty="0"/>
+          </a:p>
+        </p:txBody>
+      </p:sp>
+      <p:cxnSp>
+        <p:nvCxnSpPr>
+          <p:cNvPr id="17" name="Straight Connector 16">
+            <a:extLst>
+              <a:ext uri="{FF2B5EF4-FFF2-40B4-BE49-F238E27FC236}">
+                <a16:creationId xmlns:a16="http://schemas.microsoft.com/office/drawing/2014/main" id="{6CF1BAF6-AD41-4082-B212-8A1F9A2E8779}"/>
+              </a:ext>
+              <a:ext uri="{C183D7F6-B498-43B3-948B-1728B52AA6E4}">
+                <adec:decorative xmlns:adec="http://schemas.microsoft.com/office/drawing/2017/decorative" val="1"/>
+              </a:ext>
+            </a:extLst>
+          </p:cNvPr>
+          <p:cNvCxnSpPr>
+            <a:cxnSpLocks noGrp="1" noRot="1" noChangeAspect="1" noMove="1" noResize="1" noEditPoints="1" noAdjustHandles="1" noChangeArrowheads="1" noChangeShapeType="1"/>
+          </p:cNvCxnSpPr>
+          <p:nvPr>
+            <p:extLst>
+              <p:ext uri="{386F3935-93C4-4BCD-93E2-E3B085C9AB24}">
+                <p16:designElem xmlns:p16="http://schemas.microsoft.com/office/powerpoint/2015/main" val="1"/>
+              </p:ext>
+            </p:extLst>
+          </p:nvPr>
+        </p:nvCxnSpPr>
+        <p:spPr>
+          <a:xfrm flipH="1">
+            <a:off x="838200" y="6485313"/>
+            <a:ext cx="10515600" cy="0"/>
+          </a:xfrm>
+          <a:prstGeom prst="line">
+            <a:avLst/>
+          </a:prstGeom>
+          <a:ln w="57150">
+            <a:solidFill>
+              <a:schemeClr val="accent4"/>
+            </a:solidFill>
+          </a:ln>
+        </p:spPr>
+        <p:style>
+          <a:lnRef idx="1">
+            <a:schemeClr val="accent1"/>
+          </a:lnRef>
+          <a:fillRef idx="0">
+            <a:schemeClr val="accent1"/>
+          </a:fillRef>
+          <a:effectRef idx="0">
+            <a:schemeClr val="accent1"/>
+          </a:effectRef>
+          <a:fontRef idx="minor">
+            <a:schemeClr val="tx1"/>
+          </a:fontRef>
+        </p:style>
+      </p:cxnSp>
+    </p:spTree>
+    <p:extLst>
+      <p:ext uri="{BB962C8B-B14F-4D97-AF65-F5344CB8AC3E}">
+        <p14:creationId xmlns:p14="http://schemas.microsoft.com/office/powerpoint/2010/main" val="2998377533"/>
+      </p:ext>
+    </p:extLst>
+  </p:cSld>
+  <p:clrMapOvr>
+    <a:masterClrMapping/>
+  </p:clrMapOvr>
+</p:sld>
+</file>
+
+<file path=ppt/slides/slide14.xml><?xml version="1.0" encoding="utf-8"?>
+<p:sld xmlns:a="http://schemas.openxmlformats.org/drawingml/2006/main" xmlns:r="http://schemas.openxmlformats.org/officeDocument/2006/relationships" xmlns:p="http://schemas.openxmlformats.org/presentationml/2006/main">
+  <p:cSld>
+    <p:spTree>
+      <p:nvGrpSpPr>
+        <p:cNvPr id="1" name=""/>
+        <p:cNvGrpSpPr/>
+        <p:nvPr/>
+      </p:nvGrpSpPr>
+      <p:grpSpPr>
+        <a:xfrm>
+          <a:off x="0" y="0"/>
+          <a:ext cx="0" cy="0"/>
+          <a:chOff x="0" y="0"/>
+          <a:chExt cx="0" cy="0"/>
+        </a:xfrm>
+      </p:grpSpPr>
+      <p:sp>
+        <p:nvSpPr>
+          <p:cNvPr id="2" name="Title 1">
+            <a:extLst>
+              <a:ext uri="{FF2B5EF4-FFF2-40B4-BE49-F238E27FC236}">
+                <a16:creationId xmlns:a16="http://schemas.microsoft.com/office/drawing/2014/main" id="{2DDBF285-B190-7396-2182-98DB31EE7DAD}"/>
+              </a:ext>
+            </a:extLst>
+          </p:cNvPr>
+          <p:cNvSpPr>
+            <a:spLocks noGrp="1"/>
+          </p:cNvSpPr>
+          <p:nvPr>
+            <p:ph type="title"/>
+          </p:nvPr>
+        </p:nvSpPr>
+        <p:spPr/>
+        <p:txBody>
+          <a:bodyPr>
+            <a:normAutofit/>
+          </a:bodyPr>
+          <a:lstStyle/>
+          <a:p>
+            <a:pPr algn="ctr"/>
+            <a:r>
+              <a:rPr lang="en-US" sz="4800" dirty="0"/>
+              <a:t>Thinking About Data</a:t>
+            </a:r>
+          </a:p>
+        </p:txBody>
+      </p:sp>
+      <p:sp>
+        <p:nvSpPr>
+          <p:cNvPr id="3" name="Text Placeholder 2">
+            <a:extLst>
+              <a:ext uri="{FF2B5EF4-FFF2-40B4-BE49-F238E27FC236}">
+                <a16:creationId xmlns:a16="http://schemas.microsoft.com/office/drawing/2014/main" id="{8CED0DA0-43C4-07DE-55A1-5A382EE047D7}"/>
+              </a:ext>
+            </a:extLst>
+          </p:cNvPr>
+          <p:cNvSpPr>
+            <a:spLocks noGrp="1"/>
+          </p:cNvSpPr>
+          <p:nvPr>
+            <p:ph type="body" idx="1"/>
+          </p:nvPr>
+        </p:nvSpPr>
+        <p:spPr/>
+        <p:txBody>
+          <a:bodyPr/>
+          <a:lstStyle/>
+          <a:p>
+            <a:r>
+              <a:rPr lang="en-US" dirty="0"/>
+              <a:t>Clean Data</a:t>
+            </a:r>
+          </a:p>
+        </p:txBody>
+      </p:sp>
+      <p:sp>
+        <p:nvSpPr>
+          <p:cNvPr id="4" name="Content Placeholder 3">
+            <a:extLst>
+              <a:ext uri="{FF2B5EF4-FFF2-40B4-BE49-F238E27FC236}">
+                <a16:creationId xmlns:a16="http://schemas.microsoft.com/office/drawing/2014/main" id="{0DDD4BDF-9DB3-900A-F906-65C9881BC3C3}"/>
+              </a:ext>
+            </a:extLst>
+          </p:cNvPr>
+          <p:cNvSpPr>
+            <a:spLocks noGrp="1"/>
+          </p:cNvSpPr>
+          <p:nvPr>
+            <p:ph sz="half" idx="2"/>
+          </p:nvPr>
+        </p:nvSpPr>
+        <p:spPr/>
+        <p:txBody>
+          <a:bodyPr/>
+          <a:lstStyle/>
+          <a:p>
+            <a:r>
+              <a:rPr lang="en-US" dirty="0"/>
+              <a:t>No empty/missing values</a:t>
+            </a:r>
+          </a:p>
+          <a:p>
+            <a:r>
+              <a:rPr lang="en-US" dirty="0"/>
+              <a:t>Consistent data type in each column</a:t>
+            </a:r>
+          </a:p>
+          <a:p>
+            <a:r>
+              <a:rPr lang="en-US" dirty="0"/>
+              <a:t>Column headers are variable names, not values</a:t>
+            </a:r>
+          </a:p>
+          <a:p>
+            <a:r>
+              <a:rPr lang="en-US" dirty="0"/>
+              <a:t>Data is ready to use!</a:t>
+            </a:r>
+          </a:p>
+          <a:p>
+            <a:endParaRPr lang="en-US" dirty="0"/>
+          </a:p>
+          <a:p>
+            <a:endParaRPr lang="en-US" dirty="0"/>
+          </a:p>
+        </p:txBody>
+      </p:sp>
+      <p:sp>
+        <p:nvSpPr>
+          <p:cNvPr id="5" name="Text Placeholder 4">
+            <a:extLst>
+              <a:ext uri="{FF2B5EF4-FFF2-40B4-BE49-F238E27FC236}">
+                <a16:creationId xmlns:a16="http://schemas.microsoft.com/office/drawing/2014/main" id="{986CCB52-FED5-D681-D5C3-D162B5EEF376}"/>
+              </a:ext>
+            </a:extLst>
+          </p:cNvPr>
+          <p:cNvSpPr>
+            <a:spLocks noGrp="1"/>
+          </p:cNvSpPr>
+          <p:nvPr>
+            <p:ph type="body" sz="quarter" idx="3"/>
+          </p:nvPr>
+        </p:nvSpPr>
+        <p:spPr/>
+        <p:txBody>
+          <a:bodyPr/>
+          <a:lstStyle/>
+          <a:p>
+            <a:r>
+              <a:rPr lang="en-US" dirty="0"/>
+              <a:t>Messy Data</a:t>
+            </a:r>
+          </a:p>
+        </p:txBody>
+      </p:sp>
+      <p:sp>
+        <p:nvSpPr>
+          <p:cNvPr id="6" name="Content Placeholder 5">
+            <a:extLst>
+              <a:ext uri="{FF2B5EF4-FFF2-40B4-BE49-F238E27FC236}">
+                <a16:creationId xmlns:a16="http://schemas.microsoft.com/office/drawing/2014/main" id="{BEBCDADC-1CBD-0DF3-7B45-A00462FBD2B7}"/>
+              </a:ext>
+            </a:extLst>
+          </p:cNvPr>
+          <p:cNvSpPr>
+            <a:spLocks noGrp="1"/>
+          </p:cNvSpPr>
+          <p:nvPr>
+            <p:ph sz="quarter" idx="4"/>
+          </p:nvPr>
+        </p:nvSpPr>
+        <p:spPr/>
+        <p:txBody>
+          <a:bodyPr/>
+          <a:lstStyle/>
+          <a:p>
+            <a:r>
+              <a:rPr lang="en-US" dirty="0"/>
+              <a:t>Messy data can include:</a:t>
+            </a:r>
+          </a:p>
+          <a:p>
+            <a:pPr lvl="1"/>
+            <a:r>
+              <a:rPr lang="en-US" dirty="0"/>
+              <a:t>Empty/missing values</a:t>
+            </a:r>
+          </a:p>
+          <a:p>
+            <a:pPr lvl="1"/>
+            <a:r>
+              <a:rPr lang="en-US" dirty="0"/>
+              <a:t>Mixed data types in each column</a:t>
+            </a:r>
+          </a:p>
+          <a:p>
+            <a:pPr lvl="1"/>
+            <a:r>
+              <a:rPr lang="en-US" dirty="0"/>
+              <a:t>Multiples variables stored in one column</a:t>
+            </a:r>
+          </a:p>
+          <a:p>
+            <a:r>
+              <a:rPr lang="en-US" dirty="0"/>
+              <a:t>Data requires cleaning</a:t>
+            </a:r>
+            <a:endParaRPr lang="en-US" dirty="0">
+              <a:sym typeface="Wingdings" panose="05000000000000000000" pitchFamily="2" charset="2"/>
+            </a:endParaRPr>
+          </a:p>
+          <a:p>
+            <a:pPr lvl="1"/>
+            <a:r>
+              <a:rPr lang="en-US" dirty="0">
+                <a:sym typeface="Wingdings" panose="05000000000000000000" pitchFamily="2" charset="2"/>
+              </a:rPr>
+              <a:t>This could be a course in and of itself!</a:t>
+            </a:r>
+            <a:endParaRPr lang="en-US" dirty="0"/>
+          </a:p>
+          <a:p>
+            <a:pPr lvl="1"/>
+            <a:endParaRPr lang="en-US" dirty="0"/>
+          </a:p>
+          <a:p>
+            <a:pPr lvl="1"/>
+            <a:endParaRPr lang="en-US" dirty="0"/>
+          </a:p>
+        </p:txBody>
+      </p:sp>
+    </p:spTree>
+    <p:extLst>
+      <p:ext uri="{BB962C8B-B14F-4D97-AF65-F5344CB8AC3E}">
+        <p14:creationId xmlns:p14="http://schemas.microsoft.com/office/powerpoint/2010/main" val="2641329426"/>
+      </p:ext>
+    </p:extLst>
+  </p:cSld>
+  <p:clrMapOvr>
+    <a:masterClrMapping/>
+  </p:clrMapOvr>
+</p:sld>
+</file>
+
+<file path=ppt/slides/slide15.xml><?xml version="1.0" encoding="utf-8"?>
+<p:sld xmlns:a="http://schemas.openxmlformats.org/drawingml/2006/main" xmlns:r="http://schemas.openxmlformats.org/officeDocument/2006/relationships" xmlns:p="http://schemas.openxmlformats.org/presentationml/2006/main">
+  <p:cSld>
+    <p:bg>
+      <p:bgPr>
+        <a:solidFill>
+          <a:schemeClr val="bg1"/>
+        </a:solidFill>
+        <a:effectLst/>
+      </p:bgPr>
+    </p:bg>
+    <p:spTree>
+      <p:nvGrpSpPr>
+        <p:cNvPr id="1" name=""/>
+        <p:cNvGrpSpPr/>
+        <p:nvPr/>
+      </p:nvGrpSpPr>
+      <p:grpSpPr>
+        <a:xfrm>
+          <a:off x="0" y="0"/>
+          <a:ext cx="0" cy="0"/>
+          <a:chOff x="0" y="0"/>
+          <a:chExt cx="0" cy="0"/>
+        </a:xfrm>
+      </p:grpSpPr>
+      <p:sp useBgFill="1">
+        <p:nvSpPr>
+          <p:cNvPr id="8" name="Rectangle 7">
+            <a:extLst>
+              <a:ext uri="{FF2B5EF4-FFF2-40B4-BE49-F238E27FC236}">
+                <a16:creationId xmlns:a16="http://schemas.microsoft.com/office/drawing/2014/main" id="{B6CDA21F-E7AF-4C75-8395-33F58D5B0E45}"/>
+              </a:ext>
+              <a:ext uri="{C183D7F6-B498-43B3-948B-1728B52AA6E4}">
+                <adec:decorative xmlns:adec="http://schemas.microsoft.com/office/drawing/2017/decorative" val="1"/>
+              </a:ext>
+            </a:extLst>
+          </p:cNvPr>
+          <p:cNvSpPr>
+            <a:spLocks noGrp="1" noRot="1" noChangeAspect="1" noMove="1" noResize="1" noEditPoints="1" noAdjustHandles="1" noChangeArrowheads="1" noChangeShapeType="1" noTextEdit="1"/>
+          </p:cNvSpPr>
+          <p:nvPr>
+            <p:extLst>
+              <p:ext uri="{386F3935-93C4-4BCD-93E2-E3B085C9AB24}">
+                <p16:designElem xmlns:p16="http://schemas.microsoft.com/office/powerpoint/2015/main" val="1"/>
+              </p:ext>
+            </p:extLst>
+          </p:nvPr>
+        </p:nvSpPr>
+        <p:spPr>
+          <a:xfrm>
+            <a:off x="0" y="0"/>
+            <a:ext cx="12191999" cy="6857365"/>
+          </a:xfrm>
+          <a:prstGeom prst="rect">
+            <a:avLst/>
+          </a:prstGeom>
+          <a:ln>
+            <a:noFill/>
+          </a:ln>
+        </p:spPr>
+        <p:style>
+          <a:lnRef idx="2">
+            <a:schemeClr val="accent1">
+              <a:shade val="50000"/>
+            </a:schemeClr>
+          </a:lnRef>
+          <a:fillRef idx="1">
+            <a:schemeClr val="accent1"/>
+          </a:fillRef>
+          <a:effectRef idx="0">
+            <a:schemeClr val="accent1"/>
+          </a:effectRef>
+          <a:fontRef idx="minor">
+            <a:schemeClr val="lt1"/>
+          </a:fontRef>
+        </p:style>
+        <p:txBody>
+          <a:bodyPr rtlCol="0" anchor="ctr"/>
+          <a:lstStyle/>
+          <a:p>
+            <a:pPr algn="ctr"/>
+            <a:endParaRPr lang="en-US"/>
+          </a:p>
+        </p:txBody>
+      </p:sp>
+      <p:grpSp>
+        <p:nvGrpSpPr>
+          <p:cNvPr id="10" name="Group 9">
+            <a:extLst>
+              <a:ext uri="{FF2B5EF4-FFF2-40B4-BE49-F238E27FC236}">
+                <a16:creationId xmlns:a16="http://schemas.microsoft.com/office/drawing/2014/main" id="{AE1C45F0-260A-458C-96ED-C1F6D2151219}"/>
+              </a:ext>
+              <a:ext uri="{C183D7F6-B498-43B3-948B-1728B52AA6E4}">
+                <adec:decorative xmlns:adec="http://schemas.microsoft.com/office/drawing/2017/decorative" val="1"/>
+              </a:ext>
+            </a:extLst>
+          </p:cNvPr>
+          <p:cNvGrpSpPr>
+            <a:grpSpLocks noGrp="1" noUngrp="1" noRot="1" noChangeAspect="1" noMove="1" noResize="1"/>
+          </p:cNvGrpSpPr>
+          <p:nvPr>
+            <p:extLst>
+              <p:ext uri="{386F3935-93C4-4BCD-93E2-E3B085C9AB24}">
+                <p16:designElem xmlns:p16="http://schemas.microsoft.com/office/powerpoint/2015/main" val="1"/>
+              </p:ext>
+            </p:extLst>
+          </p:nvPr>
+        </p:nvGrpSpPr>
+        <p:grpSpPr>
+          <a:xfrm>
+            <a:off x="4" y="1216597"/>
+            <a:ext cx="731521" cy="673460"/>
+            <a:chOff x="3940602" y="308034"/>
+            <a:chExt cx="2116791" cy="3428999"/>
+          </a:xfrm>
+          <a:solidFill>
+            <a:schemeClr val="accent4"/>
+          </a:solidFill>
+        </p:grpSpPr>
+        <p:sp>
+          <p:nvSpPr>
+            <p:cNvPr id="11" name="Rectangle 10">
+              <a:extLst>
+                <a:ext uri="{FF2B5EF4-FFF2-40B4-BE49-F238E27FC236}">
+                  <a16:creationId xmlns:a16="http://schemas.microsoft.com/office/drawing/2014/main" id="{A6604B49-AD5C-4590-B051-06C8222ECD99}"/>
+                </a:ext>
+                <a:ext uri="{C183D7F6-B498-43B3-948B-1728B52AA6E4}">
+                  <adec:decorative xmlns:adec="http://schemas.microsoft.com/office/drawing/2017/decorative" val="1"/>
+                </a:ext>
+              </a:extLst>
+            </p:cNvPr>
+            <p:cNvSpPr/>
+            <p:nvPr>
+              <p:extLst>
+                <p:ext uri="{386F3935-93C4-4BCD-93E2-E3B085C9AB24}">
+                  <p16:designElem xmlns:p16="http://schemas.microsoft.com/office/powerpoint/2015/main" val="1"/>
+                </p:ext>
+              </p:extLst>
+            </p:nvPr>
+          </p:nvSpPr>
+          <p:spPr>
+            <a:xfrm>
+              <a:off x="3940602" y="308034"/>
+              <a:ext cx="566743" cy="3428999"/>
+            </a:xfrm>
+            <a:prstGeom prst="rect">
+              <a:avLst/>
+            </a:prstGeom>
+            <a:grpFill/>
+            <a:ln>
+              <a:noFill/>
+            </a:ln>
+          </p:spPr>
+          <p:style>
+            <a:lnRef idx="2">
+              <a:schemeClr val="accent1">
+                <a:shade val="50000"/>
+              </a:schemeClr>
+            </a:lnRef>
+            <a:fillRef idx="1">
+              <a:schemeClr val="accent1"/>
+            </a:fillRef>
+            <a:effectRef idx="0">
+              <a:schemeClr val="accent1"/>
+            </a:effectRef>
+            <a:fontRef idx="minor">
+              <a:schemeClr val="lt1"/>
+            </a:fontRef>
+          </p:style>
+          <p:txBody>
+            <a:bodyPr rtlCol="0" anchor="ctr"/>
+            <a:lstStyle/>
+            <a:p>
+              <a:pPr algn="ctr"/>
+              <a:endParaRPr lang="en-US"/>
+            </a:p>
+          </p:txBody>
+        </p:sp>
+        <p:sp>
+          <p:nvSpPr>
+            <p:cNvPr id="12" name="Rectangle 11">
+              <a:extLst>
+                <a:ext uri="{FF2B5EF4-FFF2-40B4-BE49-F238E27FC236}">
+                  <a16:creationId xmlns:a16="http://schemas.microsoft.com/office/drawing/2014/main" id="{743ECCAF-29C5-4537-947C-7EA1292463DB}"/>
+                </a:ext>
+                <a:ext uri="{C183D7F6-B498-43B3-948B-1728B52AA6E4}">
+                  <adec:decorative xmlns:adec="http://schemas.microsoft.com/office/drawing/2017/decorative" val="1"/>
+                </a:ext>
+              </a:extLst>
+            </p:cNvPr>
+            <p:cNvSpPr/>
+            <p:nvPr>
+              <p:extLst>
+                <p:ext uri="{386F3935-93C4-4BCD-93E2-E3B085C9AB24}">
+                  <p16:designElem xmlns:p16="http://schemas.microsoft.com/office/powerpoint/2015/main" val="1"/>
+                </p:ext>
+              </p:extLst>
+            </p:nvPr>
+          </p:nvSpPr>
+          <p:spPr>
+            <a:xfrm>
+              <a:off x="4715626" y="308034"/>
+              <a:ext cx="566743" cy="3428999"/>
+            </a:xfrm>
+            <a:prstGeom prst="rect">
+              <a:avLst/>
+            </a:prstGeom>
+            <a:grpFill/>
+            <a:ln>
+              <a:noFill/>
+            </a:ln>
+          </p:spPr>
+          <p:style>
+            <a:lnRef idx="2">
+              <a:schemeClr val="accent1">
+                <a:shade val="50000"/>
+              </a:schemeClr>
+            </a:lnRef>
+            <a:fillRef idx="1">
+              <a:schemeClr val="accent1"/>
+            </a:fillRef>
+            <a:effectRef idx="0">
+              <a:schemeClr val="accent1"/>
+            </a:effectRef>
+            <a:fontRef idx="minor">
+              <a:schemeClr val="lt1"/>
+            </a:fontRef>
+          </p:style>
+          <p:txBody>
+            <a:bodyPr rtlCol="0" anchor="ctr"/>
+            <a:lstStyle/>
+            <a:p>
+              <a:pPr algn="ctr"/>
+              <a:endParaRPr lang="en-US"/>
+            </a:p>
+          </p:txBody>
+        </p:sp>
+        <p:sp>
+          <p:nvSpPr>
+            <p:cNvPr id="13" name="Rectangle 12">
+              <a:extLst>
+                <a:ext uri="{FF2B5EF4-FFF2-40B4-BE49-F238E27FC236}">
+                  <a16:creationId xmlns:a16="http://schemas.microsoft.com/office/drawing/2014/main" id="{ED49787B-8DE6-4467-AD0A-8DECC6E0C2D6}"/>
+                </a:ext>
+                <a:ext uri="{C183D7F6-B498-43B3-948B-1728B52AA6E4}">
+                  <adec:decorative xmlns:adec="http://schemas.microsoft.com/office/drawing/2017/decorative" val="1"/>
+                </a:ext>
+              </a:extLst>
+            </p:cNvPr>
+            <p:cNvSpPr/>
+            <p:nvPr>
+              <p:extLst>
+                <p:ext uri="{386F3935-93C4-4BCD-93E2-E3B085C9AB24}">
+                  <p16:designElem xmlns:p16="http://schemas.microsoft.com/office/powerpoint/2015/main" val="1"/>
+                </p:ext>
+              </p:extLst>
+            </p:nvPr>
+          </p:nvSpPr>
+          <p:spPr>
+            <a:xfrm>
+              <a:off x="5490650" y="308034"/>
+              <a:ext cx="566743" cy="3428999"/>
+            </a:xfrm>
+            <a:prstGeom prst="rect">
+              <a:avLst/>
+            </a:prstGeom>
+            <a:grpFill/>
+            <a:ln>
+              <a:noFill/>
+            </a:ln>
+          </p:spPr>
+          <p:style>
+            <a:lnRef idx="2">
+              <a:schemeClr val="accent1">
+                <a:shade val="50000"/>
+              </a:schemeClr>
+            </a:lnRef>
+            <a:fillRef idx="1">
+              <a:schemeClr val="accent1"/>
+            </a:fillRef>
+            <a:effectRef idx="0">
+              <a:schemeClr val="accent1"/>
+            </a:effectRef>
+            <a:fontRef idx="minor">
+              <a:schemeClr val="lt1"/>
+            </a:fontRef>
+          </p:style>
+          <p:txBody>
+            <a:bodyPr rtlCol="0" anchor="ctr"/>
+            <a:lstStyle/>
+            <a:p>
+              <a:pPr algn="ctr"/>
+              <a:endParaRPr lang="en-US"/>
+            </a:p>
+          </p:txBody>
+        </p:sp>
+      </p:grpSp>
+      <p:sp>
+        <p:nvSpPr>
+          <p:cNvPr id="15" name="Rectangle 14">
+            <a:extLst>
+              <a:ext uri="{FF2B5EF4-FFF2-40B4-BE49-F238E27FC236}">
+                <a16:creationId xmlns:a16="http://schemas.microsoft.com/office/drawing/2014/main" id="{D5B0017B-2ECA-49AF-B397-DC140825DF8D}"/>
+              </a:ext>
+              <a:ext uri="{C183D7F6-B498-43B3-948B-1728B52AA6E4}">
+                <adec:decorative xmlns:adec="http://schemas.microsoft.com/office/drawing/2017/decorative" val="1"/>
+              </a:ext>
+            </a:extLst>
+          </p:cNvPr>
+          <p:cNvSpPr>
+            <a:spLocks noGrp="1" noRot="1" noChangeAspect="1" noMove="1" noResize="1" noEditPoints="1" noAdjustHandles="1" noChangeArrowheads="1" noChangeShapeType="1" noTextEdit="1"/>
+          </p:cNvSpPr>
+          <p:nvPr>
+            <p:extLst>
+              <p:ext uri="{386F3935-93C4-4BCD-93E2-E3B085C9AB24}">
+                <p16:designElem xmlns:p16="http://schemas.microsoft.com/office/powerpoint/2015/main" val="1"/>
+              </p:ext>
+            </p:extLst>
+          </p:nvPr>
+        </p:nvSpPr>
+        <p:spPr>
+          <a:xfrm>
+            <a:off x="640079" y="613954"/>
+            <a:ext cx="10907487" cy="1894116"/>
+          </a:xfrm>
+          <a:prstGeom prst="rect">
+            <a:avLst/>
+          </a:prstGeom>
+          <a:solidFill>
+            <a:schemeClr val="bg1"/>
+          </a:solidFill>
+          <a:ln>
+            <a:noFill/>
+          </a:ln>
+          <a:effectLst>
+            <a:outerShdw blurRad="139700" dist="127000" dir="5400000" algn="t" rotWithShape="0">
+              <a:prstClr val="black">
+                <a:alpha val="15000"/>
+              </a:prstClr>
+            </a:outerShdw>
+          </a:effectLst>
+        </p:spPr>
+        <p:style>
+          <a:lnRef idx="2">
+            <a:schemeClr val="accent1">
+              <a:shade val="50000"/>
+            </a:schemeClr>
+          </a:lnRef>
+          <a:fillRef idx="1">
+            <a:schemeClr val="accent1"/>
+          </a:fillRef>
+          <a:effectRef idx="0">
+            <a:schemeClr val="accent1"/>
+          </a:effectRef>
+          <a:fontRef idx="minor">
+            <a:schemeClr val="lt1"/>
+          </a:fontRef>
+        </p:style>
+        <p:txBody>
+          <a:bodyPr rtlCol="0" anchor="ctr"/>
+          <a:lstStyle/>
+          <a:p>
+            <a:pPr algn="ctr"/>
+            <a:endParaRPr lang="en-US"/>
+          </a:p>
+        </p:txBody>
+      </p:sp>
+      <p:sp>
+        <p:nvSpPr>
+          <p:cNvPr id="2" name="Title 1">
+            <a:extLst>
+              <a:ext uri="{FF2B5EF4-FFF2-40B4-BE49-F238E27FC236}">
+                <a16:creationId xmlns:a16="http://schemas.microsoft.com/office/drawing/2014/main" id="{53801295-3D78-B408-F9F1-ED44CE4A2E7B}"/>
+              </a:ext>
+            </a:extLst>
+          </p:cNvPr>
+          <p:cNvSpPr>
+            <a:spLocks noGrp="1"/>
+          </p:cNvSpPr>
+          <p:nvPr>
+            <p:ph type="title"/>
+          </p:nvPr>
+        </p:nvSpPr>
+        <p:spPr>
+          <a:xfrm>
+            <a:off x="1043631" y="809898"/>
+            <a:ext cx="9942716" cy="1554480"/>
+          </a:xfrm>
+        </p:spPr>
+        <p:txBody>
+          <a:bodyPr anchor="ctr">
+            <a:normAutofit/>
+          </a:bodyPr>
+          <a:lstStyle/>
+          <a:p>
+            <a:r>
+              <a:rPr lang="en-US" sz="4800" dirty="0"/>
               <a:t>Making Visuals With Less Than Perfect Data</a:t>
             </a:r>
           </a:p>
@@ -11770,7 +12507,7 @@
 </p:sld>
 </file>
 
-<file path=ppt/slides/slide15.xml><?xml version="1.0" encoding="utf-8"?>
+<file path=ppt/slides/slide16.xml><?xml version="1.0" encoding="utf-8"?>
 <p:sld xmlns:a="http://schemas.openxmlformats.org/drawingml/2006/main" xmlns:r="http://schemas.openxmlformats.org/officeDocument/2006/relationships" xmlns:p="http://schemas.openxmlformats.org/presentationml/2006/main">
   <p:cSld>
     <p:bg>
@@ -12212,7 +12949,7 @@
 </p:sld>
 </file>
 
-<file path=ppt/slides/slide16.xml><?xml version="1.0" encoding="utf-8"?>
+<file path=ppt/slides/slide17.xml><?xml version="1.0" encoding="utf-8"?>
 <p:sld xmlns:a="http://schemas.openxmlformats.org/drawingml/2006/main" xmlns:r="http://schemas.openxmlformats.org/officeDocument/2006/relationships" xmlns:p="http://schemas.openxmlformats.org/presentationml/2006/main">
   <p:cSld>
     <p:bg>

--- a/DVUP.pptx
+++ b/DVUP.pptx
@@ -5,26 +5,27 @@
     <p:sldMasterId id="2147483648" r:id="rId1"/>
   </p:sldMasterIdLst>
   <p:notesMasterIdLst>
-    <p:notesMasterId r:id="rId19"/>
+    <p:notesMasterId r:id="rId20"/>
   </p:notesMasterIdLst>
   <p:sldIdLst>
     <p:sldId id="256" r:id="rId2"/>
     <p:sldId id="257" r:id="rId3"/>
     <p:sldId id="258" r:id="rId4"/>
-    <p:sldId id="259" r:id="rId5"/>
-    <p:sldId id="266" r:id="rId6"/>
-    <p:sldId id="263" r:id="rId7"/>
-    <p:sldId id="268" r:id="rId8"/>
-    <p:sldId id="260" r:id="rId9"/>
-    <p:sldId id="261" r:id="rId10"/>
-    <p:sldId id="262" r:id="rId11"/>
-    <p:sldId id="273" r:id="rId12"/>
-    <p:sldId id="270" r:id="rId13"/>
-    <p:sldId id="278" r:id="rId14"/>
-    <p:sldId id="274" r:id="rId15"/>
-    <p:sldId id="275" r:id="rId16"/>
-    <p:sldId id="276" r:id="rId17"/>
-    <p:sldId id="277" r:id="rId18"/>
+    <p:sldId id="280" r:id="rId5"/>
+    <p:sldId id="259" r:id="rId6"/>
+    <p:sldId id="266" r:id="rId7"/>
+    <p:sldId id="263" r:id="rId8"/>
+    <p:sldId id="268" r:id="rId9"/>
+    <p:sldId id="260" r:id="rId10"/>
+    <p:sldId id="261" r:id="rId11"/>
+    <p:sldId id="262" r:id="rId12"/>
+    <p:sldId id="273" r:id="rId13"/>
+    <p:sldId id="270" r:id="rId14"/>
+    <p:sldId id="278" r:id="rId15"/>
+    <p:sldId id="274" r:id="rId16"/>
+    <p:sldId id="275" r:id="rId17"/>
+    <p:sldId id="276" r:id="rId18"/>
+    <p:sldId id="277" r:id="rId19"/>
   </p:sldIdLst>
   <p:sldSz cx="12192000" cy="6858000"/>
   <p:notesSz cx="6858000" cy="9144000"/>
@@ -5774,7 +5775,7 @@
           <a:p>
             <a:fld id="{BE346C69-C552-486E-97F5-C89421E9FDC7}" type="datetimeFigureOut">
               <a:rPr lang="en-US" smtClean="0"/>
-              <a:t>6/24/2023</a:t>
+              <a:t>7/1/2023</a:t>
             </a:fld>
             <a:endParaRPr lang="en-US"/>
           </a:p>
@@ -6109,7 +6110,7 @@
           <a:p>
             <a:fld id="{E2A54669-0D51-4C42-B375-DC5BE00670A4}" type="slidenum">
               <a:rPr lang="en-US" smtClean="0"/>
-              <a:t>12</a:t>
+              <a:t>13</a:t>
             </a:fld>
             <a:endParaRPr lang="en-US"/>
           </a:p>
@@ -6275,7 +6276,7 @@
           <a:p>
             <a:fld id="{3FF1292D-9B44-4C04-8564-57DE07DA270C}" type="datetimeFigureOut">
               <a:rPr lang="en-US" smtClean="0"/>
-              <a:t>6/24/2023</a:t>
+              <a:t>7/1/2023</a:t>
             </a:fld>
             <a:endParaRPr lang="en-US"/>
           </a:p>
@@ -6473,7 +6474,7 @@
           <a:p>
             <a:fld id="{3FF1292D-9B44-4C04-8564-57DE07DA270C}" type="datetimeFigureOut">
               <a:rPr lang="en-US" smtClean="0"/>
-              <a:t>6/24/2023</a:t>
+              <a:t>7/1/2023</a:t>
             </a:fld>
             <a:endParaRPr lang="en-US"/>
           </a:p>
@@ -6681,7 +6682,7 @@
           <a:p>
             <a:fld id="{3FF1292D-9B44-4C04-8564-57DE07DA270C}" type="datetimeFigureOut">
               <a:rPr lang="en-US" smtClean="0"/>
-              <a:t>6/24/2023</a:t>
+              <a:t>7/1/2023</a:t>
             </a:fld>
             <a:endParaRPr lang="en-US"/>
           </a:p>
@@ -6879,7 +6880,7 @@
           <a:p>
             <a:fld id="{3FF1292D-9B44-4C04-8564-57DE07DA270C}" type="datetimeFigureOut">
               <a:rPr lang="en-US" smtClean="0"/>
-              <a:t>6/24/2023</a:t>
+              <a:t>7/1/2023</a:t>
             </a:fld>
             <a:endParaRPr lang="en-US"/>
           </a:p>
@@ -7154,7 +7155,7 @@
           <a:p>
             <a:fld id="{3FF1292D-9B44-4C04-8564-57DE07DA270C}" type="datetimeFigureOut">
               <a:rPr lang="en-US" smtClean="0"/>
-              <a:t>6/24/2023</a:t>
+              <a:t>7/1/2023</a:t>
             </a:fld>
             <a:endParaRPr lang="en-US"/>
           </a:p>
@@ -7419,7 +7420,7 @@
           <a:p>
             <a:fld id="{3FF1292D-9B44-4C04-8564-57DE07DA270C}" type="datetimeFigureOut">
               <a:rPr lang="en-US" smtClean="0"/>
-              <a:t>6/24/2023</a:t>
+              <a:t>7/1/2023</a:t>
             </a:fld>
             <a:endParaRPr lang="en-US"/>
           </a:p>
@@ -7831,7 +7832,7 @@
           <a:p>
             <a:fld id="{3FF1292D-9B44-4C04-8564-57DE07DA270C}" type="datetimeFigureOut">
               <a:rPr lang="en-US" smtClean="0"/>
-              <a:t>6/24/2023</a:t>
+              <a:t>7/1/2023</a:t>
             </a:fld>
             <a:endParaRPr lang="en-US"/>
           </a:p>
@@ -7972,7 +7973,7 @@
           <a:p>
             <a:fld id="{3FF1292D-9B44-4C04-8564-57DE07DA270C}" type="datetimeFigureOut">
               <a:rPr lang="en-US" smtClean="0"/>
-              <a:t>6/24/2023</a:t>
+              <a:t>7/1/2023</a:t>
             </a:fld>
             <a:endParaRPr lang="en-US"/>
           </a:p>
@@ -8085,7 +8086,7 @@
           <a:p>
             <a:fld id="{3FF1292D-9B44-4C04-8564-57DE07DA270C}" type="datetimeFigureOut">
               <a:rPr lang="en-US" smtClean="0"/>
-              <a:t>6/24/2023</a:t>
+              <a:t>7/1/2023</a:t>
             </a:fld>
             <a:endParaRPr lang="en-US"/>
           </a:p>
@@ -8396,7 +8397,7 @@
           <a:p>
             <a:fld id="{3FF1292D-9B44-4C04-8564-57DE07DA270C}" type="datetimeFigureOut">
               <a:rPr lang="en-US" smtClean="0"/>
-              <a:t>6/24/2023</a:t>
+              <a:t>7/1/2023</a:t>
             </a:fld>
             <a:endParaRPr lang="en-US"/>
           </a:p>
@@ -8684,7 +8685,7 @@
           <a:p>
             <a:fld id="{3FF1292D-9B44-4C04-8564-57DE07DA270C}" type="datetimeFigureOut">
               <a:rPr lang="en-US" smtClean="0"/>
-              <a:t>6/24/2023</a:t>
+              <a:t>7/1/2023</a:t>
             </a:fld>
             <a:endParaRPr lang="en-US"/>
           </a:p>
@@ -8925,7 +8926,7 @@
           <a:p>
             <a:fld id="{3FF1292D-9B44-4C04-8564-57DE07DA270C}" type="datetimeFigureOut">
               <a:rPr lang="en-US" smtClean="0"/>
-              <a:t>6/24/2023</a:t>
+              <a:t>7/1/2023</a:t>
             </a:fld>
             <a:endParaRPr lang="en-US"/>
           </a:p>
@@ -9777,6 +9778,186 @@
           <p:cNvPr id="2" name="Title 1">
             <a:extLst>
               <a:ext uri="{FF2B5EF4-FFF2-40B4-BE49-F238E27FC236}">
+                <a16:creationId xmlns:a16="http://schemas.microsoft.com/office/drawing/2014/main" id="{00C1BD35-F7C0-58BE-B0BA-AA25D1763E54}"/>
+              </a:ext>
+            </a:extLst>
+          </p:cNvPr>
+          <p:cNvSpPr>
+            <a:spLocks noGrp="1"/>
+          </p:cNvSpPr>
+          <p:nvPr>
+            <p:ph type="title"/>
+          </p:nvPr>
+        </p:nvSpPr>
+        <p:spPr/>
+        <p:txBody>
+          <a:bodyPr/>
+          <a:lstStyle/>
+          <a:p>
+            <a:r>
+              <a:rPr lang="en-US" dirty="0"/>
+              <a:t>Bad Visuals in the Wild, pt I</a:t>
+            </a:r>
+          </a:p>
+        </p:txBody>
+      </p:sp>
+      <p:pic>
+        <p:nvPicPr>
+          <p:cNvPr id="1026" name="Picture 2" descr="Top 100 Twitter users - Bad charts">
+            <a:extLst>
+              <a:ext uri="{FF2B5EF4-FFF2-40B4-BE49-F238E27FC236}">
+                <a16:creationId xmlns:a16="http://schemas.microsoft.com/office/drawing/2014/main" id="{2E791FEC-0E5A-0D4F-D6D1-B00DD3B8B12D}"/>
+              </a:ext>
+            </a:extLst>
+          </p:cNvPr>
+          <p:cNvPicPr>
+            <a:picLocks noGrp="1" noChangeAspect="1" noChangeArrowheads="1"/>
+          </p:cNvPicPr>
+          <p:nvPr>
+            <p:ph idx="1"/>
+          </p:nvPr>
+        </p:nvPicPr>
+        <p:blipFill>
+          <a:blip r:embed="rId2">
+            <a:extLst>
+              <a:ext uri="{28A0092B-C50C-407E-A947-70E740481C1C}">
+                <a14:useLocalDpi xmlns:a14="http://schemas.microsoft.com/office/drawing/2010/main" val="0"/>
+              </a:ext>
+            </a:extLst>
+          </a:blip>
+          <a:srcRect/>
+          <a:stretch>
+            <a:fillRect/>
+          </a:stretch>
+        </p:blipFill>
+        <p:spPr bwMode="auto">
+          <a:xfrm>
+            <a:off x="838200" y="1370959"/>
+            <a:ext cx="5044440" cy="4409595"/>
+          </a:xfrm>
+          <a:prstGeom prst="rect">
+            <a:avLst/>
+          </a:prstGeom>
+          <a:noFill/>
+          <a:extLst>
+            <a:ext uri="{909E8E84-426E-40DD-AFC4-6F175D3DCCD1}">
+              <a14:hiddenFill xmlns:a14="http://schemas.microsoft.com/office/drawing/2010/main">
+                <a:solidFill>
+                  <a:srgbClr val="FFFFFF"/>
+                </a:solidFill>
+              </a14:hiddenFill>
+            </a:ext>
+          </a:extLst>
+        </p:spPr>
+      </p:pic>
+      <p:sp>
+        <p:nvSpPr>
+          <p:cNvPr id="4" name="Footer Placeholder 3">
+            <a:extLst>
+              <a:ext uri="{FF2B5EF4-FFF2-40B4-BE49-F238E27FC236}">
+                <a16:creationId xmlns:a16="http://schemas.microsoft.com/office/drawing/2014/main" id="{8BE25487-B258-4EDF-7DD2-A59A604CB343}"/>
+              </a:ext>
+            </a:extLst>
+          </p:cNvPr>
+          <p:cNvSpPr>
+            <a:spLocks noGrp="1"/>
+          </p:cNvSpPr>
+          <p:nvPr>
+            <p:ph type="ftr" sz="quarter" idx="11"/>
+          </p:nvPr>
+        </p:nvSpPr>
+        <p:spPr/>
+        <p:txBody>
+          <a:bodyPr/>
+          <a:lstStyle/>
+          <a:p>
+            <a:r>
+              <a:rPr lang="en-US" dirty="0">
+                <a:hlinkClick r:id="rId3"/>
+              </a:rPr>
+              <a:t>https://chandoo.org/wp/nightmarish-pie-charts/</a:t>
+            </a:r>
+            <a:endParaRPr lang="en-US" dirty="0"/>
+          </a:p>
+          <a:p>
+            <a:r>
+              <a:rPr lang="en-US" dirty="0">
+                <a:hlinkClick r:id="rId4"/>
+              </a:rPr>
+              <a:t>https://rigorousthemes.com/blog/bad-data-visualization-examples/</a:t>
+            </a:r>
+            <a:endParaRPr lang="en-US" dirty="0"/>
+          </a:p>
+          <a:p>
+            <a:endParaRPr lang="en-US" dirty="0"/>
+          </a:p>
+        </p:txBody>
+      </p:sp>
+      <p:pic>
+        <p:nvPicPr>
+          <p:cNvPr id="7" name="Picture 6">
+            <a:extLst>
+              <a:ext uri="{FF2B5EF4-FFF2-40B4-BE49-F238E27FC236}">
+                <a16:creationId xmlns:a16="http://schemas.microsoft.com/office/drawing/2014/main" id="{4D708A0C-F2A7-FA4C-3E15-019A3F1FB3E6}"/>
+              </a:ext>
+            </a:extLst>
+          </p:cNvPr>
+          <p:cNvPicPr>
+            <a:picLocks noChangeAspect="1"/>
+          </p:cNvPicPr>
+          <p:nvPr/>
+        </p:nvPicPr>
+        <p:blipFill>
+          <a:blip r:embed="rId5"/>
+          <a:stretch>
+            <a:fillRect/>
+          </a:stretch>
+        </p:blipFill>
+        <p:spPr>
+          <a:xfrm>
+            <a:off x="5997786" y="1596302"/>
+            <a:ext cx="5706533" cy="3958907"/>
+          </a:xfrm>
+          <a:prstGeom prst="rect">
+            <a:avLst/>
+          </a:prstGeom>
+        </p:spPr>
+      </p:pic>
+    </p:spTree>
+    <p:extLst>
+      <p:ext uri="{BB962C8B-B14F-4D97-AF65-F5344CB8AC3E}">
+        <p14:creationId xmlns:p14="http://schemas.microsoft.com/office/powerpoint/2010/main" val="3839320200"/>
+      </p:ext>
+    </p:extLst>
+  </p:cSld>
+  <p:clrMapOvr>
+    <a:masterClrMapping/>
+  </p:clrMapOvr>
+</p:sld>
+</file>
+
+<file path=ppt/slides/slide11.xml><?xml version="1.0" encoding="utf-8"?>
+<p:sld xmlns:a="http://schemas.openxmlformats.org/drawingml/2006/main" xmlns:r="http://schemas.openxmlformats.org/officeDocument/2006/relationships" xmlns:p="http://schemas.openxmlformats.org/presentationml/2006/main">
+  <p:cSld>
+    <p:spTree>
+      <p:nvGrpSpPr>
+        <p:cNvPr id="1" name=""/>
+        <p:cNvGrpSpPr/>
+        <p:nvPr/>
+      </p:nvGrpSpPr>
+      <p:grpSpPr>
+        <a:xfrm>
+          <a:off x="0" y="0"/>
+          <a:ext cx="0" cy="0"/>
+          <a:chOff x="0" y="0"/>
+          <a:chExt cx="0" cy="0"/>
+        </a:xfrm>
+      </p:grpSpPr>
+      <p:sp>
+        <p:nvSpPr>
+          <p:cNvPr id="2" name="Title 1">
+            <a:extLst>
+              <a:ext uri="{FF2B5EF4-FFF2-40B4-BE49-F238E27FC236}">
                 <a16:creationId xmlns:a16="http://schemas.microsoft.com/office/drawing/2014/main" id="{3B337960-C123-4B7C-8666-C639CEB1F49E}"/>
               </a:ext>
             </a:extLst>
@@ -9946,7 +10127,7 @@
 </p:sld>
 </file>
 
-<file path=ppt/slides/slide11.xml><?xml version="1.0" encoding="utf-8"?>
+<file path=ppt/slides/slide12.xml><?xml version="1.0" encoding="utf-8"?>
 <p:sld xmlns:a="http://schemas.openxmlformats.org/drawingml/2006/main" xmlns:r="http://schemas.openxmlformats.org/officeDocument/2006/relationships" xmlns:p="http://schemas.openxmlformats.org/presentationml/2006/main">
   <p:cSld>
     <p:bg>
@@ -10372,7 +10553,7 @@
         </p:spPr>
         <p:txBody>
           <a:bodyPr anchor="ctr">
-            <a:normAutofit lnSpcReduction="10000"/>
+            <a:normAutofit fontScale="85000" lnSpcReduction="20000"/>
           </a:bodyPr>
           <a:lstStyle/>
           <a:p>
@@ -10496,6 +10677,40 @@
                 <a:hlinkClick r:id="rId4"/>
               </a:rPr>
               <a:t>Seaborn</a:t>
+            </a:r>
+            <a:endParaRPr lang="en-US" sz="2000" dirty="0"/>
+          </a:p>
+          <a:p>
+            <a:pPr lvl="1"/>
+            <a:r>
+              <a:rPr lang="en-US" sz="2000" dirty="0" err="1">
+                <a:hlinkClick r:id="rId5"/>
+              </a:rPr>
+              <a:t>Numpy</a:t>
+            </a:r>
+            <a:endParaRPr lang="en-US" sz="2000" dirty="0"/>
+          </a:p>
+          <a:p>
+            <a:pPr lvl="1"/>
+            <a:r>
+              <a:rPr lang="en-US" sz="2000" dirty="0" err="1"/>
+              <a:t>Squarify</a:t>
+            </a:r>
+            <a:endParaRPr lang="en-US" sz="2000" dirty="0"/>
+          </a:p>
+          <a:p>
+            <a:pPr lvl="1"/>
+            <a:r>
+              <a:rPr lang="en-US" sz="2000" dirty="0" err="1"/>
+              <a:t>Openpyxl</a:t>
+            </a:r>
+            <a:r>
+              <a:rPr lang="en-US" sz="2000" dirty="0"/>
+              <a:t> – change everything to csv instead of </a:t>
+            </a:r>
+            <a:r>
+              <a:rPr lang="en-US" sz="2000" dirty="0" err="1"/>
+              <a:t>xls</a:t>
             </a:r>
             <a:endParaRPr lang="en-US" sz="2000" dirty="0"/>
           </a:p>
@@ -10569,7 +10784,12 @@
             <p:ph type="ftr" sz="quarter" idx="11"/>
           </p:nvPr>
         </p:nvSpPr>
-        <p:spPr/>
+        <p:spPr>
+          <a:xfrm>
+            <a:off x="1043631" y="6563360"/>
+            <a:ext cx="9941319" cy="158115"/>
+          </a:xfrm>
+        </p:spPr>
         <p:txBody>
           <a:bodyPr/>
           <a:lstStyle/>
@@ -10581,7 +10801,7 @@
                     <a:lumMod val="65000"/>
                   </a:schemeClr>
                 </a:solidFill>
-                <a:hlinkClick r:id="rId5">
+                <a:hlinkClick r:id="rId6">
                   <a:extLst>
                     <a:ext uri="{A12FA001-AC4F-418D-AE19-62706E023703}">
                       <ahyp:hlinkClr xmlns:ahyp="http://schemas.microsoft.com/office/drawing/2018/hyperlinkcolor" val="tx"/>
@@ -10591,15 +10811,6 @@
               </a:rPr>
               <a:t>https://www.geeksforgeeks.org/libraries-in-python/</a:t>
             </a:r>
-            <a:endParaRPr lang="en-US" dirty="0">
-              <a:solidFill>
-                <a:schemeClr val="bg1">
-                  <a:lumMod val="65000"/>
-                </a:schemeClr>
-              </a:solidFill>
-            </a:endParaRPr>
-          </a:p>
-          <a:p>
             <a:r>
               <a:rPr lang="en-US" dirty="0">
                 <a:solidFill>
@@ -10607,7 +10818,17 @@
                     <a:lumMod val="65000"/>
                   </a:schemeClr>
                 </a:solidFill>
-                <a:hlinkClick r:id="rId6">
+              </a:rPr>
+              <a:t>		</a:t>
+            </a:r>
+            <a:r>
+              <a:rPr lang="en-US" dirty="0">
+                <a:solidFill>
+                  <a:schemeClr val="bg1">
+                    <a:lumMod val="65000"/>
+                  </a:schemeClr>
+                </a:solidFill>
+                <a:hlinkClick r:id="rId7">
                   <a:extLst>
                     <a:ext uri="{A12FA001-AC4F-418D-AE19-62706E023703}">
                       <ahyp:hlinkClr xmlns:ahyp="http://schemas.microsoft.com/office/drawing/2018/hyperlinkcolor" val="tx"/>
@@ -10643,7 +10864,7 @@
 </p:sld>
 </file>
 
-<file path=ppt/slides/slide12.xml><?xml version="1.0" encoding="utf-8"?>
+<file path=ppt/slides/slide13.xml><?xml version="1.0" encoding="utf-8"?>
 <p:sld xmlns:a="http://schemas.openxmlformats.org/drawingml/2006/main" xmlns:r="http://schemas.openxmlformats.org/officeDocument/2006/relationships" xmlns:p="http://schemas.openxmlformats.org/presentationml/2006/main">
   <p:cSld>
     <p:bg>
@@ -11087,7 +11308,7 @@
 </p:sld>
 </file>
 
-<file path=ppt/slides/slide13.xml><?xml version="1.0" encoding="utf-8"?>
+<file path=ppt/slides/slide14.xml><?xml version="1.0" encoding="utf-8"?>
 <p:sld xmlns:a="http://schemas.openxmlformats.org/drawingml/2006/main" xmlns:r="http://schemas.openxmlformats.org/officeDocument/2006/relationships" xmlns:p="http://schemas.openxmlformats.org/presentationml/2006/main">
   <p:cSld>
     <p:bg>
@@ -11723,7 +11944,7 @@
 </p:sld>
 </file>
 
-<file path=ppt/slides/slide14.xml><?xml version="1.0" encoding="utf-8"?>
+<file path=ppt/slides/slide15.xml><?xml version="1.0" encoding="utf-8"?>
 <p:sld xmlns:a="http://schemas.openxmlformats.org/drawingml/2006/main" xmlns:r="http://schemas.openxmlformats.org/officeDocument/2006/relationships" xmlns:p="http://schemas.openxmlformats.org/presentationml/2006/main">
   <p:cSld>
     <p:spTree>
@@ -11968,7 +12189,7 @@
 </p:sld>
 </file>
 
-<file path=ppt/slides/slide15.xml><?xml version="1.0" encoding="utf-8"?>
+<file path=ppt/slides/slide16.xml><?xml version="1.0" encoding="utf-8"?>
 <p:sld xmlns:a="http://schemas.openxmlformats.org/drawingml/2006/main" xmlns:r="http://schemas.openxmlformats.org/officeDocument/2006/relationships" xmlns:p="http://schemas.openxmlformats.org/presentationml/2006/main">
   <p:cSld>
     <p:bg>
@@ -12507,7 +12728,7 @@
 </p:sld>
 </file>
 
-<file path=ppt/slides/slide16.xml><?xml version="1.0" encoding="utf-8"?>
+<file path=ppt/slides/slide17.xml><?xml version="1.0" encoding="utf-8"?>
 <p:sld xmlns:a="http://schemas.openxmlformats.org/drawingml/2006/main" xmlns:r="http://schemas.openxmlformats.org/officeDocument/2006/relationships" xmlns:p="http://schemas.openxmlformats.org/presentationml/2006/main">
   <p:cSld>
     <p:bg>
@@ -12949,7 +13170,7 @@
 </p:sld>
 </file>
 
-<file path=ppt/slides/slide17.xml><?xml version="1.0" encoding="utf-8"?>
+<file path=ppt/slides/slide18.xml><?xml version="1.0" encoding="utf-8"?>
 <p:sld xmlns:a="http://schemas.openxmlformats.org/drawingml/2006/main" xmlns:r="http://schemas.openxmlformats.org/officeDocument/2006/relationships" xmlns:p="http://schemas.openxmlformats.org/presentationml/2006/main">
   <p:cSld>
     <p:bg>
@@ -14243,7 +14464,7 @@
           <p:cNvPr id="9" name="Rectangle 8">
             <a:extLst>
               <a:ext uri="{FF2B5EF4-FFF2-40B4-BE49-F238E27FC236}">
-                <a16:creationId xmlns:a16="http://schemas.microsoft.com/office/drawing/2014/main" id="{04812C46-200A-4DEB-A05E-3ED6C68C2387}"/>
+                <a16:creationId xmlns:a16="http://schemas.microsoft.com/office/drawing/2014/main" id="{E51BA4DF-2BD4-4EC2-B1DB-B27C8AC71864}"/>
               </a:ext>
               <a:ext uri="{C183D7F6-B498-43B3-948B-1728B52AA6E4}">
                 <adec:decorative xmlns:adec="http://schemas.microsoft.com/office/drawing/2017/decorative" val="1"/>
@@ -14263,7 +14484,7 @@
         </p:nvSpPr>
         <p:spPr>
           <a:xfrm>
-            <a:off x="3049" y="0"/>
+            <a:off x="-1" y="0"/>
             <a:ext cx="12188952" cy="6858000"/>
           </a:xfrm>
           <a:prstGeom prst="rect">
@@ -14298,127 +14519,12 @@
           </a:p>
         </p:txBody>
       </p:sp>
-      <p:pic>
-        <p:nvPicPr>
-          <p:cNvPr id="5" name="Picture 4">
-            <a:extLst>
-              <a:ext uri="{FF2B5EF4-FFF2-40B4-BE49-F238E27FC236}">
-                <a16:creationId xmlns:a16="http://schemas.microsoft.com/office/drawing/2014/main" id="{5015F31C-2513-C3E6-999B-BDDE7CED3B26}"/>
-              </a:ext>
-            </a:extLst>
-          </p:cNvPr>
-          <p:cNvPicPr>
-            <a:picLocks noChangeAspect="1"/>
-          </p:cNvPicPr>
-          <p:nvPr/>
-        </p:nvPicPr>
-        <p:blipFill rotWithShape="1">
-          <a:blip r:embed="rId2"/>
-          <a:srcRect b="5436"/>
-          <a:stretch/>
-        </p:blipFill>
-        <p:spPr>
-          <a:xfrm>
-            <a:off x="2522356" y="10"/>
-            <a:ext cx="9669642" cy="6857990"/>
-          </a:xfrm>
-          <a:prstGeom prst="rect">
-            <a:avLst/>
-          </a:prstGeom>
-        </p:spPr>
-      </p:pic>
-      <p:sp>
-        <p:nvSpPr>
-          <p:cNvPr id="11" name="Rectangle 10">
-            <a:extLst>
-              <a:ext uri="{FF2B5EF4-FFF2-40B4-BE49-F238E27FC236}">
-                <a16:creationId xmlns:a16="http://schemas.microsoft.com/office/drawing/2014/main" id="{D1EA859B-E555-4109-94F3-6700E046E008}"/>
-              </a:ext>
-              <a:ext uri="{C183D7F6-B498-43B3-948B-1728B52AA6E4}">
-                <adec:decorative xmlns:adec="http://schemas.microsoft.com/office/drawing/2017/decorative" val="1"/>
-              </a:ext>
-            </a:extLst>
-          </p:cNvPr>
-          <p:cNvSpPr>
-            <a:spLocks noGrp="1" noRot="1" noChangeAspect="1" noMove="1" noResize="1" noEditPoints="1" noAdjustHandles="1" noChangeArrowheads="1" noChangeShapeType="1" noTextEdit="1"/>
-          </p:cNvSpPr>
-          <p:nvPr>
-            <p:extLst>
-              <p:ext uri="{386F3935-93C4-4BCD-93E2-E3B085C9AB24}">
-                <p16:designElem xmlns:p16="http://schemas.microsoft.com/office/powerpoint/2015/main" val="1"/>
-              </p:ext>
-            </p:extLst>
-          </p:nvPr>
-        </p:nvSpPr>
-        <p:spPr>
-          <a:xfrm>
-            <a:off x="-1" y="0"/>
-            <a:ext cx="7390263" cy="6858000"/>
-          </a:xfrm>
-          <a:prstGeom prst="rect">
-            <a:avLst/>
-          </a:prstGeom>
-          <a:gradFill>
-            <a:gsLst>
-              <a:gs pos="48000">
-                <a:schemeClr val="bg1"/>
-              </a:gs>
-              <a:gs pos="35000">
-                <a:schemeClr val="bg1">
-                  <a:alpha val="77000"/>
-                </a:schemeClr>
-              </a:gs>
-              <a:gs pos="19000">
-                <a:schemeClr val="bg1">
-                  <a:alpha val="38000"/>
-                </a:schemeClr>
-              </a:gs>
-              <a:gs pos="0">
-                <a:schemeClr val="bg1">
-                  <a:alpha val="0"/>
-                </a:schemeClr>
-              </a:gs>
-              <a:gs pos="100000">
-                <a:schemeClr val="bg1"/>
-              </a:gs>
-            </a:gsLst>
-            <a:lin ang="10800000" scaled="0"/>
-          </a:gradFill>
-          <a:ln>
-            <a:noFill/>
-          </a:ln>
-        </p:spPr>
-        <p:style>
-          <a:lnRef idx="2">
-            <a:schemeClr val="accent1">
-              <a:shade val="50000"/>
-            </a:schemeClr>
-          </a:lnRef>
-          <a:fillRef idx="1">
-            <a:schemeClr val="accent1"/>
-          </a:fillRef>
-          <a:effectRef idx="0">
-            <a:schemeClr val="accent1"/>
-          </a:effectRef>
-          <a:fontRef idx="minor">
-            <a:schemeClr val="lt1"/>
-          </a:fontRef>
-        </p:style>
-        <p:txBody>
-          <a:bodyPr rtlCol="0" anchor="ctr"/>
-          <a:lstStyle/>
-          <a:p>
-            <a:pPr algn="ctr"/>
-            <a:endParaRPr lang="en-US" dirty="0"/>
-          </a:p>
-        </p:txBody>
-      </p:sp>
       <p:sp>
         <p:nvSpPr>
           <p:cNvPr id="2" name="Title 1">
             <a:extLst>
               <a:ext uri="{FF2B5EF4-FFF2-40B4-BE49-F238E27FC236}">
-                <a16:creationId xmlns:a16="http://schemas.microsoft.com/office/drawing/2014/main" id="{98F2B9A6-FC27-ED41-CFC5-AC3B30A05559}"/>
+                <a16:creationId xmlns:a16="http://schemas.microsoft.com/office/drawing/2014/main" id="{A0114279-C36C-C985-CB27-6A81FECA2C90}"/>
               </a:ext>
             </a:extLst>
           </p:cNvPr>
@@ -14431,29 +14537,59 @@
         </p:nvSpPr>
         <p:spPr>
           <a:xfrm>
-            <a:off x="838200" y="365125"/>
-            <a:ext cx="3822189" cy="1899912"/>
+            <a:off x="4553733" y="548464"/>
+            <a:ext cx="6798541" cy="1675623"/>
           </a:xfrm>
         </p:spPr>
         <p:txBody>
-          <a:bodyPr>
+          <a:bodyPr anchor="b">
             <a:normAutofit/>
           </a:bodyPr>
           <a:lstStyle/>
           <a:p>
             <a:r>
               <a:rPr lang="en-US" sz="4000"/>
-              <a:t>Visualizations</a:t>
+              <a:t>Jupyter Lab Setup</a:t>
             </a:r>
           </a:p>
         </p:txBody>
       </p:sp>
+      <p:pic>
+        <p:nvPicPr>
+          <p:cNvPr id="5" name="Picture 4" descr="Laboratory glassware containing solution">
+            <a:extLst>
+              <a:ext uri="{FF2B5EF4-FFF2-40B4-BE49-F238E27FC236}">
+                <a16:creationId xmlns:a16="http://schemas.microsoft.com/office/drawing/2014/main" id="{AE087FB6-313C-108C-2B8C-77990B89041D}"/>
+              </a:ext>
+            </a:extLst>
+          </p:cNvPr>
+          <p:cNvPicPr>
+            <a:picLocks noChangeAspect="1"/>
+          </p:cNvPicPr>
+          <p:nvPr/>
+        </p:nvPicPr>
+        <p:blipFill rotWithShape="1">
+          <a:blip r:embed="rId2"/>
+          <a:srcRect l="4622" r="49484"/>
+          <a:stretch/>
+        </p:blipFill>
+        <p:spPr>
+          <a:xfrm>
+            <a:off x="1" y="10"/>
+            <a:ext cx="4196496" cy="6857990"/>
+          </a:xfrm>
+          <a:prstGeom prst="rect">
+            <a:avLst/>
+          </a:prstGeom>
+          <a:effectLst/>
+        </p:spPr>
+      </p:pic>
       <p:sp>
         <p:nvSpPr>
           <p:cNvPr id="3" name="Content Placeholder 2">
             <a:extLst>
               <a:ext uri="{FF2B5EF4-FFF2-40B4-BE49-F238E27FC236}">
-                <a16:creationId xmlns:a16="http://schemas.microsoft.com/office/drawing/2014/main" id="{8471C126-3912-7E26-36E4-6BB87694D5CF}"/>
+                <a16:creationId xmlns:a16="http://schemas.microsoft.com/office/drawing/2014/main" id="{4AC1F2C5-0423-BCC6-9F97-F1FA1A27FC31}"/>
               </a:ext>
             </a:extLst>
           </p:cNvPr>
@@ -14466,8 +14602,8 @@
         </p:nvSpPr>
         <p:spPr>
           <a:xfrm>
-            <a:off x="838200" y="2434201"/>
-            <a:ext cx="3822189" cy="3742762"/>
+            <a:off x="4553734" y="2409830"/>
+            <a:ext cx="6798539" cy="3705217"/>
           </a:xfrm>
         </p:spPr>
         <p:txBody>
@@ -14476,43 +14612,194 @@
           </a:bodyPr>
           <a:lstStyle/>
           <a:p>
-            <a:r>
-              <a:rPr lang="en-US" sz="2000" dirty="0"/>
+            <a:endParaRPr lang="en-US" sz="2000"/>
+          </a:p>
+        </p:txBody>
+      </p:sp>
+    </p:spTree>
+    <p:extLst>
+      <p:ext uri="{BB962C8B-B14F-4D97-AF65-F5344CB8AC3E}">
+        <p14:creationId xmlns:p14="http://schemas.microsoft.com/office/powerpoint/2010/main" val="619984459"/>
+      </p:ext>
+    </p:extLst>
+  </p:cSld>
+  <p:clrMapOvr>
+    <a:masterClrMapping/>
+  </p:clrMapOvr>
+</p:sld>
+</file>
+
+<file path=ppt/slides/slide5.xml><?xml version="1.0" encoding="utf-8"?>
+<p:sld xmlns:a="http://schemas.openxmlformats.org/drawingml/2006/main" xmlns:r="http://schemas.openxmlformats.org/officeDocument/2006/relationships" xmlns:p="http://schemas.openxmlformats.org/presentationml/2006/main">
+  <p:cSld>
+    <p:bg>
+      <p:bgPr>
+        <a:solidFill>
+          <a:schemeClr val="bg1"/>
+        </a:solidFill>
+        <a:effectLst/>
+      </p:bgPr>
+    </p:bg>
+    <p:spTree>
+      <p:nvGrpSpPr>
+        <p:cNvPr id="1" name=""/>
+        <p:cNvGrpSpPr/>
+        <p:nvPr/>
+      </p:nvGrpSpPr>
+      <p:grpSpPr>
+        <a:xfrm>
+          <a:off x="0" y="0"/>
+          <a:ext cx="0" cy="0"/>
+          <a:chOff x="0" y="0"/>
+          <a:chExt cx="0" cy="0"/>
+        </a:xfrm>
+      </p:grpSpPr>
+      <p:sp>
+        <p:nvSpPr>
+          <p:cNvPr id="2" name="Title 1">
+            <a:extLst>
+              <a:ext uri="{FF2B5EF4-FFF2-40B4-BE49-F238E27FC236}">
+                <a16:creationId xmlns:a16="http://schemas.microsoft.com/office/drawing/2014/main" id="{98F2B9A6-FC27-ED41-CFC5-AC3B30A05559}"/>
+              </a:ext>
+            </a:extLst>
+          </p:cNvPr>
+          <p:cNvSpPr>
+            <a:spLocks noGrp="1"/>
+          </p:cNvSpPr>
+          <p:nvPr>
+            <p:ph type="title"/>
+          </p:nvPr>
+        </p:nvSpPr>
+        <p:spPr>
+          <a:xfrm>
+            <a:off x="481013" y="3752849"/>
+            <a:ext cx="3290887" cy="2452687"/>
+          </a:xfrm>
+        </p:spPr>
+        <p:txBody>
+          <a:bodyPr anchor="ctr">
+            <a:normAutofit/>
+          </a:bodyPr>
+          <a:lstStyle/>
+          <a:p>
+            <a:r>
+              <a:rPr lang="en-US" sz="3600"/>
+              <a:t>Visualizations</a:t>
+            </a:r>
+          </a:p>
+        </p:txBody>
+      </p:sp>
+      <p:pic>
+        <p:nvPicPr>
+          <p:cNvPr id="5" name="Picture 4">
+            <a:extLst>
+              <a:ext uri="{FF2B5EF4-FFF2-40B4-BE49-F238E27FC236}">
+                <a16:creationId xmlns:a16="http://schemas.microsoft.com/office/drawing/2014/main" id="{5015F31C-2513-C3E6-999B-BDDE7CED3B26}"/>
+              </a:ext>
+            </a:extLst>
+          </p:cNvPr>
+          <p:cNvPicPr>
+            <a:picLocks noChangeAspect="1"/>
+          </p:cNvPicPr>
+          <p:nvPr/>
+        </p:nvPicPr>
+        <p:blipFill rotWithShape="1">
+          <a:blip r:embed="rId2"/>
+          <a:srcRect t="22534" b="36887"/>
+          <a:stretch/>
+        </p:blipFill>
+        <p:spPr>
+          <a:xfrm>
+            <a:off x="20" y="10"/>
+            <a:ext cx="12191980" cy="3710603"/>
+          </a:xfrm>
+          <a:custGeom>
+            <a:avLst/>
+            <a:gdLst/>
+            <a:ahLst/>
+            <a:cxnLst/>
+            <a:rect l="l" t="t" r="r" b="b"/>
+            <a:pathLst>
+              <a:path w="12192000" h="3692092">
+                <a:moveTo>
+                  <a:pt x="0" y="0"/>
+                </a:moveTo>
+                <a:lnTo>
+                  <a:pt x="12192000" y="0"/>
+                </a:lnTo>
+                <a:lnTo>
+                  <a:pt x="12192000" y="3504824"/>
+                </a:lnTo>
+                <a:lnTo>
+                  <a:pt x="12024691" y="3517794"/>
+                </a:lnTo>
+                <a:cubicBezTo>
+                  <a:pt x="8077523" y="3783195"/>
+                  <a:pt x="4094678" y="3026959"/>
+                  <a:pt x="160485" y="3663863"/>
+                </a:cubicBezTo>
+                <a:lnTo>
+                  <a:pt x="0" y="3692092"/>
+                </a:lnTo>
+                <a:close/>
+              </a:path>
+            </a:pathLst>
+          </a:custGeom>
+        </p:spPr>
+      </p:pic>
+      <p:sp>
+        <p:nvSpPr>
+          <p:cNvPr id="3" name="Content Placeholder 2">
+            <a:extLst>
+              <a:ext uri="{FF2B5EF4-FFF2-40B4-BE49-F238E27FC236}">
+                <a16:creationId xmlns:a16="http://schemas.microsoft.com/office/drawing/2014/main" id="{8471C126-3912-7E26-36E4-6BB87694D5CF}"/>
+              </a:ext>
+            </a:extLst>
+          </p:cNvPr>
+          <p:cNvSpPr>
+            <a:spLocks noGrp="1"/>
+          </p:cNvSpPr>
+          <p:nvPr>
+            <p:ph idx="1"/>
+          </p:nvPr>
+        </p:nvSpPr>
+        <p:spPr>
+          <a:xfrm>
+            <a:off x="4223982" y="3752850"/>
+            <a:ext cx="7485413" cy="2452687"/>
+          </a:xfrm>
+        </p:spPr>
+        <p:txBody>
+          <a:bodyPr anchor="ctr">
+            <a:normAutofit/>
+          </a:bodyPr>
+          <a:lstStyle/>
+          <a:p>
+            <a:r>
+              <a:rPr lang="en-US" sz="1800" dirty="0"/>
               <a:t>What kinds of visuals can you think of?</a:t>
             </a:r>
           </a:p>
           <a:p>
             <a:r>
-              <a:rPr lang="en-US" sz="2000" dirty="0"/>
+              <a:rPr lang="en-US" sz="1800" dirty="0"/>
               <a:t>How do you know what visual to choose?</a:t>
             </a:r>
           </a:p>
           <a:p>
             <a:r>
-              <a:rPr lang="en-US" sz="2000" dirty="0"/>
+              <a:rPr lang="en-US" sz="1800" dirty="0"/>
               <a:t>What makes a visual good or bad?</a:t>
             </a:r>
           </a:p>
           <a:p>
             <a:r>
-              <a:rPr lang="en-US" sz="2000" dirty="0">
+              <a:rPr lang="en-US" sz="1800" dirty="0">
                 <a:hlinkClick r:id="rId3" action="ppaction://hlinkfile"/>
               </a:rPr>
               <a:t>Visual Vocab</a:t>
             </a:r>
-            <a:endParaRPr lang="en-US" sz="2000" dirty="0"/>
-          </a:p>
-          <a:p>
-            <a:pPr marL="0" indent="0">
-              <a:buNone/>
-            </a:pPr>
-            <a:endParaRPr lang="en-US" sz="2000" dirty="0"/>
-          </a:p>
-          <a:p>
-            <a:pPr marL="0" indent="0">
-              <a:buNone/>
-            </a:pPr>
-            <a:endParaRPr lang="en-US" sz="2000" dirty="0"/>
+            <a:endParaRPr lang="en-US" sz="1800" dirty="0"/>
           </a:p>
         </p:txBody>
       </p:sp>
@@ -14529,7 +14816,7 @@
 </p:sld>
 </file>
 
-<file path=ppt/slides/slide5.xml><?xml version="1.0" encoding="utf-8"?>
+<file path=ppt/slides/slide6.xml><?xml version="1.0" encoding="utf-8"?>
 <p:sld xmlns:a="http://schemas.openxmlformats.org/drawingml/2006/main" xmlns:r="http://schemas.openxmlformats.org/officeDocument/2006/relationships" xmlns:p="http://schemas.openxmlformats.org/presentationml/2006/main">
   <p:cSld>
     <p:bg>
@@ -15066,7 +15353,7 @@
 </p:sld>
 </file>
 
-<file path=ppt/slides/slide6.xml><?xml version="1.0" encoding="utf-8"?>
+<file path=ppt/slides/slide7.xml><?xml version="1.0" encoding="utf-8"?>
 <p:sld xmlns:a="http://schemas.openxmlformats.org/drawingml/2006/main" xmlns:r="http://schemas.openxmlformats.org/officeDocument/2006/relationships" xmlns:p="http://schemas.openxmlformats.org/presentationml/2006/main">
   <p:cSld>
     <p:spTree>
@@ -15248,7 +15535,7 @@
 </p:sld>
 </file>
 
-<file path=ppt/slides/slide7.xml><?xml version="1.0" encoding="utf-8"?>
+<file path=ppt/slides/slide8.xml><?xml version="1.0" encoding="utf-8"?>
 <p:sld xmlns:a="http://schemas.openxmlformats.org/drawingml/2006/main" xmlns:r="http://schemas.openxmlformats.org/officeDocument/2006/relationships" xmlns:p="http://schemas.openxmlformats.org/presentationml/2006/main">
   <p:cSld>
     <p:spTree>
@@ -15435,7 +15722,7 @@
 </p:sld>
 </file>
 
-<file path=ppt/slides/slide8.xml><?xml version="1.0" encoding="utf-8"?>
+<file path=ppt/slides/slide9.xml><?xml version="1.0" encoding="utf-8"?>
 <p:sld xmlns:a="http://schemas.openxmlformats.org/drawingml/2006/main" xmlns:r="http://schemas.openxmlformats.org/officeDocument/2006/relationships" xmlns:p="http://schemas.openxmlformats.org/presentationml/2006/main">
   <p:cSld>
     <p:bg>
@@ -15973,186 +16260,6 @@
     <p:extLst>
       <p:ext uri="{BB962C8B-B14F-4D97-AF65-F5344CB8AC3E}">
         <p14:creationId xmlns:p14="http://schemas.microsoft.com/office/powerpoint/2010/main" val="1626989320"/>
-      </p:ext>
-    </p:extLst>
-  </p:cSld>
-  <p:clrMapOvr>
-    <a:masterClrMapping/>
-  </p:clrMapOvr>
-</p:sld>
-</file>
-
-<file path=ppt/slides/slide9.xml><?xml version="1.0" encoding="utf-8"?>
-<p:sld xmlns:a="http://schemas.openxmlformats.org/drawingml/2006/main" xmlns:r="http://schemas.openxmlformats.org/officeDocument/2006/relationships" xmlns:p="http://schemas.openxmlformats.org/presentationml/2006/main">
-  <p:cSld>
-    <p:spTree>
-      <p:nvGrpSpPr>
-        <p:cNvPr id="1" name=""/>
-        <p:cNvGrpSpPr/>
-        <p:nvPr/>
-      </p:nvGrpSpPr>
-      <p:grpSpPr>
-        <a:xfrm>
-          <a:off x="0" y="0"/>
-          <a:ext cx="0" cy="0"/>
-          <a:chOff x="0" y="0"/>
-          <a:chExt cx="0" cy="0"/>
-        </a:xfrm>
-      </p:grpSpPr>
-      <p:sp>
-        <p:nvSpPr>
-          <p:cNvPr id="2" name="Title 1">
-            <a:extLst>
-              <a:ext uri="{FF2B5EF4-FFF2-40B4-BE49-F238E27FC236}">
-                <a16:creationId xmlns:a16="http://schemas.microsoft.com/office/drawing/2014/main" id="{00C1BD35-F7C0-58BE-B0BA-AA25D1763E54}"/>
-              </a:ext>
-            </a:extLst>
-          </p:cNvPr>
-          <p:cNvSpPr>
-            <a:spLocks noGrp="1"/>
-          </p:cNvSpPr>
-          <p:nvPr>
-            <p:ph type="title"/>
-          </p:nvPr>
-        </p:nvSpPr>
-        <p:spPr/>
-        <p:txBody>
-          <a:bodyPr/>
-          <a:lstStyle/>
-          <a:p>
-            <a:r>
-              <a:rPr lang="en-US" dirty="0"/>
-              <a:t>Bad Visuals in the Wild, pt I</a:t>
-            </a:r>
-          </a:p>
-        </p:txBody>
-      </p:sp>
-      <p:pic>
-        <p:nvPicPr>
-          <p:cNvPr id="1026" name="Picture 2" descr="Top 100 Twitter users - Bad charts">
-            <a:extLst>
-              <a:ext uri="{FF2B5EF4-FFF2-40B4-BE49-F238E27FC236}">
-                <a16:creationId xmlns:a16="http://schemas.microsoft.com/office/drawing/2014/main" id="{2E791FEC-0E5A-0D4F-D6D1-B00DD3B8B12D}"/>
-              </a:ext>
-            </a:extLst>
-          </p:cNvPr>
-          <p:cNvPicPr>
-            <a:picLocks noGrp="1" noChangeAspect="1" noChangeArrowheads="1"/>
-          </p:cNvPicPr>
-          <p:nvPr>
-            <p:ph idx="1"/>
-          </p:nvPr>
-        </p:nvPicPr>
-        <p:blipFill>
-          <a:blip r:embed="rId2">
-            <a:extLst>
-              <a:ext uri="{28A0092B-C50C-407E-A947-70E740481C1C}">
-                <a14:useLocalDpi xmlns:a14="http://schemas.microsoft.com/office/drawing/2010/main" val="0"/>
-              </a:ext>
-            </a:extLst>
-          </a:blip>
-          <a:srcRect/>
-          <a:stretch>
-            <a:fillRect/>
-          </a:stretch>
-        </p:blipFill>
-        <p:spPr bwMode="auto">
-          <a:xfrm>
-            <a:off x="838200" y="1370959"/>
-            <a:ext cx="5044440" cy="4409595"/>
-          </a:xfrm>
-          <a:prstGeom prst="rect">
-            <a:avLst/>
-          </a:prstGeom>
-          <a:noFill/>
-          <a:extLst>
-            <a:ext uri="{909E8E84-426E-40DD-AFC4-6F175D3DCCD1}">
-              <a14:hiddenFill xmlns:a14="http://schemas.microsoft.com/office/drawing/2010/main">
-                <a:solidFill>
-                  <a:srgbClr val="FFFFFF"/>
-                </a:solidFill>
-              </a14:hiddenFill>
-            </a:ext>
-          </a:extLst>
-        </p:spPr>
-      </p:pic>
-      <p:sp>
-        <p:nvSpPr>
-          <p:cNvPr id="4" name="Footer Placeholder 3">
-            <a:extLst>
-              <a:ext uri="{FF2B5EF4-FFF2-40B4-BE49-F238E27FC236}">
-                <a16:creationId xmlns:a16="http://schemas.microsoft.com/office/drawing/2014/main" id="{8BE25487-B258-4EDF-7DD2-A59A604CB343}"/>
-              </a:ext>
-            </a:extLst>
-          </p:cNvPr>
-          <p:cNvSpPr>
-            <a:spLocks noGrp="1"/>
-          </p:cNvSpPr>
-          <p:nvPr>
-            <p:ph type="ftr" sz="quarter" idx="11"/>
-          </p:nvPr>
-        </p:nvSpPr>
-        <p:spPr/>
-        <p:txBody>
-          <a:bodyPr/>
-          <a:lstStyle/>
-          <a:p>
-            <a:r>
-              <a:rPr lang="en-US" dirty="0">
-                <a:hlinkClick r:id="rId3"/>
-              </a:rPr>
-              <a:t>https://chandoo.org/wp/nightmarish-pie-charts/</a:t>
-            </a:r>
-            <a:endParaRPr lang="en-US" dirty="0"/>
-          </a:p>
-          <a:p>
-            <a:r>
-              <a:rPr lang="en-US" dirty="0">
-                <a:hlinkClick r:id="rId4"/>
-              </a:rPr>
-              <a:t>https://rigorousthemes.com/blog/bad-data-visualization-examples/</a:t>
-            </a:r>
-            <a:endParaRPr lang="en-US" dirty="0"/>
-          </a:p>
-          <a:p>
-            <a:endParaRPr lang="en-US" dirty="0"/>
-          </a:p>
-        </p:txBody>
-      </p:sp>
-      <p:pic>
-        <p:nvPicPr>
-          <p:cNvPr id="7" name="Picture 6">
-            <a:extLst>
-              <a:ext uri="{FF2B5EF4-FFF2-40B4-BE49-F238E27FC236}">
-                <a16:creationId xmlns:a16="http://schemas.microsoft.com/office/drawing/2014/main" id="{4D708A0C-F2A7-FA4C-3E15-019A3F1FB3E6}"/>
-              </a:ext>
-            </a:extLst>
-          </p:cNvPr>
-          <p:cNvPicPr>
-            <a:picLocks noChangeAspect="1"/>
-          </p:cNvPicPr>
-          <p:nvPr/>
-        </p:nvPicPr>
-        <p:blipFill>
-          <a:blip r:embed="rId5"/>
-          <a:stretch>
-            <a:fillRect/>
-          </a:stretch>
-        </p:blipFill>
-        <p:spPr>
-          <a:xfrm>
-            <a:off x="5997786" y="1596302"/>
-            <a:ext cx="5706533" cy="3958907"/>
-          </a:xfrm>
-          <a:prstGeom prst="rect">
-            <a:avLst/>
-          </a:prstGeom>
-        </p:spPr>
-      </p:pic>
-    </p:spTree>
-    <p:extLst>
-      <p:ext uri="{BB962C8B-B14F-4D97-AF65-F5344CB8AC3E}">
-        <p14:creationId xmlns:p14="http://schemas.microsoft.com/office/powerpoint/2010/main" val="3839320200"/>
       </p:ext>
     </p:extLst>
   </p:cSld>

--- a/DVUP.pptx
+++ b/DVUP.pptx
@@ -5,7 +5,7 @@
     <p:sldMasterId id="2147483648" r:id="rId1"/>
   </p:sldMasterIdLst>
   <p:notesMasterIdLst>
-    <p:notesMasterId r:id="rId20"/>
+    <p:notesMasterId r:id="rId35"/>
   </p:notesMasterIdLst>
   <p:sldIdLst>
     <p:sldId id="256" r:id="rId2"/>
@@ -19,13 +19,28 @@
     <p:sldId id="260" r:id="rId10"/>
     <p:sldId id="261" r:id="rId11"/>
     <p:sldId id="262" r:id="rId12"/>
-    <p:sldId id="273" r:id="rId13"/>
-    <p:sldId id="270" r:id="rId14"/>
-    <p:sldId id="278" r:id="rId15"/>
-    <p:sldId id="274" r:id="rId16"/>
-    <p:sldId id="275" r:id="rId17"/>
-    <p:sldId id="276" r:id="rId18"/>
-    <p:sldId id="277" r:id="rId19"/>
+    <p:sldId id="281" r:id="rId13"/>
+    <p:sldId id="273" r:id="rId14"/>
+    <p:sldId id="282" r:id="rId15"/>
+    <p:sldId id="270" r:id="rId16"/>
+    <p:sldId id="284" r:id="rId17"/>
+    <p:sldId id="278" r:id="rId18"/>
+    <p:sldId id="274" r:id="rId19"/>
+    <p:sldId id="294" r:id="rId20"/>
+    <p:sldId id="287" r:id="rId21"/>
+    <p:sldId id="275" r:id="rId22"/>
+    <p:sldId id="277" r:id="rId23"/>
+    <p:sldId id="291" r:id="rId24"/>
+    <p:sldId id="276" r:id="rId25"/>
+    <p:sldId id="293" r:id="rId26"/>
+    <p:sldId id="288" r:id="rId27"/>
+    <p:sldId id="283" r:id="rId28"/>
+    <p:sldId id="289" r:id="rId29"/>
+    <p:sldId id="285" r:id="rId30"/>
+    <p:sldId id="290" r:id="rId31"/>
+    <p:sldId id="286" r:id="rId32"/>
+    <p:sldId id="295" r:id="rId33"/>
+    <p:sldId id="292" r:id="rId34"/>
   </p:sldIdLst>
   <p:sldSz cx="12192000" cy="6858000"/>
   <p:notesSz cx="6858000" cy="9144000"/>
@@ -5775,7 +5790,7 @@
           <a:p>
             <a:fld id="{BE346C69-C552-486E-97F5-C89421E9FDC7}" type="datetimeFigureOut">
               <a:rPr lang="en-US" smtClean="0"/>
-              <a:t>7/1/2023</a:t>
+              <a:t>7/4/2023</a:t>
             </a:fld>
             <a:endParaRPr lang="en-US"/>
           </a:p>
@@ -6110,7 +6125,94 @@
           <a:p>
             <a:fld id="{E2A54669-0D51-4C42-B375-DC5BE00670A4}" type="slidenum">
               <a:rPr lang="en-US" smtClean="0"/>
-              <a:t>13</a:t>
+              <a:t>12</a:t>
+            </a:fld>
+            <a:endParaRPr lang="en-US"/>
+          </a:p>
+        </p:txBody>
+      </p:sp>
+    </p:spTree>
+    <p:extLst>
+      <p:ext uri="{BB962C8B-B14F-4D97-AF65-F5344CB8AC3E}">
+        <p14:creationId xmlns:p14="http://schemas.microsoft.com/office/powerpoint/2010/main" val="544709204"/>
+      </p:ext>
+    </p:extLst>
+  </p:cSld>
+  <p:clrMapOvr>
+    <a:masterClrMapping/>
+  </p:clrMapOvr>
+</p:notes>
+</file>
+
+<file path=ppt/notesSlides/notesSlide2.xml><?xml version="1.0" encoding="utf-8"?>
+<p:notes xmlns:a="http://schemas.openxmlformats.org/drawingml/2006/main" xmlns:r="http://schemas.openxmlformats.org/officeDocument/2006/relationships" xmlns:p="http://schemas.openxmlformats.org/presentationml/2006/main">
+  <p:cSld>
+    <p:spTree>
+      <p:nvGrpSpPr>
+        <p:cNvPr id="1" name=""/>
+        <p:cNvGrpSpPr/>
+        <p:nvPr/>
+      </p:nvGrpSpPr>
+      <p:grpSpPr>
+        <a:xfrm>
+          <a:off x="0" y="0"/>
+          <a:ext cx="0" cy="0"/>
+          <a:chOff x="0" y="0"/>
+          <a:chExt cx="0" cy="0"/>
+        </a:xfrm>
+      </p:grpSpPr>
+      <p:sp>
+        <p:nvSpPr>
+          <p:cNvPr id="2" name="Slide Image Placeholder 1"/>
+          <p:cNvSpPr>
+            <a:spLocks noGrp="1" noRot="1" noChangeAspect="1"/>
+          </p:cNvSpPr>
+          <p:nvPr>
+            <p:ph type="sldImg"/>
+          </p:nvPr>
+        </p:nvSpPr>
+        <p:spPr/>
+      </p:sp>
+      <p:sp>
+        <p:nvSpPr>
+          <p:cNvPr id="3" name="Notes Placeholder 2"/>
+          <p:cNvSpPr>
+            <a:spLocks noGrp="1"/>
+          </p:cNvSpPr>
+          <p:nvPr>
+            <p:ph type="body" idx="1"/>
+          </p:nvPr>
+        </p:nvSpPr>
+        <p:spPr/>
+        <p:txBody>
+          <a:bodyPr/>
+          <a:lstStyle/>
+          <a:p>
+            <a:r>
+              <a:rPr lang="en-US" dirty="0"/>
+              <a:t>Data: sample_1_YesNo</a:t>
+            </a:r>
+          </a:p>
+        </p:txBody>
+      </p:sp>
+      <p:sp>
+        <p:nvSpPr>
+          <p:cNvPr id="4" name="Slide Number Placeholder 3"/>
+          <p:cNvSpPr>
+            <a:spLocks noGrp="1"/>
+          </p:cNvSpPr>
+          <p:nvPr>
+            <p:ph type="sldNum" sz="quarter" idx="5"/>
+          </p:nvPr>
+        </p:nvSpPr>
+        <p:spPr/>
+        <p:txBody>
+          <a:bodyPr/>
+          <a:lstStyle/>
+          <a:p>
+            <a:fld id="{E2A54669-0D51-4C42-B375-DC5BE00670A4}" type="slidenum">
+              <a:rPr lang="en-US" smtClean="0"/>
+              <a:t>15</a:t>
             </a:fld>
             <a:endParaRPr lang="en-US"/>
           </a:p>
@@ -6276,7 +6378,7 @@
           <a:p>
             <a:fld id="{3FF1292D-9B44-4C04-8564-57DE07DA270C}" type="datetimeFigureOut">
               <a:rPr lang="en-US" smtClean="0"/>
-              <a:t>7/1/2023</a:t>
+              <a:t>7/4/2023</a:t>
             </a:fld>
             <a:endParaRPr lang="en-US"/>
           </a:p>
@@ -6474,7 +6576,7 @@
           <a:p>
             <a:fld id="{3FF1292D-9B44-4C04-8564-57DE07DA270C}" type="datetimeFigureOut">
               <a:rPr lang="en-US" smtClean="0"/>
-              <a:t>7/1/2023</a:t>
+              <a:t>7/4/2023</a:t>
             </a:fld>
             <a:endParaRPr lang="en-US"/>
           </a:p>
@@ -6682,7 +6784,7 @@
           <a:p>
             <a:fld id="{3FF1292D-9B44-4C04-8564-57DE07DA270C}" type="datetimeFigureOut">
               <a:rPr lang="en-US" smtClean="0"/>
-              <a:t>7/1/2023</a:t>
+              <a:t>7/4/2023</a:t>
             </a:fld>
             <a:endParaRPr lang="en-US"/>
           </a:p>
@@ -6880,7 +6982,7 @@
           <a:p>
             <a:fld id="{3FF1292D-9B44-4C04-8564-57DE07DA270C}" type="datetimeFigureOut">
               <a:rPr lang="en-US" smtClean="0"/>
-              <a:t>7/1/2023</a:t>
+              <a:t>7/4/2023</a:t>
             </a:fld>
             <a:endParaRPr lang="en-US"/>
           </a:p>
@@ -7155,7 +7257,7 @@
           <a:p>
             <a:fld id="{3FF1292D-9B44-4C04-8564-57DE07DA270C}" type="datetimeFigureOut">
               <a:rPr lang="en-US" smtClean="0"/>
-              <a:t>7/1/2023</a:t>
+              <a:t>7/4/2023</a:t>
             </a:fld>
             <a:endParaRPr lang="en-US"/>
           </a:p>
@@ -7420,7 +7522,7 @@
           <a:p>
             <a:fld id="{3FF1292D-9B44-4C04-8564-57DE07DA270C}" type="datetimeFigureOut">
               <a:rPr lang="en-US" smtClean="0"/>
-              <a:t>7/1/2023</a:t>
+              <a:t>7/4/2023</a:t>
             </a:fld>
             <a:endParaRPr lang="en-US"/>
           </a:p>
@@ -7832,7 +7934,7 @@
           <a:p>
             <a:fld id="{3FF1292D-9B44-4C04-8564-57DE07DA270C}" type="datetimeFigureOut">
               <a:rPr lang="en-US" smtClean="0"/>
-              <a:t>7/1/2023</a:t>
+              <a:t>7/4/2023</a:t>
             </a:fld>
             <a:endParaRPr lang="en-US"/>
           </a:p>
@@ -7973,7 +8075,7 @@
           <a:p>
             <a:fld id="{3FF1292D-9B44-4C04-8564-57DE07DA270C}" type="datetimeFigureOut">
               <a:rPr lang="en-US" smtClean="0"/>
-              <a:t>7/1/2023</a:t>
+              <a:t>7/4/2023</a:t>
             </a:fld>
             <a:endParaRPr lang="en-US"/>
           </a:p>
@@ -8086,7 +8188,7 @@
           <a:p>
             <a:fld id="{3FF1292D-9B44-4C04-8564-57DE07DA270C}" type="datetimeFigureOut">
               <a:rPr lang="en-US" smtClean="0"/>
-              <a:t>7/1/2023</a:t>
+              <a:t>7/4/2023</a:t>
             </a:fld>
             <a:endParaRPr lang="en-US"/>
           </a:p>
@@ -8397,7 +8499,7 @@
           <a:p>
             <a:fld id="{3FF1292D-9B44-4C04-8564-57DE07DA270C}" type="datetimeFigureOut">
               <a:rPr lang="en-US" smtClean="0"/>
-              <a:t>7/1/2023</a:t>
+              <a:t>7/4/2023</a:t>
             </a:fld>
             <a:endParaRPr lang="en-US"/>
           </a:p>
@@ -8685,7 +8787,7 @@
           <a:p>
             <a:fld id="{3FF1292D-9B44-4C04-8564-57DE07DA270C}" type="datetimeFigureOut">
               <a:rPr lang="en-US" smtClean="0"/>
-              <a:t>7/1/2023</a:t>
+              <a:t>7/4/2023</a:t>
             </a:fld>
             <a:endParaRPr lang="en-US"/>
           </a:p>
@@ -8926,7 +9028,7 @@
           <a:p>
             <a:fld id="{3FF1292D-9B44-4C04-8564-57DE07DA270C}" type="datetimeFigureOut">
               <a:rPr lang="en-US" smtClean="0"/>
-              <a:t>7/1/2023</a:t>
+              <a:t>7/4/2023</a:t>
             </a:fld>
             <a:endParaRPr lang="en-US"/>
           </a:p>
@@ -10157,6 +10259,416 @@
           <p:cNvPr id="8" name="Rectangle 7">
             <a:extLst>
               <a:ext uri="{FF2B5EF4-FFF2-40B4-BE49-F238E27FC236}">
+                <a16:creationId xmlns:a16="http://schemas.microsoft.com/office/drawing/2014/main" id="{3AD318CC-E2A8-4E27-9548-A047A78999B1}"/>
+              </a:ext>
+              <a:ext uri="{C183D7F6-B498-43B3-948B-1728B52AA6E4}">
+                <adec:decorative xmlns:adec="http://schemas.microsoft.com/office/drawing/2017/decorative" val="1"/>
+              </a:ext>
+            </a:extLst>
+          </p:cNvPr>
+          <p:cNvSpPr>
+            <a:spLocks noGrp="1" noRot="1" noChangeAspect="1" noMove="1" noResize="1" noEditPoints="1" noAdjustHandles="1" noChangeArrowheads="1" noChangeShapeType="1" noTextEdit="1"/>
+          </p:cNvSpPr>
+          <p:nvPr>
+            <p:extLst>
+              <p:ext uri="{386F3935-93C4-4BCD-93E2-E3B085C9AB24}">
+                <p16:designElem xmlns:p16="http://schemas.microsoft.com/office/powerpoint/2015/main" val="1"/>
+              </p:ext>
+            </p:extLst>
+          </p:nvPr>
+        </p:nvSpPr>
+        <p:spPr>
+          <a:xfrm>
+            <a:off x="0" y="0"/>
+            <a:ext cx="12191999" cy="6857365"/>
+          </a:xfrm>
+          <a:prstGeom prst="rect">
+            <a:avLst/>
+          </a:prstGeom>
+          <a:ln>
+            <a:noFill/>
+          </a:ln>
+        </p:spPr>
+        <p:style>
+          <a:lnRef idx="2">
+            <a:schemeClr val="accent1">
+              <a:shade val="50000"/>
+            </a:schemeClr>
+          </a:lnRef>
+          <a:fillRef idx="1">
+            <a:schemeClr val="accent1"/>
+          </a:fillRef>
+          <a:effectRef idx="0">
+            <a:schemeClr val="accent1"/>
+          </a:effectRef>
+          <a:fontRef idx="minor">
+            <a:schemeClr val="lt1"/>
+          </a:fontRef>
+        </p:style>
+        <p:txBody>
+          <a:bodyPr rtlCol="0" anchor="ctr"/>
+          <a:lstStyle/>
+          <a:p>
+            <a:pPr algn="ctr"/>
+            <a:endParaRPr lang="en-US"/>
+          </a:p>
+        </p:txBody>
+      </p:sp>
+      <p:sp>
+        <p:nvSpPr>
+          <p:cNvPr id="2" name="Title 1">
+            <a:extLst>
+              <a:ext uri="{FF2B5EF4-FFF2-40B4-BE49-F238E27FC236}">
+                <a16:creationId xmlns:a16="http://schemas.microsoft.com/office/drawing/2014/main" id="{CB5A647D-5A81-F8C5-A579-12B3948E157C}"/>
+              </a:ext>
+            </a:extLst>
+          </p:cNvPr>
+          <p:cNvSpPr>
+            <a:spLocks noGrp="1"/>
+          </p:cNvSpPr>
+          <p:nvPr>
+            <p:ph type="title"/>
+          </p:nvPr>
+        </p:nvSpPr>
+        <p:spPr>
+          <a:xfrm>
+            <a:off x="645065" y="1463040"/>
+            <a:ext cx="3796306" cy="2690949"/>
+          </a:xfrm>
+        </p:spPr>
+        <p:txBody>
+          <a:bodyPr anchor="t">
+            <a:normAutofit/>
+          </a:bodyPr>
+          <a:lstStyle/>
+          <a:p>
+            <a:r>
+              <a:rPr lang="en-US" sz="4800" dirty="0"/>
+              <a:t>Python Libraries</a:t>
+            </a:r>
+          </a:p>
+        </p:txBody>
+      </p:sp>
+      <p:grpSp>
+        <p:nvGrpSpPr>
+          <p:cNvPr id="10" name="Group 9">
+            <a:extLst>
+              <a:ext uri="{FF2B5EF4-FFF2-40B4-BE49-F238E27FC236}">
+                <a16:creationId xmlns:a16="http://schemas.microsoft.com/office/drawing/2014/main" id="{B14B560F-9DD7-4302-A60B-EBD3EF59B073}"/>
+              </a:ext>
+              <a:ext uri="{C183D7F6-B498-43B3-948B-1728B52AA6E4}">
+                <adec:decorative xmlns:adec="http://schemas.microsoft.com/office/drawing/2017/decorative" val="1"/>
+              </a:ext>
+            </a:extLst>
+          </p:cNvPr>
+          <p:cNvGrpSpPr>
+            <a:grpSpLocks noGrp="1" noUngrp="1" noRot="1" noChangeAspect="1" noMove="1" noResize="1"/>
+          </p:cNvGrpSpPr>
+          <p:nvPr>
+            <p:extLst>
+              <p:ext uri="{386F3935-93C4-4BCD-93E2-E3B085C9AB24}">
+                <p16:designElem xmlns:p16="http://schemas.microsoft.com/office/powerpoint/2015/main" val="1"/>
+              </p:ext>
+            </p:extLst>
+          </p:nvPr>
+        </p:nvGrpSpPr>
+        <p:grpSpPr>
+          <a:xfrm>
+            <a:off x="209667" y="4415246"/>
+            <a:ext cx="11982332" cy="2087795"/>
+            <a:chOff x="143163" y="5763486"/>
+            <a:chExt cx="11982332" cy="739555"/>
+          </a:xfrm>
+        </p:grpSpPr>
+        <p:sp>
+          <p:nvSpPr>
+            <p:cNvPr id="11" name="Rectangle 10">
+              <a:extLst>
+                <a:ext uri="{FF2B5EF4-FFF2-40B4-BE49-F238E27FC236}">
+                  <a16:creationId xmlns:a16="http://schemas.microsoft.com/office/drawing/2014/main" id="{3A9A4357-BD1D-4622-A4FE-766E6AB8DE84}"/>
+                </a:ext>
+                <a:ext uri="{C183D7F6-B498-43B3-948B-1728B52AA6E4}">
+                  <adec:decorative xmlns:adec="http://schemas.microsoft.com/office/drawing/2017/decorative" val="1"/>
+                </a:ext>
+              </a:extLst>
+            </p:cNvPr>
+            <p:cNvSpPr/>
+            <p:nvPr>
+              <p:extLst>
+                <p:ext uri="{386F3935-93C4-4BCD-93E2-E3B085C9AB24}">
+                  <p16:designElem xmlns:p16="http://schemas.microsoft.com/office/powerpoint/2015/main" val="1"/>
+                </p:ext>
+              </p:extLst>
+            </p:nvPr>
+          </p:nvSpPr>
+          <p:spPr>
+            <a:xfrm flipH="1" flipV="1">
+              <a:off x="357444" y="5763486"/>
+              <a:ext cx="11768051" cy="739555"/>
+            </a:xfrm>
+            <a:prstGeom prst="rect">
+              <a:avLst/>
+            </a:prstGeom>
+            <a:solidFill>
+              <a:schemeClr val="accent4"/>
+            </a:solidFill>
+            <a:ln>
+              <a:noFill/>
+            </a:ln>
+          </p:spPr>
+          <p:style>
+            <a:lnRef idx="2">
+              <a:schemeClr val="accent1">
+                <a:shade val="50000"/>
+              </a:schemeClr>
+            </a:lnRef>
+            <a:fillRef idx="1">
+              <a:schemeClr val="accent1"/>
+            </a:fillRef>
+            <a:effectRef idx="0">
+              <a:schemeClr val="accent1"/>
+            </a:effectRef>
+            <a:fontRef idx="minor">
+              <a:schemeClr val="lt1"/>
+            </a:fontRef>
+          </p:style>
+          <p:txBody>
+            <a:bodyPr rtlCol="0" anchor="ctr"/>
+            <a:lstStyle/>
+            <a:p>
+              <a:pPr algn="ctr"/>
+              <a:endParaRPr lang="en-US"/>
+            </a:p>
+          </p:txBody>
+        </p:sp>
+        <p:cxnSp>
+          <p:nvCxnSpPr>
+            <p:cNvPr id="12" name="Straight Connector 11">
+              <a:extLst>
+                <a:ext uri="{FF2B5EF4-FFF2-40B4-BE49-F238E27FC236}">
+                  <a16:creationId xmlns:a16="http://schemas.microsoft.com/office/drawing/2014/main" id="{C21D6966-343E-49AC-A026-D2497E0C3CA1}"/>
+                </a:ext>
+                <a:ext uri="{C183D7F6-B498-43B3-948B-1728B52AA6E4}">
+                  <adec:decorative xmlns:adec="http://schemas.microsoft.com/office/drawing/2017/decorative" val="1"/>
+                </a:ext>
+              </a:extLst>
+            </p:cNvPr>
+            <p:cNvCxnSpPr>
+              <a:cxnSpLocks/>
+            </p:cNvCxnSpPr>
+            <p:nvPr>
+              <p:extLst>
+                <p:ext uri="{386F3935-93C4-4BCD-93E2-E3B085C9AB24}">
+                  <p16:designElem xmlns:p16="http://schemas.microsoft.com/office/powerpoint/2015/main" val="1"/>
+                </p:ext>
+              </p:extLst>
+            </p:nvPr>
+          </p:nvCxnSpPr>
+          <p:spPr>
+            <a:xfrm flipH="1">
+              <a:off x="143163" y="5763486"/>
+              <a:ext cx="1" cy="739555"/>
+            </a:xfrm>
+            <a:prstGeom prst="line">
+              <a:avLst/>
+            </a:prstGeom>
+            <a:ln w="177800">
+              <a:solidFill>
+                <a:schemeClr val="accent4"/>
+              </a:solidFill>
+            </a:ln>
+          </p:spPr>
+          <p:style>
+            <a:lnRef idx="1">
+              <a:schemeClr val="accent1"/>
+            </a:lnRef>
+            <a:fillRef idx="0">
+              <a:schemeClr val="accent1"/>
+            </a:fillRef>
+            <a:effectRef idx="0">
+              <a:schemeClr val="accent1"/>
+            </a:effectRef>
+            <a:fontRef idx="minor">
+              <a:schemeClr val="tx1"/>
+            </a:fontRef>
+          </p:style>
+        </p:cxnSp>
+      </p:grpSp>
+      <p:sp>
+        <p:nvSpPr>
+          <p:cNvPr id="14" name="Rectangle 13">
+            <a:extLst>
+              <a:ext uri="{FF2B5EF4-FFF2-40B4-BE49-F238E27FC236}">
+                <a16:creationId xmlns:a16="http://schemas.microsoft.com/office/drawing/2014/main" id="{2C1BBA94-3F40-40AA-8BB9-E69E25E537C1}"/>
+              </a:ext>
+              <a:ext uri="{C183D7F6-B498-43B3-948B-1728B52AA6E4}">
+                <adec:decorative xmlns:adec="http://schemas.microsoft.com/office/drawing/2017/decorative" val="1"/>
+              </a:ext>
+            </a:extLst>
+          </p:cNvPr>
+          <p:cNvSpPr>
+            <a:spLocks noGrp="1" noRot="1" noChangeAspect="1" noMove="1" noResize="1" noEditPoints="1" noAdjustHandles="1" noChangeArrowheads="1" noChangeShapeType="1" noTextEdit="1"/>
+          </p:cNvSpPr>
+          <p:nvPr>
+            <p:extLst>
+              <p:ext uri="{386F3935-93C4-4BCD-93E2-E3B085C9AB24}">
+                <p16:designElem xmlns:p16="http://schemas.microsoft.com/office/powerpoint/2015/main" val="1"/>
+              </p:ext>
+            </p:extLst>
+          </p:nvPr>
+        </p:nvSpPr>
+        <p:spPr>
+          <a:xfrm>
+            <a:off x="5133706" y="587829"/>
+            <a:ext cx="6505300" cy="5682342"/>
+          </a:xfrm>
+          <a:prstGeom prst="rect">
+            <a:avLst/>
+          </a:prstGeom>
+          <a:solidFill>
+            <a:schemeClr val="bg1"/>
+          </a:solidFill>
+          <a:ln>
+            <a:noFill/>
+          </a:ln>
+          <a:effectLst>
+            <a:outerShdw blurRad="139700" dist="127000" dir="5400000" algn="t" rotWithShape="0">
+              <a:prstClr val="black">
+                <a:alpha val="15000"/>
+              </a:prstClr>
+            </a:outerShdw>
+          </a:effectLst>
+        </p:spPr>
+        <p:style>
+          <a:lnRef idx="2">
+            <a:schemeClr val="accent1">
+              <a:shade val="50000"/>
+            </a:schemeClr>
+          </a:lnRef>
+          <a:fillRef idx="1">
+            <a:schemeClr val="accent1"/>
+          </a:fillRef>
+          <a:effectRef idx="0">
+            <a:schemeClr val="accent1"/>
+          </a:effectRef>
+          <a:fontRef idx="minor">
+            <a:schemeClr val="lt1"/>
+          </a:fontRef>
+        </p:style>
+        <p:txBody>
+          <a:bodyPr rtlCol="0" anchor="ctr"/>
+          <a:lstStyle/>
+          <a:p>
+            <a:pPr algn="ctr"/>
+            <a:endParaRPr lang="en-US"/>
+          </a:p>
+        </p:txBody>
+      </p:sp>
+      <p:sp>
+        <p:nvSpPr>
+          <p:cNvPr id="3" name="Content Placeholder 2">
+            <a:extLst>
+              <a:ext uri="{FF2B5EF4-FFF2-40B4-BE49-F238E27FC236}">
+                <a16:creationId xmlns:a16="http://schemas.microsoft.com/office/drawing/2014/main" id="{870E2202-3624-6768-5709-FF72CFB1021F}"/>
+              </a:ext>
+            </a:extLst>
+          </p:cNvPr>
+          <p:cNvSpPr>
+            <a:spLocks noGrp="1"/>
+          </p:cNvSpPr>
+          <p:nvPr>
+            <p:ph idx="1"/>
+          </p:nvPr>
+        </p:nvSpPr>
+        <p:spPr>
+          <a:xfrm>
+            <a:off x="5656218" y="1463039"/>
+            <a:ext cx="5542387" cy="4300447"/>
+          </a:xfrm>
+        </p:spPr>
+        <p:txBody>
+          <a:bodyPr anchor="t">
+            <a:normAutofit/>
+          </a:bodyPr>
+          <a:lstStyle/>
+          <a:p>
+            <a:r>
+              <a:rPr lang="en-US" sz="2200" dirty="0"/>
+              <a:t>What is a library?</a:t>
+            </a:r>
+          </a:p>
+          <a:p>
+            <a:pPr lvl="1"/>
+            <a:r>
+              <a:rPr lang="en-US" sz="2000" dirty="0"/>
+              <a:t>A collection of books, journals, and other resources are stored for use</a:t>
+            </a:r>
+          </a:p>
+          <a:p>
+            <a:r>
+              <a:rPr lang="en-US" sz="2200" dirty="0"/>
+              <a:t>What is a Python library?</a:t>
+            </a:r>
+          </a:p>
+          <a:p>
+            <a:pPr lvl="1"/>
+            <a:r>
+              <a:rPr lang="en-US" sz="2000" dirty="0"/>
+              <a:t>A collection of code – think of each Python library like a book you would check out at your local library</a:t>
+            </a:r>
+          </a:p>
+          <a:p>
+            <a:pPr lvl="1"/>
+            <a:r>
+              <a:rPr lang="en-US" sz="2000" dirty="0"/>
+              <a:t>Allows us to code more efficiently in Python by not having to reinvent code blocks</a:t>
+            </a:r>
+          </a:p>
+        </p:txBody>
+      </p:sp>
+    </p:spTree>
+    <p:extLst>
+      <p:ext uri="{BB962C8B-B14F-4D97-AF65-F5344CB8AC3E}">
+        <p14:creationId xmlns:p14="http://schemas.microsoft.com/office/powerpoint/2010/main" val="2791631708"/>
+      </p:ext>
+    </p:extLst>
+  </p:cSld>
+  <p:clrMapOvr>
+    <a:masterClrMapping/>
+  </p:clrMapOvr>
+</p:sld>
+</file>
+
+<file path=ppt/slides/slide13.xml><?xml version="1.0" encoding="utf-8"?>
+<p:sld xmlns:a="http://schemas.openxmlformats.org/drawingml/2006/main" xmlns:r="http://schemas.openxmlformats.org/officeDocument/2006/relationships" xmlns:p="http://schemas.openxmlformats.org/presentationml/2006/main">
+  <p:cSld>
+    <p:bg>
+      <p:bgPr>
+        <a:solidFill>
+          <a:schemeClr val="bg1"/>
+        </a:solidFill>
+        <a:effectLst/>
+      </p:bgPr>
+    </p:bg>
+    <p:spTree>
+      <p:nvGrpSpPr>
+        <p:cNvPr id="1" name=""/>
+        <p:cNvGrpSpPr/>
+        <p:nvPr/>
+      </p:nvGrpSpPr>
+      <p:grpSpPr>
+        <a:xfrm>
+          <a:off x="0" y="0"/>
+          <a:ext cx="0" cy="0"/>
+          <a:chOff x="0" y="0"/>
+          <a:chExt cx="0" cy="0"/>
+        </a:xfrm>
+      </p:grpSpPr>
+      <p:sp useBgFill="1">
+        <p:nvSpPr>
+          <p:cNvPr id="8" name="Rectangle 7">
+            <a:extLst>
+              <a:ext uri="{FF2B5EF4-FFF2-40B4-BE49-F238E27FC236}">
                 <a16:creationId xmlns:a16="http://schemas.microsoft.com/office/drawing/2014/main" id="{B6CDA21F-E7AF-4C75-8395-33F58D5B0E45}"/>
               </a:ext>
               <a:ext uri="{C183D7F6-B498-43B3-948B-1728B52AA6E4}">
@@ -10524,7 +11036,7 @@
           <a:p>
             <a:r>
               <a:rPr lang="en-US" sz="4800" dirty="0"/>
-              <a:t>How to use Python to Make Visuals?</a:t>
+              <a:t>What Kinds of Libraries are There?</a:t>
             </a:r>
           </a:p>
         </p:txBody>
@@ -10553,13 +11065,16 @@
         </p:spPr>
         <p:txBody>
           <a:bodyPr anchor="ctr">
-            <a:normAutofit fontScale="85000" lnSpcReduction="20000"/>
+            <a:normAutofit/>
           </a:bodyPr>
           <a:lstStyle/>
           <a:p>
+            <a:pPr marL="0" indent="0">
+              <a:buNone/>
+            </a:pPr>
             <a:r>
               <a:rPr lang="en-US" sz="2400" dirty="0"/>
-              <a:t>Python has a number of libraries that specialize in different tasks:</a:t>
+              <a:t>Just as books in a library tend to focus on a specific subject or worlds (e.g. books about reptiles or the Harry Potter series), Python libraries tend to specialize in different kinds of tasks:</a:t>
             </a:r>
           </a:p>
           <a:p>
@@ -10641,76 +11156,6 @@
             <a:r>
               <a:rPr lang="en-US" sz="2000" dirty="0" err="1"/>
               <a:t>PyTorch</a:t>
-            </a:r>
-            <a:endParaRPr lang="en-US" sz="2000" dirty="0"/>
-          </a:p>
-          <a:p>
-            <a:r>
-              <a:rPr lang="en-US" sz="2400" dirty="0"/>
-              <a:t>Libraries we’ll use today:</a:t>
-            </a:r>
-          </a:p>
-          <a:p>
-            <a:pPr lvl="1"/>
-            <a:r>
-              <a:rPr lang="en-US" sz="2000" dirty="0">
-                <a:hlinkClick r:id="rId2"/>
-              </a:rPr>
-              <a:t>Pandas</a:t>
-            </a:r>
-            <a:endParaRPr lang="en-US" sz="2000" dirty="0"/>
-          </a:p>
-          <a:p>
-            <a:pPr lvl="1"/>
-            <a:r>
-              <a:rPr lang="en-US" sz="2000" dirty="0">
-                <a:hlinkClick r:id="rId3"/>
-              </a:rPr>
-              <a:t>Matplotlib</a:t>
-            </a:r>
-            <a:endParaRPr lang="en-US" sz="2000" dirty="0"/>
-          </a:p>
-          <a:p>
-            <a:pPr lvl="1"/>
-            <a:r>
-              <a:rPr lang="en-US" sz="2000" dirty="0">
-                <a:hlinkClick r:id="rId4"/>
-              </a:rPr>
-              <a:t>Seaborn</a:t>
-            </a:r>
-            <a:endParaRPr lang="en-US" sz="2000" dirty="0"/>
-          </a:p>
-          <a:p>
-            <a:pPr lvl="1"/>
-            <a:r>
-              <a:rPr lang="en-US" sz="2000" dirty="0" err="1">
-                <a:hlinkClick r:id="rId5"/>
-              </a:rPr>
-              <a:t>Numpy</a:t>
-            </a:r>
-            <a:endParaRPr lang="en-US" sz="2000" dirty="0"/>
-          </a:p>
-          <a:p>
-            <a:pPr lvl="1"/>
-            <a:r>
-              <a:rPr lang="en-US" sz="2000" dirty="0" err="1"/>
-              <a:t>Squarify</a:t>
-            </a:r>
-            <a:endParaRPr lang="en-US" sz="2000" dirty="0"/>
-          </a:p>
-          <a:p>
-            <a:pPr lvl="1"/>
-            <a:r>
-              <a:rPr lang="en-US" sz="2000" dirty="0" err="1"/>
-              <a:t>Openpyxl</a:t>
-            </a:r>
-            <a:r>
-              <a:rPr lang="en-US" sz="2000" dirty="0"/>
-              <a:t> – change everything to csv instead of </a:t>
-            </a:r>
-            <a:r>
-              <a:rPr lang="en-US" sz="2000" dirty="0" err="1"/>
-              <a:t>xls</a:t>
             </a:r>
             <a:endParaRPr lang="en-US" sz="2000" dirty="0"/>
           </a:p>
@@ -10801,7 +11246,7 @@
                     <a:lumMod val="65000"/>
                   </a:schemeClr>
                 </a:solidFill>
-                <a:hlinkClick r:id="rId6">
+                <a:hlinkClick r:id="rId2">
                   <a:extLst>
                     <a:ext uri="{A12FA001-AC4F-418D-AE19-62706E023703}">
                       <ahyp:hlinkClr xmlns:ahyp="http://schemas.microsoft.com/office/drawing/2018/hyperlinkcolor" val="tx"/>
@@ -10828,7 +11273,7 @@
                     <a:lumMod val="65000"/>
                   </a:schemeClr>
                 </a:solidFill>
-                <a:hlinkClick r:id="rId7">
+                <a:hlinkClick r:id="rId3">
                   <a:extLst>
                     <a:ext uri="{A12FA001-AC4F-418D-AE19-62706E023703}">
                       <ahyp:hlinkClr xmlns:ahyp="http://schemas.microsoft.com/office/drawing/2018/hyperlinkcolor" val="tx"/>
@@ -10855,450 +11300,6 @@
     <p:extLst>
       <p:ext uri="{BB962C8B-B14F-4D97-AF65-F5344CB8AC3E}">
         <p14:creationId xmlns:p14="http://schemas.microsoft.com/office/powerpoint/2010/main" val="3345780910"/>
-      </p:ext>
-    </p:extLst>
-  </p:cSld>
-  <p:clrMapOvr>
-    <a:masterClrMapping/>
-  </p:clrMapOvr>
-</p:sld>
-</file>
-
-<file path=ppt/slides/slide13.xml><?xml version="1.0" encoding="utf-8"?>
-<p:sld xmlns:a="http://schemas.openxmlformats.org/drawingml/2006/main" xmlns:r="http://schemas.openxmlformats.org/officeDocument/2006/relationships" xmlns:p="http://schemas.openxmlformats.org/presentationml/2006/main">
-  <p:cSld>
-    <p:bg>
-      <p:bgPr>
-        <a:solidFill>
-          <a:schemeClr val="bg1"/>
-        </a:solidFill>
-        <a:effectLst/>
-      </p:bgPr>
-    </p:bg>
-    <p:spTree>
-      <p:nvGrpSpPr>
-        <p:cNvPr id="1" name=""/>
-        <p:cNvGrpSpPr/>
-        <p:nvPr/>
-      </p:nvGrpSpPr>
-      <p:grpSpPr>
-        <a:xfrm>
-          <a:off x="0" y="0"/>
-          <a:ext cx="0" cy="0"/>
-          <a:chOff x="0" y="0"/>
-          <a:chExt cx="0" cy="0"/>
-        </a:xfrm>
-      </p:grpSpPr>
-      <p:sp useBgFill="1">
-        <p:nvSpPr>
-          <p:cNvPr id="8" name="Rectangle 7">
-            <a:extLst>
-              <a:ext uri="{FF2B5EF4-FFF2-40B4-BE49-F238E27FC236}">
-                <a16:creationId xmlns:a16="http://schemas.microsoft.com/office/drawing/2014/main" id="{3AD318CC-E2A8-4E27-9548-A047A78999B1}"/>
-              </a:ext>
-              <a:ext uri="{C183D7F6-B498-43B3-948B-1728B52AA6E4}">
-                <adec:decorative xmlns:adec="http://schemas.microsoft.com/office/drawing/2017/decorative" val="1"/>
-              </a:ext>
-            </a:extLst>
-          </p:cNvPr>
-          <p:cNvSpPr>
-            <a:spLocks noGrp="1" noRot="1" noChangeAspect="1" noMove="1" noResize="1" noEditPoints="1" noAdjustHandles="1" noChangeArrowheads="1" noChangeShapeType="1" noTextEdit="1"/>
-          </p:cNvSpPr>
-          <p:nvPr>
-            <p:extLst>
-              <p:ext uri="{386F3935-93C4-4BCD-93E2-E3B085C9AB24}">
-                <p16:designElem xmlns:p16="http://schemas.microsoft.com/office/powerpoint/2015/main" val="1"/>
-              </p:ext>
-            </p:extLst>
-          </p:nvPr>
-        </p:nvSpPr>
-        <p:spPr>
-          <a:xfrm>
-            <a:off x="0" y="0"/>
-            <a:ext cx="12191999" cy="6857365"/>
-          </a:xfrm>
-          <a:prstGeom prst="rect">
-            <a:avLst/>
-          </a:prstGeom>
-          <a:ln>
-            <a:noFill/>
-          </a:ln>
-        </p:spPr>
-        <p:style>
-          <a:lnRef idx="2">
-            <a:schemeClr val="accent1">
-              <a:shade val="50000"/>
-            </a:schemeClr>
-          </a:lnRef>
-          <a:fillRef idx="1">
-            <a:schemeClr val="accent1"/>
-          </a:fillRef>
-          <a:effectRef idx="0">
-            <a:schemeClr val="accent1"/>
-          </a:effectRef>
-          <a:fontRef idx="minor">
-            <a:schemeClr val="lt1"/>
-          </a:fontRef>
-        </p:style>
-        <p:txBody>
-          <a:bodyPr rtlCol="0" anchor="ctr"/>
-          <a:lstStyle/>
-          <a:p>
-            <a:pPr algn="ctr"/>
-            <a:endParaRPr lang="en-US"/>
-          </a:p>
-        </p:txBody>
-      </p:sp>
-      <p:sp>
-        <p:nvSpPr>
-          <p:cNvPr id="2" name="Title 1">
-            <a:extLst>
-              <a:ext uri="{FF2B5EF4-FFF2-40B4-BE49-F238E27FC236}">
-                <a16:creationId xmlns:a16="http://schemas.microsoft.com/office/drawing/2014/main" id="{CB5A647D-5A81-F8C5-A579-12B3948E157C}"/>
-              </a:ext>
-            </a:extLst>
-          </p:cNvPr>
-          <p:cNvSpPr>
-            <a:spLocks noGrp="1"/>
-          </p:cNvSpPr>
-          <p:nvPr>
-            <p:ph type="title"/>
-          </p:nvPr>
-        </p:nvSpPr>
-        <p:spPr>
-          <a:xfrm>
-            <a:off x="645065" y="1463040"/>
-            <a:ext cx="3796306" cy="2690949"/>
-          </a:xfrm>
-        </p:spPr>
-        <p:txBody>
-          <a:bodyPr anchor="t">
-            <a:normAutofit/>
-          </a:bodyPr>
-          <a:lstStyle/>
-          <a:p>
-            <a:r>
-              <a:rPr lang="en-US" sz="4800" dirty="0"/>
-              <a:t>Let’s Make Some Visuals!</a:t>
-            </a:r>
-          </a:p>
-        </p:txBody>
-      </p:sp>
-      <p:grpSp>
-        <p:nvGrpSpPr>
-          <p:cNvPr id="10" name="Group 9">
-            <a:extLst>
-              <a:ext uri="{FF2B5EF4-FFF2-40B4-BE49-F238E27FC236}">
-                <a16:creationId xmlns:a16="http://schemas.microsoft.com/office/drawing/2014/main" id="{B14B560F-9DD7-4302-A60B-EBD3EF59B073}"/>
-              </a:ext>
-              <a:ext uri="{C183D7F6-B498-43B3-948B-1728B52AA6E4}">
-                <adec:decorative xmlns:adec="http://schemas.microsoft.com/office/drawing/2017/decorative" val="1"/>
-              </a:ext>
-            </a:extLst>
-          </p:cNvPr>
-          <p:cNvGrpSpPr>
-            <a:grpSpLocks noGrp="1" noUngrp="1" noRot="1" noChangeAspect="1" noMove="1" noResize="1"/>
-          </p:cNvGrpSpPr>
-          <p:nvPr>
-            <p:extLst>
-              <p:ext uri="{386F3935-93C4-4BCD-93E2-E3B085C9AB24}">
-                <p16:designElem xmlns:p16="http://schemas.microsoft.com/office/powerpoint/2015/main" val="1"/>
-              </p:ext>
-            </p:extLst>
-          </p:nvPr>
-        </p:nvGrpSpPr>
-        <p:grpSpPr>
-          <a:xfrm>
-            <a:off x="209667" y="4415246"/>
-            <a:ext cx="11982332" cy="2087795"/>
-            <a:chOff x="143163" y="5763486"/>
-            <a:chExt cx="11982332" cy="739555"/>
-          </a:xfrm>
-        </p:grpSpPr>
-        <p:sp>
-          <p:nvSpPr>
-            <p:cNvPr id="11" name="Rectangle 10">
-              <a:extLst>
-                <a:ext uri="{FF2B5EF4-FFF2-40B4-BE49-F238E27FC236}">
-                  <a16:creationId xmlns:a16="http://schemas.microsoft.com/office/drawing/2014/main" id="{3A9A4357-BD1D-4622-A4FE-766E6AB8DE84}"/>
-                </a:ext>
-                <a:ext uri="{C183D7F6-B498-43B3-948B-1728B52AA6E4}">
-                  <adec:decorative xmlns:adec="http://schemas.microsoft.com/office/drawing/2017/decorative" val="1"/>
-                </a:ext>
-              </a:extLst>
-            </p:cNvPr>
-            <p:cNvSpPr/>
-            <p:nvPr>
-              <p:extLst>
-                <p:ext uri="{386F3935-93C4-4BCD-93E2-E3B085C9AB24}">
-                  <p16:designElem xmlns:p16="http://schemas.microsoft.com/office/powerpoint/2015/main" val="1"/>
-                </p:ext>
-              </p:extLst>
-            </p:nvPr>
-          </p:nvSpPr>
-          <p:spPr>
-            <a:xfrm flipH="1" flipV="1">
-              <a:off x="357444" y="5763486"/>
-              <a:ext cx="11768051" cy="739555"/>
-            </a:xfrm>
-            <a:prstGeom prst="rect">
-              <a:avLst/>
-            </a:prstGeom>
-            <a:solidFill>
-              <a:schemeClr val="accent4"/>
-            </a:solidFill>
-            <a:ln>
-              <a:noFill/>
-            </a:ln>
-          </p:spPr>
-          <p:style>
-            <a:lnRef idx="2">
-              <a:schemeClr val="accent1">
-                <a:shade val="50000"/>
-              </a:schemeClr>
-            </a:lnRef>
-            <a:fillRef idx="1">
-              <a:schemeClr val="accent1"/>
-            </a:fillRef>
-            <a:effectRef idx="0">
-              <a:schemeClr val="accent1"/>
-            </a:effectRef>
-            <a:fontRef idx="minor">
-              <a:schemeClr val="lt1"/>
-            </a:fontRef>
-          </p:style>
-          <p:txBody>
-            <a:bodyPr rtlCol="0" anchor="ctr"/>
-            <a:lstStyle/>
-            <a:p>
-              <a:pPr algn="ctr"/>
-              <a:endParaRPr lang="en-US"/>
-            </a:p>
-          </p:txBody>
-        </p:sp>
-        <p:cxnSp>
-          <p:nvCxnSpPr>
-            <p:cNvPr id="12" name="Straight Connector 11">
-              <a:extLst>
-                <a:ext uri="{FF2B5EF4-FFF2-40B4-BE49-F238E27FC236}">
-                  <a16:creationId xmlns:a16="http://schemas.microsoft.com/office/drawing/2014/main" id="{C21D6966-343E-49AC-A026-D2497E0C3CA1}"/>
-                </a:ext>
-                <a:ext uri="{C183D7F6-B498-43B3-948B-1728B52AA6E4}">
-                  <adec:decorative xmlns:adec="http://schemas.microsoft.com/office/drawing/2017/decorative" val="1"/>
-                </a:ext>
-              </a:extLst>
-            </p:cNvPr>
-            <p:cNvCxnSpPr>
-              <a:cxnSpLocks/>
-            </p:cNvCxnSpPr>
-            <p:nvPr>
-              <p:extLst>
-                <p:ext uri="{386F3935-93C4-4BCD-93E2-E3B085C9AB24}">
-                  <p16:designElem xmlns:p16="http://schemas.microsoft.com/office/powerpoint/2015/main" val="1"/>
-                </p:ext>
-              </p:extLst>
-            </p:nvPr>
-          </p:nvCxnSpPr>
-          <p:spPr>
-            <a:xfrm flipH="1">
-              <a:off x="143163" y="5763486"/>
-              <a:ext cx="1" cy="739555"/>
-            </a:xfrm>
-            <a:prstGeom prst="line">
-              <a:avLst/>
-            </a:prstGeom>
-            <a:ln w="177800">
-              <a:solidFill>
-                <a:schemeClr val="accent4"/>
-              </a:solidFill>
-            </a:ln>
-          </p:spPr>
-          <p:style>
-            <a:lnRef idx="1">
-              <a:schemeClr val="accent1"/>
-            </a:lnRef>
-            <a:fillRef idx="0">
-              <a:schemeClr val="accent1"/>
-            </a:fillRef>
-            <a:effectRef idx="0">
-              <a:schemeClr val="accent1"/>
-            </a:effectRef>
-            <a:fontRef idx="minor">
-              <a:schemeClr val="tx1"/>
-            </a:fontRef>
-          </p:style>
-        </p:cxnSp>
-      </p:grpSp>
-      <p:sp>
-        <p:nvSpPr>
-          <p:cNvPr id="14" name="Rectangle 13">
-            <a:extLst>
-              <a:ext uri="{FF2B5EF4-FFF2-40B4-BE49-F238E27FC236}">
-                <a16:creationId xmlns:a16="http://schemas.microsoft.com/office/drawing/2014/main" id="{2C1BBA94-3F40-40AA-8BB9-E69E25E537C1}"/>
-              </a:ext>
-              <a:ext uri="{C183D7F6-B498-43B3-948B-1728B52AA6E4}">
-                <adec:decorative xmlns:adec="http://schemas.microsoft.com/office/drawing/2017/decorative" val="1"/>
-              </a:ext>
-            </a:extLst>
-          </p:cNvPr>
-          <p:cNvSpPr>
-            <a:spLocks noGrp="1" noRot="1" noChangeAspect="1" noMove="1" noResize="1" noEditPoints="1" noAdjustHandles="1" noChangeArrowheads="1" noChangeShapeType="1" noTextEdit="1"/>
-          </p:cNvSpPr>
-          <p:nvPr>
-            <p:extLst>
-              <p:ext uri="{386F3935-93C4-4BCD-93E2-E3B085C9AB24}">
-                <p16:designElem xmlns:p16="http://schemas.microsoft.com/office/powerpoint/2015/main" val="1"/>
-              </p:ext>
-            </p:extLst>
-          </p:nvPr>
-        </p:nvSpPr>
-        <p:spPr>
-          <a:xfrm>
-            <a:off x="5133706" y="587829"/>
-            <a:ext cx="6505300" cy="5682342"/>
-          </a:xfrm>
-          <a:prstGeom prst="rect">
-            <a:avLst/>
-          </a:prstGeom>
-          <a:solidFill>
-            <a:schemeClr val="bg1"/>
-          </a:solidFill>
-          <a:ln>
-            <a:noFill/>
-          </a:ln>
-          <a:effectLst>
-            <a:outerShdw blurRad="139700" dist="127000" dir="5400000" algn="t" rotWithShape="0">
-              <a:prstClr val="black">
-                <a:alpha val="15000"/>
-              </a:prstClr>
-            </a:outerShdw>
-          </a:effectLst>
-        </p:spPr>
-        <p:style>
-          <a:lnRef idx="2">
-            <a:schemeClr val="accent1">
-              <a:shade val="50000"/>
-            </a:schemeClr>
-          </a:lnRef>
-          <a:fillRef idx="1">
-            <a:schemeClr val="accent1"/>
-          </a:fillRef>
-          <a:effectRef idx="0">
-            <a:schemeClr val="accent1"/>
-          </a:effectRef>
-          <a:fontRef idx="minor">
-            <a:schemeClr val="lt1"/>
-          </a:fontRef>
-        </p:style>
-        <p:txBody>
-          <a:bodyPr rtlCol="0" anchor="ctr"/>
-          <a:lstStyle/>
-          <a:p>
-            <a:pPr algn="ctr"/>
-            <a:endParaRPr lang="en-US"/>
-          </a:p>
-        </p:txBody>
-      </p:sp>
-      <p:sp>
-        <p:nvSpPr>
-          <p:cNvPr id="3" name="Content Placeholder 2">
-            <a:extLst>
-              <a:ext uri="{FF2B5EF4-FFF2-40B4-BE49-F238E27FC236}">
-                <a16:creationId xmlns:a16="http://schemas.microsoft.com/office/drawing/2014/main" id="{870E2202-3624-6768-5709-FF72CFB1021F}"/>
-              </a:ext>
-            </a:extLst>
-          </p:cNvPr>
-          <p:cNvSpPr>
-            <a:spLocks noGrp="1"/>
-          </p:cNvSpPr>
-          <p:nvPr>
-            <p:ph idx="1"/>
-          </p:nvPr>
-        </p:nvSpPr>
-        <p:spPr>
-          <a:xfrm>
-            <a:off x="5656218" y="1463039"/>
-            <a:ext cx="5542387" cy="4300447"/>
-          </a:xfrm>
-        </p:spPr>
-        <p:txBody>
-          <a:bodyPr anchor="t">
-            <a:normAutofit lnSpcReduction="10000"/>
-          </a:bodyPr>
-          <a:lstStyle/>
-          <a:p>
-            <a:r>
-              <a:rPr lang="en-US" sz="2200" dirty="0"/>
-              <a:t>We’ll look at three small sample data sets with the following goals:</a:t>
-            </a:r>
-          </a:p>
-          <a:p>
-            <a:pPr lvl="1"/>
-            <a:r>
-              <a:rPr lang="en-US" sz="2200" dirty="0"/>
-              <a:t>Learn how to open a flat file in Python and load to a </a:t>
-            </a:r>
-            <a:r>
-              <a:rPr lang="en-US" sz="2200" dirty="0" err="1"/>
-              <a:t>dataframe</a:t>
-            </a:r>
-            <a:endParaRPr lang="en-US" sz="2200" dirty="0"/>
-          </a:p>
-          <a:p>
-            <a:pPr lvl="1"/>
-            <a:r>
-              <a:rPr lang="en-US" sz="2200" dirty="0"/>
-              <a:t>Consider what story you can tell with the data</a:t>
-            </a:r>
-          </a:p>
-          <a:p>
-            <a:pPr lvl="1"/>
-            <a:r>
-              <a:rPr lang="en-US" sz="2200" dirty="0"/>
-              <a:t>Determine what visual(s) might be appropriate to communicate that story</a:t>
-            </a:r>
-          </a:p>
-          <a:p>
-            <a:pPr lvl="1"/>
-            <a:r>
-              <a:rPr lang="en-US" sz="2200" dirty="0"/>
-              <a:t>Make some visuals</a:t>
-            </a:r>
-          </a:p>
-          <a:p>
-            <a:pPr lvl="2"/>
-            <a:r>
-              <a:rPr lang="en-US" sz="1800" dirty="0"/>
-              <a:t>Different kinds of visuals</a:t>
-            </a:r>
-          </a:p>
-          <a:p>
-            <a:pPr lvl="2"/>
-            <a:r>
-              <a:rPr lang="en-US" sz="1800" dirty="0"/>
-              <a:t>How to make labels</a:t>
-            </a:r>
-          </a:p>
-          <a:p>
-            <a:pPr lvl="2"/>
-            <a:r>
-              <a:rPr lang="en-US" sz="1800" dirty="0"/>
-              <a:t>How to change colors</a:t>
-            </a:r>
-          </a:p>
-          <a:p>
-            <a:pPr lvl="2"/>
-            <a:r>
-              <a:rPr lang="en-US" sz="1800" dirty="0"/>
-              <a:t>Scale</a:t>
-            </a:r>
-          </a:p>
-        </p:txBody>
-      </p:sp>
-    </p:spTree>
-    <p:extLst>
-      <p:ext uri="{BB962C8B-B14F-4D97-AF65-F5344CB8AC3E}">
-        <p14:creationId xmlns:p14="http://schemas.microsoft.com/office/powerpoint/2010/main" val="336701157"/>
       </p:ext>
     </p:extLst>
   </p:cSld>
@@ -11705,7 +11706,7 @@
           <a:p>
             <a:r>
               <a:rPr lang="en-US" sz="4800" dirty="0"/>
-              <a:t>Loading Data</a:t>
+              <a:t>How to use Python to Make Visuals?</a:t>
             </a:r>
           </a:p>
         </p:txBody>
@@ -11734,148 +11735,73 @@
         </p:spPr>
         <p:txBody>
           <a:bodyPr anchor="ctr">
-            <a:normAutofit fontScale="85000" lnSpcReduction="20000"/>
+            <a:normAutofit fontScale="92500" lnSpcReduction="20000"/>
           </a:bodyPr>
           <a:lstStyle/>
           <a:p>
+            <a:endParaRPr lang="en-US" sz="2400" dirty="0"/>
+          </a:p>
+          <a:p>
             <a:r>
               <a:rPr lang="en-US" sz="2400" dirty="0"/>
-              <a:t>Pandas can read numerous file types</a:t>
+              <a:t>Our focus is making visuals, but we’ll use some libraries that do other things. This is because we will also need to be able to view and manipulate our data in order to create visuals.</a:t>
+            </a:r>
+          </a:p>
+          <a:p>
+            <a:r>
+              <a:rPr lang="en-US" sz="2400" dirty="0"/>
+              <a:t>Libraries we’ll use today:</a:t>
             </a:r>
           </a:p>
           <a:p>
             <a:pPr lvl="1"/>
             <a:r>
-              <a:rPr lang="en-US" sz="2000" dirty="0"/>
-              <a:t>In all instances you will need a file path of some kind so the program knows where to look</a:t>
-            </a:r>
+              <a:rPr lang="en-US" sz="2000" dirty="0">
+                <a:hlinkClick r:id="rId2"/>
+              </a:rPr>
+              <a:t>Pandas</a:t>
+            </a:r>
+            <a:endParaRPr lang="en-US" sz="2000" dirty="0"/>
           </a:p>
           <a:p>
             <a:pPr lvl="1"/>
             <a:r>
-              <a:rPr lang="en-US" sz="2000" dirty="0"/>
-              <a:t>We will read files into a </a:t>
-            </a:r>
-            <a:r>
-              <a:rPr lang="en-US" sz="2000" dirty="0" err="1"/>
-              <a:t>dataframe</a:t>
-            </a:r>
-            <a:r>
-              <a:rPr lang="en-US" sz="2000" dirty="0"/>
-              <a:t> (</a:t>
-            </a:r>
-            <a:r>
-              <a:rPr lang="en-US" sz="2000" dirty="0" err="1"/>
-              <a:t>df</a:t>
-            </a:r>
-            <a:r>
-              <a:rPr lang="en-US" sz="2000" dirty="0"/>
-              <a:t>), which is basically Pandas’ version of a spreadsheet, but way cooler</a:t>
-            </a:r>
+              <a:rPr lang="en-US" sz="2000" dirty="0" err="1">
+                <a:hlinkClick r:id="rId3"/>
+              </a:rPr>
+              <a:t>Numpy</a:t>
+            </a:r>
+            <a:endParaRPr lang="en-US" sz="2000" dirty="0"/>
           </a:p>
           <a:p>
             <a:pPr lvl="1"/>
             <a:r>
-              <a:rPr lang="en-US" sz="2000" dirty="0" err="1"/>
-              <a:t>xls</a:t>
-            </a:r>
-            <a:r>
-              <a:rPr lang="en-US" sz="2000" dirty="0"/>
-              <a:t>/xlsx: </a:t>
-            </a:r>
-            <a:r>
-              <a:rPr lang="en-US" sz="2000" dirty="0" err="1"/>
-              <a:t>df</a:t>
-            </a:r>
-            <a:r>
-              <a:rPr lang="en-US" sz="2000" dirty="0"/>
-              <a:t> = </a:t>
-            </a:r>
-            <a:r>
-              <a:rPr lang="en-US" sz="2000" dirty="0" err="1"/>
-              <a:t>pd.read_excel</a:t>
-            </a:r>
-            <a:r>
-              <a:rPr lang="en-US" sz="2000" dirty="0"/>
-              <a:t>(r’[insert file path here – brackets not needed])</a:t>
-            </a:r>
+              <a:rPr lang="en-US" sz="2000" dirty="0">
+                <a:hlinkClick r:id="rId4"/>
+              </a:rPr>
+              <a:t>Matplotlib</a:t>
+            </a:r>
+            <a:endParaRPr lang="en-US" sz="2000" dirty="0"/>
           </a:p>
           <a:p>
             <a:pPr lvl="1"/>
             <a:r>
-              <a:rPr lang="en-US" sz="2000" dirty="0"/>
-              <a:t>csv: </a:t>
-            </a:r>
-            <a:r>
-              <a:rPr lang="en-US" sz="2000" dirty="0" err="1"/>
-              <a:t>df</a:t>
-            </a:r>
-            <a:r>
-              <a:rPr lang="en-US" sz="2000" dirty="0"/>
-              <a:t> = </a:t>
-            </a:r>
-            <a:r>
-              <a:rPr lang="en-US" sz="2000" dirty="0" err="1"/>
-              <a:t>pd.read_csv</a:t>
-            </a:r>
-            <a:r>
-              <a:rPr lang="en-US" sz="2000" dirty="0"/>
-              <a:t>(r’[insert file path here – brackets not needed])</a:t>
-            </a:r>
-          </a:p>
-          <a:p>
-            <a:r>
-              <a:rPr lang="en-US" sz="2400" dirty="0"/>
-              <a:t>I’ve loaded the data. Now what?</a:t>
-            </a:r>
+              <a:rPr lang="en-US" sz="2000" dirty="0">
+                <a:hlinkClick r:id="rId5"/>
+              </a:rPr>
+              <a:t>Seaborn</a:t>
+            </a:r>
+            <a:endParaRPr lang="en-US" sz="2000" dirty="0"/>
           </a:p>
           <a:p>
             <a:pPr lvl="1"/>
             <a:r>
-              <a:rPr lang="en-US" sz="2000" dirty="0"/>
-              <a:t>View </a:t>
-            </a:r>
-            <a:r>
-              <a:rPr lang="en-US" sz="2000" dirty="0" err="1"/>
-              <a:t>dataframe</a:t>
+              <a:rPr lang="en-US" sz="2000" dirty="0" err="1">
+                <a:hlinkClick r:id="rId6"/>
+              </a:rPr>
+              <a:t>Squarify</a:t>
             </a:r>
             <a:endParaRPr lang="en-US" sz="2000" dirty="0"/>
-          </a:p>
-          <a:p>
-            <a:pPr lvl="1"/>
-            <a:r>
-              <a:rPr lang="en-US" sz="2000" dirty="0"/>
-              <a:t>How may records (rows)? How many columns?</a:t>
-            </a:r>
-          </a:p>
-          <a:p>
-            <a:pPr lvl="1"/>
-            <a:r>
-              <a:rPr lang="en-US" sz="2000" dirty="0"/>
-              <a:t>What data types do you have?</a:t>
-            </a:r>
-          </a:p>
-          <a:p>
-            <a:pPr lvl="1"/>
-            <a:r>
-              <a:rPr lang="en-US" sz="2000" dirty="0"/>
-              <a:t>Is any information missing?</a:t>
-            </a:r>
-          </a:p>
-          <a:p>
-            <a:pPr lvl="1"/>
-            <a:r>
-              <a:rPr lang="en-US" sz="2000" dirty="0"/>
-              <a:t>In short, </a:t>
-            </a:r>
-            <a:r>
-              <a:rPr lang="en-US" sz="2000" i="1" dirty="0"/>
-              <a:t>think about the data!</a:t>
-            </a:r>
-          </a:p>
-          <a:p>
-            <a:pPr lvl="1"/>
-            <a:endParaRPr lang="en-US" sz="2000" i="1" dirty="0"/>
           </a:p>
         </p:txBody>
       </p:sp>
@@ -11934,7 +11860,7 @@
     </p:spTree>
     <p:extLst>
       <p:ext uri="{BB962C8B-B14F-4D97-AF65-F5344CB8AC3E}">
-        <p14:creationId xmlns:p14="http://schemas.microsoft.com/office/powerpoint/2010/main" val="2998377533"/>
+        <p14:creationId xmlns:p14="http://schemas.microsoft.com/office/powerpoint/2010/main" val="1842820603"/>
       </p:ext>
     </p:extLst>
   </p:cSld>
@@ -11947,6 +11873,14 @@
 <file path=ppt/slides/slide15.xml><?xml version="1.0" encoding="utf-8"?>
 <p:sld xmlns:a="http://schemas.openxmlformats.org/drawingml/2006/main" xmlns:r="http://schemas.openxmlformats.org/officeDocument/2006/relationships" xmlns:p="http://schemas.openxmlformats.org/presentationml/2006/main">
   <p:cSld>
+    <p:bg>
+      <p:bgPr>
+        <a:solidFill>
+          <a:schemeClr val="bg1"/>
+        </a:solidFill>
+        <a:effectLst/>
+      </p:bgPr>
+    </p:bg>
     <p:spTree>
       <p:nvGrpSpPr>
         <p:cNvPr id="1" name=""/>
@@ -11961,12 +11895,72 @@
           <a:chExt cx="0" cy="0"/>
         </a:xfrm>
       </p:grpSpPr>
+      <p:sp useBgFill="1">
+        <p:nvSpPr>
+          <p:cNvPr id="8" name="Rectangle 7">
+            <a:extLst>
+              <a:ext uri="{FF2B5EF4-FFF2-40B4-BE49-F238E27FC236}">
+                <a16:creationId xmlns:a16="http://schemas.microsoft.com/office/drawing/2014/main" id="{3AD318CC-E2A8-4E27-9548-A047A78999B1}"/>
+              </a:ext>
+              <a:ext uri="{C183D7F6-B498-43B3-948B-1728B52AA6E4}">
+                <adec:decorative xmlns:adec="http://schemas.microsoft.com/office/drawing/2017/decorative" val="1"/>
+              </a:ext>
+            </a:extLst>
+          </p:cNvPr>
+          <p:cNvSpPr>
+            <a:spLocks noGrp="1" noRot="1" noChangeAspect="1" noMove="1" noResize="1" noEditPoints="1" noAdjustHandles="1" noChangeArrowheads="1" noChangeShapeType="1" noTextEdit="1"/>
+          </p:cNvSpPr>
+          <p:nvPr>
+            <p:extLst>
+              <p:ext uri="{386F3935-93C4-4BCD-93E2-E3B085C9AB24}">
+                <p16:designElem xmlns:p16="http://schemas.microsoft.com/office/powerpoint/2015/main" val="1"/>
+              </p:ext>
+            </p:extLst>
+          </p:nvPr>
+        </p:nvSpPr>
+        <p:spPr>
+          <a:xfrm>
+            <a:off x="0" y="0"/>
+            <a:ext cx="12191999" cy="6857365"/>
+          </a:xfrm>
+          <a:prstGeom prst="rect">
+            <a:avLst/>
+          </a:prstGeom>
+          <a:ln>
+            <a:noFill/>
+          </a:ln>
+        </p:spPr>
+        <p:style>
+          <a:lnRef idx="2">
+            <a:schemeClr val="accent1">
+              <a:shade val="50000"/>
+            </a:schemeClr>
+          </a:lnRef>
+          <a:fillRef idx="1">
+            <a:schemeClr val="accent1"/>
+          </a:fillRef>
+          <a:effectRef idx="0">
+            <a:schemeClr val="accent1"/>
+          </a:effectRef>
+          <a:fontRef idx="minor">
+            <a:schemeClr val="lt1"/>
+          </a:fontRef>
+        </p:style>
+        <p:txBody>
+          <a:bodyPr rtlCol="0" anchor="ctr"/>
+          <a:lstStyle/>
+          <a:p>
+            <a:pPr algn="ctr"/>
+            <a:endParaRPr lang="en-US"/>
+          </a:p>
+        </p:txBody>
+      </p:sp>
       <p:sp>
         <p:nvSpPr>
           <p:cNvPr id="2" name="Title 1">
             <a:extLst>
               <a:ext uri="{FF2B5EF4-FFF2-40B4-BE49-F238E27FC236}">
-                <a16:creationId xmlns:a16="http://schemas.microsoft.com/office/drawing/2014/main" id="{2DDBF285-B190-7396-2182-98DB31EE7DAD}"/>
+                <a16:creationId xmlns:a16="http://schemas.microsoft.com/office/drawing/2014/main" id="{CB5A647D-5A81-F8C5-A579-12B3948E157C}"/>
               </a:ext>
             </a:extLst>
           </p:cNvPr>
@@ -11977,27 +11971,246 @@
             <p:ph type="title"/>
           </p:nvPr>
         </p:nvSpPr>
-        <p:spPr/>
+        <p:spPr>
+          <a:xfrm>
+            <a:off x="645065" y="1463040"/>
+            <a:ext cx="3796306" cy="2690949"/>
+          </a:xfrm>
+        </p:spPr>
         <p:txBody>
-          <a:bodyPr>
+          <a:bodyPr anchor="t">
             <a:normAutofit/>
           </a:bodyPr>
           <a:lstStyle/>
           <a:p>
+            <a:r>
+              <a:rPr lang="en-US" sz="4800" dirty="0"/>
+              <a:t>Let’s Make Some Visuals!</a:t>
+            </a:r>
+          </a:p>
+        </p:txBody>
+      </p:sp>
+      <p:grpSp>
+        <p:nvGrpSpPr>
+          <p:cNvPr id="10" name="Group 9">
+            <a:extLst>
+              <a:ext uri="{FF2B5EF4-FFF2-40B4-BE49-F238E27FC236}">
+                <a16:creationId xmlns:a16="http://schemas.microsoft.com/office/drawing/2014/main" id="{B14B560F-9DD7-4302-A60B-EBD3EF59B073}"/>
+              </a:ext>
+              <a:ext uri="{C183D7F6-B498-43B3-948B-1728B52AA6E4}">
+                <adec:decorative xmlns:adec="http://schemas.microsoft.com/office/drawing/2017/decorative" val="1"/>
+              </a:ext>
+            </a:extLst>
+          </p:cNvPr>
+          <p:cNvGrpSpPr>
+            <a:grpSpLocks noGrp="1" noUngrp="1" noRot="1" noChangeAspect="1" noMove="1" noResize="1"/>
+          </p:cNvGrpSpPr>
+          <p:nvPr>
+            <p:extLst>
+              <p:ext uri="{386F3935-93C4-4BCD-93E2-E3B085C9AB24}">
+                <p16:designElem xmlns:p16="http://schemas.microsoft.com/office/powerpoint/2015/main" val="1"/>
+              </p:ext>
+            </p:extLst>
+          </p:nvPr>
+        </p:nvGrpSpPr>
+        <p:grpSpPr>
+          <a:xfrm>
+            <a:off x="209667" y="4415246"/>
+            <a:ext cx="11982332" cy="2087795"/>
+            <a:chOff x="143163" y="5763486"/>
+            <a:chExt cx="11982332" cy="739555"/>
+          </a:xfrm>
+        </p:grpSpPr>
+        <p:sp>
+          <p:nvSpPr>
+            <p:cNvPr id="11" name="Rectangle 10">
+              <a:extLst>
+                <a:ext uri="{FF2B5EF4-FFF2-40B4-BE49-F238E27FC236}">
+                  <a16:creationId xmlns:a16="http://schemas.microsoft.com/office/drawing/2014/main" id="{3A9A4357-BD1D-4622-A4FE-766E6AB8DE84}"/>
+                </a:ext>
+                <a:ext uri="{C183D7F6-B498-43B3-948B-1728B52AA6E4}">
+                  <adec:decorative xmlns:adec="http://schemas.microsoft.com/office/drawing/2017/decorative" val="1"/>
+                </a:ext>
+              </a:extLst>
+            </p:cNvPr>
+            <p:cNvSpPr/>
+            <p:nvPr>
+              <p:extLst>
+                <p:ext uri="{386F3935-93C4-4BCD-93E2-E3B085C9AB24}">
+                  <p16:designElem xmlns:p16="http://schemas.microsoft.com/office/powerpoint/2015/main" val="1"/>
+                </p:ext>
+              </p:extLst>
+            </p:nvPr>
+          </p:nvSpPr>
+          <p:spPr>
+            <a:xfrm flipH="1" flipV="1">
+              <a:off x="357444" y="5763486"/>
+              <a:ext cx="11768051" cy="739555"/>
+            </a:xfrm>
+            <a:prstGeom prst="rect">
+              <a:avLst/>
+            </a:prstGeom>
+            <a:solidFill>
+              <a:schemeClr val="accent4"/>
+            </a:solidFill>
+            <a:ln>
+              <a:noFill/>
+            </a:ln>
+          </p:spPr>
+          <p:style>
+            <a:lnRef idx="2">
+              <a:schemeClr val="accent1">
+                <a:shade val="50000"/>
+              </a:schemeClr>
+            </a:lnRef>
+            <a:fillRef idx="1">
+              <a:schemeClr val="accent1"/>
+            </a:fillRef>
+            <a:effectRef idx="0">
+              <a:schemeClr val="accent1"/>
+            </a:effectRef>
+            <a:fontRef idx="minor">
+              <a:schemeClr val="lt1"/>
+            </a:fontRef>
+          </p:style>
+          <p:txBody>
+            <a:bodyPr rtlCol="0" anchor="ctr"/>
+            <a:lstStyle/>
+            <a:p>
+              <a:pPr algn="ctr"/>
+              <a:endParaRPr lang="en-US"/>
+            </a:p>
+          </p:txBody>
+        </p:sp>
+        <p:cxnSp>
+          <p:nvCxnSpPr>
+            <p:cNvPr id="12" name="Straight Connector 11">
+              <a:extLst>
+                <a:ext uri="{FF2B5EF4-FFF2-40B4-BE49-F238E27FC236}">
+                  <a16:creationId xmlns:a16="http://schemas.microsoft.com/office/drawing/2014/main" id="{C21D6966-343E-49AC-A026-D2497E0C3CA1}"/>
+                </a:ext>
+                <a:ext uri="{C183D7F6-B498-43B3-948B-1728B52AA6E4}">
+                  <adec:decorative xmlns:adec="http://schemas.microsoft.com/office/drawing/2017/decorative" val="1"/>
+                </a:ext>
+              </a:extLst>
+            </p:cNvPr>
+            <p:cNvCxnSpPr>
+              <a:cxnSpLocks/>
+            </p:cNvCxnSpPr>
+            <p:nvPr>
+              <p:extLst>
+                <p:ext uri="{386F3935-93C4-4BCD-93E2-E3B085C9AB24}">
+                  <p16:designElem xmlns:p16="http://schemas.microsoft.com/office/powerpoint/2015/main" val="1"/>
+                </p:ext>
+              </p:extLst>
+            </p:nvPr>
+          </p:nvCxnSpPr>
+          <p:spPr>
+            <a:xfrm flipH="1">
+              <a:off x="143163" y="5763486"/>
+              <a:ext cx="1" cy="739555"/>
+            </a:xfrm>
+            <a:prstGeom prst="line">
+              <a:avLst/>
+            </a:prstGeom>
+            <a:ln w="177800">
+              <a:solidFill>
+                <a:schemeClr val="accent4"/>
+              </a:solidFill>
+            </a:ln>
+          </p:spPr>
+          <p:style>
+            <a:lnRef idx="1">
+              <a:schemeClr val="accent1"/>
+            </a:lnRef>
+            <a:fillRef idx="0">
+              <a:schemeClr val="accent1"/>
+            </a:fillRef>
+            <a:effectRef idx="0">
+              <a:schemeClr val="accent1"/>
+            </a:effectRef>
+            <a:fontRef idx="minor">
+              <a:schemeClr val="tx1"/>
+            </a:fontRef>
+          </p:style>
+        </p:cxnSp>
+      </p:grpSp>
+      <p:sp>
+        <p:nvSpPr>
+          <p:cNvPr id="14" name="Rectangle 13">
+            <a:extLst>
+              <a:ext uri="{FF2B5EF4-FFF2-40B4-BE49-F238E27FC236}">
+                <a16:creationId xmlns:a16="http://schemas.microsoft.com/office/drawing/2014/main" id="{2C1BBA94-3F40-40AA-8BB9-E69E25E537C1}"/>
+              </a:ext>
+              <a:ext uri="{C183D7F6-B498-43B3-948B-1728B52AA6E4}">
+                <adec:decorative xmlns:adec="http://schemas.microsoft.com/office/drawing/2017/decorative" val="1"/>
+              </a:ext>
+            </a:extLst>
+          </p:cNvPr>
+          <p:cNvSpPr>
+            <a:spLocks noGrp="1" noRot="1" noChangeAspect="1" noMove="1" noResize="1" noEditPoints="1" noAdjustHandles="1" noChangeArrowheads="1" noChangeShapeType="1" noTextEdit="1"/>
+          </p:cNvSpPr>
+          <p:nvPr>
+            <p:extLst>
+              <p:ext uri="{386F3935-93C4-4BCD-93E2-E3B085C9AB24}">
+                <p16:designElem xmlns:p16="http://schemas.microsoft.com/office/powerpoint/2015/main" val="1"/>
+              </p:ext>
+            </p:extLst>
+          </p:nvPr>
+        </p:nvSpPr>
+        <p:spPr>
+          <a:xfrm>
+            <a:off x="5133706" y="587829"/>
+            <a:ext cx="6505300" cy="5682342"/>
+          </a:xfrm>
+          <a:prstGeom prst="rect">
+            <a:avLst/>
+          </a:prstGeom>
+          <a:solidFill>
+            <a:schemeClr val="bg1"/>
+          </a:solidFill>
+          <a:ln>
+            <a:noFill/>
+          </a:ln>
+          <a:effectLst>
+            <a:outerShdw blurRad="139700" dist="127000" dir="5400000" algn="t" rotWithShape="0">
+              <a:prstClr val="black">
+                <a:alpha val="15000"/>
+              </a:prstClr>
+            </a:outerShdw>
+          </a:effectLst>
+        </p:spPr>
+        <p:style>
+          <a:lnRef idx="2">
+            <a:schemeClr val="accent1">
+              <a:shade val="50000"/>
+            </a:schemeClr>
+          </a:lnRef>
+          <a:fillRef idx="1">
+            <a:schemeClr val="accent1"/>
+          </a:fillRef>
+          <a:effectRef idx="0">
+            <a:schemeClr val="accent1"/>
+          </a:effectRef>
+          <a:fontRef idx="minor">
+            <a:schemeClr val="lt1"/>
+          </a:fontRef>
+        </p:style>
+        <p:txBody>
+          <a:bodyPr rtlCol="0" anchor="ctr"/>
+          <a:lstStyle/>
+          <a:p>
             <a:pPr algn="ctr"/>
-            <a:r>
-              <a:rPr lang="en-US" sz="4800" dirty="0"/>
-              <a:t>Thinking About Data</a:t>
-            </a:r>
+            <a:endParaRPr lang="en-US"/>
           </a:p>
         </p:txBody>
       </p:sp>
       <p:sp>
         <p:nvSpPr>
-          <p:cNvPr id="3" name="Text Placeholder 2">
-            <a:extLst>
-              <a:ext uri="{FF2B5EF4-FFF2-40B4-BE49-F238E27FC236}">
-                <a16:creationId xmlns:a16="http://schemas.microsoft.com/office/drawing/2014/main" id="{8CED0DA0-43C4-07DE-55A1-5A382EE047D7}"/>
+          <p:cNvPr id="3" name="Content Placeholder 2">
+            <a:extLst>
+              <a:ext uri="{FF2B5EF4-FFF2-40B4-BE49-F238E27FC236}">
+                <a16:creationId xmlns:a16="http://schemas.microsoft.com/office/drawing/2014/main" id="{870E2202-3624-6768-5709-FF72CFB1021F}"/>
               </a:ext>
             </a:extLst>
           </p:cNvPr>
@@ -12005,181 +12218,93 @@
             <a:spLocks noGrp="1"/>
           </p:cNvSpPr>
           <p:nvPr>
-            <p:ph type="body" idx="1"/>
+            <p:ph idx="1"/>
           </p:nvPr>
         </p:nvSpPr>
-        <p:spPr/>
+        <p:spPr>
+          <a:xfrm>
+            <a:off x="5656218" y="1463039"/>
+            <a:ext cx="5542387" cy="4300447"/>
+          </a:xfrm>
+        </p:spPr>
         <p:txBody>
-          <a:bodyPr/>
+          <a:bodyPr anchor="t">
+            <a:normAutofit lnSpcReduction="10000"/>
+          </a:bodyPr>
           <a:lstStyle/>
           <a:p>
             <a:r>
-              <a:rPr lang="en-US" dirty="0"/>
-              <a:t>Clean Data</a:t>
-            </a:r>
-          </a:p>
-        </p:txBody>
-      </p:sp>
-      <p:sp>
-        <p:nvSpPr>
-          <p:cNvPr id="4" name="Content Placeholder 3">
-            <a:extLst>
-              <a:ext uri="{FF2B5EF4-FFF2-40B4-BE49-F238E27FC236}">
-                <a16:creationId xmlns:a16="http://schemas.microsoft.com/office/drawing/2014/main" id="{0DDD4BDF-9DB3-900A-F906-65C9881BC3C3}"/>
-              </a:ext>
-            </a:extLst>
-          </p:cNvPr>
-          <p:cNvSpPr>
-            <a:spLocks noGrp="1"/>
-          </p:cNvSpPr>
-          <p:nvPr>
-            <p:ph sz="half" idx="2"/>
-          </p:nvPr>
-        </p:nvSpPr>
-        <p:spPr/>
-        <p:txBody>
-          <a:bodyPr/>
-          <a:lstStyle/>
-          <a:p>
-            <a:r>
-              <a:rPr lang="en-US" dirty="0"/>
-              <a:t>No empty/missing values</a:t>
-            </a:r>
-          </a:p>
-          <a:p>
-            <a:r>
-              <a:rPr lang="en-US" dirty="0"/>
-              <a:t>Consistent data type in each column</a:t>
-            </a:r>
-          </a:p>
-          <a:p>
-            <a:r>
-              <a:rPr lang="en-US" dirty="0"/>
-              <a:t>Column headers are variable names, not values</a:t>
-            </a:r>
-          </a:p>
-          <a:p>
-            <a:r>
-              <a:rPr lang="en-US" dirty="0"/>
-              <a:t>Data is ready to use!</a:t>
-            </a:r>
-          </a:p>
-          <a:p>
-            <a:endParaRPr lang="en-US" dirty="0"/>
-          </a:p>
-          <a:p>
-            <a:endParaRPr lang="en-US" dirty="0"/>
-          </a:p>
-        </p:txBody>
-      </p:sp>
-      <p:sp>
-        <p:nvSpPr>
-          <p:cNvPr id="5" name="Text Placeholder 4">
-            <a:extLst>
-              <a:ext uri="{FF2B5EF4-FFF2-40B4-BE49-F238E27FC236}">
-                <a16:creationId xmlns:a16="http://schemas.microsoft.com/office/drawing/2014/main" id="{986CCB52-FED5-D681-D5C3-D162B5EEF376}"/>
-              </a:ext>
-            </a:extLst>
-          </p:cNvPr>
-          <p:cNvSpPr>
-            <a:spLocks noGrp="1"/>
-          </p:cNvSpPr>
-          <p:nvPr>
-            <p:ph type="body" sz="quarter" idx="3"/>
-          </p:nvPr>
-        </p:nvSpPr>
-        <p:spPr/>
-        <p:txBody>
-          <a:bodyPr/>
-          <a:lstStyle/>
-          <a:p>
-            <a:r>
-              <a:rPr lang="en-US" dirty="0"/>
-              <a:t>Messy Data</a:t>
-            </a:r>
-          </a:p>
-        </p:txBody>
-      </p:sp>
-      <p:sp>
-        <p:nvSpPr>
-          <p:cNvPr id="6" name="Content Placeholder 5">
-            <a:extLst>
-              <a:ext uri="{FF2B5EF4-FFF2-40B4-BE49-F238E27FC236}">
-                <a16:creationId xmlns:a16="http://schemas.microsoft.com/office/drawing/2014/main" id="{BEBCDADC-1CBD-0DF3-7B45-A00462FBD2B7}"/>
-              </a:ext>
-            </a:extLst>
-          </p:cNvPr>
-          <p:cNvSpPr>
-            <a:spLocks noGrp="1"/>
-          </p:cNvSpPr>
-          <p:nvPr>
-            <p:ph sz="quarter" idx="4"/>
-          </p:nvPr>
-        </p:nvSpPr>
-        <p:spPr/>
-        <p:txBody>
-          <a:bodyPr/>
-          <a:lstStyle/>
-          <a:p>
-            <a:r>
-              <a:rPr lang="en-US" dirty="0"/>
-              <a:t>Messy data can include:</a:t>
+              <a:rPr lang="en-US" sz="2200" dirty="0"/>
+              <a:t>We’ll look at a sample data set with the following goals:</a:t>
             </a:r>
           </a:p>
           <a:p>
             <a:pPr lvl="1"/>
             <a:r>
-              <a:rPr lang="en-US" dirty="0"/>
-              <a:t>Empty/missing values</a:t>
-            </a:r>
+              <a:rPr lang="en-US" sz="2200" dirty="0"/>
+              <a:t>Learn how to open a flat file in Python and load to a </a:t>
+            </a:r>
+            <a:r>
+              <a:rPr lang="en-US" sz="2200" dirty="0" err="1"/>
+              <a:t>dataframe</a:t>
+            </a:r>
+            <a:endParaRPr lang="en-US" sz="2200" dirty="0"/>
           </a:p>
           <a:p>
             <a:pPr lvl="1"/>
             <a:r>
-              <a:rPr lang="en-US" dirty="0"/>
-              <a:t>Mixed data types in each column</a:t>
+              <a:rPr lang="en-US" sz="2200" dirty="0"/>
+              <a:t>Consider what story you can tell with the data</a:t>
             </a:r>
           </a:p>
           <a:p>
             <a:pPr lvl="1"/>
             <a:r>
-              <a:rPr lang="en-US" dirty="0"/>
-              <a:t>Multiples variables stored in one column</a:t>
-            </a:r>
-          </a:p>
-          <a:p>
-            <a:r>
-              <a:rPr lang="en-US" dirty="0"/>
-              <a:t>Data requires cleaning</a:t>
-            </a:r>
-            <a:endParaRPr lang="en-US" dirty="0">
-              <a:sym typeface="Wingdings" panose="05000000000000000000" pitchFamily="2" charset="2"/>
-            </a:endParaRPr>
+              <a:rPr lang="en-US" sz="2200" dirty="0"/>
+              <a:t>Determine what visual(s) might be appropriate to communicate that story</a:t>
+            </a:r>
           </a:p>
           <a:p>
             <a:pPr lvl="1"/>
             <a:r>
-              <a:rPr lang="en-US" dirty="0">
-                <a:sym typeface="Wingdings" panose="05000000000000000000" pitchFamily="2" charset="2"/>
-              </a:rPr>
-              <a:t>This could be a course in and of itself!</a:t>
-            </a:r>
-            <a:endParaRPr lang="en-US" dirty="0"/>
-          </a:p>
-          <a:p>
-            <a:pPr lvl="1"/>
-            <a:endParaRPr lang="en-US" dirty="0"/>
-          </a:p>
-          <a:p>
-            <a:pPr lvl="1"/>
-            <a:endParaRPr lang="en-US" dirty="0"/>
+              <a:rPr lang="en-US" sz="2200" dirty="0"/>
+              <a:t>Make some visuals</a:t>
+            </a:r>
+          </a:p>
+          <a:p>
+            <a:pPr lvl="2"/>
+            <a:r>
+              <a:rPr lang="en-US" sz="1800" dirty="0"/>
+              <a:t>Different kinds of visuals</a:t>
+            </a:r>
+          </a:p>
+          <a:p>
+            <a:pPr lvl="2"/>
+            <a:r>
+              <a:rPr lang="en-US" sz="1800" dirty="0"/>
+              <a:t>How to make labels</a:t>
+            </a:r>
+          </a:p>
+          <a:p>
+            <a:pPr lvl="2"/>
+            <a:r>
+              <a:rPr lang="en-US" sz="1800" dirty="0"/>
+              <a:t>How to change colors</a:t>
+            </a:r>
+          </a:p>
+          <a:p>
+            <a:pPr lvl="2"/>
+            <a:r>
+              <a:rPr lang="en-US" sz="1800" dirty="0"/>
+              <a:t>Scale</a:t>
+            </a:r>
           </a:p>
         </p:txBody>
       </p:sp>
     </p:spTree>
     <p:extLst>
       <p:ext uri="{BB962C8B-B14F-4D97-AF65-F5344CB8AC3E}">
-        <p14:creationId xmlns:p14="http://schemas.microsoft.com/office/powerpoint/2010/main" val="2641329426"/>
+        <p14:creationId xmlns:p14="http://schemas.microsoft.com/office/powerpoint/2010/main" val="336701157"/>
       </p:ext>
     </p:extLst>
   </p:cSld>
@@ -12190,6 +12315,476 @@
 </file>
 
 <file path=ppt/slides/slide16.xml><?xml version="1.0" encoding="utf-8"?>
+<p:sld xmlns:a="http://schemas.openxmlformats.org/drawingml/2006/main" xmlns:r="http://schemas.openxmlformats.org/officeDocument/2006/relationships" xmlns:p="http://schemas.openxmlformats.org/presentationml/2006/main">
+  <p:cSld>
+    <p:bg>
+      <p:bgPr>
+        <a:solidFill>
+          <a:schemeClr val="bg1"/>
+        </a:solidFill>
+        <a:effectLst/>
+      </p:bgPr>
+    </p:bg>
+    <p:spTree>
+      <p:nvGrpSpPr>
+        <p:cNvPr id="1" name=""/>
+        <p:cNvGrpSpPr/>
+        <p:nvPr/>
+      </p:nvGrpSpPr>
+      <p:grpSpPr>
+        <a:xfrm>
+          <a:off x="0" y="0"/>
+          <a:ext cx="0" cy="0"/>
+          <a:chOff x="0" y="0"/>
+          <a:chExt cx="0" cy="0"/>
+        </a:xfrm>
+      </p:grpSpPr>
+      <p:sp useBgFill="1">
+        <p:nvSpPr>
+          <p:cNvPr id="16" name="Rectangle 15">
+            <a:extLst>
+              <a:ext uri="{FF2B5EF4-FFF2-40B4-BE49-F238E27FC236}">
+                <a16:creationId xmlns:a16="http://schemas.microsoft.com/office/drawing/2014/main" id="{9AA72BD9-2C5A-4EDC-931F-5AA08EACA0F3}"/>
+              </a:ext>
+              <a:ext uri="{C183D7F6-B498-43B3-948B-1728B52AA6E4}">
+                <adec:decorative xmlns:adec="http://schemas.microsoft.com/office/drawing/2017/decorative" val="1"/>
+              </a:ext>
+            </a:extLst>
+          </p:cNvPr>
+          <p:cNvSpPr>
+            <a:spLocks noGrp="1" noRot="1" noChangeAspect="1" noMove="1" noResize="1" noEditPoints="1" noAdjustHandles="1" noChangeArrowheads="1" noChangeShapeType="1" noTextEdit="1"/>
+          </p:cNvSpPr>
+          <p:nvPr>
+            <p:extLst>
+              <p:ext uri="{386F3935-93C4-4BCD-93E2-E3B085C9AB24}">
+                <p16:designElem xmlns:p16="http://schemas.microsoft.com/office/powerpoint/2015/main" val="1"/>
+              </p:ext>
+            </p:extLst>
+          </p:nvPr>
+        </p:nvSpPr>
+        <p:spPr>
+          <a:xfrm>
+            <a:off x="0" y="0"/>
+            <a:ext cx="12192000" cy="6858000"/>
+          </a:xfrm>
+          <a:prstGeom prst="rect">
+            <a:avLst/>
+          </a:prstGeom>
+          <a:ln>
+            <a:noFill/>
+          </a:ln>
+        </p:spPr>
+        <p:style>
+          <a:lnRef idx="2">
+            <a:schemeClr val="accent1">
+              <a:shade val="50000"/>
+            </a:schemeClr>
+          </a:lnRef>
+          <a:fillRef idx="1">
+            <a:schemeClr val="accent1"/>
+          </a:fillRef>
+          <a:effectRef idx="0">
+            <a:schemeClr val="accent1"/>
+          </a:effectRef>
+          <a:fontRef idx="minor">
+            <a:schemeClr val="lt1"/>
+          </a:fontRef>
+        </p:style>
+        <p:txBody>
+          <a:bodyPr rtlCol="0" anchor="ctr"/>
+          <a:lstStyle/>
+          <a:p>
+            <a:pPr algn="ctr"/>
+            <a:endParaRPr lang="en-US"/>
+          </a:p>
+        </p:txBody>
+      </p:sp>
+      <p:pic>
+        <p:nvPicPr>
+          <p:cNvPr id="5" name="Picture 4" descr="Cat staring at a laptop">
+            <a:extLst>
+              <a:ext uri="{FF2B5EF4-FFF2-40B4-BE49-F238E27FC236}">
+                <a16:creationId xmlns:a16="http://schemas.microsoft.com/office/drawing/2014/main" id="{A201351E-3D89-6457-1D3A-889709C9B044}"/>
+              </a:ext>
+            </a:extLst>
+          </p:cNvPr>
+          <p:cNvPicPr>
+            <a:picLocks noChangeAspect="1"/>
+          </p:cNvPicPr>
+          <p:nvPr/>
+        </p:nvPicPr>
+        <p:blipFill rotWithShape="1">
+          <a:blip r:embed="rId2"/>
+          <a:srcRect l="20180" t="9091" r="3109"/>
+          <a:stretch/>
+        </p:blipFill>
+        <p:spPr>
+          <a:xfrm>
+            <a:off x="3522468" y="10"/>
+            <a:ext cx="8669532" cy="6857990"/>
+          </a:xfrm>
+          <a:prstGeom prst="rect">
+            <a:avLst/>
+          </a:prstGeom>
+        </p:spPr>
+      </p:pic>
+      <p:sp>
+        <p:nvSpPr>
+          <p:cNvPr id="18" name="Rectangle 17">
+            <a:extLst>
+              <a:ext uri="{FF2B5EF4-FFF2-40B4-BE49-F238E27FC236}">
+                <a16:creationId xmlns:a16="http://schemas.microsoft.com/office/drawing/2014/main" id="{DD3981AC-7B61-4947-BCF3-F7AA7FA385B9}"/>
+              </a:ext>
+              <a:ext uri="{C183D7F6-B498-43B3-948B-1728B52AA6E4}">
+                <adec:decorative xmlns:adec="http://schemas.microsoft.com/office/drawing/2017/decorative" val="1"/>
+              </a:ext>
+            </a:extLst>
+          </p:cNvPr>
+          <p:cNvSpPr>
+            <a:spLocks noGrp="1" noRot="1" noChangeAspect="1" noMove="1" noResize="1" noEditPoints="1" noAdjustHandles="1" noChangeArrowheads="1" noChangeShapeType="1" noTextEdit="1"/>
+          </p:cNvSpPr>
+          <p:nvPr>
+            <p:extLst>
+              <p:ext uri="{386F3935-93C4-4BCD-93E2-E3B085C9AB24}">
+                <p16:designElem xmlns:p16="http://schemas.microsoft.com/office/powerpoint/2015/main" val="1"/>
+              </p:ext>
+            </p:extLst>
+          </p:nvPr>
+        </p:nvSpPr>
+        <p:spPr>
+          <a:xfrm>
+            <a:off x="2" y="0"/>
+            <a:ext cx="9756601" cy="6858000"/>
+          </a:xfrm>
+          <a:prstGeom prst="rect">
+            <a:avLst/>
+          </a:prstGeom>
+          <a:gradFill>
+            <a:gsLst>
+              <a:gs pos="58000">
+                <a:schemeClr val="tx1"/>
+              </a:gs>
+              <a:gs pos="35000">
+                <a:schemeClr val="tx1">
+                  <a:alpha val="78000"/>
+                </a:schemeClr>
+              </a:gs>
+              <a:gs pos="19000">
+                <a:schemeClr val="tx1">
+                  <a:alpha val="38000"/>
+                </a:schemeClr>
+              </a:gs>
+              <a:gs pos="0">
+                <a:schemeClr val="tx1">
+                  <a:alpha val="0"/>
+                </a:schemeClr>
+              </a:gs>
+              <a:gs pos="100000">
+                <a:schemeClr val="tx1"/>
+              </a:gs>
+            </a:gsLst>
+            <a:lin ang="10800000" scaled="0"/>
+          </a:gradFill>
+          <a:ln>
+            <a:noFill/>
+          </a:ln>
+        </p:spPr>
+        <p:style>
+          <a:lnRef idx="2">
+            <a:schemeClr val="accent1">
+              <a:shade val="50000"/>
+            </a:schemeClr>
+          </a:lnRef>
+          <a:fillRef idx="1">
+            <a:schemeClr val="accent1"/>
+          </a:fillRef>
+          <a:effectRef idx="0">
+            <a:schemeClr val="accent1"/>
+          </a:effectRef>
+          <a:fontRef idx="minor">
+            <a:schemeClr val="lt1"/>
+          </a:fontRef>
+        </p:style>
+        <p:txBody>
+          <a:bodyPr rtlCol="0" anchor="ctr"/>
+          <a:lstStyle/>
+          <a:p>
+            <a:pPr algn="ctr"/>
+            <a:endParaRPr lang="en-US" dirty="0"/>
+          </a:p>
+        </p:txBody>
+      </p:sp>
+      <p:sp>
+        <p:nvSpPr>
+          <p:cNvPr id="2" name="Title 1">
+            <a:extLst>
+              <a:ext uri="{FF2B5EF4-FFF2-40B4-BE49-F238E27FC236}">
+                <a16:creationId xmlns:a16="http://schemas.microsoft.com/office/drawing/2014/main" id="{FDB0B11A-2B80-2788-18BC-DC9F870994F5}"/>
+              </a:ext>
+            </a:extLst>
+          </p:cNvPr>
+          <p:cNvSpPr>
+            <a:spLocks noGrp="1"/>
+          </p:cNvSpPr>
+          <p:nvPr>
+            <p:ph type="title"/>
+          </p:nvPr>
+        </p:nvSpPr>
+        <p:spPr>
+          <a:xfrm>
+            <a:off x="371094" y="1161288"/>
+            <a:ext cx="3438144" cy="1124712"/>
+          </a:xfrm>
+        </p:spPr>
+        <p:txBody>
+          <a:bodyPr anchor="b">
+            <a:normAutofit/>
+          </a:bodyPr>
+          <a:lstStyle/>
+          <a:p>
+            <a:r>
+              <a:rPr lang="en-US" sz="2800">
+                <a:solidFill>
+                  <a:schemeClr val="bg1"/>
+                </a:solidFill>
+              </a:rPr>
+              <a:t>To The Code!</a:t>
+            </a:r>
+          </a:p>
+        </p:txBody>
+      </p:sp>
+      <p:sp>
+        <p:nvSpPr>
+          <p:cNvPr id="20" name="Rectangle 19">
+            <a:extLst>
+              <a:ext uri="{FF2B5EF4-FFF2-40B4-BE49-F238E27FC236}">
+                <a16:creationId xmlns:a16="http://schemas.microsoft.com/office/drawing/2014/main" id="{55D4142C-5077-457F-A6AD-3FECFDB39685}"/>
+              </a:ext>
+              <a:ext uri="{C183D7F6-B498-43B3-948B-1728B52AA6E4}">
+                <adec:decorative xmlns:adec="http://schemas.microsoft.com/office/drawing/2017/decorative" val="1"/>
+              </a:ext>
+            </a:extLst>
+          </p:cNvPr>
+          <p:cNvSpPr>
+            <a:spLocks noGrp="1" noRot="1" noChangeAspect="1" noMove="1" noResize="1" noEditPoints="1" noAdjustHandles="1" noChangeArrowheads="1" noChangeShapeType="1" noTextEdit="1"/>
+          </p:cNvSpPr>
+          <p:nvPr>
+            <p:extLst>
+              <p:ext uri="{386F3935-93C4-4BCD-93E2-E3B085C9AB24}">
+                <p16:designElem xmlns:p16="http://schemas.microsoft.com/office/powerpoint/2015/main" val="1"/>
+              </p:ext>
+            </p:extLst>
+          </p:nvPr>
+        </p:nvSpPr>
+        <p:spPr>
+          <a:xfrm rot="5400000">
+            <a:off x="662559" y="605790"/>
+            <a:ext cx="73152" cy="548640"/>
+          </a:xfrm>
+          <a:prstGeom prst="rect">
+            <a:avLst/>
+          </a:prstGeom>
+          <a:solidFill>
+            <a:schemeClr val="accent2"/>
+          </a:solidFill>
+          <a:ln>
+            <a:noFill/>
+          </a:ln>
+        </p:spPr>
+        <p:style>
+          <a:lnRef idx="2">
+            <a:schemeClr val="accent1">
+              <a:shade val="50000"/>
+            </a:schemeClr>
+          </a:lnRef>
+          <a:fillRef idx="1">
+            <a:schemeClr val="accent1"/>
+          </a:fillRef>
+          <a:effectRef idx="0">
+            <a:schemeClr val="accent1"/>
+          </a:effectRef>
+          <a:fontRef idx="minor">
+            <a:schemeClr val="lt1"/>
+          </a:fontRef>
+        </p:style>
+        <p:txBody>
+          <a:bodyPr rtlCol="0" anchor="ctr"/>
+          <a:lstStyle/>
+          <a:p>
+            <a:pPr algn="ctr"/>
+            <a:endParaRPr lang="en-US">
+              <a:solidFill>
+                <a:prstClr val="white"/>
+              </a:solidFill>
+              <a:latin typeface="Calibri" panose="020F0502020204030204"/>
+            </a:endParaRPr>
+          </a:p>
+        </p:txBody>
+      </p:sp>
+      <p:sp>
+        <p:nvSpPr>
+          <p:cNvPr id="22" name="Rectangle 21">
+            <a:extLst>
+              <a:ext uri="{FF2B5EF4-FFF2-40B4-BE49-F238E27FC236}">
+                <a16:creationId xmlns:a16="http://schemas.microsoft.com/office/drawing/2014/main" id="{7A5F0580-5EE9-419F-96EE-B6529EF6E7D0}"/>
+              </a:ext>
+              <a:ext uri="{C183D7F6-B498-43B3-948B-1728B52AA6E4}">
+                <adec:decorative xmlns:adec="http://schemas.microsoft.com/office/drawing/2017/decorative" val="1"/>
+              </a:ext>
+            </a:extLst>
+          </p:cNvPr>
+          <p:cNvSpPr>
+            <a:spLocks noGrp="1" noRot="1" noChangeAspect="1" noMove="1" noResize="1" noEditPoints="1" noAdjustHandles="1" noChangeArrowheads="1" noChangeShapeType="1" noTextEdit="1"/>
+          </p:cNvSpPr>
+          <p:nvPr>
+            <p:extLst>
+              <p:ext uri="{386F3935-93C4-4BCD-93E2-E3B085C9AB24}">
+                <p16:designElem xmlns:p16="http://schemas.microsoft.com/office/powerpoint/2015/main" val="1"/>
+              </p:ext>
+            </p:extLst>
+          </p:nvPr>
+        </p:nvSpPr>
+        <p:spPr>
+          <a:xfrm>
+            <a:off x="428244" y="2443480"/>
+            <a:ext cx="3300984" cy="9144"/>
+          </a:xfrm>
+          <a:prstGeom prst="rect">
+            <a:avLst/>
+          </a:prstGeom>
+          <a:solidFill>
+            <a:schemeClr val="tx1"/>
+          </a:solidFill>
+          <a:ln w="3175">
+            <a:solidFill>
+              <a:schemeClr val="bg1"/>
+            </a:solidFill>
+          </a:ln>
+          <a:effectLst/>
+        </p:spPr>
+        <p:style>
+          <a:lnRef idx="2">
+            <a:schemeClr val="accent1">
+              <a:shade val="50000"/>
+            </a:schemeClr>
+          </a:lnRef>
+          <a:fillRef idx="1">
+            <a:schemeClr val="accent1"/>
+          </a:fillRef>
+          <a:effectRef idx="0">
+            <a:schemeClr val="accent1"/>
+          </a:effectRef>
+          <a:fontRef idx="minor">
+            <a:schemeClr val="lt1"/>
+          </a:fontRef>
+        </p:style>
+        <p:txBody>
+          <a:bodyPr rtlCol="0" anchor="ctr"/>
+          <a:lstStyle/>
+          <a:p>
+            <a:pPr marL="0" marR="0" lvl="0" indent="0" algn="ctr" defTabSz="914400" rtl="0" eaLnBrk="1" fontAlgn="auto" latinLnBrk="0" hangingPunct="1">
+              <a:lnSpc>
+                <a:spcPct val="100000"/>
+              </a:lnSpc>
+              <a:spcBef>
+                <a:spcPts val="0"/>
+              </a:spcBef>
+              <a:spcAft>
+                <a:spcPts val="0"/>
+              </a:spcAft>
+              <a:buClrTx/>
+              <a:buSzTx/>
+              <a:buFontTx/>
+              <a:buNone/>
+              <a:tabLst/>
+              <a:defRPr/>
+            </a:pPr>
+            <a:endParaRPr kumimoji="0" lang="en-US" sz="1800" b="0" i="0" u="none" strike="noStrike" kern="1200" cap="none" spc="0" normalizeH="0" baseline="0" noProof="0">
+              <a:ln>
+                <a:noFill/>
+              </a:ln>
+              <a:solidFill>
+                <a:prstClr val="white"/>
+              </a:solidFill>
+              <a:effectLst/>
+              <a:uLnTx/>
+              <a:uFillTx/>
+              <a:latin typeface="Calibri" panose="020F0502020204030204"/>
+              <a:ea typeface="+mn-ea"/>
+              <a:cs typeface="+mn-cs"/>
+            </a:endParaRPr>
+          </a:p>
+        </p:txBody>
+      </p:sp>
+      <p:sp>
+        <p:nvSpPr>
+          <p:cNvPr id="3" name="Content Placeholder 2">
+            <a:extLst>
+              <a:ext uri="{FF2B5EF4-FFF2-40B4-BE49-F238E27FC236}">
+                <a16:creationId xmlns:a16="http://schemas.microsoft.com/office/drawing/2014/main" id="{1A239784-9C5A-A7EE-D097-A6F98344A8C7}"/>
+              </a:ext>
+            </a:extLst>
+          </p:cNvPr>
+          <p:cNvSpPr>
+            <a:spLocks noGrp="1"/>
+          </p:cNvSpPr>
+          <p:nvPr>
+            <p:ph idx="1"/>
+          </p:nvPr>
+        </p:nvSpPr>
+        <p:spPr>
+          <a:xfrm>
+            <a:off x="371094" y="2718054"/>
+            <a:ext cx="3438906" cy="3207258"/>
+          </a:xfrm>
+        </p:spPr>
+        <p:txBody>
+          <a:bodyPr anchor="t">
+            <a:normAutofit/>
+          </a:bodyPr>
+          <a:lstStyle/>
+          <a:p>
+            <a:pPr marL="0" indent="0">
+              <a:buNone/>
+            </a:pPr>
+            <a:r>
+              <a:rPr lang="en-US" sz="1700">
+                <a:solidFill>
+                  <a:schemeClr val="bg1"/>
+                </a:solidFill>
+              </a:rPr>
+              <a:t>Dataset: cats.csv</a:t>
+            </a:r>
+          </a:p>
+          <a:p>
+            <a:pPr marL="0" indent="0">
+              <a:buNone/>
+            </a:pPr>
+            <a:r>
+              <a:rPr lang="en-US" sz="1700">
+                <a:solidFill>
+                  <a:schemeClr val="bg1"/>
+                </a:solidFill>
+              </a:rPr>
+              <a:t>File: cat_survey.ipynb</a:t>
+            </a:r>
+          </a:p>
+        </p:txBody>
+      </p:sp>
+    </p:spTree>
+    <p:extLst>
+      <p:ext uri="{BB962C8B-B14F-4D97-AF65-F5344CB8AC3E}">
+        <p14:creationId xmlns:p14="http://schemas.microsoft.com/office/powerpoint/2010/main" val="970245894"/>
+      </p:ext>
+    </p:extLst>
+  </p:cSld>
+  <p:clrMapOvr>
+    <a:masterClrMapping/>
+  </p:clrMapOvr>
+</p:sld>
+</file>
+
+<file path=ppt/slides/slide17.xml><?xml version="1.0" encoding="utf-8"?>
 <p:sld xmlns:a="http://schemas.openxmlformats.org/drawingml/2006/main" xmlns:r="http://schemas.openxmlformats.org/officeDocument/2006/relationships" xmlns:p="http://schemas.openxmlformats.org/presentationml/2006/main">
   <p:cSld>
     <p:bg>
@@ -12584,9 +13179,17 @@
           </a:bodyPr>
           <a:lstStyle/>
           <a:p>
+            <a:pPr algn="ctr"/>
             <a:r>
               <a:rPr lang="en-US" sz="4800" dirty="0"/>
-              <a:t>Making Visuals With Less Than Perfect Data</a:t>
+              <a:t>Reference: </a:t>
+            </a:r>
+            <a:br>
+              <a:rPr lang="en-US" sz="4800" dirty="0"/>
+            </a:br>
+            <a:r>
+              <a:rPr lang="en-US" sz="4800" dirty="0"/>
+              <a:t>Loading Data &amp; ‘What Now?’</a:t>
             </a:r>
           </a:p>
         </p:txBody>
@@ -12615,51 +13218,121 @@
         </p:spPr>
         <p:txBody>
           <a:bodyPr anchor="ctr">
-            <a:normAutofit/>
+            <a:normAutofit fontScale="92500" lnSpcReduction="20000"/>
           </a:bodyPr>
           <a:lstStyle/>
           <a:p>
             <a:r>
               <a:rPr lang="en-US" sz="2400" dirty="0"/>
-              <a:t>The data we’ll use next isn’t terrible, but it’s not necessarily perfect</a:t>
+              <a:t>Pandas can read numerous file types</a:t>
+            </a:r>
+          </a:p>
+          <a:p>
+            <a:pPr lvl="1"/>
+            <a:r>
+              <a:rPr lang="en-US" sz="2000" dirty="0"/>
+              <a:t>In all instances you will need a file path of some kind so the program knows where to look</a:t>
+            </a:r>
+          </a:p>
+          <a:p>
+            <a:pPr lvl="1"/>
+            <a:r>
+              <a:rPr lang="en-US" sz="2000" dirty="0"/>
+              <a:t>We will read files into a </a:t>
+            </a:r>
+            <a:r>
+              <a:rPr lang="en-US" sz="2000" dirty="0" err="1"/>
+              <a:t>dataframe</a:t>
+            </a:r>
+            <a:r>
+              <a:rPr lang="en-US" sz="2000" dirty="0"/>
+              <a:t> (</a:t>
+            </a:r>
+            <a:r>
+              <a:rPr lang="en-US" sz="2000" dirty="0" err="1"/>
+              <a:t>df</a:t>
+            </a:r>
+            <a:r>
+              <a:rPr lang="en-US" sz="2000" dirty="0"/>
+              <a:t>), which is basically Pandas’ version of a spreadsheet, but way cooler</a:t>
+            </a:r>
+          </a:p>
+          <a:p>
+            <a:pPr lvl="1"/>
+            <a:r>
+              <a:rPr lang="en-US" sz="2000" dirty="0"/>
+              <a:t>csv: </a:t>
+            </a:r>
+            <a:r>
+              <a:rPr lang="en-US" sz="2000" dirty="0" err="1"/>
+              <a:t>df</a:t>
+            </a:r>
+            <a:r>
+              <a:rPr lang="en-US" sz="2000" dirty="0"/>
+              <a:t> = </a:t>
+            </a:r>
+            <a:r>
+              <a:rPr lang="en-US" sz="2000" dirty="0" err="1"/>
+              <a:t>pd.read_csv</a:t>
+            </a:r>
+            <a:r>
+              <a:rPr lang="en-US" sz="2000" dirty="0"/>
+              <a:t>(r’[insert file path here – brackets not needed])</a:t>
+            </a:r>
+          </a:p>
+          <a:p>
+            <a:r>
+              <a:rPr lang="en-US" sz="2400" dirty="0"/>
+              <a:t>I’ve loaded the data. Now what?</a:t>
+            </a:r>
+          </a:p>
+          <a:p>
+            <a:pPr lvl="1"/>
+            <a:r>
+              <a:rPr lang="en-US" sz="2000" dirty="0"/>
+              <a:t>View </a:t>
+            </a:r>
+            <a:r>
+              <a:rPr lang="en-US" sz="2000" dirty="0" err="1"/>
+              <a:t>dataframe</a:t>
             </a:r>
             <a:endParaRPr lang="en-US" sz="2000" dirty="0"/>
           </a:p>
           <a:p>
-            <a:r>
-              <a:rPr lang="en-US" sz="2400" dirty="0"/>
-              <a:t>It’s also going to be a lot more data than we’ve looked at so far</a:t>
-            </a:r>
-          </a:p>
-          <a:p>
-            <a:r>
-              <a:rPr lang="en-US" sz="2400" dirty="0"/>
-              <a:t>What we’ll learn:</a:t>
-            </a:r>
-          </a:p>
-          <a:p>
             <a:pPr lvl="1"/>
             <a:r>
               <a:rPr lang="en-US" sz="2000" dirty="0"/>
-              <a:t>Datatypes</a:t>
+              <a:t>How may records (rows)? How many columns?</a:t>
             </a:r>
           </a:p>
           <a:p>
             <a:pPr lvl="1"/>
             <a:r>
               <a:rPr lang="en-US" sz="2000" dirty="0"/>
-              <a:t>How to use Pandas when thinking about your data and how clean or messy it is</a:t>
+              <a:t>What data types do you have?</a:t>
             </a:r>
           </a:p>
           <a:p>
             <a:pPr lvl="1"/>
             <a:r>
               <a:rPr lang="en-US" sz="2000" dirty="0"/>
-              <a:t>How to use visuals to display messy vs clean data</a:t>
-            </a:r>
-          </a:p>
-          <a:p>
-            <a:endParaRPr lang="en-US" sz="2000" dirty="0"/>
+              <a:t>Is any information missing?</a:t>
+            </a:r>
+          </a:p>
+          <a:p>
+            <a:pPr lvl="1"/>
+            <a:r>
+              <a:rPr lang="en-US" sz="2000" dirty="0"/>
+              <a:t>In short, </a:t>
+            </a:r>
+            <a:r>
+              <a:rPr lang="en-US" sz="2000" i="1" dirty="0"/>
+              <a:t>think about the data!</a:t>
+            </a:r>
+          </a:p>
+          <a:p>
+            <a:pPr lvl="1"/>
+            <a:endParaRPr lang="en-US" sz="2000" i="1" dirty="0"/>
           </a:p>
         </p:txBody>
       </p:sp>
@@ -12718,7 +13391,7 @@
     </p:spTree>
     <p:extLst>
       <p:ext uri="{BB962C8B-B14F-4D97-AF65-F5344CB8AC3E}">
-        <p14:creationId xmlns:p14="http://schemas.microsoft.com/office/powerpoint/2010/main" val="2643429968"/>
+        <p14:creationId xmlns:p14="http://schemas.microsoft.com/office/powerpoint/2010/main" val="2998377533"/>
       </p:ext>
     </p:extLst>
   </p:cSld>
@@ -12728,7 +13401,252 @@
 </p:sld>
 </file>
 
-<file path=ppt/slides/slide17.xml><?xml version="1.0" encoding="utf-8"?>
+<file path=ppt/slides/slide18.xml><?xml version="1.0" encoding="utf-8"?>
+<p:sld xmlns:a="http://schemas.openxmlformats.org/drawingml/2006/main" xmlns:r="http://schemas.openxmlformats.org/officeDocument/2006/relationships" xmlns:p="http://schemas.openxmlformats.org/presentationml/2006/main">
+  <p:cSld>
+    <p:spTree>
+      <p:nvGrpSpPr>
+        <p:cNvPr id="1" name=""/>
+        <p:cNvGrpSpPr/>
+        <p:nvPr/>
+      </p:nvGrpSpPr>
+      <p:grpSpPr>
+        <a:xfrm>
+          <a:off x="0" y="0"/>
+          <a:ext cx="0" cy="0"/>
+          <a:chOff x="0" y="0"/>
+          <a:chExt cx="0" cy="0"/>
+        </a:xfrm>
+      </p:grpSpPr>
+      <p:sp>
+        <p:nvSpPr>
+          <p:cNvPr id="2" name="Title 1">
+            <a:extLst>
+              <a:ext uri="{FF2B5EF4-FFF2-40B4-BE49-F238E27FC236}">
+                <a16:creationId xmlns:a16="http://schemas.microsoft.com/office/drawing/2014/main" id="{2DDBF285-B190-7396-2182-98DB31EE7DAD}"/>
+              </a:ext>
+            </a:extLst>
+          </p:cNvPr>
+          <p:cNvSpPr>
+            <a:spLocks noGrp="1"/>
+          </p:cNvSpPr>
+          <p:nvPr>
+            <p:ph type="title"/>
+          </p:nvPr>
+        </p:nvSpPr>
+        <p:spPr/>
+        <p:txBody>
+          <a:bodyPr>
+            <a:normAutofit/>
+          </a:bodyPr>
+          <a:lstStyle/>
+          <a:p>
+            <a:pPr algn="ctr"/>
+            <a:r>
+              <a:rPr lang="en-US" sz="4800" dirty="0"/>
+              <a:t>Thinking About Data</a:t>
+            </a:r>
+          </a:p>
+        </p:txBody>
+      </p:sp>
+      <p:sp>
+        <p:nvSpPr>
+          <p:cNvPr id="3" name="Text Placeholder 2">
+            <a:extLst>
+              <a:ext uri="{FF2B5EF4-FFF2-40B4-BE49-F238E27FC236}">
+                <a16:creationId xmlns:a16="http://schemas.microsoft.com/office/drawing/2014/main" id="{8CED0DA0-43C4-07DE-55A1-5A382EE047D7}"/>
+              </a:ext>
+            </a:extLst>
+          </p:cNvPr>
+          <p:cNvSpPr>
+            <a:spLocks noGrp="1"/>
+          </p:cNvSpPr>
+          <p:nvPr>
+            <p:ph type="body" idx="1"/>
+          </p:nvPr>
+        </p:nvSpPr>
+        <p:spPr/>
+        <p:txBody>
+          <a:bodyPr/>
+          <a:lstStyle/>
+          <a:p>
+            <a:r>
+              <a:rPr lang="en-US" dirty="0"/>
+              <a:t>Clean Data</a:t>
+            </a:r>
+          </a:p>
+        </p:txBody>
+      </p:sp>
+      <p:sp>
+        <p:nvSpPr>
+          <p:cNvPr id="4" name="Content Placeholder 3">
+            <a:extLst>
+              <a:ext uri="{FF2B5EF4-FFF2-40B4-BE49-F238E27FC236}">
+                <a16:creationId xmlns:a16="http://schemas.microsoft.com/office/drawing/2014/main" id="{0DDD4BDF-9DB3-900A-F906-65C9881BC3C3}"/>
+              </a:ext>
+            </a:extLst>
+          </p:cNvPr>
+          <p:cNvSpPr>
+            <a:spLocks noGrp="1"/>
+          </p:cNvSpPr>
+          <p:nvPr>
+            <p:ph sz="half" idx="2"/>
+          </p:nvPr>
+        </p:nvSpPr>
+        <p:spPr/>
+        <p:txBody>
+          <a:bodyPr/>
+          <a:lstStyle/>
+          <a:p>
+            <a:r>
+              <a:rPr lang="en-US" dirty="0"/>
+              <a:t>No empty/missing values</a:t>
+            </a:r>
+          </a:p>
+          <a:p>
+            <a:r>
+              <a:rPr lang="en-US" dirty="0"/>
+              <a:t>Consistent data type in each column</a:t>
+            </a:r>
+          </a:p>
+          <a:p>
+            <a:r>
+              <a:rPr lang="en-US" dirty="0"/>
+              <a:t>Column headers are variable names, not values</a:t>
+            </a:r>
+          </a:p>
+          <a:p>
+            <a:r>
+              <a:rPr lang="en-US" dirty="0"/>
+              <a:t>Data is ready to use!</a:t>
+            </a:r>
+          </a:p>
+          <a:p>
+            <a:endParaRPr lang="en-US" dirty="0"/>
+          </a:p>
+          <a:p>
+            <a:endParaRPr lang="en-US" dirty="0"/>
+          </a:p>
+        </p:txBody>
+      </p:sp>
+      <p:sp>
+        <p:nvSpPr>
+          <p:cNvPr id="5" name="Text Placeholder 4">
+            <a:extLst>
+              <a:ext uri="{FF2B5EF4-FFF2-40B4-BE49-F238E27FC236}">
+                <a16:creationId xmlns:a16="http://schemas.microsoft.com/office/drawing/2014/main" id="{986CCB52-FED5-D681-D5C3-D162B5EEF376}"/>
+              </a:ext>
+            </a:extLst>
+          </p:cNvPr>
+          <p:cNvSpPr>
+            <a:spLocks noGrp="1"/>
+          </p:cNvSpPr>
+          <p:nvPr>
+            <p:ph type="body" sz="quarter" idx="3"/>
+          </p:nvPr>
+        </p:nvSpPr>
+        <p:spPr/>
+        <p:txBody>
+          <a:bodyPr/>
+          <a:lstStyle/>
+          <a:p>
+            <a:r>
+              <a:rPr lang="en-US" dirty="0"/>
+              <a:t>Messy Data</a:t>
+            </a:r>
+          </a:p>
+        </p:txBody>
+      </p:sp>
+      <p:sp>
+        <p:nvSpPr>
+          <p:cNvPr id="6" name="Content Placeholder 5">
+            <a:extLst>
+              <a:ext uri="{FF2B5EF4-FFF2-40B4-BE49-F238E27FC236}">
+                <a16:creationId xmlns:a16="http://schemas.microsoft.com/office/drawing/2014/main" id="{BEBCDADC-1CBD-0DF3-7B45-A00462FBD2B7}"/>
+              </a:ext>
+            </a:extLst>
+          </p:cNvPr>
+          <p:cNvSpPr>
+            <a:spLocks noGrp="1"/>
+          </p:cNvSpPr>
+          <p:nvPr>
+            <p:ph sz="quarter" idx="4"/>
+          </p:nvPr>
+        </p:nvSpPr>
+        <p:spPr/>
+        <p:txBody>
+          <a:bodyPr/>
+          <a:lstStyle/>
+          <a:p>
+            <a:r>
+              <a:rPr lang="en-US" dirty="0"/>
+              <a:t>Messy data can include:</a:t>
+            </a:r>
+          </a:p>
+          <a:p>
+            <a:pPr lvl="1"/>
+            <a:r>
+              <a:rPr lang="en-US" dirty="0"/>
+              <a:t>Empty/missing values</a:t>
+            </a:r>
+          </a:p>
+          <a:p>
+            <a:pPr lvl="1"/>
+            <a:r>
+              <a:rPr lang="en-US" dirty="0"/>
+              <a:t>Mixed data types in each column</a:t>
+            </a:r>
+          </a:p>
+          <a:p>
+            <a:pPr lvl="1"/>
+            <a:r>
+              <a:rPr lang="en-US" dirty="0"/>
+              <a:t>Multiples variables stored in one column</a:t>
+            </a:r>
+          </a:p>
+          <a:p>
+            <a:r>
+              <a:rPr lang="en-US" dirty="0"/>
+              <a:t>Data requires cleaning</a:t>
+            </a:r>
+            <a:endParaRPr lang="en-US" dirty="0">
+              <a:sym typeface="Wingdings" panose="05000000000000000000" pitchFamily="2" charset="2"/>
+            </a:endParaRPr>
+          </a:p>
+          <a:p>
+            <a:pPr lvl="1"/>
+            <a:r>
+              <a:rPr lang="en-US" dirty="0">
+                <a:sym typeface="Wingdings" panose="05000000000000000000" pitchFamily="2" charset="2"/>
+              </a:rPr>
+              <a:t>This could be a course in and of itself!</a:t>
+            </a:r>
+            <a:endParaRPr lang="en-US" dirty="0"/>
+          </a:p>
+          <a:p>
+            <a:pPr lvl="1"/>
+            <a:endParaRPr lang="en-US" dirty="0"/>
+          </a:p>
+          <a:p>
+            <a:pPr lvl="1"/>
+            <a:endParaRPr lang="en-US" dirty="0"/>
+          </a:p>
+        </p:txBody>
+      </p:sp>
+    </p:spTree>
+    <p:extLst>
+      <p:ext uri="{BB962C8B-B14F-4D97-AF65-F5344CB8AC3E}">
+        <p14:creationId xmlns:p14="http://schemas.microsoft.com/office/powerpoint/2010/main" val="2641329426"/>
+      </p:ext>
+    </p:extLst>
+  </p:cSld>
+  <p:clrMapOvr>
+    <a:masterClrMapping/>
+  </p:clrMapOvr>
+</p:sld>
+</file>
+
+<file path=ppt/slides/slide19.xml><?xml version="1.0" encoding="utf-8"?>
 <p:sld xmlns:a="http://schemas.openxmlformats.org/drawingml/2006/main" xmlns:r="http://schemas.openxmlformats.org/officeDocument/2006/relationships" xmlns:p="http://schemas.openxmlformats.org/presentationml/2006/main">
   <p:cSld>
     <p:bg>
@@ -13087,25 +14005,19 @@
         </p:spPr>
         <p:txBody>
           <a:bodyPr anchor="t">
-            <a:normAutofit lnSpcReduction="10000"/>
+            <a:normAutofit/>
           </a:bodyPr>
           <a:lstStyle/>
           <a:p>
             <a:r>
               <a:rPr lang="en-US" sz="2200" dirty="0"/>
-              <a:t>Dataset: Earthquake</a:t>
+              <a:t>How would you describe this dataset? Messy? Clean? Somewhere in the middle?</a:t>
             </a:r>
           </a:p>
           <a:p>
             <a:r>
               <a:rPr lang="en-US" sz="2200" dirty="0"/>
-              <a:t>How would you describe this dataset? Messy? Clean? Somewhere in the middle?</a:t>
-            </a:r>
-          </a:p>
-          <a:p>
-            <a:r>
-              <a:rPr lang="en-US" sz="2200" dirty="0"/>
-              <a:t>We’ll have three primary steps:</a:t>
+              <a:t>Three primary steps:</a:t>
             </a:r>
           </a:p>
           <a:p>
@@ -13124,16 +14036,15 @@
             <a:pPr lvl="1"/>
             <a:r>
               <a:rPr lang="en-US" sz="1800" dirty="0"/>
-              <a:t>Summary info</a:t>
+              <a:t>Summary/descriptive info</a:t>
             </a:r>
           </a:p>
           <a:p>
             <a:pPr lvl="1"/>
             <a:r>
-              <a:rPr lang="en-US" sz="1800" dirty="0" err="1"/>
-              <a:t>Vizualizations</a:t>
-            </a:r>
-            <a:endParaRPr lang="en-US" sz="1800" dirty="0"/>
+              <a:rPr lang="en-US" sz="1800" dirty="0"/>
+              <a:t>Visualizations</a:t>
+            </a:r>
           </a:p>
           <a:p>
             <a:r>
@@ -13160,7 +14071,7 @@
     </p:spTree>
     <p:extLst>
       <p:ext uri="{BB962C8B-B14F-4D97-AF65-F5344CB8AC3E}">
-        <p14:creationId xmlns:p14="http://schemas.microsoft.com/office/powerpoint/2010/main" val="3746072393"/>
+        <p14:creationId xmlns:p14="http://schemas.microsoft.com/office/powerpoint/2010/main" val="19068241"/>
       </p:ext>
     </p:extLst>
   </p:cSld>
@@ -13170,7 +14081,738 @@
 </p:sld>
 </file>
 
-<file path=ppt/slides/slide18.xml><?xml version="1.0" encoding="utf-8"?>
+<file path=ppt/slides/slide2.xml><?xml version="1.0" encoding="utf-8"?>
+<p:sld xmlns:a="http://schemas.openxmlformats.org/drawingml/2006/main" xmlns:r="http://schemas.openxmlformats.org/officeDocument/2006/relationships" xmlns:p="http://schemas.openxmlformats.org/presentationml/2006/main">
+  <p:cSld>
+    <p:bg>
+      <p:bgPr>
+        <a:solidFill>
+          <a:schemeClr val="bg1"/>
+        </a:solidFill>
+        <a:effectLst/>
+      </p:bgPr>
+    </p:bg>
+    <p:spTree>
+      <p:nvGrpSpPr>
+        <p:cNvPr id="1" name=""/>
+        <p:cNvGrpSpPr/>
+        <p:nvPr/>
+      </p:nvGrpSpPr>
+      <p:grpSpPr>
+        <a:xfrm>
+          <a:off x="0" y="0"/>
+          <a:ext cx="0" cy="0"/>
+          <a:chOff x="0" y="0"/>
+          <a:chExt cx="0" cy="0"/>
+        </a:xfrm>
+      </p:grpSpPr>
+      <p:pic>
+        <p:nvPicPr>
+          <p:cNvPr id="6" name="Picture 5">
+            <a:extLst>
+              <a:ext uri="{FF2B5EF4-FFF2-40B4-BE49-F238E27FC236}">
+                <a16:creationId xmlns:a16="http://schemas.microsoft.com/office/drawing/2014/main" id="{525FB6AC-A3F8-F61F-4301-AE94C6AF2AD6}"/>
+              </a:ext>
+            </a:extLst>
+          </p:cNvPr>
+          <p:cNvPicPr>
+            <a:picLocks noChangeAspect="1"/>
+          </p:cNvPicPr>
+          <p:nvPr/>
+        </p:nvPicPr>
+        <p:blipFill rotWithShape="1">
+          <a:blip r:embed="rId2">
+            <a:duotone>
+              <a:schemeClr val="bg2">
+                <a:shade val="45000"/>
+                <a:satMod val="135000"/>
+              </a:schemeClr>
+              <a:prstClr val="white"/>
+            </a:duotone>
+          </a:blip>
+          <a:srcRect b="15730"/>
+          <a:stretch/>
+        </p:blipFill>
+        <p:spPr>
+          <a:xfrm>
+            <a:off x="20" y="10"/>
+            <a:ext cx="12191980" cy="6857990"/>
+          </a:xfrm>
+          <a:prstGeom prst="rect">
+            <a:avLst/>
+          </a:prstGeom>
+        </p:spPr>
+      </p:pic>
+      <p:sp>
+        <p:nvSpPr>
+          <p:cNvPr id="10" name="Rectangle 9">
+            <a:extLst>
+              <a:ext uri="{FF2B5EF4-FFF2-40B4-BE49-F238E27FC236}">
+                <a16:creationId xmlns:a16="http://schemas.microsoft.com/office/drawing/2014/main" id="{B50AB553-2A96-4A92-96F2-93548E096954}"/>
+              </a:ext>
+              <a:ext uri="{C183D7F6-B498-43B3-948B-1728B52AA6E4}">
+                <adec:decorative xmlns:adec="http://schemas.microsoft.com/office/drawing/2017/decorative" val="1"/>
+              </a:ext>
+            </a:extLst>
+          </p:cNvPr>
+          <p:cNvSpPr>
+            <a:spLocks noGrp="1" noRot="1" noChangeAspect="1" noMove="1" noResize="1" noEditPoints="1" noAdjustHandles="1" noChangeArrowheads="1" noChangeShapeType="1" noTextEdit="1"/>
+          </p:cNvSpPr>
+          <p:nvPr>
+            <p:extLst>
+              <p:ext uri="{386F3935-93C4-4BCD-93E2-E3B085C9AB24}">
+                <p16:designElem xmlns:p16="http://schemas.microsoft.com/office/powerpoint/2015/main" val="1"/>
+              </p:ext>
+            </p:extLst>
+          </p:nvPr>
+        </p:nvSpPr>
+        <p:spPr>
+          <a:xfrm>
+            <a:off x="0" y="0"/>
+            <a:ext cx="12192000" cy="6858000"/>
+          </a:xfrm>
+          <a:prstGeom prst="rect">
+            <a:avLst/>
+          </a:prstGeom>
+          <a:gradFill>
+            <a:gsLst>
+              <a:gs pos="10000">
+                <a:schemeClr val="bg2">
+                  <a:alpha val="68000"/>
+                </a:schemeClr>
+              </a:gs>
+              <a:gs pos="85000">
+                <a:schemeClr val="bg2">
+                  <a:alpha val="97000"/>
+                </a:schemeClr>
+              </a:gs>
+            </a:gsLst>
+            <a:path path="circle">
+              <a:fillToRect l="50000" t="50000" r="50000" b="50000"/>
+            </a:path>
+          </a:gradFill>
+          <a:ln>
+            <a:noFill/>
+          </a:ln>
+        </p:spPr>
+        <p:style>
+          <a:lnRef idx="2">
+            <a:schemeClr val="accent1">
+              <a:shade val="50000"/>
+            </a:schemeClr>
+          </a:lnRef>
+          <a:fillRef idx="1">
+            <a:schemeClr val="accent1"/>
+          </a:fillRef>
+          <a:effectRef idx="0">
+            <a:schemeClr val="accent1"/>
+          </a:effectRef>
+          <a:fontRef idx="minor">
+            <a:schemeClr val="lt1"/>
+          </a:fontRef>
+        </p:style>
+        <p:txBody>
+          <a:bodyPr rtlCol="0" anchor="ctr"/>
+          <a:lstStyle/>
+          <a:p>
+            <a:pPr algn="ctr"/>
+            <a:endParaRPr lang="en-US"/>
+          </a:p>
+        </p:txBody>
+      </p:sp>
+      <p:sp>
+        <p:nvSpPr>
+          <p:cNvPr id="2" name="Title 1">
+            <a:extLst>
+              <a:ext uri="{FF2B5EF4-FFF2-40B4-BE49-F238E27FC236}">
+                <a16:creationId xmlns:a16="http://schemas.microsoft.com/office/drawing/2014/main" id="{937FA2FE-3544-DA7D-C735-994A0C89B111}"/>
+              </a:ext>
+            </a:extLst>
+          </p:cNvPr>
+          <p:cNvSpPr>
+            <a:spLocks noGrp="1"/>
+          </p:cNvSpPr>
+          <p:nvPr>
+            <p:ph type="title"/>
+          </p:nvPr>
+        </p:nvSpPr>
+        <p:spPr>
+          <a:xfrm>
+            <a:off x="838200" y="365125"/>
+            <a:ext cx="10515600" cy="1325563"/>
+          </a:xfrm>
+        </p:spPr>
+        <p:txBody>
+          <a:bodyPr>
+            <a:normAutofit/>
+          </a:bodyPr>
+          <a:lstStyle/>
+          <a:p>
+            <a:r>
+              <a:rPr lang="en-US" dirty="0"/>
+              <a:t>An Interrogation</a:t>
+            </a:r>
+          </a:p>
+        </p:txBody>
+      </p:sp>
+      <p:graphicFrame>
+        <p:nvGraphicFramePr>
+          <p:cNvPr id="5" name="Content Placeholder 2">
+            <a:extLst>
+              <a:ext uri="{FF2B5EF4-FFF2-40B4-BE49-F238E27FC236}">
+                <a16:creationId xmlns:a16="http://schemas.microsoft.com/office/drawing/2014/main" id="{985BCA25-7445-2F0C-1B62-B4BAD082BE79}"/>
+              </a:ext>
+            </a:extLst>
+          </p:cNvPr>
+          <p:cNvGraphicFramePr>
+            <a:graphicFrameLocks noGrp="1"/>
+          </p:cNvGraphicFramePr>
+          <p:nvPr>
+            <p:ph idx="1"/>
+            <p:extLst>
+              <p:ext uri="{D42A27DB-BD31-4B8C-83A1-F6EECF244321}">
+                <p14:modId xmlns:p14="http://schemas.microsoft.com/office/powerpoint/2010/main" val="3430806307"/>
+              </p:ext>
+            </p:extLst>
+          </p:nvPr>
+        </p:nvGraphicFramePr>
+        <p:xfrm>
+          <a:off x="838200" y="1825625"/>
+          <a:ext cx="10515600" cy="4351338"/>
+        </p:xfrm>
+        <a:graphic>
+          <a:graphicData uri="http://schemas.openxmlformats.org/drawingml/2006/diagram">
+            <dgm:relIds xmlns:dgm="http://schemas.openxmlformats.org/drawingml/2006/diagram" xmlns:r="http://schemas.openxmlformats.org/officeDocument/2006/relationships" r:dm="rId3" r:lo="rId4" r:qs="rId5" r:cs="rId6"/>
+          </a:graphicData>
+        </a:graphic>
+      </p:graphicFrame>
+    </p:spTree>
+    <p:extLst>
+      <p:ext uri="{BB962C8B-B14F-4D97-AF65-F5344CB8AC3E}">
+        <p14:creationId xmlns:p14="http://schemas.microsoft.com/office/powerpoint/2010/main" val="913838479"/>
+      </p:ext>
+    </p:extLst>
+  </p:cSld>
+  <p:clrMapOvr>
+    <a:masterClrMapping/>
+  </p:clrMapOvr>
+</p:sld>
+</file>
+
+<file path=ppt/slides/slide20.xml><?xml version="1.0" encoding="utf-8"?>
+<p:sld xmlns:a="http://schemas.openxmlformats.org/drawingml/2006/main" xmlns:r="http://schemas.openxmlformats.org/officeDocument/2006/relationships" xmlns:p="http://schemas.openxmlformats.org/presentationml/2006/main">
+  <p:cSld>
+    <p:bg>
+      <p:bgPr>
+        <a:solidFill>
+          <a:schemeClr val="bg1"/>
+        </a:solidFill>
+        <a:effectLst/>
+      </p:bgPr>
+    </p:bg>
+    <p:spTree>
+      <p:nvGrpSpPr>
+        <p:cNvPr id="1" name=""/>
+        <p:cNvGrpSpPr/>
+        <p:nvPr/>
+      </p:nvGrpSpPr>
+      <p:grpSpPr>
+        <a:xfrm>
+          <a:off x="0" y="0"/>
+          <a:ext cx="0" cy="0"/>
+          <a:chOff x="0" y="0"/>
+          <a:chExt cx="0" cy="0"/>
+        </a:xfrm>
+      </p:grpSpPr>
+      <p:sp useBgFill="1">
+        <p:nvSpPr>
+          <p:cNvPr id="12" name="Rectangle 8">
+            <a:extLst>
+              <a:ext uri="{FF2B5EF4-FFF2-40B4-BE49-F238E27FC236}">
+                <a16:creationId xmlns:a16="http://schemas.microsoft.com/office/drawing/2014/main" id="{9AA72BD9-2C5A-4EDC-931F-5AA08EACA0F3}"/>
+              </a:ext>
+              <a:ext uri="{C183D7F6-B498-43B3-948B-1728B52AA6E4}">
+                <adec:decorative xmlns:adec="http://schemas.microsoft.com/office/drawing/2017/decorative" val="1"/>
+              </a:ext>
+            </a:extLst>
+          </p:cNvPr>
+          <p:cNvSpPr>
+            <a:spLocks noGrp="1" noRot="1" noChangeAspect="1" noMove="1" noResize="1" noEditPoints="1" noAdjustHandles="1" noChangeArrowheads="1" noChangeShapeType="1" noTextEdit="1"/>
+          </p:cNvSpPr>
+          <p:nvPr>
+            <p:extLst>
+              <p:ext uri="{386F3935-93C4-4BCD-93E2-E3B085C9AB24}">
+                <p16:designElem xmlns:p16="http://schemas.microsoft.com/office/powerpoint/2015/main" val="1"/>
+              </p:ext>
+            </p:extLst>
+          </p:nvPr>
+        </p:nvSpPr>
+        <p:spPr>
+          <a:xfrm>
+            <a:off x="0" y="0"/>
+            <a:ext cx="12192000" cy="6858000"/>
+          </a:xfrm>
+          <a:prstGeom prst="rect">
+            <a:avLst/>
+          </a:prstGeom>
+          <a:ln>
+            <a:noFill/>
+          </a:ln>
+        </p:spPr>
+        <p:style>
+          <a:lnRef idx="2">
+            <a:schemeClr val="accent1">
+              <a:shade val="50000"/>
+            </a:schemeClr>
+          </a:lnRef>
+          <a:fillRef idx="1">
+            <a:schemeClr val="accent1"/>
+          </a:fillRef>
+          <a:effectRef idx="0">
+            <a:schemeClr val="accent1"/>
+          </a:effectRef>
+          <a:fontRef idx="minor">
+            <a:schemeClr val="lt1"/>
+          </a:fontRef>
+        </p:style>
+        <p:txBody>
+          <a:bodyPr rtlCol="0" anchor="ctr"/>
+          <a:lstStyle/>
+          <a:p>
+            <a:pPr algn="ctr"/>
+            <a:endParaRPr lang="en-US"/>
+          </a:p>
+        </p:txBody>
+      </p:sp>
+      <p:pic>
+        <p:nvPicPr>
+          <p:cNvPr id="14" name="Picture 4" descr="A cat in a bag">
+            <a:extLst>
+              <a:ext uri="{FF2B5EF4-FFF2-40B4-BE49-F238E27FC236}">
+                <a16:creationId xmlns:a16="http://schemas.microsoft.com/office/drawing/2014/main" id="{0B2FE87C-A73E-B0BF-67C8-85AADEB363F1}"/>
+              </a:ext>
+            </a:extLst>
+          </p:cNvPr>
+          <p:cNvPicPr>
+            <a:picLocks noChangeAspect="1"/>
+          </p:cNvPicPr>
+          <p:nvPr/>
+        </p:nvPicPr>
+        <p:blipFill rotWithShape="1">
+          <a:blip r:embed="rId2"/>
+          <a:srcRect r="15617" b="-1"/>
+          <a:stretch/>
+        </p:blipFill>
+        <p:spPr>
+          <a:xfrm>
+            <a:off x="3522468" y="10"/>
+            <a:ext cx="8669532" cy="6857990"/>
+          </a:xfrm>
+          <a:prstGeom prst="rect">
+            <a:avLst/>
+          </a:prstGeom>
+        </p:spPr>
+      </p:pic>
+      <p:sp>
+        <p:nvSpPr>
+          <p:cNvPr id="11" name="Rectangle 10">
+            <a:extLst>
+              <a:ext uri="{FF2B5EF4-FFF2-40B4-BE49-F238E27FC236}">
+                <a16:creationId xmlns:a16="http://schemas.microsoft.com/office/drawing/2014/main" id="{DD3981AC-7B61-4947-BCF3-F7AA7FA385B9}"/>
+              </a:ext>
+              <a:ext uri="{C183D7F6-B498-43B3-948B-1728B52AA6E4}">
+                <adec:decorative xmlns:adec="http://schemas.microsoft.com/office/drawing/2017/decorative" val="1"/>
+              </a:ext>
+            </a:extLst>
+          </p:cNvPr>
+          <p:cNvSpPr>
+            <a:spLocks noGrp="1" noRot="1" noChangeAspect="1" noMove="1" noResize="1" noEditPoints="1" noAdjustHandles="1" noChangeArrowheads="1" noChangeShapeType="1" noTextEdit="1"/>
+          </p:cNvSpPr>
+          <p:nvPr>
+            <p:extLst>
+              <p:ext uri="{386F3935-93C4-4BCD-93E2-E3B085C9AB24}">
+                <p16:designElem xmlns:p16="http://schemas.microsoft.com/office/powerpoint/2015/main" val="1"/>
+              </p:ext>
+            </p:extLst>
+          </p:nvPr>
+        </p:nvSpPr>
+        <p:spPr>
+          <a:xfrm>
+            <a:off x="2" y="0"/>
+            <a:ext cx="9756601" cy="6858000"/>
+          </a:xfrm>
+          <a:prstGeom prst="rect">
+            <a:avLst/>
+          </a:prstGeom>
+          <a:gradFill>
+            <a:gsLst>
+              <a:gs pos="58000">
+                <a:schemeClr val="tx1"/>
+              </a:gs>
+              <a:gs pos="35000">
+                <a:schemeClr val="tx1">
+                  <a:alpha val="78000"/>
+                </a:schemeClr>
+              </a:gs>
+              <a:gs pos="19000">
+                <a:schemeClr val="tx1">
+                  <a:alpha val="38000"/>
+                </a:schemeClr>
+              </a:gs>
+              <a:gs pos="0">
+                <a:schemeClr val="tx1">
+                  <a:alpha val="0"/>
+                </a:schemeClr>
+              </a:gs>
+              <a:gs pos="100000">
+                <a:schemeClr val="tx1"/>
+              </a:gs>
+            </a:gsLst>
+            <a:lin ang="10800000" scaled="0"/>
+          </a:gradFill>
+          <a:ln>
+            <a:noFill/>
+          </a:ln>
+        </p:spPr>
+        <p:style>
+          <a:lnRef idx="2">
+            <a:schemeClr val="accent1">
+              <a:shade val="50000"/>
+            </a:schemeClr>
+          </a:lnRef>
+          <a:fillRef idx="1">
+            <a:schemeClr val="accent1"/>
+          </a:fillRef>
+          <a:effectRef idx="0">
+            <a:schemeClr val="accent1"/>
+          </a:effectRef>
+          <a:fontRef idx="minor">
+            <a:schemeClr val="lt1"/>
+          </a:fontRef>
+        </p:style>
+        <p:txBody>
+          <a:bodyPr rtlCol="0" anchor="ctr"/>
+          <a:lstStyle/>
+          <a:p>
+            <a:pPr algn="ctr"/>
+            <a:endParaRPr lang="en-US" dirty="0"/>
+          </a:p>
+        </p:txBody>
+      </p:sp>
+      <p:sp>
+        <p:nvSpPr>
+          <p:cNvPr id="2" name="Title 1">
+            <a:extLst>
+              <a:ext uri="{FF2B5EF4-FFF2-40B4-BE49-F238E27FC236}">
+                <a16:creationId xmlns:a16="http://schemas.microsoft.com/office/drawing/2014/main" id="{5B809870-A867-3574-A5A3-7FF8D32DAF76}"/>
+              </a:ext>
+            </a:extLst>
+          </p:cNvPr>
+          <p:cNvSpPr>
+            <a:spLocks noGrp="1"/>
+          </p:cNvSpPr>
+          <p:nvPr>
+            <p:ph type="title"/>
+          </p:nvPr>
+        </p:nvSpPr>
+        <p:spPr>
+          <a:xfrm>
+            <a:off x="371094" y="1161288"/>
+            <a:ext cx="3438144" cy="1124712"/>
+          </a:xfrm>
+        </p:spPr>
+        <p:txBody>
+          <a:bodyPr anchor="b">
+            <a:normAutofit/>
+          </a:bodyPr>
+          <a:lstStyle/>
+          <a:p>
+            <a:r>
+              <a:rPr lang="en-US" sz="2800">
+                <a:solidFill>
+                  <a:schemeClr val="bg1"/>
+                </a:solidFill>
+              </a:rPr>
+              <a:t>To The Code!</a:t>
+            </a:r>
+          </a:p>
+        </p:txBody>
+      </p:sp>
+      <p:sp>
+        <p:nvSpPr>
+          <p:cNvPr id="13" name="Rectangle 12">
+            <a:extLst>
+              <a:ext uri="{FF2B5EF4-FFF2-40B4-BE49-F238E27FC236}">
+                <a16:creationId xmlns:a16="http://schemas.microsoft.com/office/drawing/2014/main" id="{55D4142C-5077-457F-A6AD-3FECFDB39685}"/>
+              </a:ext>
+              <a:ext uri="{C183D7F6-B498-43B3-948B-1728B52AA6E4}">
+                <adec:decorative xmlns:adec="http://schemas.microsoft.com/office/drawing/2017/decorative" val="1"/>
+              </a:ext>
+            </a:extLst>
+          </p:cNvPr>
+          <p:cNvSpPr>
+            <a:spLocks noGrp="1" noRot="1" noChangeAspect="1" noMove="1" noResize="1" noEditPoints="1" noAdjustHandles="1" noChangeArrowheads="1" noChangeShapeType="1" noTextEdit="1"/>
+          </p:cNvSpPr>
+          <p:nvPr>
+            <p:extLst>
+              <p:ext uri="{386F3935-93C4-4BCD-93E2-E3B085C9AB24}">
+                <p16:designElem xmlns:p16="http://schemas.microsoft.com/office/powerpoint/2015/main" val="1"/>
+              </p:ext>
+            </p:extLst>
+          </p:nvPr>
+        </p:nvSpPr>
+        <p:spPr>
+          <a:xfrm rot="5400000">
+            <a:off x="662559" y="605790"/>
+            <a:ext cx="73152" cy="548640"/>
+          </a:xfrm>
+          <a:prstGeom prst="rect">
+            <a:avLst/>
+          </a:prstGeom>
+          <a:solidFill>
+            <a:schemeClr val="accent2"/>
+          </a:solidFill>
+          <a:ln>
+            <a:noFill/>
+          </a:ln>
+        </p:spPr>
+        <p:style>
+          <a:lnRef idx="2">
+            <a:schemeClr val="accent1">
+              <a:shade val="50000"/>
+            </a:schemeClr>
+          </a:lnRef>
+          <a:fillRef idx="1">
+            <a:schemeClr val="accent1"/>
+          </a:fillRef>
+          <a:effectRef idx="0">
+            <a:schemeClr val="accent1"/>
+          </a:effectRef>
+          <a:fontRef idx="minor">
+            <a:schemeClr val="lt1"/>
+          </a:fontRef>
+        </p:style>
+        <p:txBody>
+          <a:bodyPr rtlCol="0" anchor="ctr"/>
+          <a:lstStyle/>
+          <a:p>
+            <a:pPr algn="ctr"/>
+            <a:endParaRPr lang="en-US">
+              <a:solidFill>
+                <a:prstClr val="white"/>
+              </a:solidFill>
+              <a:latin typeface="Calibri" panose="020F0502020204030204"/>
+            </a:endParaRPr>
+          </a:p>
+        </p:txBody>
+      </p:sp>
+      <p:sp>
+        <p:nvSpPr>
+          <p:cNvPr id="15" name="Rectangle 14">
+            <a:extLst>
+              <a:ext uri="{FF2B5EF4-FFF2-40B4-BE49-F238E27FC236}">
+                <a16:creationId xmlns:a16="http://schemas.microsoft.com/office/drawing/2014/main" id="{7A5F0580-5EE9-419F-96EE-B6529EF6E7D0}"/>
+              </a:ext>
+              <a:ext uri="{C183D7F6-B498-43B3-948B-1728B52AA6E4}">
+                <adec:decorative xmlns:adec="http://schemas.microsoft.com/office/drawing/2017/decorative" val="1"/>
+              </a:ext>
+            </a:extLst>
+          </p:cNvPr>
+          <p:cNvSpPr>
+            <a:spLocks noGrp="1" noRot="1" noChangeAspect="1" noMove="1" noResize="1" noEditPoints="1" noAdjustHandles="1" noChangeArrowheads="1" noChangeShapeType="1" noTextEdit="1"/>
+          </p:cNvSpPr>
+          <p:nvPr>
+            <p:extLst>
+              <p:ext uri="{386F3935-93C4-4BCD-93E2-E3B085C9AB24}">
+                <p16:designElem xmlns:p16="http://schemas.microsoft.com/office/powerpoint/2015/main" val="1"/>
+              </p:ext>
+            </p:extLst>
+          </p:nvPr>
+        </p:nvSpPr>
+        <p:spPr>
+          <a:xfrm>
+            <a:off x="428244" y="2443480"/>
+            <a:ext cx="3300984" cy="9144"/>
+          </a:xfrm>
+          <a:prstGeom prst="rect">
+            <a:avLst/>
+          </a:prstGeom>
+          <a:solidFill>
+            <a:schemeClr val="tx1"/>
+          </a:solidFill>
+          <a:ln w="3175">
+            <a:solidFill>
+              <a:schemeClr val="bg1"/>
+            </a:solidFill>
+          </a:ln>
+          <a:effectLst/>
+        </p:spPr>
+        <p:style>
+          <a:lnRef idx="2">
+            <a:schemeClr val="accent1">
+              <a:shade val="50000"/>
+            </a:schemeClr>
+          </a:lnRef>
+          <a:fillRef idx="1">
+            <a:schemeClr val="accent1"/>
+          </a:fillRef>
+          <a:effectRef idx="0">
+            <a:schemeClr val="accent1"/>
+          </a:effectRef>
+          <a:fontRef idx="minor">
+            <a:schemeClr val="lt1"/>
+          </a:fontRef>
+        </p:style>
+        <p:txBody>
+          <a:bodyPr rtlCol="0" anchor="ctr"/>
+          <a:lstStyle/>
+          <a:p>
+            <a:pPr marL="0" marR="0" lvl="0" indent="0" algn="ctr" defTabSz="914400" rtl="0" eaLnBrk="1" fontAlgn="auto" latinLnBrk="0" hangingPunct="1">
+              <a:lnSpc>
+                <a:spcPct val="100000"/>
+              </a:lnSpc>
+              <a:spcBef>
+                <a:spcPts val="0"/>
+              </a:spcBef>
+              <a:spcAft>
+                <a:spcPts val="0"/>
+              </a:spcAft>
+              <a:buClrTx/>
+              <a:buSzTx/>
+              <a:buFontTx/>
+              <a:buNone/>
+              <a:tabLst/>
+              <a:defRPr/>
+            </a:pPr>
+            <a:endParaRPr kumimoji="0" lang="en-US" sz="1800" b="0" i="0" u="none" strike="noStrike" kern="1200" cap="none" spc="0" normalizeH="0" baseline="0" noProof="0">
+              <a:ln>
+                <a:noFill/>
+              </a:ln>
+              <a:solidFill>
+                <a:prstClr val="white"/>
+              </a:solidFill>
+              <a:effectLst/>
+              <a:uLnTx/>
+              <a:uFillTx/>
+              <a:latin typeface="Calibri" panose="020F0502020204030204"/>
+              <a:ea typeface="+mn-ea"/>
+              <a:cs typeface="+mn-cs"/>
+            </a:endParaRPr>
+          </a:p>
+        </p:txBody>
+      </p:sp>
+      <p:sp>
+        <p:nvSpPr>
+          <p:cNvPr id="3" name="Content Placeholder 2">
+            <a:extLst>
+              <a:ext uri="{FF2B5EF4-FFF2-40B4-BE49-F238E27FC236}">
+                <a16:creationId xmlns:a16="http://schemas.microsoft.com/office/drawing/2014/main" id="{A1C06C22-3B86-71B1-1571-4FFDD79A0DE1}"/>
+              </a:ext>
+            </a:extLst>
+          </p:cNvPr>
+          <p:cNvSpPr>
+            <a:spLocks noGrp="1"/>
+          </p:cNvSpPr>
+          <p:nvPr>
+            <p:ph idx="1"/>
+          </p:nvPr>
+        </p:nvSpPr>
+        <p:spPr>
+          <a:xfrm>
+            <a:off x="371094" y="2718054"/>
+            <a:ext cx="3438906" cy="3207258"/>
+          </a:xfrm>
+        </p:spPr>
+        <p:txBody>
+          <a:bodyPr anchor="t">
+            <a:normAutofit/>
+          </a:bodyPr>
+          <a:lstStyle/>
+          <a:p>
+            <a:pPr marL="0" indent="0">
+              <a:buNone/>
+            </a:pPr>
+            <a:r>
+              <a:rPr lang="en-US" sz="1700" dirty="0">
+                <a:solidFill>
+                  <a:schemeClr val="bg1"/>
+                </a:solidFill>
+              </a:rPr>
+              <a:t>Dataset: imdb.csv</a:t>
+            </a:r>
+          </a:p>
+          <a:p>
+            <a:pPr marL="0" indent="0">
+              <a:buNone/>
+            </a:pPr>
+            <a:r>
+              <a:rPr lang="en-US" sz="1700" dirty="0">
+                <a:solidFill>
+                  <a:schemeClr val="bg1"/>
+                </a:solidFill>
+              </a:rPr>
+              <a:t>File: </a:t>
+            </a:r>
+            <a:r>
+              <a:rPr lang="en-US" sz="1700" dirty="0" err="1">
+                <a:solidFill>
+                  <a:schemeClr val="bg1"/>
+                </a:solidFill>
+              </a:rPr>
+              <a:t>movie_ratings.ipynb</a:t>
+            </a:r>
+            <a:endParaRPr lang="en-US" sz="1700" dirty="0">
+              <a:solidFill>
+                <a:schemeClr val="bg1"/>
+              </a:solidFill>
+            </a:endParaRPr>
+          </a:p>
+          <a:p>
+            <a:pPr marL="0" indent="0">
+              <a:buNone/>
+            </a:pPr>
+            <a:endParaRPr lang="en-US" sz="1700" dirty="0">
+              <a:solidFill>
+                <a:schemeClr val="bg1"/>
+              </a:solidFill>
+            </a:endParaRPr>
+          </a:p>
+          <a:p>
+            <a:pPr marL="0" indent="0">
+              <a:buNone/>
+            </a:pPr>
+            <a:r>
+              <a:rPr lang="en-US" sz="1700" dirty="0">
+                <a:solidFill>
+                  <a:schemeClr val="bg1"/>
+                </a:solidFill>
+              </a:rPr>
+              <a:t>Focus: Ratings</a:t>
+            </a:r>
+          </a:p>
+          <a:p>
+            <a:endParaRPr lang="en-US" sz="1700" dirty="0">
+              <a:solidFill>
+                <a:schemeClr val="bg1"/>
+              </a:solidFill>
+            </a:endParaRPr>
+          </a:p>
+        </p:txBody>
+      </p:sp>
+    </p:spTree>
+    <p:extLst>
+      <p:ext uri="{BB962C8B-B14F-4D97-AF65-F5344CB8AC3E}">
+        <p14:creationId xmlns:p14="http://schemas.microsoft.com/office/powerpoint/2010/main" val="3982301651"/>
+      </p:ext>
+    </p:extLst>
+  </p:cSld>
+  <p:clrMapOvr>
+    <a:masterClrMapping/>
+  </p:clrMapOvr>
+</p:sld>
+</file>
+
+<file path=ppt/slides/slide21.xml><?xml version="1.0" encoding="utf-8"?>
 <p:sld xmlns:a="http://schemas.openxmlformats.org/drawingml/2006/main" xmlns:r="http://schemas.openxmlformats.org/officeDocument/2006/relationships" xmlns:p="http://schemas.openxmlformats.org/presentationml/2006/main">
   <p:cSld>
     <p:bg>
@@ -13567,7 +15209,7 @@
           <a:p>
             <a:r>
               <a:rPr lang="en-US" sz="4800" dirty="0"/>
-              <a:t>Handling Missing Data</a:t>
+              <a:t>Making Visuals With Less Than Perfect Data</a:t>
             </a:r>
           </a:p>
         </p:txBody>
@@ -13602,6 +15244,519 @@
           <a:p>
             <a:r>
               <a:rPr lang="en-US" sz="2400" dirty="0"/>
+              <a:t>As you may have noticed, the IMDB data was pretty good, but it wasn’t perfect – there were some missing values.</a:t>
+            </a:r>
+            <a:endParaRPr lang="en-US" sz="2000" dirty="0"/>
+          </a:p>
+          <a:p>
+            <a:r>
+              <a:rPr lang="en-US" sz="2400" dirty="0"/>
+              <a:t>Depending on what you’re investigating, missing values may or may not be problematic. In the last example, because we looked at ratings, our visuals were not impacted since the missing data was not from the ratings column. </a:t>
+            </a:r>
+            <a:r>
+              <a:rPr lang="en-US" sz="2400" i="1" dirty="0"/>
+              <a:t>But what if we were missing data from an area we wanted to investigate?</a:t>
+            </a:r>
+          </a:p>
+        </p:txBody>
+      </p:sp>
+      <p:cxnSp>
+        <p:nvCxnSpPr>
+          <p:cNvPr id="17" name="Straight Connector 16">
+            <a:extLst>
+              <a:ext uri="{FF2B5EF4-FFF2-40B4-BE49-F238E27FC236}">
+                <a16:creationId xmlns:a16="http://schemas.microsoft.com/office/drawing/2014/main" id="{6CF1BAF6-AD41-4082-B212-8A1F9A2E8779}"/>
+              </a:ext>
+              <a:ext uri="{C183D7F6-B498-43B3-948B-1728B52AA6E4}">
+                <adec:decorative xmlns:adec="http://schemas.microsoft.com/office/drawing/2017/decorative" val="1"/>
+              </a:ext>
+            </a:extLst>
+          </p:cNvPr>
+          <p:cNvCxnSpPr>
+            <a:cxnSpLocks noGrp="1" noRot="1" noChangeAspect="1" noMove="1" noResize="1" noEditPoints="1" noAdjustHandles="1" noChangeArrowheads="1" noChangeShapeType="1"/>
+          </p:cNvCxnSpPr>
+          <p:nvPr>
+            <p:extLst>
+              <p:ext uri="{386F3935-93C4-4BCD-93E2-E3B085C9AB24}">
+                <p16:designElem xmlns:p16="http://schemas.microsoft.com/office/powerpoint/2015/main" val="1"/>
+              </p:ext>
+            </p:extLst>
+          </p:nvPr>
+        </p:nvCxnSpPr>
+        <p:spPr>
+          <a:xfrm flipH="1">
+            <a:off x="838200" y="6485313"/>
+            <a:ext cx="10515600" cy="0"/>
+          </a:xfrm>
+          <a:prstGeom prst="line">
+            <a:avLst/>
+          </a:prstGeom>
+          <a:ln w="57150">
+            <a:solidFill>
+              <a:schemeClr val="accent4"/>
+            </a:solidFill>
+          </a:ln>
+        </p:spPr>
+        <p:style>
+          <a:lnRef idx="1">
+            <a:schemeClr val="accent1"/>
+          </a:lnRef>
+          <a:fillRef idx="0">
+            <a:schemeClr val="accent1"/>
+          </a:fillRef>
+          <a:effectRef idx="0">
+            <a:schemeClr val="accent1"/>
+          </a:effectRef>
+          <a:fontRef idx="minor">
+            <a:schemeClr val="tx1"/>
+          </a:fontRef>
+        </p:style>
+      </p:cxnSp>
+    </p:spTree>
+    <p:extLst>
+      <p:ext uri="{BB962C8B-B14F-4D97-AF65-F5344CB8AC3E}">
+        <p14:creationId xmlns:p14="http://schemas.microsoft.com/office/powerpoint/2010/main" val="2643429968"/>
+      </p:ext>
+    </p:extLst>
+  </p:cSld>
+  <p:clrMapOvr>
+    <a:masterClrMapping/>
+  </p:clrMapOvr>
+</p:sld>
+</file>
+
+<file path=ppt/slides/slide22.xml><?xml version="1.0" encoding="utf-8"?>
+<p:sld xmlns:a="http://schemas.openxmlformats.org/drawingml/2006/main" xmlns:r="http://schemas.openxmlformats.org/officeDocument/2006/relationships" xmlns:p="http://schemas.openxmlformats.org/presentationml/2006/main">
+  <p:cSld>
+    <p:bg>
+      <p:bgPr>
+        <a:solidFill>
+          <a:schemeClr val="bg1"/>
+        </a:solidFill>
+        <a:effectLst/>
+      </p:bgPr>
+    </p:bg>
+    <p:spTree>
+      <p:nvGrpSpPr>
+        <p:cNvPr id="1" name=""/>
+        <p:cNvGrpSpPr/>
+        <p:nvPr/>
+      </p:nvGrpSpPr>
+      <p:grpSpPr>
+        <a:xfrm>
+          <a:off x="0" y="0"/>
+          <a:ext cx="0" cy="0"/>
+          <a:chOff x="0" y="0"/>
+          <a:chExt cx="0" cy="0"/>
+        </a:xfrm>
+      </p:grpSpPr>
+      <p:sp useBgFill="1">
+        <p:nvSpPr>
+          <p:cNvPr id="8" name="Rectangle 7">
+            <a:extLst>
+              <a:ext uri="{FF2B5EF4-FFF2-40B4-BE49-F238E27FC236}">
+                <a16:creationId xmlns:a16="http://schemas.microsoft.com/office/drawing/2014/main" id="{B6CDA21F-E7AF-4C75-8395-33F58D5B0E45}"/>
+              </a:ext>
+              <a:ext uri="{C183D7F6-B498-43B3-948B-1728B52AA6E4}">
+                <adec:decorative xmlns:adec="http://schemas.microsoft.com/office/drawing/2017/decorative" val="1"/>
+              </a:ext>
+            </a:extLst>
+          </p:cNvPr>
+          <p:cNvSpPr>
+            <a:spLocks noGrp="1" noRot="1" noChangeAspect="1" noMove="1" noResize="1" noEditPoints="1" noAdjustHandles="1" noChangeArrowheads="1" noChangeShapeType="1" noTextEdit="1"/>
+          </p:cNvSpPr>
+          <p:nvPr>
+            <p:extLst>
+              <p:ext uri="{386F3935-93C4-4BCD-93E2-E3B085C9AB24}">
+                <p16:designElem xmlns:p16="http://schemas.microsoft.com/office/powerpoint/2015/main" val="1"/>
+              </p:ext>
+            </p:extLst>
+          </p:nvPr>
+        </p:nvSpPr>
+        <p:spPr>
+          <a:xfrm>
+            <a:off x="0" y="0"/>
+            <a:ext cx="12191999" cy="6857365"/>
+          </a:xfrm>
+          <a:prstGeom prst="rect">
+            <a:avLst/>
+          </a:prstGeom>
+          <a:ln>
+            <a:noFill/>
+          </a:ln>
+        </p:spPr>
+        <p:style>
+          <a:lnRef idx="2">
+            <a:schemeClr val="accent1">
+              <a:shade val="50000"/>
+            </a:schemeClr>
+          </a:lnRef>
+          <a:fillRef idx="1">
+            <a:schemeClr val="accent1"/>
+          </a:fillRef>
+          <a:effectRef idx="0">
+            <a:schemeClr val="accent1"/>
+          </a:effectRef>
+          <a:fontRef idx="minor">
+            <a:schemeClr val="lt1"/>
+          </a:fontRef>
+        </p:style>
+        <p:txBody>
+          <a:bodyPr rtlCol="0" anchor="ctr"/>
+          <a:lstStyle/>
+          <a:p>
+            <a:pPr algn="ctr"/>
+            <a:endParaRPr lang="en-US"/>
+          </a:p>
+        </p:txBody>
+      </p:sp>
+      <p:grpSp>
+        <p:nvGrpSpPr>
+          <p:cNvPr id="10" name="Group 9">
+            <a:extLst>
+              <a:ext uri="{FF2B5EF4-FFF2-40B4-BE49-F238E27FC236}">
+                <a16:creationId xmlns:a16="http://schemas.microsoft.com/office/drawing/2014/main" id="{AE1C45F0-260A-458C-96ED-C1F6D2151219}"/>
+              </a:ext>
+              <a:ext uri="{C183D7F6-B498-43B3-948B-1728B52AA6E4}">
+                <adec:decorative xmlns:adec="http://schemas.microsoft.com/office/drawing/2017/decorative" val="1"/>
+              </a:ext>
+            </a:extLst>
+          </p:cNvPr>
+          <p:cNvGrpSpPr>
+            <a:grpSpLocks noGrp="1" noUngrp="1" noRot="1" noChangeAspect="1" noMove="1" noResize="1"/>
+          </p:cNvGrpSpPr>
+          <p:nvPr>
+            <p:extLst>
+              <p:ext uri="{386F3935-93C4-4BCD-93E2-E3B085C9AB24}">
+                <p16:designElem xmlns:p16="http://schemas.microsoft.com/office/powerpoint/2015/main" val="1"/>
+              </p:ext>
+            </p:extLst>
+          </p:nvPr>
+        </p:nvGrpSpPr>
+        <p:grpSpPr>
+          <a:xfrm>
+            <a:off x="4" y="1216597"/>
+            <a:ext cx="731521" cy="673460"/>
+            <a:chOff x="3940602" y="308034"/>
+            <a:chExt cx="2116791" cy="3428999"/>
+          </a:xfrm>
+          <a:solidFill>
+            <a:schemeClr val="accent4"/>
+          </a:solidFill>
+        </p:grpSpPr>
+        <p:sp>
+          <p:nvSpPr>
+            <p:cNvPr id="11" name="Rectangle 10">
+              <a:extLst>
+                <a:ext uri="{FF2B5EF4-FFF2-40B4-BE49-F238E27FC236}">
+                  <a16:creationId xmlns:a16="http://schemas.microsoft.com/office/drawing/2014/main" id="{A6604B49-AD5C-4590-B051-06C8222ECD99}"/>
+                </a:ext>
+                <a:ext uri="{C183D7F6-B498-43B3-948B-1728B52AA6E4}">
+                  <adec:decorative xmlns:adec="http://schemas.microsoft.com/office/drawing/2017/decorative" val="1"/>
+                </a:ext>
+              </a:extLst>
+            </p:cNvPr>
+            <p:cNvSpPr/>
+            <p:nvPr>
+              <p:extLst>
+                <p:ext uri="{386F3935-93C4-4BCD-93E2-E3B085C9AB24}">
+                  <p16:designElem xmlns:p16="http://schemas.microsoft.com/office/powerpoint/2015/main" val="1"/>
+                </p:ext>
+              </p:extLst>
+            </p:nvPr>
+          </p:nvSpPr>
+          <p:spPr>
+            <a:xfrm>
+              <a:off x="3940602" y="308034"/>
+              <a:ext cx="566743" cy="3428999"/>
+            </a:xfrm>
+            <a:prstGeom prst="rect">
+              <a:avLst/>
+            </a:prstGeom>
+            <a:grpFill/>
+            <a:ln>
+              <a:noFill/>
+            </a:ln>
+          </p:spPr>
+          <p:style>
+            <a:lnRef idx="2">
+              <a:schemeClr val="accent1">
+                <a:shade val="50000"/>
+              </a:schemeClr>
+            </a:lnRef>
+            <a:fillRef idx="1">
+              <a:schemeClr val="accent1"/>
+            </a:fillRef>
+            <a:effectRef idx="0">
+              <a:schemeClr val="accent1"/>
+            </a:effectRef>
+            <a:fontRef idx="minor">
+              <a:schemeClr val="lt1"/>
+            </a:fontRef>
+          </p:style>
+          <p:txBody>
+            <a:bodyPr rtlCol="0" anchor="ctr"/>
+            <a:lstStyle/>
+            <a:p>
+              <a:pPr algn="ctr"/>
+              <a:endParaRPr lang="en-US"/>
+            </a:p>
+          </p:txBody>
+        </p:sp>
+        <p:sp>
+          <p:nvSpPr>
+            <p:cNvPr id="12" name="Rectangle 11">
+              <a:extLst>
+                <a:ext uri="{FF2B5EF4-FFF2-40B4-BE49-F238E27FC236}">
+                  <a16:creationId xmlns:a16="http://schemas.microsoft.com/office/drawing/2014/main" id="{743ECCAF-29C5-4537-947C-7EA1292463DB}"/>
+                </a:ext>
+                <a:ext uri="{C183D7F6-B498-43B3-948B-1728B52AA6E4}">
+                  <adec:decorative xmlns:adec="http://schemas.microsoft.com/office/drawing/2017/decorative" val="1"/>
+                </a:ext>
+              </a:extLst>
+            </p:cNvPr>
+            <p:cNvSpPr/>
+            <p:nvPr>
+              <p:extLst>
+                <p:ext uri="{386F3935-93C4-4BCD-93E2-E3B085C9AB24}">
+                  <p16:designElem xmlns:p16="http://schemas.microsoft.com/office/powerpoint/2015/main" val="1"/>
+                </p:ext>
+              </p:extLst>
+            </p:nvPr>
+          </p:nvSpPr>
+          <p:spPr>
+            <a:xfrm>
+              <a:off x="4715626" y="308034"/>
+              <a:ext cx="566743" cy="3428999"/>
+            </a:xfrm>
+            <a:prstGeom prst="rect">
+              <a:avLst/>
+            </a:prstGeom>
+            <a:grpFill/>
+            <a:ln>
+              <a:noFill/>
+            </a:ln>
+          </p:spPr>
+          <p:style>
+            <a:lnRef idx="2">
+              <a:schemeClr val="accent1">
+                <a:shade val="50000"/>
+              </a:schemeClr>
+            </a:lnRef>
+            <a:fillRef idx="1">
+              <a:schemeClr val="accent1"/>
+            </a:fillRef>
+            <a:effectRef idx="0">
+              <a:schemeClr val="accent1"/>
+            </a:effectRef>
+            <a:fontRef idx="minor">
+              <a:schemeClr val="lt1"/>
+            </a:fontRef>
+          </p:style>
+          <p:txBody>
+            <a:bodyPr rtlCol="0" anchor="ctr"/>
+            <a:lstStyle/>
+            <a:p>
+              <a:pPr algn="ctr"/>
+              <a:endParaRPr lang="en-US"/>
+            </a:p>
+          </p:txBody>
+        </p:sp>
+        <p:sp>
+          <p:nvSpPr>
+            <p:cNvPr id="13" name="Rectangle 12">
+              <a:extLst>
+                <a:ext uri="{FF2B5EF4-FFF2-40B4-BE49-F238E27FC236}">
+                  <a16:creationId xmlns:a16="http://schemas.microsoft.com/office/drawing/2014/main" id="{ED49787B-8DE6-4467-AD0A-8DECC6E0C2D6}"/>
+                </a:ext>
+                <a:ext uri="{C183D7F6-B498-43B3-948B-1728B52AA6E4}">
+                  <adec:decorative xmlns:adec="http://schemas.microsoft.com/office/drawing/2017/decorative" val="1"/>
+                </a:ext>
+              </a:extLst>
+            </p:cNvPr>
+            <p:cNvSpPr/>
+            <p:nvPr>
+              <p:extLst>
+                <p:ext uri="{386F3935-93C4-4BCD-93E2-E3B085C9AB24}">
+                  <p16:designElem xmlns:p16="http://schemas.microsoft.com/office/powerpoint/2015/main" val="1"/>
+                </p:ext>
+              </p:extLst>
+            </p:nvPr>
+          </p:nvSpPr>
+          <p:spPr>
+            <a:xfrm>
+              <a:off x="5490650" y="308034"/>
+              <a:ext cx="566743" cy="3428999"/>
+            </a:xfrm>
+            <a:prstGeom prst="rect">
+              <a:avLst/>
+            </a:prstGeom>
+            <a:grpFill/>
+            <a:ln>
+              <a:noFill/>
+            </a:ln>
+          </p:spPr>
+          <p:style>
+            <a:lnRef idx="2">
+              <a:schemeClr val="accent1">
+                <a:shade val="50000"/>
+              </a:schemeClr>
+            </a:lnRef>
+            <a:fillRef idx="1">
+              <a:schemeClr val="accent1"/>
+            </a:fillRef>
+            <a:effectRef idx="0">
+              <a:schemeClr val="accent1"/>
+            </a:effectRef>
+            <a:fontRef idx="minor">
+              <a:schemeClr val="lt1"/>
+            </a:fontRef>
+          </p:style>
+          <p:txBody>
+            <a:bodyPr rtlCol="0" anchor="ctr"/>
+            <a:lstStyle/>
+            <a:p>
+              <a:pPr algn="ctr"/>
+              <a:endParaRPr lang="en-US"/>
+            </a:p>
+          </p:txBody>
+        </p:sp>
+      </p:grpSp>
+      <p:sp>
+        <p:nvSpPr>
+          <p:cNvPr id="15" name="Rectangle 14">
+            <a:extLst>
+              <a:ext uri="{FF2B5EF4-FFF2-40B4-BE49-F238E27FC236}">
+                <a16:creationId xmlns:a16="http://schemas.microsoft.com/office/drawing/2014/main" id="{D5B0017B-2ECA-49AF-B397-DC140825DF8D}"/>
+              </a:ext>
+              <a:ext uri="{C183D7F6-B498-43B3-948B-1728B52AA6E4}">
+                <adec:decorative xmlns:adec="http://schemas.microsoft.com/office/drawing/2017/decorative" val="1"/>
+              </a:ext>
+            </a:extLst>
+          </p:cNvPr>
+          <p:cNvSpPr>
+            <a:spLocks noGrp="1" noRot="1" noChangeAspect="1" noMove="1" noResize="1" noEditPoints="1" noAdjustHandles="1" noChangeArrowheads="1" noChangeShapeType="1" noTextEdit="1"/>
+          </p:cNvSpPr>
+          <p:nvPr>
+            <p:extLst>
+              <p:ext uri="{386F3935-93C4-4BCD-93E2-E3B085C9AB24}">
+                <p16:designElem xmlns:p16="http://schemas.microsoft.com/office/powerpoint/2015/main" val="1"/>
+              </p:ext>
+            </p:extLst>
+          </p:nvPr>
+        </p:nvSpPr>
+        <p:spPr>
+          <a:xfrm>
+            <a:off x="640079" y="613954"/>
+            <a:ext cx="10907487" cy="1894116"/>
+          </a:xfrm>
+          <a:prstGeom prst="rect">
+            <a:avLst/>
+          </a:prstGeom>
+          <a:solidFill>
+            <a:schemeClr val="bg1"/>
+          </a:solidFill>
+          <a:ln>
+            <a:noFill/>
+          </a:ln>
+          <a:effectLst>
+            <a:outerShdw blurRad="139700" dist="127000" dir="5400000" algn="t" rotWithShape="0">
+              <a:prstClr val="black">
+                <a:alpha val="15000"/>
+              </a:prstClr>
+            </a:outerShdw>
+          </a:effectLst>
+        </p:spPr>
+        <p:style>
+          <a:lnRef idx="2">
+            <a:schemeClr val="accent1">
+              <a:shade val="50000"/>
+            </a:schemeClr>
+          </a:lnRef>
+          <a:fillRef idx="1">
+            <a:schemeClr val="accent1"/>
+          </a:fillRef>
+          <a:effectRef idx="0">
+            <a:schemeClr val="accent1"/>
+          </a:effectRef>
+          <a:fontRef idx="minor">
+            <a:schemeClr val="lt1"/>
+          </a:fontRef>
+        </p:style>
+        <p:txBody>
+          <a:bodyPr rtlCol="0" anchor="ctr"/>
+          <a:lstStyle/>
+          <a:p>
+            <a:pPr algn="ctr"/>
+            <a:endParaRPr lang="en-US"/>
+          </a:p>
+        </p:txBody>
+      </p:sp>
+      <p:sp>
+        <p:nvSpPr>
+          <p:cNvPr id="2" name="Title 1">
+            <a:extLst>
+              <a:ext uri="{FF2B5EF4-FFF2-40B4-BE49-F238E27FC236}">
+                <a16:creationId xmlns:a16="http://schemas.microsoft.com/office/drawing/2014/main" id="{53801295-3D78-B408-F9F1-ED44CE4A2E7B}"/>
+              </a:ext>
+            </a:extLst>
+          </p:cNvPr>
+          <p:cNvSpPr>
+            <a:spLocks noGrp="1"/>
+          </p:cNvSpPr>
+          <p:nvPr>
+            <p:ph type="title"/>
+          </p:nvPr>
+        </p:nvSpPr>
+        <p:spPr>
+          <a:xfrm>
+            <a:off x="1043631" y="809898"/>
+            <a:ext cx="9942716" cy="1554480"/>
+          </a:xfrm>
+        </p:spPr>
+        <p:txBody>
+          <a:bodyPr anchor="ctr">
+            <a:normAutofit/>
+          </a:bodyPr>
+          <a:lstStyle/>
+          <a:p>
+            <a:r>
+              <a:rPr lang="en-US" sz="4800" dirty="0"/>
+              <a:t>Handling Missing Data</a:t>
+            </a:r>
+          </a:p>
+        </p:txBody>
+      </p:sp>
+      <p:sp>
+        <p:nvSpPr>
+          <p:cNvPr id="3" name="Content Placeholder 2">
+            <a:extLst>
+              <a:ext uri="{FF2B5EF4-FFF2-40B4-BE49-F238E27FC236}">
+                <a16:creationId xmlns:a16="http://schemas.microsoft.com/office/drawing/2014/main" id="{95FA2FF2-74BA-F91F-C52E-A588687A9C83}"/>
+              </a:ext>
+            </a:extLst>
+          </p:cNvPr>
+          <p:cNvSpPr>
+            <a:spLocks noGrp="1"/>
+          </p:cNvSpPr>
+          <p:nvPr>
+            <p:ph idx="1"/>
+          </p:nvPr>
+        </p:nvSpPr>
+        <p:spPr>
+          <a:xfrm>
+            <a:off x="1045028" y="3017522"/>
+            <a:ext cx="9941319" cy="3124658"/>
+          </a:xfrm>
+        </p:spPr>
+        <p:txBody>
+          <a:bodyPr anchor="ctr">
+            <a:normAutofit/>
+          </a:bodyPr>
+          <a:lstStyle/>
+          <a:p>
+            <a:r>
+              <a:rPr lang="en-US" sz="2400" dirty="0"/>
               <a:t>If you are curious and want to play with this, here are two ways to address missing data:</a:t>
             </a:r>
           </a:p>
@@ -13630,26 +15785,8 @@
           <a:p>
             <a:r>
               <a:rPr lang="en-US" sz="2400" dirty="0"/>
-              <a:t>Any handling of missing data can have an effect on data analysis, so choose wisely</a:t>
-            </a:r>
-          </a:p>
-          <a:p>
-            <a:r>
-              <a:rPr lang="en-US" sz="2400" dirty="0"/>
-              <a:t>See sample_4_imdb for </a:t>
-            </a:r>
-            <a:r>
-              <a:rPr lang="en-US" sz="2400"/>
-              <a:t>a smaller </a:t>
-            </a:r>
-            <a:r>
-              <a:rPr lang="en-US" sz="2400" dirty="0"/>
-              <a:t>dataset to play with using these techniques</a:t>
-            </a:r>
-            <a:endParaRPr lang="en-US" sz="2000" dirty="0"/>
-          </a:p>
-          <a:p>
-            <a:endParaRPr lang="en-US" sz="2000" dirty="0"/>
+              <a:t>Any handling of missing data can have an effect on data analysis, so choose wisely!</a:t>
+            </a:r>
           </a:p>
         </p:txBody>
       </p:sp>
@@ -13718,7 +15855,7 @@
 </p:sld>
 </file>
 
-<file path=ppt/slides/slide2.xml><?xml version="1.0" encoding="utf-8"?>
+<file path=ppt/slides/slide23.xml><?xml version="1.0" encoding="utf-8"?>
 <p:sld xmlns:a="http://schemas.openxmlformats.org/drawingml/2006/main" xmlns:r="http://schemas.openxmlformats.org/officeDocument/2006/relationships" xmlns:p="http://schemas.openxmlformats.org/presentationml/2006/main">
   <p:cSld>
     <p:bg>
@@ -13743,49 +15880,12 @@
           <a:chExt cx="0" cy="0"/>
         </a:xfrm>
       </p:grpSpPr>
-      <p:pic>
-        <p:nvPicPr>
-          <p:cNvPr id="6" name="Picture 5">
-            <a:extLst>
-              <a:ext uri="{FF2B5EF4-FFF2-40B4-BE49-F238E27FC236}">
-                <a16:creationId xmlns:a16="http://schemas.microsoft.com/office/drawing/2014/main" id="{525FB6AC-A3F8-F61F-4301-AE94C6AF2AD6}"/>
-              </a:ext>
-            </a:extLst>
-          </p:cNvPr>
-          <p:cNvPicPr>
-            <a:picLocks noChangeAspect="1"/>
-          </p:cNvPicPr>
-          <p:nvPr/>
-        </p:nvPicPr>
-        <p:blipFill rotWithShape="1">
-          <a:blip r:embed="rId2">
-            <a:duotone>
-              <a:schemeClr val="bg2">
-                <a:shade val="45000"/>
-                <a:satMod val="135000"/>
-              </a:schemeClr>
-              <a:prstClr val="white"/>
-            </a:duotone>
-          </a:blip>
-          <a:srcRect b="15730"/>
-          <a:stretch/>
-        </p:blipFill>
-        <p:spPr>
-          <a:xfrm>
-            <a:off x="20" y="10"/>
-            <a:ext cx="12191980" cy="6857990"/>
-          </a:xfrm>
-          <a:prstGeom prst="rect">
-            <a:avLst/>
-          </a:prstGeom>
-        </p:spPr>
-      </p:pic>
-      <p:sp>
+      <p:sp useBgFill="1">
         <p:nvSpPr>
-          <p:cNvPr id="10" name="Rectangle 9">
-            <a:extLst>
-              <a:ext uri="{FF2B5EF4-FFF2-40B4-BE49-F238E27FC236}">
-                <a16:creationId xmlns:a16="http://schemas.microsoft.com/office/drawing/2014/main" id="{B50AB553-2A96-4A92-96F2-93548E096954}"/>
+          <p:cNvPr id="9" name="Rectangle 8">
+            <a:extLst>
+              <a:ext uri="{FF2B5EF4-FFF2-40B4-BE49-F238E27FC236}">
+                <a16:creationId xmlns:a16="http://schemas.microsoft.com/office/drawing/2014/main" id="{21A75659-5A6F-4F77-9679-678A00B9D8DC}"/>
               </a:ext>
               <a:ext uri="{C183D7F6-B498-43B3-948B-1728B52AA6E4}">
                 <adec:decorative xmlns:adec="http://schemas.microsoft.com/office/drawing/2017/decorative" val="1"/>
@@ -13811,22 +15911,120 @@
           <a:prstGeom prst="rect">
             <a:avLst/>
           </a:prstGeom>
+          <a:ln>
+            <a:noFill/>
+          </a:ln>
+        </p:spPr>
+        <p:style>
+          <a:lnRef idx="2">
+            <a:schemeClr val="accent1">
+              <a:shade val="50000"/>
+            </a:schemeClr>
+          </a:lnRef>
+          <a:fillRef idx="1">
+            <a:schemeClr val="accent1"/>
+          </a:fillRef>
+          <a:effectRef idx="0">
+            <a:schemeClr val="accent1"/>
+          </a:effectRef>
+          <a:fontRef idx="minor">
+            <a:schemeClr val="lt1"/>
+          </a:fontRef>
+        </p:style>
+        <p:txBody>
+          <a:bodyPr rtlCol="0" anchor="ctr"/>
+          <a:lstStyle/>
+          <a:p>
+            <a:pPr algn="ctr"/>
+            <a:endParaRPr lang="en-US"/>
+          </a:p>
+        </p:txBody>
+      </p:sp>
+      <p:pic>
+        <p:nvPicPr>
+          <p:cNvPr id="5" name="Picture 4" descr="Cat with yellow eyes">
+            <a:extLst>
+              <a:ext uri="{FF2B5EF4-FFF2-40B4-BE49-F238E27FC236}">
+                <a16:creationId xmlns:a16="http://schemas.microsoft.com/office/drawing/2014/main" id="{8A30D9F7-A5F6-5D26-E0C5-DBF037D7BC75}"/>
+              </a:ext>
+            </a:extLst>
+          </p:cNvPr>
+          <p:cNvPicPr>
+            <a:picLocks noChangeAspect="1"/>
+          </p:cNvPicPr>
+          <p:nvPr/>
+        </p:nvPicPr>
+        <p:blipFill rotWithShape="1">
+          <a:blip r:embed="rId2"/>
+          <a:srcRect l="15628" r="-1" b="-1"/>
+          <a:stretch/>
+        </p:blipFill>
+        <p:spPr>
+          <a:xfrm>
+            <a:off x="20" y="10"/>
+            <a:ext cx="8668492" cy="6857990"/>
+          </a:xfrm>
+          <a:prstGeom prst="rect">
+            <a:avLst/>
+          </a:prstGeom>
+        </p:spPr>
+      </p:pic>
+      <p:sp>
+        <p:nvSpPr>
+          <p:cNvPr id="11" name="Rectangle 10">
+            <a:extLst>
+              <a:ext uri="{FF2B5EF4-FFF2-40B4-BE49-F238E27FC236}">
+                <a16:creationId xmlns:a16="http://schemas.microsoft.com/office/drawing/2014/main" id="{E30A3A45-140E-431E-AED0-07EF836310B3}"/>
+              </a:ext>
+              <a:ext uri="{C183D7F6-B498-43B3-948B-1728B52AA6E4}">
+                <adec:decorative xmlns:adec="http://schemas.microsoft.com/office/drawing/2017/decorative" val="1"/>
+              </a:ext>
+            </a:extLst>
+          </p:cNvPr>
+          <p:cNvSpPr>
+            <a:spLocks noGrp="1" noRot="1" noChangeAspect="1" noMove="1" noResize="1" noEditPoints="1" noAdjustHandles="1" noChangeArrowheads="1" noChangeShapeType="1" noTextEdit="1"/>
+          </p:cNvSpPr>
+          <p:nvPr>
+            <p:extLst>
+              <p:ext uri="{386F3935-93C4-4BCD-93E2-E3B085C9AB24}">
+                <p16:designElem xmlns:p16="http://schemas.microsoft.com/office/powerpoint/2015/main" val="1"/>
+              </p:ext>
+            </p:extLst>
+          </p:nvPr>
+        </p:nvSpPr>
+        <p:spPr>
+          <a:xfrm flipH="1">
+            <a:off x="2435399" y="0"/>
+            <a:ext cx="9756601" cy="6858000"/>
+          </a:xfrm>
+          <a:prstGeom prst="rect">
+            <a:avLst/>
+          </a:prstGeom>
           <a:gradFill>
             <a:gsLst>
-              <a:gs pos="10000">
-                <a:schemeClr val="bg2">
-                  <a:alpha val="68000"/>
+              <a:gs pos="53000">
+                <a:schemeClr val="tx1"/>
+              </a:gs>
+              <a:gs pos="35000">
+                <a:schemeClr val="tx1">
+                  <a:alpha val="76000"/>
                 </a:schemeClr>
               </a:gs>
-              <a:gs pos="85000">
-                <a:schemeClr val="bg2">
-                  <a:alpha val="97000"/>
+              <a:gs pos="19000">
+                <a:schemeClr val="tx1">
+                  <a:alpha val="40000"/>
                 </a:schemeClr>
               </a:gs>
+              <a:gs pos="0">
+                <a:schemeClr val="tx1">
+                  <a:alpha val="0"/>
+                </a:schemeClr>
+              </a:gs>
+              <a:gs pos="100000">
+                <a:schemeClr val="tx1"/>
+              </a:gs>
             </a:gsLst>
-            <a:path path="circle">
-              <a:fillToRect l="50000" t="50000" r="50000" b="50000"/>
-            </a:path>
+            <a:lin ang="10800000" scaled="0"/>
           </a:gradFill>
           <a:ln>
             <a:noFill/>
@@ -13853,7 +16051,7 @@
           <a:lstStyle/>
           <a:p>
             <a:pPr algn="ctr"/>
-            <a:endParaRPr lang="en-US"/>
+            <a:endParaRPr lang="en-US" dirty="0"/>
           </a:p>
         </p:txBody>
       </p:sp>
@@ -13862,7 +16060,7 @@
           <p:cNvPr id="2" name="Title 1">
             <a:extLst>
               <a:ext uri="{FF2B5EF4-FFF2-40B4-BE49-F238E27FC236}">
-                <a16:creationId xmlns:a16="http://schemas.microsoft.com/office/drawing/2014/main" id="{937FA2FE-3544-DA7D-C735-994A0C89B111}"/>
+                <a16:creationId xmlns:a16="http://schemas.microsoft.com/office/drawing/2014/main" id="{5B809870-A867-3574-A5A3-7FF8D32DAF76}"/>
               </a:ext>
             </a:extLst>
           </p:cNvPr>
@@ -13875,8 +16073,1006 @@
         </p:nvSpPr>
         <p:spPr>
           <a:xfrm>
-            <a:off x="838200" y="365125"/>
-            <a:ext cx="10515600" cy="1325563"/>
+            <a:off x="8395868" y="1161288"/>
+            <a:ext cx="3438144" cy="1124712"/>
+          </a:xfrm>
+        </p:spPr>
+        <p:txBody>
+          <a:bodyPr anchor="b">
+            <a:normAutofit/>
+          </a:bodyPr>
+          <a:lstStyle/>
+          <a:p>
+            <a:r>
+              <a:rPr lang="en-US" sz="2800">
+                <a:solidFill>
+                  <a:schemeClr val="bg1"/>
+                </a:solidFill>
+              </a:rPr>
+              <a:t>To The Code!</a:t>
+            </a:r>
+          </a:p>
+        </p:txBody>
+      </p:sp>
+      <p:sp>
+        <p:nvSpPr>
+          <p:cNvPr id="13" name="Rectangle 12">
+            <a:extLst>
+              <a:ext uri="{FF2B5EF4-FFF2-40B4-BE49-F238E27FC236}">
+                <a16:creationId xmlns:a16="http://schemas.microsoft.com/office/drawing/2014/main" id="{55D4142C-5077-457F-A6AD-3FECFDB39685}"/>
+              </a:ext>
+              <a:ext uri="{C183D7F6-B498-43B3-948B-1728B52AA6E4}">
+                <adec:decorative xmlns:adec="http://schemas.microsoft.com/office/drawing/2017/decorative" val="1"/>
+              </a:ext>
+            </a:extLst>
+          </p:cNvPr>
+          <p:cNvSpPr>
+            <a:spLocks noGrp="1" noRot="1" noChangeAspect="1" noMove="1" noResize="1" noEditPoints="1" noAdjustHandles="1" noChangeArrowheads="1" noChangeShapeType="1" noTextEdit="1"/>
+          </p:cNvSpPr>
+          <p:nvPr>
+            <p:extLst>
+              <p:ext uri="{386F3935-93C4-4BCD-93E2-E3B085C9AB24}">
+                <p16:designElem xmlns:p16="http://schemas.microsoft.com/office/powerpoint/2015/main" val="1"/>
+              </p:ext>
+            </p:extLst>
+          </p:nvPr>
+        </p:nvSpPr>
+        <p:spPr>
+          <a:xfrm rot="5400000">
+            <a:off x="8687333" y="605790"/>
+            <a:ext cx="73152" cy="548640"/>
+          </a:xfrm>
+          <a:prstGeom prst="rect">
+            <a:avLst/>
+          </a:prstGeom>
+          <a:solidFill>
+            <a:schemeClr val="accent2"/>
+          </a:solidFill>
+          <a:ln>
+            <a:noFill/>
+          </a:ln>
+        </p:spPr>
+        <p:style>
+          <a:lnRef idx="2">
+            <a:schemeClr val="accent1">
+              <a:shade val="50000"/>
+            </a:schemeClr>
+          </a:lnRef>
+          <a:fillRef idx="1">
+            <a:schemeClr val="accent1"/>
+          </a:fillRef>
+          <a:effectRef idx="0">
+            <a:schemeClr val="accent1"/>
+          </a:effectRef>
+          <a:fontRef idx="minor">
+            <a:schemeClr val="lt1"/>
+          </a:fontRef>
+        </p:style>
+        <p:txBody>
+          <a:bodyPr rtlCol="0" anchor="ctr"/>
+          <a:lstStyle/>
+          <a:p>
+            <a:pPr algn="ctr"/>
+            <a:endParaRPr lang="en-US">
+              <a:solidFill>
+                <a:prstClr val="white"/>
+              </a:solidFill>
+              <a:latin typeface="Calibri" panose="020F0502020204030204"/>
+            </a:endParaRPr>
+          </a:p>
+        </p:txBody>
+      </p:sp>
+      <p:sp>
+        <p:nvSpPr>
+          <p:cNvPr id="15" name="Rectangle 14">
+            <a:extLst>
+              <a:ext uri="{FF2B5EF4-FFF2-40B4-BE49-F238E27FC236}">
+                <a16:creationId xmlns:a16="http://schemas.microsoft.com/office/drawing/2014/main" id="{7A5F0580-5EE9-419F-96EE-B6529EF6E7D0}"/>
+              </a:ext>
+              <a:ext uri="{C183D7F6-B498-43B3-948B-1728B52AA6E4}">
+                <adec:decorative xmlns:adec="http://schemas.microsoft.com/office/drawing/2017/decorative" val="1"/>
+              </a:ext>
+            </a:extLst>
+          </p:cNvPr>
+          <p:cNvSpPr>
+            <a:spLocks noGrp="1" noRot="1" noChangeAspect="1" noMove="1" noResize="1" noEditPoints="1" noAdjustHandles="1" noChangeArrowheads="1" noChangeShapeType="1" noTextEdit="1"/>
+          </p:cNvSpPr>
+          <p:nvPr>
+            <p:extLst>
+              <p:ext uri="{386F3935-93C4-4BCD-93E2-E3B085C9AB24}">
+                <p16:designElem xmlns:p16="http://schemas.microsoft.com/office/powerpoint/2015/main" val="1"/>
+              </p:ext>
+            </p:extLst>
+          </p:nvPr>
+        </p:nvSpPr>
+        <p:spPr>
+          <a:xfrm>
+            <a:off x="8453018" y="2443480"/>
+            <a:ext cx="3218688" cy="9144"/>
+          </a:xfrm>
+          <a:prstGeom prst="rect">
+            <a:avLst/>
+          </a:prstGeom>
+          <a:solidFill>
+            <a:schemeClr val="tx1"/>
+          </a:solidFill>
+          <a:ln w="3175">
+            <a:solidFill>
+              <a:schemeClr val="bg1"/>
+            </a:solidFill>
+          </a:ln>
+          <a:effectLst/>
+        </p:spPr>
+        <p:style>
+          <a:lnRef idx="2">
+            <a:schemeClr val="accent1">
+              <a:shade val="50000"/>
+            </a:schemeClr>
+          </a:lnRef>
+          <a:fillRef idx="1">
+            <a:schemeClr val="accent1"/>
+          </a:fillRef>
+          <a:effectRef idx="0">
+            <a:schemeClr val="accent1"/>
+          </a:effectRef>
+          <a:fontRef idx="minor">
+            <a:schemeClr val="lt1"/>
+          </a:fontRef>
+        </p:style>
+        <p:txBody>
+          <a:bodyPr rtlCol="0" anchor="ctr"/>
+          <a:lstStyle/>
+          <a:p>
+            <a:pPr marL="0" marR="0" lvl="0" indent="0" algn="ctr" defTabSz="914400" rtl="0" eaLnBrk="1" fontAlgn="auto" latinLnBrk="0" hangingPunct="1">
+              <a:lnSpc>
+                <a:spcPct val="100000"/>
+              </a:lnSpc>
+              <a:spcBef>
+                <a:spcPts val="0"/>
+              </a:spcBef>
+              <a:spcAft>
+                <a:spcPts val="0"/>
+              </a:spcAft>
+              <a:buClrTx/>
+              <a:buSzTx/>
+              <a:buFontTx/>
+              <a:buNone/>
+              <a:tabLst/>
+              <a:defRPr/>
+            </a:pPr>
+            <a:endParaRPr kumimoji="0" lang="en-US" sz="1800" b="0" i="0" u="none" strike="noStrike" kern="1200" cap="none" spc="0" normalizeH="0" baseline="0" noProof="0">
+              <a:ln>
+                <a:noFill/>
+              </a:ln>
+              <a:solidFill>
+                <a:prstClr val="white"/>
+              </a:solidFill>
+              <a:effectLst/>
+              <a:uLnTx/>
+              <a:uFillTx/>
+              <a:latin typeface="Calibri" panose="020F0502020204030204"/>
+              <a:ea typeface="+mn-ea"/>
+              <a:cs typeface="+mn-cs"/>
+            </a:endParaRPr>
+          </a:p>
+        </p:txBody>
+      </p:sp>
+      <p:sp>
+        <p:nvSpPr>
+          <p:cNvPr id="3" name="Content Placeholder 2">
+            <a:extLst>
+              <a:ext uri="{FF2B5EF4-FFF2-40B4-BE49-F238E27FC236}">
+                <a16:creationId xmlns:a16="http://schemas.microsoft.com/office/drawing/2014/main" id="{A1C06C22-3B86-71B1-1571-4FFDD79A0DE1}"/>
+              </a:ext>
+            </a:extLst>
+          </p:cNvPr>
+          <p:cNvSpPr>
+            <a:spLocks noGrp="1"/>
+          </p:cNvSpPr>
+          <p:nvPr>
+            <p:ph idx="1"/>
+          </p:nvPr>
+        </p:nvSpPr>
+        <p:spPr>
+          <a:xfrm>
+            <a:off x="8395868" y="2718054"/>
+            <a:ext cx="3438906" cy="3207258"/>
+          </a:xfrm>
+        </p:spPr>
+        <p:txBody>
+          <a:bodyPr anchor="t">
+            <a:normAutofit/>
+          </a:bodyPr>
+          <a:lstStyle/>
+          <a:p>
+            <a:pPr marL="0" indent="0">
+              <a:buNone/>
+            </a:pPr>
+            <a:r>
+              <a:rPr lang="en-US" sz="1700" dirty="0">
+                <a:solidFill>
+                  <a:schemeClr val="bg1"/>
+                </a:solidFill>
+              </a:rPr>
+              <a:t>Dataset: imdb.csv</a:t>
+            </a:r>
+          </a:p>
+          <a:p>
+            <a:pPr marL="0" indent="0">
+              <a:buNone/>
+            </a:pPr>
+            <a:r>
+              <a:rPr lang="en-US" sz="1700" dirty="0">
+                <a:solidFill>
+                  <a:schemeClr val="bg1"/>
+                </a:solidFill>
+              </a:rPr>
+              <a:t>File: </a:t>
+            </a:r>
+            <a:r>
+              <a:rPr lang="en-US" sz="1700" dirty="0" err="1">
+                <a:solidFill>
+                  <a:schemeClr val="bg1"/>
+                </a:solidFill>
+              </a:rPr>
+              <a:t>movie_ratings.ipynb</a:t>
+            </a:r>
+            <a:endParaRPr lang="en-US" sz="1700" dirty="0">
+              <a:solidFill>
+                <a:schemeClr val="bg1"/>
+              </a:solidFill>
+            </a:endParaRPr>
+          </a:p>
+          <a:p>
+            <a:pPr marL="0" indent="0">
+              <a:buNone/>
+            </a:pPr>
+            <a:endParaRPr lang="en-US" sz="1700" dirty="0">
+              <a:solidFill>
+                <a:schemeClr val="bg1"/>
+              </a:solidFill>
+            </a:endParaRPr>
+          </a:p>
+          <a:p>
+            <a:pPr marL="0" indent="0">
+              <a:buNone/>
+            </a:pPr>
+            <a:r>
+              <a:rPr lang="en-US" sz="1700" dirty="0">
+                <a:solidFill>
+                  <a:schemeClr val="bg1"/>
+                </a:solidFill>
+              </a:rPr>
+              <a:t>How would you handle missing data from the Certificate and/or </a:t>
+            </a:r>
+            <a:r>
+              <a:rPr lang="en-US" sz="1700" dirty="0" err="1">
+                <a:solidFill>
+                  <a:schemeClr val="bg1"/>
+                </a:solidFill>
+              </a:rPr>
+              <a:t>Metascore</a:t>
+            </a:r>
+            <a:r>
+              <a:rPr lang="en-US" sz="1700" dirty="0">
+                <a:solidFill>
+                  <a:schemeClr val="bg1"/>
+                </a:solidFill>
+              </a:rPr>
+              <a:t> column(s)?</a:t>
+            </a:r>
+          </a:p>
+          <a:p>
+            <a:endParaRPr lang="en-US" sz="1700" dirty="0">
+              <a:solidFill>
+                <a:schemeClr val="bg1"/>
+              </a:solidFill>
+            </a:endParaRPr>
+          </a:p>
+        </p:txBody>
+      </p:sp>
+    </p:spTree>
+    <p:extLst>
+      <p:ext uri="{BB962C8B-B14F-4D97-AF65-F5344CB8AC3E}">
+        <p14:creationId xmlns:p14="http://schemas.microsoft.com/office/powerpoint/2010/main" val="561619258"/>
+      </p:ext>
+    </p:extLst>
+  </p:cSld>
+  <p:clrMapOvr>
+    <a:masterClrMapping/>
+  </p:clrMapOvr>
+</p:sld>
+</file>
+
+<file path=ppt/slides/slide24.xml><?xml version="1.0" encoding="utf-8"?>
+<p:sld xmlns:a="http://schemas.openxmlformats.org/drawingml/2006/main" xmlns:r="http://schemas.openxmlformats.org/officeDocument/2006/relationships" xmlns:p="http://schemas.openxmlformats.org/presentationml/2006/main">
+  <p:cSld>
+    <p:bg>
+      <p:bgPr>
+        <a:solidFill>
+          <a:schemeClr val="bg1"/>
+        </a:solidFill>
+        <a:effectLst/>
+      </p:bgPr>
+    </p:bg>
+    <p:spTree>
+      <p:nvGrpSpPr>
+        <p:cNvPr id="1" name=""/>
+        <p:cNvGrpSpPr/>
+        <p:nvPr/>
+      </p:nvGrpSpPr>
+      <p:grpSpPr>
+        <a:xfrm>
+          <a:off x="0" y="0"/>
+          <a:ext cx="0" cy="0"/>
+          <a:chOff x="0" y="0"/>
+          <a:chExt cx="0" cy="0"/>
+        </a:xfrm>
+      </p:grpSpPr>
+      <p:sp useBgFill="1">
+        <p:nvSpPr>
+          <p:cNvPr id="8" name="Rectangle 7">
+            <a:extLst>
+              <a:ext uri="{FF2B5EF4-FFF2-40B4-BE49-F238E27FC236}">
+                <a16:creationId xmlns:a16="http://schemas.microsoft.com/office/drawing/2014/main" id="{3AD318CC-E2A8-4E27-9548-A047A78999B1}"/>
+              </a:ext>
+              <a:ext uri="{C183D7F6-B498-43B3-948B-1728B52AA6E4}">
+                <adec:decorative xmlns:adec="http://schemas.microsoft.com/office/drawing/2017/decorative" val="1"/>
+              </a:ext>
+            </a:extLst>
+          </p:cNvPr>
+          <p:cNvSpPr>
+            <a:spLocks noGrp="1" noRot="1" noChangeAspect="1" noMove="1" noResize="1" noEditPoints="1" noAdjustHandles="1" noChangeArrowheads="1" noChangeShapeType="1" noTextEdit="1"/>
+          </p:cNvSpPr>
+          <p:nvPr>
+            <p:extLst>
+              <p:ext uri="{386F3935-93C4-4BCD-93E2-E3B085C9AB24}">
+                <p16:designElem xmlns:p16="http://schemas.microsoft.com/office/powerpoint/2015/main" val="1"/>
+              </p:ext>
+            </p:extLst>
+          </p:nvPr>
+        </p:nvSpPr>
+        <p:spPr>
+          <a:xfrm>
+            <a:off x="0" y="0"/>
+            <a:ext cx="12191999" cy="6857365"/>
+          </a:xfrm>
+          <a:prstGeom prst="rect">
+            <a:avLst/>
+          </a:prstGeom>
+          <a:ln>
+            <a:noFill/>
+          </a:ln>
+        </p:spPr>
+        <p:style>
+          <a:lnRef idx="2">
+            <a:schemeClr val="accent1">
+              <a:shade val="50000"/>
+            </a:schemeClr>
+          </a:lnRef>
+          <a:fillRef idx="1">
+            <a:schemeClr val="accent1"/>
+          </a:fillRef>
+          <a:effectRef idx="0">
+            <a:schemeClr val="accent1"/>
+          </a:effectRef>
+          <a:fontRef idx="minor">
+            <a:schemeClr val="lt1"/>
+          </a:fontRef>
+        </p:style>
+        <p:txBody>
+          <a:bodyPr rtlCol="0" anchor="ctr"/>
+          <a:lstStyle/>
+          <a:p>
+            <a:pPr algn="ctr"/>
+            <a:endParaRPr lang="en-US"/>
+          </a:p>
+        </p:txBody>
+      </p:sp>
+      <p:sp>
+        <p:nvSpPr>
+          <p:cNvPr id="2" name="Title 1">
+            <a:extLst>
+              <a:ext uri="{FF2B5EF4-FFF2-40B4-BE49-F238E27FC236}">
+                <a16:creationId xmlns:a16="http://schemas.microsoft.com/office/drawing/2014/main" id="{CB5A647D-5A81-F8C5-A579-12B3948E157C}"/>
+              </a:ext>
+            </a:extLst>
+          </p:cNvPr>
+          <p:cNvSpPr>
+            <a:spLocks noGrp="1"/>
+          </p:cNvSpPr>
+          <p:nvPr>
+            <p:ph type="title"/>
+          </p:nvPr>
+        </p:nvSpPr>
+        <p:spPr>
+          <a:xfrm>
+            <a:off x="645065" y="1463040"/>
+            <a:ext cx="3796306" cy="2690949"/>
+          </a:xfrm>
+        </p:spPr>
+        <p:txBody>
+          <a:bodyPr anchor="t">
+            <a:normAutofit fontScale="90000"/>
+          </a:bodyPr>
+          <a:lstStyle/>
+          <a:p>
+            <a:r>
+              <a:rPr lang="en-US" sz="4800" dirty="0"/>
+              <a:t>Visuals: Choose Your Own Adventure!</a:t>
+            </a:r>
+          </a:p>
+        </p:txBody>
+      </p:sp>
+      <p:grpSp>
+        <p:nvGrpSpPr>
+          <p:cNvPr id="10" name="Group 9">
+            <a:extLst>
+              <a:ext uri="{FF2B5EF4-FFF2-40B4-BE49-F238E27FC236}">
+                <a16:creationId xmlns:a16="http://schemas.microsoft.com/office/drawing/2014/main" id="{B14B560F-9DD7-4302-A60B-EBD3EF59B073}"/>
+              </a:ext>
+              <a:ext uri="{C183D7F6-B498-43B3-948B-1728B52AA6E4}">
+                <adec:decorative xmlns:adec="http://schemas.microsoft.com/office/drawing/2017/decorative" val="1"/>
+              </a:ext>
+            </a:extLst>
+          </p:cNvPr>
+          <p:cNvGrpSpPr>
+            <a:grpSpLocks noGrp="1" noUngrp="1" noRot="1" noChangeAspect="1" noMove="1" noResize="1"/>
+          </p:cNvGrpSpPr>
+          <p:nvPr>
+            <p:extLst>
+              <p:ext uri="{386F3935-93C4-4BCD-93E2-E3B085C9AB24}">
+                <p16:designElem xmlns:p16="http://schemas.microsoft.com/office/powerpoint/2015/main" val="1"/>
+              </p:ext>
+            </p:extLst>
+          </p:nvPr>
+        </p:nvGrpSpPr>
+        <p:grpSpPr>
+          <a:xfrm>
+            <a:off x="209667" y="4415246"/>
+            <a:ext cx="11982332" cy="2087795"/>
+            <a:chOff x="143163" y="5763486"/>
+            <a:chExt cx="11982332" cy="739555"/>
+          </a:xfrm>
+        </p:grpSpPr>
+        <p:sp>
+          <p:nvSpPr>
+            <p:cNvPr id="11" name="Rectangle 10">
+              <a:extLst>
+                <a:ext uri="{FF2B5EF4-FFF2-40B4-BE49-F238E27FC236}">
+                  <a16:creationId xmlns:a16="http://schemas.microsoft.com/office/drawing/2014/main" id="{3A9A4357-BD1D-4622-A4FE-766E6AB8DE84}"/>
+                </a:ext>
+                <a:ext uri="{C183D7F6-B498-43B3-948B-1728B52AA6E4}">
+                  <adec:decorative xmlns:adec="http://schemas.microsoft.com/office/drawing/2017/decorative" val="1"/>
+                </a:ext>
+              </a:extLst>
+            </p:cNvPr>
+            <p:cNvSpPr/>
+            <p:nvPr>
+              <p:extLst>
+                <p:ext uri="{386F3935-93C4-4BCD-93E2-E3B085C9AB24}">
+                  <p16:designElem xmlns:p16="http://schemas.microsoft.com/office/powerpoint/2015/main" val="1"/>
+                </p:ext>
+              </p:extLst>
+            </p:nvPr>
+          </p:nvSpPr>
+          <p:spPr>
+            <a:xfrm flipH="1" flipV="1">
+              <a:off x="357444" y="5763486"/>
+              <a:ext cx="11768051" cy="739555"/>
+            </a:xfrm>
+            <a:prstGeom prst="rect">
+              <a:avLst/>
+            </a:prstGeom>
+            <a:solidFill>
+              <a:schemeClr val="accent4"/>
+            </a:solidFill>
+            <a:ln>
+              <a:noFill/>
+            </a:ln>
+          </p:spPr>
+          <p:style>
+            <a:lnRef idx="2">
+              <a:schemeClr val="accent1">
+                <a:shade val="50000"/>
+              </a:schemeClr>
+            </a:lnRef>
+            <a:fillRef idx="1">
+              <a:schemeClr val="accent1"/>
+            </a:fillRef>
+            <a:effectRef idx="0">
+              <a:schemeClr val="accent1"/>
+            </a:effectRef>
+            <a:fontRef idx="minor">
+              <a:schemeClr val="lt1"/>
+            </a:fontRef>
+          </p:style>
+          <p:txBody>
+            <a:bodyPr rtlCol="0" anchor="ctr"/>
+            <a:lstStyle/>
+            <a:p>
+              <a:pPr algn="ctr"/>
+              <a:endParaRPr lang="en-US"/>
+            </a:p>
+          </p:txBody>
+        </p:sp>
+        <p:cxnSp>
+          <p:nvCxnSpPr>
+            <p:cNvPr id="12" name="Straight Connector 11">
+              <a:extLst>
+                <a:ext uri="{FF2B5EF4-FFF2-40B4-BE49-F238E27FC236}">
+                  <a16:creationId xmlns:a16="http://schemas.microsoft.com/office/drawing/2014/main" id="{C21D6966-343E-49AC-A026-D2497E0C3CA1}"/>
+                </a:ext>
+                <a:ext uri="{C183D7F6-B498-43B3-948B-1728B52AA6E4}">
+                  <adec:decorative xmlns:adec="http://schemas.microsoft.com/office/drawing/2017/decorative" val="1"/>
+                </a:ext>
+              </a:extLst>
+            </p:cNvPr>
+            <p:cNvCxnSpPr>
+              <a:cxnSpLocks/>
+            </p:cNvCxnSpPr>
+            <p:nvPr>
+              <p:extLst>
+                <p:ext uri="{386F3935-93C4-4BCD-93E2-E3B085C9AB24}">
+                  <p16:designElem xmlns:p16="http://schemas.microsoft.com/office/powerpoint/2015/main" val="1"/>
+                </p:ext>
+              </p:extLst>
+            </p:nvPr>
+          </p:nvCxnSpPr>
+          <p:spPr>
+            <a:xfrm flipH="1">
+              <a:off x="143163" y="5763486"/>
+              <a:ext cx="1" cy="739555"/>
+            </a:xfrm>
+            <a:prstGeom prst="line">
+              <a:avLst/>
+            </a:prstGeom>
+            <a:ln w="177800">
+              <a:solidFill>
+                <a:schemeClr val="accent4"/>
+              </a:solidFill>
+            </a:ln>
+          </p:spPr>
+          <p:style>
+            <a:lnRef idx="1">
+              <a:schemeClr val="accent1"/>
+            </a:lnRef>
+            <a:fillRef idx="0">
+              <a:schemeClr val="accent1"/>
+            </a:fillRef>
+            <a:effectRef idx="0">
+              <a:schemeClr val="accent1"/>
+            </a:effectRef>
+            <a:fontRef idx="minor">
+              <a:schemeClr val="tx1"/>
+            </a:fontRef>
+          </p:style>
+        </p:cxnSp>
+      </p:grpSp>
+      <p:sp>
+        <p:nvSpPr>
+          <p:cNvPr id="14" name="Rectangle 13">
+            <a:extLst>
+              <a:ext uri="{FF2B5EF4-FFF2-40B4-BE49-F238E27FC236}">
+                <a16:creationId xmlns:a16="http://schemas.microsoft.com/office/drawing/2014/main" id="{2C1BBA94-3F40-40AA-8BB9-E69E25E537C1}"/>
+              </a:ext>
+              <a:ext uri="{C183D7F6-B498-43B3-948B-1728B52AA6E4}">
+                <adec:decorative xmlns:adec="http://schemas.microsoft.com/office/drawing/2017/decorative" val="1"/>
+              </a:ext>
+            </a:extLst>
+          </p:cNvPr>
+          <p:cNvSpPr>
+            <a:spLocks noGrp="1" noRot="1" noChangeAspect="1" noMove="1" noResize="1" noEditPoints="1" noAdjustHandles="1" noChangeArrowheads="1" noChangeShapeType="1" noTextEdit="1"/>
+          </p:cNvSpPr>
+          <p:nvPr>
+            <p:extLst>
+              <p:ext uri="{386F3935-93C4-4BCD-93E2-E3B085C9AB24}">
+                <p16:designElem xmlns:p16="http://schemas.microsoft.com/office/powerpoint/2015/main" val="1"/>
+              </p:ext>
+            </p:extLst>
+          </p:nvPr>
+        </p:nvSpPr>
+        <p:spPr>
+          <a:xfrm>
+            <a:off x="5133706" y="587829"/>
+            <a:ext cx="6505300" cy="5682342"/>
+          </a:xfrm>
+          <a:prstGeom prst="rect">
+            <a:avLst/>
+          </a:prstGeom>
+          <a:solidFill>
+            <a:schemeClr val="bg1"/>
+          </a:solidFill>
+          <a:ln>
+            <a:noFill/>
+          </a:ln>
+          <a:effectLst>
+            <a:outerShdw blurRad="139700" dist="127000" dir="5400000" algn="t" rotWithShape="0">
+              <a:prstClr val="black">
+                <a:alpha val="15000"/>
+              </a:prstClr>
+            </a:outerShdw>
+          </a:effectLst>
+        </p:spPr>
+        <p:style>
+          <a:lnRef idx="2">
+            <a:schemeClr val="accent1">
+              <a:shade val="50000"/>
+            </a:schemeClr>
+          </a:lnRef>
+          <a:fillRef idx="1">
+            <a:schemeClr val="accent1"/>
+          </a:fillRef>
+          <a:effectRef idx="0">
+            <a:schemeClr val="accent1"/>
+          </a:effectRef>
+          <a:fontRef idx="minor">
+            <a:schemeClr val="lt1"/>
+          </a:fontRef>
+        </p:style>
+        <p:txBody>
+          <a:bodyPr rtlCol="0" anchor="ctr"/>
+          <a:lstStyle/>
+          <a:p>
+            <a:pPr algn="ctr"/>
+            <a:endParaRPr lang="en-US"/>
+          </a:p>
+        </p:txBody>
+      </p:sp>
+      <p:sp>
+        <p:nvSpPr>
+          <p:cNvPr id="3" name="Content Placeholder 2">
+            <a:extLst>
+              <a:ext uri="{FF2B5EF4-FFF2-40B4-BE49-F238E27FC236}">
+                <a16:creationId xmlns:a16="http://schemas.microsoft.com/office/drawing/2014/main" id="{870E2202-3624-6768-5709-FF72CFB1021F}"/>
+              </a:ext>
+            </a:extLst>
+          </p:cNvPr>
+          <p:cNvSpPr>
+            <a:spLocks noGrp="1"/>
+          </p:cNvSpPr>
+          <p:nvPr>
+            <p:ph idx="1"/>
+          </p:nvPr>
+        </p:nvSpPr>
+        <p:spPr>
+          <a:xfrm>
+            <a:off x="5656218" y="1463039"/>
+            <a:ext cx="5542387" cy="4300447"/>
+          </a:xfrm>
+        </p:spPr>
+        <p:txBody>
+          <a:bodyPr anchor="t">
+            <a:normAutofit/>
+          </a:bodyPr>
+          <a:lstStyle/>
+          <a:p>
+            <a:r>
+              <a:rPr lang="en-US" sz="2200" dirty="0"/>
+              <a:t>If you want to work with clean, perfect data and focus only on visuals and customization of visuals, see Visual-Ready List</a:t>
+            </a:r>
+          </a:p>
+          <a:p>
+            <a:r>
+              <a:rPr lang="en-US" sz="2200" dirty="0"/>
+              <a:t>If you want a little more of a challenge with data quality and Python coding beyond just what’s needed for visuals, see Challenge List</a:t>
+            </a:r>
+          </a:p>
+          <a:p>
+            <a:r>
+              <a:rPr lang="en-US" sz="2200" dirty="0"/>
+              <a:t>Keep in mind: you can use data from either set! Just be aware of your goals and what question(s) you are looking to answer with your visuals. There are no macho points </a:t>
+            </a:r>
+            <a:r>
+              <a:rPr lang="en-US" sz="2200" dirty="0">
+                <a:sym typeface="Wingdings" panose="05000000000000000000" pitchFamily="2" charset="2"/>
+              </a:rPr>
+              <a:t></a:t>
+            </a:r>
+            <a:endParaRPr lang="en-US" sz="2200" dirty="0"/>
+          </a:p>
+        </p:txBody>
+      </p:sp>
+    </p:spTree>
+    <p:extLst>
+      <p:ext uri="{BB962C8B-B14F-4D97-AF65-F5344CB8AC3E}">
+        <p14:creationId xmlns:p14="http://schemas.microsoft.com/office/powerpoint/2010/main" val="3746072393"/>
+      </p:ext>
+    </p:extLst>
+  </p:cSld>
+  <p:clrMapOvr>
+    <a:masterClrMapping/>
+  </p:clrMapOvr>
+</p:sld>
+</file>
+
+<file path=ppt/slides/slide25.xml><?xml version="1.0" encoding="utf-8"?>
+<p:sld xmlns:a="http://schemas.openxmlformats.org/drawingml/2006/main" xmlns:r="http://schemas.openxmlformats.org/officeDocument/2006/relationships" xmlns:p="http://schemas.openxmlformats.org/presentationml/2006/main">
+  <p:cSld>
+    <p:bg>
+      <p:bgPr>
+        <a:solidFill>
+          <a:schemeClr val="bg1"/>
+        </a:solidFill>
+        <a:effectLst/>
+      </p:bgPr>
+    </p:bg>
+    <p:spTree>
+      <p:nvGrpSpPr>
+        <p:cNvPr id="1" name=""/>
+        <p:cNvGrpSpPr/>
+        <p:nvPr/>
+      </p:nvGrpSpPr>
+      <p:grpSpPr>
+        <a:xfrm>
+          <a:off x="0" y="0"/>
+          <a:ext cx="0" cy="0"/>
+          <a:chOff x="0" y="0"/>
+          <a:chExt cx="0" cy="0"/>
+        </a:xfrm>
+      </p:grpSpPr>
+      <p:sp>
+        <p:nvSpPr>
+          <p:cNvPr id="31" name="Rectangle 22">
+            <a:extLst>
+              <a:ext uri="{FF2B5EF4-FFF2-40B4-BE49-F238E27FC236}">
+                <a16:creationId xmlns:a16="http://schemas.microsoft.com/office/drawing/2014/main" id="{375B19E4-0108-41C4-8DB1-11BAE0B49D9B}"/>
+              </a:ext>
+              <a:ext uri="{C183D7F6-B498-43B3-948B-1728B52AA6E4}">
+                <adec:decorative xmlns:adec="http://schemas.microsoft.com/office/drawing/2017/decorative" val="1"/>
+              </a:ext>
+            </a:extLst>
+          </p:cNvPr>
+          <p:cNvSpPr>
+            <a:spLocks noGrp="1" noRot="1" noChangeAspect="1" noMove="1" noResize="1" noEditPoints="1" noAdjustHandles="1" noChangeArrowheads="1" noChangeShapeType="1" noTextEdit="1"/>
+          </p:cNvSpPr>
+          <p:nvPr>
+            <p:extLst>
+              <p:ext uri="{386F3935-93C4-4BCD-93E2-E3B085C9AB24}">
+                <p16:designElem xmlns:p16="http://schemas.microsoft.com/office/powerpoint/2015/main" val="1"/>
+              </p:ext>
+            </p:extLst>
+          </p:nvPr>
+        </p:nvSpPr>
+        <p:spPr>
+          <a:xfrm>
+            <a:off x="0" y="0"/>
+            <a:ext cx="12192000" cy="6858000"/>
+          </a:xfrm>
+          <a:prstGeom prst="rect">
+            <a:avLst/>
+          </a:prstGeom>
+          <a:solidFill>
+            <a:schemeClr val="tx1">
+              <a:lumMod val="95000"/>
+              <a:lumOff val="5000"/>
+            </a:schemeClr>
+          </a:solidFill>
+          <a:ln>
+            <a:noFill/>
+          </a:ln>
+        </p:spPr>
+        <p:style>
+          <a:lnRef idx="2">
+            <a:schemeClr val="accent1">
+              <a:shade val="50000"/>
+            </a:schemeClr>
+          </a:lnRef>
+          <a:fillRef idx="1">
+            <a:schemeClr val="accent1"/>
+          </a:fillRef>
+          <a:effectRef idx="0">
+            <a:schemeClr val="accent1"/>
+          </a:effectRef>
+          <a:fontRef idx="minor">
+            <a:schemeClr val="lt1"/>
+          </a:fontRef>
+        </p:style>
+        <p:txBody>
+          <a:bodyPr rtlCol="0" anchor="ctr"/>
+          <a:lstStyle/>
+          <a:p>
+            <a:pPr algn="ctr"/>
+            <a:endParaRPr lang="en-US" dirty="0">
+              <a:solidFill>
+                <a:schemeClr val="bg1"/>
+              </a:solidFill>
+            </a:endParaRPr>
+          </a:p>
+        </p:txBody>
+      </p:sp>
+      <p:sp>
+        <p:nvSpPr>
+          <p:cNvPr id="2" name="Title 1">
+            <a:extLst>
+              <a:ext uri="{FF2B5EF4-FFF2-40B4-BE49-F238E27FC236}">
+                <a16:creationId xmlns:a16="http://schemas.microsoft.com/office/drawing/2014/main" id="{5B809870-A867-3574-A5A3-7FF8D32DAF76}"/>
+              </a:ext>
+            </a:extLst>
+          </p:cNvPr>
+          <p:cNvSpPr>
+            <a:spLocks noGrp="1"/>
+          </p:cNvSpPr>
+          <p:nvPr>
+            <p:ph type="title"/>
+          </p:nvPr>
+        </p:nvSpPr>
+        <p:spPr>
+          <a:xfrm>
+            <a:off x="6438900" y="669925"/>
+            <a:ext cx="4457702" cy="1325563"/>
+          </a:xfrm>
+        </p:spPr>
+        <p:txBody>
+          <a:bodyPr anchor="b">
+            <a:normAutofit/>
+          </a:bodyPr>
+          <a:lstStyle/>
+          <a:p>
+            <a:r>
+              <a:rPr lang="en-US" sz="3800">
+                <a:solidFill>
+                  <a:schemeClr val="bg1"/>
+                </a:solidFill>
+              </a:rPr>
+              <a:t>To The Code!</a:t>
+            </a:r>
+          </a:p>
+        </p:txBody>
+      </p:sp>
+      <p:pic>
+        <p:nvPicPr>
+          <p:cNvPr id="5" name="Picture 4" descr="Cat hiding behind wall">
+            <a:extLst>
+              <a:ext uri="{FF2B5EF4-FFF2-40B4-BE49-F238E27FC236}">
+                <a16:creationId xmlns:a16="http://schemas.microsoft.com/office/drawing/2014/main" id="{28776AAF-86DF-9022-1B9F-040A51407572}"/>
+              </a:ext>
+            </a:extLst>
+          </p:cNvPr>
+          <p:cNvPicPr>
+            <a:picLocks noChangeAspect="1"/>
+          </p:cNvPicPr>
+          <p:nvPr/>
+        </p:nvPicPr>
+        <p:blipFill rotWithShape="1">
+          <a:blip r:embed="rId2"/>
+          <a:srcRect t="14031" b="40965"/>
+          <a:stretch/>
+        </p:blipFill>
+        <p:spPr>
+          <a:xfrm>
+            <a:off x="0" y="5129758"/>
+            <a:ext cx="5753102" cy="1728242"/>
+          </a:xfrm>
+          <a:prstGeom prst="rect">
+            <a:avLst/>
+          </a:prstGeom>
+        </p:spPr>
+      </p:pic>
+      <p:cxnSp>
+        <p:nvCxnSpPr>
+          <p:cNvPr id="32" name="Straight Connector 24">
+            <a:extLst>
+              <a:ext uri="{FF2B5EF4-FFF2-40B4-BE49-F238E27FC236}">
+                <a16:creationId xmlns:a16="http://schemas.microsoft.com/office/drawing/2014/main" id="{C727A21A-62F5-405C-B7A5-439FD3993289}"/>
+              </a:ext>
+              <a:ext uri="{C183D7F6-B498-43B3-948B-1728B52AA6E4}">
+                <adec:decorative xmlns:adec="http://schemas.microsoft.com/office/drawing/2017/decorative" val="1"/>
+              </a:ext>
+            </a:extLst>
+          </p:cNvPr>
+          <p:cNvCxnSpPr>
+            <a:cxnSpLocks noGrp="1" noRot="1" noChangeAspect="1" noMove="1" noResize="1" noEditPoints="1" noAdjustHandles="1" noChangeArrowheads="1" noChangeShapeType="1"/>
+          </p:cNvCxnSpPr>
+          <p:nvPr>
+            <p:extLst>
+              <p:ext uri="{386F3935-93C4-4BCD-93E2-E3B085C9AB24}">
+                <p16:designElem xmlns:p16="http://schemas.microsoft.com/office/powerpoint/2015/main" val="1"/>
+              </p:ext>
+            </p:extLst>
+          </p:nvPr>
+        </p:nvCxnSpPr>
+        <p:spPr>
+          <a:xfrm>
+            <a:off x="460340" y="0"/>
+            <a:ext cx="0" cy="6858000"/>
+          </a:xfrm>
+          <a:prstGeom prst="line">
+            <a:avLst/>
+          </a:prstGeom>
+          <a:ln w="12700">
+            <a:solidFill>
+              <a:schemeClr val="accent2"/>
+            </a:solidFill>
+          </a:ln>
+        </p:spPr>
+        <p:style>
+          <a:lnRef idx="1">
+            <a:schemeClr val="accent1"/>
+          </a:lnRef>
+          <a:fillRef idx="0">
+            <a:schemeClr val="accent1"/>
+          </a:fillRef>
+          <a:effectRef idx="0">
+            <a:schemeClr val="accent1"/>
+          </a:effectRef>
+          <a:fontRef idx="minor">
+            <a:schemeClr val="tx1"/>
+          </a:fontRef>
+        </p:style>
+      </p:cxnSp>
+      <p:cxnSp>
+        <p:nvCxnSpPr>
+          <p:cNvPr id="33" name="Straight Connector 26">
+            <a:extLst>
+              <a:ext uri="{FF2B5EF4-FFF2-40B4-BE49-F238E27FC236}">
+                <a16:creationId xmlns:a16="http://schemas.microsoft.com/office/drawing/2014/main" id="{92E62CE6-1D21-4565-8E90-0F1D900BEF85}"/>
+              </a:ext>
+              <a:ext uri="{C183D7F6-B498-43B3-948B-1728B52AA6E4}">
+                <adec:decorative xmlns:adec="http://schemas.microsoft.com/office/drawing/2017/decorative" val="1"/>
+              </a:ext>
+            </a:extLst>
+          </p:cNvPr>
+          <p:cNvCxnSpPr>
+            <a:cxnSpLocks noGrp="1" noRot="1" noChangeAspect="1" noMove="1" noResize="1" noEditPoints="1" noAdjustHandles="1" noChangeArrowheads="1" noChangeShapeType="1"/>
+          </p:cNvCxnSpPr>
+          <p:nvPr>
+            <p:extLst>
+              <p:ext uri="{386F3935-93C4-4BCD-93E2-E3B085C9AB24}">
+                <p16:designElem xmlns:p16="http://schemas.microsoft.com/office/powerpoint/2015/main" val="1"/>
+              </p:ext>
+            </p:extLst>
+          </p:nvPr>
+        </p:nvCxnSpPr>
+        <p:spPr>
+          <a:xfrm flipH="1">
+            <a:off x="0" y="2026340"/>
+            <a:ext cx="10896601" cy="0"/>
+          </a:xfrm>
+          <a:prstGeom prst="line">
+            <a:avLst/>
+          </a:prstGeom>
+          <a:ln w="12700">
+            <a:solidFill>
+              <a:schemeClr val="accent2"/>
+            </a:solidFill>
+          </a:ln>
+        </p:spPr>
+        <p:style>
+          <a:lnRef idx="1">
+            <a:schemeClr val="accent1"/>
+          </a:lnRef>
+          <a:fillRef idx="0">
+            <a:schemeClr val="accent1"/>
+          </a:fillRef>
+          <a:effectRef idx="0">
+            <a:schemeClr val="accent1"/>
+          </a:effectRef>
+          <a:fontRef idx="minor">
+            <a:schemeClr val="tx1"/>
+          </a:fontRef>
+        </p:style>
+      </p:cxnSp>
+      <p:sp>
+        <p:nvSpPr>
+          <p:cNvPr id="3" name="Content Placeholder 2">
+            <a:extLst>
+              <a:ext uri="{FF2B5EF4-FFF2-40B4-BE49-F238E27FC236}">
+                <a16:creationId xmlns:a16="http://schemas.microsoft.com/office/drawing/2014/main" id="{A1C06C22-3B86-71B1-1571-4FFDD79A0DE1}"/>
+              </a:ext>
+            </a:extLst>
+          </p:cNvPr>
+          <p:cNvSpPr>
+            <a:spLocks noGrp="1"/>
+          </p:cNvSpPr>
+          <p:nvPr>
+            <p:ph idx="1"/>
+          </p:nvPr>
+        </p:nvSpPr>
+        <p:spPr>
+          <a:xfrm>
+            <a:off x="6438900" y="2400304"/>
+            <a:ext cx="4457702" cy="3441692"/>
           </a:xfrm>
         </p:spPr>
         <p:txBody>
@@ -13886,47 +17082,692 @@
           <a:lstStyle/>
           <a:p>
             <a:r>
-              <a:rPr lang="en-US" dirty="0"/>
-              <a:t>An Interrogation</a:t>
-            </a:r>
+              <a:rPr lang="en-US" sz="2000" dirty="0">
+                <a:solidFill>
+                  <a:schemeClr val="bg1"/>
+                </a:solidFill>
+              </a:rPr>
+              <a:t>Visual-Ready</a:t>
+            </a:r>
+          </a:p>
+          <a:p>
+            <a:pPr lvl="1"/>
+            <a:r>
+              <a:rPr lang="en-US" sz="2000" dirty="0">
+                <a:solidFill>
+                  <a:schemeClr val="bg1"/>
+                </a:solidFill>
+              </a:rPr>
+              <a:t>cats.csv</a:t>
+            </a:r>
+          </a:p>
+          <a:p>
+            <a:pPr lvl="1"/>
+            <a:r>
+              <a:rPr lang="en-US" sz="2000" dirty="0">
+                <a:solidFill>
+                  <a:schemeClr val="bg1"/>
+                </a:solidFill>
+              </a:rPr>
+              <a:t>imfgdp.csv</a:t>
+            </a:r>
+          </a:p>
+          <a:p>
+            <a:pPr marL="0" indent="0">
+              <a:buNone/>
+            </a:pPr>
+            <a:endParaRPr lang="en-US" sz="2000" dirty="0">
+              <a:solidFill>
+                <a:schemeClr val="bg1"/>
+              </a:solidFill>
+            </a:endParaRPr>
+          </a:p>
+          <a:p>
+            <a:r>
+              <a:rPr lang="en-US" sz="2000" dirty="0">
+                <a:solidFill>
+                  <a:schemeClr val="bg1"/>
+                </a:solidFill>
+              </a:rPr>
+              <a:t>Challenge</a:t>
+            </a:r>
+          </a:p>
+          <a:p>
+            <a:pPr lvl="1"/>
+            <a:r>
+              <a:rPr lang="en-US" sz="2000" dirty="0">
+                <a:solidFill>
+                  <a:schemeClr val="bg1"/>
+                </a:solidFill>
+              </a:rPr>
+              <a:t>imdb.csv</a:t>
+            </a:r>
+          </a:p>
+          <a:p>
+            <a:pPr lvl="1"/>
+            <a:r>
+              <a:rPr lang="en-US" sz="2000" dirty="0">
+                <a:solidFill>
+                  <a:schemeClr val="bg1"/>
+                </a:solidFill>
+              </a:rPr>
+              <a:t>music.csv</a:t>
+            </a:r>
+          </a:p>
+          <a:p>
+            <a:pPr lvl="1"/>
+            <a:r>
+              <a:rPr lang="en-US" sz="2000" dirty="0">
+                <a:solidFill>
+                  <a:schemeClr val="bg1"/>
+                </a:solidFill>
+              </a:rPr>
+              <a:t>earthquake_data.csv</a:t>
+            </a:r>
+          </a:p>
+          <a:p>
+            <a:endParaRPr lang="en-US" sz="2000" dirty="0">
+              <a:solidFill>
+                <a:schemeClr val="bg1"/>
+              </a:solidFill>
+            </a:endParaRPr>
           </a:p>
         </p:txBody>
       </p:sp>
-      <p:graphicFrame>
-        <p:nvGraphicFramePr>
-          <p:cNvPr id="5" name="Content Placeholder 2">
-            <a:extLst>
-              <a:ext uri="{FF2B5EF4-FFF2-40B4-BE49-F238E27FC236}">
-                <a16:creationId xmlns:a16="http://schemas.microsoft.com/office/drawing/2014/main" id="{985BCA25-7445-2F0C-1B62-B4BAD082BE79}"/>
-              </a:ext>
-            </a:extLst>
-          </p:cNvPr>
-          <p:cNvGraphicFramePr>
-            <a:graphicFrameLocks noGrp="1"/>
-          </p:cNvGraphicFramePr>
+    </p:spTree>
+    <p:extLst>
+      <p:ext uri="{BB962C8B-B14F-4D97-AF65-F5344CB8AC3E}">
+        <p14:creationId xmlns:p14="http://schemas.microsoft.com/office/powerpoint/2010/main" val="1217028490"/>
+      </p:ext>
+    </p:extLst>
+  </p:cSld>
+  <p:clrMapOvr>
+    <a:masterClrMapping/>
+  </p:clrMapOvr>
+</p:sld>
+</file>
+
+<file path=ppt/slides/slide26.xml><?xml version="1.0" encoding="utf-8"?>
+<p:sld xmlns:a="http://schemas.openxmlformats.org/drawingml/2006/main" xmlns:r="http://schemas.openxmlformats.org/officeDocument/2006/relationships" xmlns:p="http://schemas.openxmlformats.org/presentationml/2006/main">
+  <p:cSld>
+    <p:spTree>
+      <p:nvGrpSpPr>
+        <p:cNvPr id="1" name=""/>
+        <p:cNvGrpSpPr/>
+        <p:nvPr/>
+      </p:nvGrpSpPr>
+      <p:grpSpPr>
+        <a:xfrm>
+          <a:off x="0" y="0"/>
+          <a:ext cx="0" cy="0"/>
+          <a:chOff x="0" y="0"/>
+          <a:chExt cx="0" cy="0"/>
+        </a:xfrm>
+      </p:grpSpPr>
+      <p:sp>
+        <p:nvSpPr>
+          <p:cNvPr id="2" name="Title 1">
+            <a:extLst>
+              <a:ext uri="{FF2B5EF4-FFF2-40B4-BE49-F238E27FC236}">
+                <a16:creationId xmlns:a16="http://schemas.microsoft.com/office/drawing/2014/main" id="{66D8340A-3AB4-25F1-BF61-C48A8579B67A}"/>
+              </a:ext>
+            </a:extLst>
+          </p:cNvPr>
+          <p:cNvSpPr>
+            <a:spLocks noGrp="1"/>
+          </p:cNvSpPr>
+          <p:nvPr>
+            <p:ph type="title"/>
+          </p:nvPr>
+        </p:nvSpPr>
+        <p:spPr/>
+        <p:txBody>
+          <a:bodyPr/>
+          <a:lstStyle/>
+          <a:p>
+            <a:endParaRPr lang="en-US"/>
+          </a:p>
+        </p:txBody>
+      </p:sp>
+      <p:sp>
+        <p:nvSpPr>
+          <p:cNvPr id="3" name="Content Placeholder 2">
+            <a:extLst>
+              <a:ext uri="{FF2B5EF4-FFF2-40B4-BE49-F238E27FC236}">
+                <a16:creationId xmlns:a16="http://schemas.microsoft.com/office/drawing/2014/main" id="{95219E75-0A53-6624-6C2E-E4A5D1E6463A}"/>
+              </a:ext>
+            </a:extLst>
+          </p:cNvPr>
+          <p:cNvSpPr>
+            <a:spLocks noGrp="1"/>
+          </p:cNvSpPr>
           <p:nvPr>
             <p:ph idx="1"/>
+          </p:nvPr>
+        </p:nvSpPr>
+        <p:spPr/>
+        <p:txBody>
+          <a:bodyPr/>
+          <a:lstStyle/>
+          <a:p>
+            <a:endParaRPr lang="en-US"/>
+          </a:p>
+        </p:txBody>
+      </p:sp>
+    </p:spTree>
+    <p:extLst>
+      <p:ext uri="{BB962C8B-B14F-4D97-AF65-F5344CB8AC3E}">
+        <p14:creationId xmlns:p14="http://schemas.microsoft.com/office/powerpoint/2010/main" val="1835018681"/>
+      </p:ext>
+    </p:extLst>
+  </p:cSld>
+  <p:clrMapOvr>
+    <a:masterClrMapping/>
+  </p:clrMapOvr>
+</p:sld>
+</file>
+
+<file path=ppt/slides/slide27.xml><?xml version="1.0" encoding="utf-8"?>
+<p:sld xmlns:a="http://schemas.openxmlformats.org/drawingml/2006/main" xmlns:r="http://schemas.openxmlformats.org/officeDocument/2006/relationships" xmlns:p="http://schemas.openxmlformats.org/presentationml/2006/main">
+  <p:cSld>
+    <p:bg>
+      <p:bgPr>
+        <a:solidFill>
+          <a:schemeClr val="bg1"/>
+        </a:solidFill>
+        <a:effectLst/>
+      </p:bgPr>
+    </p:bg>
+    <p:spTree>
+      <p:nvGrpSpPr>
+        <p:cNvPr id="1" name=""/>
+        <p:cNvGrpSpPr/>
+        <p:nvPr/>
+      </p:nvGrpSpPr>
+      <p:grpSpPr>
+        <a:xfrm>
+          <a:off x="0" y="0"/>
+          <a:ext cx="0" cy="0"/>
+          <a:chOff x="0" y="0"/>
+          <a:chExt cx="0" cy="0"/>
+        </a:xfrm>
+      </p:grpSpPr>
+      <p:sp useBgFill="1">
+        <p:nvSpPr>
+          <p:cNvPr id="9" name="Rectangle 8">
+            <a:extLst>
+              <a:ext uri="{FF2B5EF4-FFF2-40B4-BE49-F238E27FC236}">
+                <a16:creationId xmlns:a16="http://schemas.microsoft.com/office/drawing/2014/main" id="{80DF40B2-80F7-4E71-B46C-284163F3654A}"/>
+              </a:ext>
+              <a:ext uri="{C183D7F6-B498-43B3-948B-1728B52AA6E4}">
+                <adec:decorative xmlns:adec="http://schemas.microsoft.com/office/drawing/2017/decorative" val="1"/>
+              </a:ext>
+            </a:extLst>
+          </p:cNvPr>
+          <p:cNvSpPr>
+            <a:spLocks noGrp="1" noRot="1" noChangeAspect="1" noMove="1" noResize="1" noEditPoints="1" noAdjustHandles="1" noChangeArrowheads="1" noChangeShapeType="1" noTextEdit="1"/>
+          </p:cNvSpPr>
+          <p:nvPr>
             <p:extLst>
-              <p:ext uri="{D42A27DB-BD31-4B8C-83A1-F6EECF244321}">
-                <p14:modId xmlns:p14="http://schemas.microsoft.com/office/powerpoint/2010/main" val="3430806307"/>
+              <p:ext uri="{386F3935-93C4-4BCD-93E2-E3B085C9AB24}">
+                <p16:designElem xmlns:p16="http://schemas.microsoft.com/office/powerpoint/2015/main" val="1"/>
               </p:ext>
             </p:extLst>
           </p:nvPr>
-        </p:nvGraphicFramePr>
-        <p:xfrm>
-          <a:off x="838200" y="1825625"/>
-          <a:ext cx="10515600" cy="4351338"/>
-        </p:xfrm>
-        <a:graphic>
-          <a:graphicData uri="http://schemas.openxmlformats.org/drawingml/2006/diagram">
-            <dgm:relIds xmlns:dgm="http://schemas.openxmlformats.org/drawingml/2006/diagram" xmlns:r="http://schemas.openxmlformats.org/officeDocument/2006/relationships" r:dm="rId3" r:lo="rId4" r:qs="rId5" r:cs="rId6"/>
-          </a:graphicData>
-        </a:graphic>
-      </p:graphicFrame>
+        </p:nvSpPr>
+        <p:spPr>
+          <a:xfrm>
+            <a:off x="-1" y="0"/>
+            <a:ext cx="12188952" cy="6858000"/>
+          </a:xfrm>
+          <a:prstGeom prst="rect">
+            <a:avLst/>
+          </a:prstGeom>
+          <a:ln>
+            <a:noFill/>
+          </a:ln>
+        </p:spPr>
+        <p:style>
+          <a:lnRef idx="2">
+            <a:schemeClr val="accent1">
+              <a:shade val="50000"/>
+            </a:schemeClr>
+          </a:lnRef>
+          <a:fillRef idx="1">
+            <a:schemeClr val="accent1"/>
+          </a:fillRef>
+          <a:effectRef idx="0">
+            <a:schemeClr val="accent1"/>
+          </a:effectRef>
+          <a:fontRef idx="minor">
+            <a:schemeClr val="lt1"/>
+          </a:fontRef>
+        </p:style>
+        <p:txBody>
+          <a:bodyPr rtlCol="0" anchor="ctr"/>
+          <a:lstStyle/>
+          <a:p>
+            <a:pPr algn="ctr"/>
+            <a:endParaRPr lang="en-US"/>
+          </a:p>
+        </p:txBody>
+      </p:sp>
+      <p:sp>
+        <p:nvSpPr>
+          <p:cNvPr id="2" name="Title 1">
+            <a:extLst>
+              <a:ext uri="{FF2B5EF4-FFF2-40B4-BE49-F238E27FC236}">
+                <a16:creationId xmlns:a16="http://schemas.microsoft.com/office/drawing/2014/main" id="{FDB0B11A-2B80-2788-18BC-DC9F870994F5}"/>
+              </a:ext>
+            </a:extLst>
+          </p:cNvPr>
+          <p:cNvSpPr>
+            <a:spLocks noGrp="1"/>
+          </p:cNvSpPr>
+          <p:nvPr>
+            <p:ph type="title"/>
+          </p:nvPr>
+        </p:nvSpPr>
+        <p:spPr>
+          <a:xfrm>
+            <a:off x="838199" y="548464"/>
+            <a:ext cx="3807187" cy="2228074"/>
+          </a:xfrm>
+        </p:spPr>
+        <p:txBody>
+          <a:bodyPr>
+            <a:normAutofit/>
+          </a:bodyPr>
+          <a:lstStyle/>
+          <a:p>
+            <a:r>
+              <a:rPr lang="en-US" sz="4000"/>
+              <a:t>To The Code!</a:t>
+            </a:r>
+          </a:p>
+        </p:txBody>
+      </p:sp>
+      <p:sp>
+        <p:nvSpPr>
+          <p:cNvPr id="3" name="Content Placeholder 2">
+            <a:extLst>
+              <a:ext uri="{FF2B5EF4-FFF2-40B4-BE49-F238E27FC236}">
+                <a16:creationId xmlns:a16="http://schemas.microsoft.com/office/drawing/2014/main" id="{1A239784-9C5A-A7EE-D097-A6F98344A8C7}"/>
+              </a:ext>
+            </a:extLst>
+          </p:cNvPr>
+          <p:cNvSpPr>
+            <a:spLocks noGrp="1"/>
+          </p:cNvSpPr>
+          <p:nvPr>
+            <p:ph idx="1"/>
+          </p:nvPr>
+        </p:nvSpPr>
+        <p:spPr>
+          <a:xfrm>
+            <a:off x="838201" y="2962279"/>
+            <a:ext cx="3799425" cy="3143241"/>
+          </a:xfrm>
+        </p:spPr>
+        <p:txBody>
+          <a:bodyPr>
+            <a:normAutofit/>
+          </a:bodyPr>
+          <a:lstStyle/>
+          <a:p>
+            <a:pPr marL="0" indent="0">
+              <a:buNone/>
+            </a:pPr>
+            <a:r>
+              <a:rPr lang="en-US" sz="2000"/>
+              <a:t>Dataset: cats.csv</a:t>
+            </a:r>
+          </a:p>
+          <a:p>
+            <a:pPr marL="0" indent="0">
+              <a:buNone/>
+            </a:pPr>
+            <a:r>
+              <a:rPr lang="en-US" sz="2000"/>
+              <a:t>File: cat_survey.ipynb</a:t>
+            </a:r>
+          </a:p>
+        </p:txBody>
+      </p:sp>
+      <p:pic>
+        <p:nvPicPr>
+          <p:cNvPr id="5" name="Picture 4" descr="Cat with yellow eyes">
+            <a:extLst>
+              <a:ext uri="{FF2B5EF4-FFF2-40B4-BE49-F238E27FC236}">
+                <a16:creationId xmlns:a16="http://schemas.microsoft.com/office/drawing/2014/main" id="{41760665-0DA6-1E74-0D5F-955E1E861A55}"/>
+              </a:ext>
+            </a:extLst>
+          </p:cNvPr>
+          <p:cNvPicPr>
+            <a:picLocks noChangeAspect="1"/>
+          </p:cNvPicPr>
+          <p:nvPr/>
+        </p:nvPicPr>
+        <p:blipFill rotWithShape="1">
+          <a:blip r:embed="rId2"/>
+          <a:srcRect l="8455" r="21644" b="-1"/>
+          <a:stretch/>
+        </p:blipFill>
+        <p:spPr>
+          <a:xfrm>
+            <a:off x="5010386" y="10"/>
+            <a:ext cx="7181613" cy="6857990"/>
+          </a:xfrm>
+          <a:prstGeom prst="rect">
+            <a:avLst/>
+          </a:prstGeom>
+          <a:effectLst/>
+        </p:spPr>
+      </p:pic>
     </p:spTree>
     <p:extLst>
       <p:ext uri="{BB962C8B-B14F-4D97-AF65-F5344CB8AC3E}">
-        <p14:creationId xmlns:p14="http://schemas.microsoft.com/office/powerpoint/2010/main" val="913838479"/>
+        <p14:creationId xmlns:p14="http://schemas.microsoft.com/office/powerpoint/2010/main" val="852650750"/>
+      </p:ext>
+    </p:extLst>
+  </p:cSld>
+  <p:clrMapOvr>
+    <a:masterClrMapping/>
+  </p:clrMapOvr>
+</p:sld>
+</file>
+
+<file path=ppt/slides/slide28.xml><?xml version="1.0" encoding="utf-8"?>
+<p:sld xmlns:a="http://schemas.openxmlformats.org/drawingml/2006/main" xmlns:r="http://schemas.openxmlformats.org/officeDocument/2006/relationships" xmlns:p="http://schemas.openxmlformats.org/presentationml/2006/main">
+  <p:cSld>
+    <p:spTree>
+      <p:nvGrpSpPr>
+        <p:cNvPr id="1" name=""/>
+        <p:cNvGrpSpPr/>
+        <p:nvPr/>
+      </p:nvGrpSpPr>
+      <p:grpSpPr>
+        <a:xfrm>
+          <a:off x="0" y="0"/>
+          <a:ext cx="0" cy="0"/>
+          <a:chOff x="0" y="0"/>
+          <a:chExt cx="0" cy="0"/>
+        </a:xfrm>
+      </p:grpSpPr>
+      <p:sp>
+        <p:nvSpPr>
+          <p:cNvPr id="2" name="Title 1">
+            <a:extLst>
+              <a:ext uri="{FF2B5EF4-FFF2-40B4-BE49-F238E27FC236}">
+                <a16:creationId xmlns:a16="http://schemas.microsoft.com/office/drawing/2014/main" id="{0A669F3F-92E7-7314-660F-E1AE7BC116EB}"/>
+              </a:ext>
+            </a:extLst>
+          </p:cNvPr>
+          <p:cNvSpPr>
+            <a:spLocks noGrp="1"/>
+          </p:cNvSpPr>
+          <p:nvPr>
+            <p:ph type="title"/>
+          </p:nvPr>
+        </p:nvSpPr>
+        <p:spPr/>
+        <p:txBody>
+          <a:bodyPr/>
+          <a:lstStyle/>
+          <a:p>
+            <a:endParaRPr lang="en-US"/>
+          </a:p>
+        </p:txBody>
+      </p:sp>
+      <p:sp>
+        <p:nvSpPr>
+          <p:cNvPr id="3" name="Content Placeholder 2">
+            <a:extLst>
+              <a:ext uri="{FF2B5EF4-FFF2-40B4-BE49-F238E27FC236}">
+                <a16:creationId xmlns:a16="http://schemas.microsoft.com/office/drawing/2014/main" id="{A50D1D07-503D-09E7-79FE-1036A4F722A2}"/>
+              </a:ext>
+            </a:extLst>
+          </p:cNvPr>
+          <p:cNvSpPr>
+            <a:spLocks noGrp="1"/>
+          </p:cNvSpPr>
+          <p:nvPr>
+            <p:ph idx="1"/>
+          </p:nvPr>
+        </p:nvSpPr>
+        <p:spPr/>
+        <p:txBody>
+          <a:bodyPr/>
+          <a:lstStyle/>
+          <a:p>
+            <a:endParaRPr lang="en-US"/>
+          </a:p>
+        </p:txBody>
+      </p:sp>
+    </p:spTree>
+    <p:extLst>
+      <p:ext uri="{BB962C8B-B14F-4D97-AF65-F5344CB8AC3E}">
+        <p14:creationId xmlns:p14="http://schemas.microsoft.com/office/powerpoint/2010/main" val="3704480283"/>
+      </p:ext>
+    </p:extLst>
+  </p:cSld>
+  <p:clrMapOvr>
+    <a:masterClrMapping/>
+  </p:clrMapOvr>
+</p:sld>
+</file>
+
+<file path=ppt/slides/slide29.xml><?xml version="1.0" encoding="utf-8"?>
+<p:sld xmlns:a="http://schemas.openxmlformats.org/drawingml/2006/main" xmlns:r="http://schemas.openxmlformats.org/officeDocument/2006/relationships" xmlns:p="http://schemas.openxmlformats.org/presentationml/2006/main">
+  <p:cSld>
+    <p:bg>
+      <p:bgPr>
+        <a:solidFill>
+          <a:schemeClr val="bg1"/>
+        </a:solidFill>
+        <a:effectLst/>
+      </p:bgPr>
+    </p:bg>
+    <p:spTree>
+      <p:nvGrpSpPr>
+        <p:cNvPr id="1" name=""/>
+        <p:cNvGrpSpPr/>
+        <p:nvPr/>
+      </p:nvGrpSpPr>
+      <p:grpSpPr>
+        <a:xfrm>
+          <a:off x="0" y="0"/>
+          <a:ext cx="0" cy="0"/>
+          <a:chOff x="0" y="0"/>
+          <a:chExt cx="0" cy="0"/>
+        </a:xfrm>
+      </p:grpSpPr>
+      <p:sp useBgFill="1">
+        <p:nvSpPr>
+          <p:cNvPr id="11" name="Rectangle 8">
+            <a:extLst>
+              <a:ext uri="{FF2B5EF4-FFF2-40B4-BE49-F238E27FC236}">
+                <a16:creationId xmlns:a16="http://schemas.microsoft.com/office/drawing/2014/main" id="{04812C46-200A-4DEB-A05E-3ED6C68C2387}"/>
+              </a:ext>
+              <a:ext uri="{C183D7F6-B498-43B3-948B-1728B52AA6E4}">
+                <adec:decorative xmlns:adec="http://schemas.microsoft.com/office/drawing/2017/decorative" val="1"/>
+              </a:ext>
+            </a:extLst>
+          </p:cNvPr>
+          <p:cNvSpPr>
+            <a:spLocks noGrp="1" noRot="1" noChangeAspect="1" noMove="1" noResize="1" noEditPoints="1" noAdjustHandles="1" noChangeArrowheads="1" noChangeShapeType="1" noTextEdit="1"/>
+          </p:cNvSpPr>
+          <p:nvPr>
+            <p:extLst>
+              <p:ext uri="{386F3935-93C4-4BCD-93E2-E3B085C9AB24}">
+                <p16:designElem xmlns:p16="http://schemas.microsoft.com/office/powerpoint/2015/main" val="1"/>
+              </p:ext>
+            </p:extLst>
+          </p:nvPr>
+        </p:nvSpPr>
+        <p:spPr>
+          <a:xfrm>
+            <a:off x="-1" y="0"/>
+            <a:ext cx="12188952" cy="6858000"/>
+          </a:xfrm>
+          <a:prstGeom prst="rect">
+            <a:avLst/>
+          </a:prstGeom>
+          <a:ln>
+            <a:noFill/>
+          </a:ln>
+        </p:spPr>
+        <p:style>
+          <a:lnRef idx="2">
+            <a:schemeClr val="accent1">
+              <a:shade val="50000"/>
+            </a:schemeClr>
+          </a:lnRef>
+          <a:fillRef idx="1">
+            <a:schemeClr val="accent1"/>
+          </a:fillRef>
+          <a:effectRef idx="0">
+            <a:schemeClr val="accent1"/>
+          </a:effectRef>
+          <a:fontRef idx="minor">
+            <a:schemeClr val="lt1"/>
+          </a:fontRef>
+        </p:style>
+        <p:txBody>
+          <a:bodyPr rtlCol="0" anchor="ctr"/>
+          <a:lstStyle/>
+          <a:p>
+            <a:pPr algn="ctr"/>
+            <a:endParaRPr lang="en-US"/>
+          </a:p>
+        </p:txBody>
+      </p:sp>
+      <p:sp>
+        <p:nvSpPr>
+          <p:cNvPr id="2" name="Title 1">
+            <a:extLst>
+              <a:ext uri="{FF2B5EF4-FFF2-40B4-BE49-F238E27FC236}">
+                <a16:creationId xmlns:a16="http://schemas.microsoft.com/office/drawing/2014/main" id="{259369E1-8019-4BBD-5DDB-E9E6966CCE49}"/>
+              </a:ext>
+            </a:extLst>
+          </p:cNvPr>
+          <p:cNvSpPr>
+            <a:spLocks noGrp="1"/>
+          </p:cNvSpPr>
+          <p:nvPr>
+            <p:ph type="title"/>
+          </p:nvPr>
+        </p:nvSpPr>
+        <p:spPr>
+          <a:xfrm>
+            <a:off x="7531610" y="365125"/>
+            <a:ext cx="3822189" cy="1899912"/>
+          </a:xfrm>
+        </p:spPr>
+        <p:txBody>
+          <a:bodyPr>
+            <a:normAutofit/>
+          </a:bodyPr>
+          <a:lstStyle/>
+          <a:p>
+            <a:r>
+              <a:rPr lang="en-US" sz="4000"/>
+              <a:t>To The Code!</a:t>
+            </a:r>
+          </a:p>
+        </p:txBody>
+      </p:sp>
+      <p:pic>
+        <p:nvPicPr>
+          <p:cNvPr id="12" name="Picture 4" descr="Cat peering over table">
+            <a:extLst>
+              <a:ext uri="{FF2B5EF4-FFF2-40B4-BE49-F238E27FC236}">
+                <a16:creationId xmlns:a16="http://schemas.microsoft.com/office/drawing/2014/main" id="{2C62730B-D20A-E98D-8B0E-DD0C0E0CA684}"/>
+              </a:ext>
+            </a:extLst>
+          </p:cNvPr>
+          <p:cNvPicPr>
+            <a:picLocks noChangeAspect="1"/>
+          </p:cNvPicPr>
+          <p:nvPr/>
+        </p:nvPicPr>
+        <p:blipFill rotWithShape="1">
+          <a:blip r:embed="rId2"/>
+          <a:srcRect l="17681" r="14805" b="-1"/>
+          <a:stretch/>
+        </p:blipFill>
+        <p:spPr>
+          <a:xfrm>
+            <a:off x="1" y="10"/>
+            <a:ext cx="6936390" cy="6857990"/>
+          </a:xfrm>
+          <a:prstGeom prst="rect">
+            <a:avLst/>
+          </a:prstGeom>
+        </p:spPr>
+      </p:pic>
+      <p:sp>
+        <p:nvSpPr>
+          <p:cNvPr id="3" name="Content Placeholder 2">
+            <a:extLst>
+              <a:ext uri="{FF2B5EF4-FFF2-40B4-BE49-F238E27FC236}">
+                <a16:creationId xmlns:a16="http://schemas.microsoft.com/office/drawing/2014/main" id="{727A990A-F105-0B8B-C889-BB8C7C0B6073}"/>
+              </a:ext>
+            </a:extLst>
+          </p:cNvPr>
+          <p:cNvSpPr>
+            <a:spLocks noGrp="1"/>
+          </p:cNvSpPr>
+          <p:nvPr>
+            <p:ph idx="1"/>
+          </p:nvPr>
+        </p:nvSpPr>
+        <p:spPr>
+          <a:xfrm>
+            <a:off x="7531610" y="2434201"/>
+            <a:ext cx="3822189" cy="3742762"/>
+          </a:xfrm>
+        </p:spPr>
+        <p:txBody>
+          <a:bodyPr>
+            <a:normAutofit/>
+          </a:bodyPr>
+          <a:lstStyle/>
+          <a:p>
+            <a:pPr marL="0" indent="0">
+              <a:buNone/>
+            </a:pPr>
+            <a:r>
+              <a:rPr lang="en-US" sz="2000" dirty="0"/>
+              <a:t>Dataset: cats.csv</a:t>
+            </a:r>
+          </a:p>
+          <a:p>
+            <a:pPr marL="0" indent="0">
+              <a:buNone/>
+            </a:pPr>
+            <a:r>
+              <a:rPr lang="en-US" sz="2000" dirty="0"/>
+              <a:t>File: </a:t>
+            </a:r>
+            <a:r>
+              <a:rPr lang="en-US" sz="2000" dirty="0" err="1"/>
+              <a:t>cat_survey.ipynb</a:t>
+            </a:r>
+            <a:endParaRPr lang="en-US" sz="2000" dirty="0"/>
+          </a:p>
+          <a:p>
+            <a:pPr marL="0" indent="0">
+              <a:buNone/>
+            </a:pPr>
+            <a:endParaRPr lang="en-US" sz="2000" dirty="0"/>
+          </a:p>
+        </p:txBody>
+      </p:sp>
+    </p:spTree>
+    <p:extLst>
+      <p:ext uri="{BB962C8B-B14F-4D97-AF65-F5344CB8AC3E}">
+        <p14:creationId xmlns:p14="http://schemas.microsoft.com/office/powerpoint/2010/main" val="1895726178"/>
       </p:ext>
     </p:extLst>
   </p:cSld>
@@ -14425,6 +18266,1225 @@
     <p:extLst>
       <p:ext uri="{BB962C8B-B14F-4D97-AF65-F5344CB8AC3E}">
         <p14:creationId xmlns:p14="http://schemas.microsoft.com/office/powerpoint/2010/main" val="1907175972"/>
+      </p:ext>
+    </p:extLst>
+  </p:cSld>
+  <p:clrMapOvr>
+    <a:masterClrMapping/>
+  </p:clrMapOvr>
+</p:sld>
+</file>
+
+<file path=ppt/slides/slide30.xml><?xml version="1.0" encoding="utf-8"?>
+<p:sld xmlns:a="http://schemas.openxmlformats.org/drawingml/2006/main" xmlns:r="http://schemas.openxmlformats.org/officeDocument/2006/relationships" xmlns:p="http://schemas.openxmlformats.org/presentationml/2006/main">
+  <p:cSld>
+    <p:spTree>
+      <p:nvGrpSpPr>
+        <p:cNvPr id="1" name=""/>
+        <p:cNvGrpSpPr/>
+        <p:nvPr/>
+      </p:nvGrpSpPr>
+      <p:grpSpPr>
+        <a:xfrm>
+          <a:off x="0" y="0"/>
+          <a:ext cx="0" cy="0"/>
+          <a:chOff x="0" y="0"/>
+          <a:chExt cx="0" cy="0"/>
+        </a:xfrm>
+      </p:grpSpPr>
+      <p:sp>
+        <p:nvSpPr>
+          <p:cNvPr id="2" name="Title 1">
+            <a:extLst>
+              <a:ext uri="{FF2B5EF4-FFF2-40B4-BE49-F238E27FC236}">
+                <a16:creationId xmlns:a16="http://schemas.microsoft.com/office/drawing/2014/main" id="{20279A5B-1B8B-4EA4-C123-340CA7ECDD3C}"/>
+              </a:ext>
+            </a:extLst>
+          </p:cNvPr>
+          <p:cNvSpPr>
+            <a:spLocks noGrp="1"/>
+          </p:cNvSpPr>
+          <p:nvPr>
+            <p:ph type="title"/>
+          </p:nvPr>
+        </p:nvSpPr>
+        <p:spPr/>
+        <p:txBody>
+          <a:bodyPr/>
+          <a:lstStyle/>
+          <a:p>
+            <a:endParaRPr lang="en-US"/>
+          </a:p>
+        </p:txBody>
+      </p:sp>
+      <p:sp>
+        <p:nvSpPr>
+          <p:cNvPr id="3" name="Content Placeholder 2">
+            <a:extLst>
+              <a:ext uri="{FF2B5EF4-FFF2-40B4-BE49-F238E27FC236}">
+                <a16:creationId xmlns:a16="http://schemas.microsoft.com/office/drawing/2014/main" id="{7DD161F4-6465-EEE4-1359-2A04A587FE33}"/>
+              </a:ext>
+            </a:extLst>
+          </p:cNvPr>
+          <p:cNvSpPr>
+            <a:spLocks noGrp="1"/>
+          </p:cNvSpPr>
+          <p:nvPr>
+            <p:ph idx="1"/>
+          </p:nvPr>
+        </p:nvSpPr>
+        <p:spPr/>
+        <p:txBody>
+          <a:bodyPr/>
+          <a:lstStyle/>
+          <a:p>
+            <a:endParaRPr lang="en-US"/>
+          </a:p>
+        </p:txBody>
+      </p:sp>
+    </p:spTree>
+    <p:extLst>
+      <p:ext uri="{BB962C8B-B14F-4D97-AF65-F5344CB8AC3E}">
+        <p14:creationId xmlns:p14="http://schemas.microsoft.com/office/powerpoint/2010/main" val="3650546177"/>
+      </p:ext>
+    </p:extLst>
+  </p:cSld>
+  <p:clrMapOvr>
+    <a:masterClrMapping/>
+  </p:clrMapOvr>
+</p:sld>
+</file>
+
+<file path=ppt/slides/slide31.xml><?xml version="1.0" encoding="utf-8"?>
+<p:sld xmlns:a="http://schemas.openxmlformats.org/drawingml/2006/main" xmlns:r="http://schemas.openxmlformats.org/officeDocument/2006/relationships" xmlns:p="http://schemas.openxmlformats.org/presentationml/2006/main">
+  <p:cSld>
+    <p:bg>
+      <p:bgPr>
+        <a:solidFill>
+          <a:schemeClr val="bg1"/>
+        </a:solidFill>
+        <a:effectLst/>
+      </p:bgPr>
+    </p:bg>
+    <p:spTree>
+      <p:nvGrpSpPr>
+        <p:cNvPr id="1" name=""/>
+        <p:cNvGrpSpPr/>
+        <p:nvPr/>
+      </p:nvGrpSpPr>
+      <p:grpSpPr>
+        <a:xfrm>
+          <a:off x="0" y="0"/>
+          <a:ext cx="0" cy="0"/>
+          <a:chOff x="0" y="0"/>
+          <a:chExt cx="0" cy="0"/>
+        </a:xfrm>
+      </p:grpSpPr>
+      <p:sp useBgFill="1">
+        <p:nvSpPr>
+          <p:cNvPr id="12" name="Rectangle 8">
+            <a:extLst>
+              <a:ext uri="{FF2B5EF4-FFF2-40B4-BE49-F238E27FC236}">
+                <a16:creationId xmlns:a16="http://schemas.microsoft.com/office/drawing/2014/main" id="{23E547B5-89CF-4EC0-96DE-25771AED0799}"/>
+              </a:ext>
+              <a:ext uri="{C183D7F6-B498-43B3-948B-1728B52AA6E4}">
+                <adec:decorative xmlns:adec="http://schemas.microsoft.com/office/drawing/2017/decorative" val="1"/>
+              </a:ext>
+            </a:extLst>
+          </p:cNvPr>
+          <p:cNvSpPr>
+            <a:spLocks noGrp="1" noRot="1" noChangeAspect="1" noMove="1" noResize="1" noEditPoints="1" noAdjustHandles="1" noChangeArrowheads="1" noChangeShapeType="1" noTextEdit="1"/>
+          </p:cNvSpPr>
+          <p:nvPr>
+            <p:extLst>
+              <p:ext uri="{386F3935-93C4-4BCD-93E2-E3B085C9AB24}">
+                <p16:designElem xmlns:p16="http://schemas.microsoft.com/office/powerpoint/2015/main" val="1"/>
+              </p:ext>
+            </p:extLst>
+          </p:nvPr>
+        </p:nvSpPr>
+        <p:spPr>
+          <a:xfrm>
+            <a:off x="0" y="0"/>
+            <a:ext cx="12192000" cy="6858000"/>
+          </a:xfrm>
+          <a:prstGeom prst="rect">
+            <a:avLst/>
+          </a:prstGeom>
+          <a:ln w="12700" cap="flat" cmpd="sng" algn="ctr">
+            <a:noFill/>
+            <a:prstDash val="solid"/>
+            <a:miter lim="800000"/>
+          </a:ln>
+          <a:effectLst/>
+          <a:extLst>
+            <a:ext uri="{91240B29-F687-4F45-9708-019B960494DF}">
+              <a14:hiddenLine xmlns:a14="http://schemas.microsoft.com/office/drawing/2010/main" w="12700" cap="flat" cmpd="sng" algn="ctr">
+                <a:solidFill>
+                  <a:schemeClr val="accent1">
+                    <a:shade val="50000"/>
+                  </a:schemeClr>
+                </a:solidFill>
+                <a:prstDash val="solid"/>
+                <a:miter lim="800000"/>
+              </a14:hiddenLine>
+            </a:ext>
+          </a:extLst>
+        </p:spPr>
+        <p:style>
+          <a:lnRef idx="2">
+            <a:schemeClr val="accent1">
+              <a:shade val="50000"/>
+            </a:schemeClr>
+          </a:lnRef>
+          <a:fillRef idx="1">
+            <a:schemeClr val="accent1"/>
+          </a:fillRef>
+          <a:effectRef idx="0">
+            <a:schemeClr val="accent1"/>
+          </a:effectRef>
+          <a:fontRef idx="minor">
+            <a:schemeClr val="lt1"/>
+          </a:fontRef>
+        </p:style>
+        <p:txBody>
+          <a:bodyPr rtlCol="0" anchor="ctr"/>
+          <a:lstStyle/>
+          <a:p>
+            <a:pPr algn="ctr"/>
+            <a:endParaRPr lang="en-US"/>
+          </a:p>
+        </p:txBody>
+      </p:sp>
+      <p:sp>
+        <p:nvSpPr>
+          <p:cNvPr id="11" name="Rectangle 10">
+            <a:extLst>
+              <a:ext uri="{FF2B5EF4-FFF2-40B4-BE49-F238E27FC236}">
+                <a16:creationId xmlns:a16="http://schemas.microsoft.com/office/drawing/2014/main" id="{3F0B8CEB-8279-4E5E-A0CE-1FC9F71736F2}"/>
+              </a:ext>
+              <a:ext uri="{C183D7F6-B498-43B3-948B-1728B52AA6E4}">
+                <adec:decorative xmlns:adec="http://schemas.microsoft.com/office/drawing/2017/decorative" val="1"/>
+              </a:ext>
+            </a:extLst>
+          </p:cNvPr>
+          <p:cNvSpPr>
+            <a:spLocks noGrp="1" noRot="1" noChangeAspect="1" noMove="1" noResize="1" noEditPoints="1" noAdjustHandles="1" noChangeArrowheads="1" noChangeShapeType="1" noTextEdit="1"/>
+          </p:cNvSpPr>
+          <p:nvPr>
+            <p:extLst>
+              <p:ext uri="{386F3935-93C4-4BCD-93E2-E3B085C9AB24}">
+                <p16:designElem xmlns:p16="http://schemas.microsoft.com/office/powerpoint/2015/main" val="1"/>
+              </p:ext>
+            </p:extLst>
+          </p:nvPr>
+        </p:nvSpPr>
+        <p:spPr>
+          <a:xfrm>
+            <a:off x="4770782" y="0"/>
+            <a:ext cx="7421217" cy="6857999"/>
+          </a:xfrm>
+          <a:prstGeom prst="rect">
+            <a:avLst/>
+          </a:prstGeom>
+          <a:solidFill>
+            <a:srgbClr val="82766A">
+              <a:alpha val="15000"/>
+            </a:srgbClr>
+          </a:solidFill>
+          <a:ln>
+            <a:noFill/>
+          </a:ln>
+        </p:spPr>
+        <p:style>
+          <a:lnRef idx="2">
+            <a:schemeClr val="accent1">
+              <a:shade val="50000"/>
+            </a:schemeClr>
+          </a:lnRef>
+          <a:fillRef idx="1">
+            <a:schemeClr val="accent1"/>
+          </a:fillRef>
+          <a:effectRef idx="0">
+            <a:schemeClr val="accent1"/>
+          </a:effectRef>
+          <a:fontRef idx="minor">
+            <a:schemeClr val="lt1"/>
+          </a:fontRef>
+        </p:style>
+        <p:txBody>
+          <a:bodyPr rtlCol="0" anchor="ctr"/>
+          <a:lstStyle/>
+          <a:p>
+            <a:pPr algn="ctr"/>
+            <a:endParaRPr lang="en-US"/>
+          </a:p>
+        </p:txBody>
+      </p:sp>
+      <p:sp>
+        <p:nvSpPr>
+          <p:cNvPr id="2" name="Title 1">
+            <a:extLst>
+              <a:ext uri="{FF2B5EF4-FFF2-40B4-BE49-F238E27FC236}">
+                <a16:creationId xmlns:a16="http://schemas.microsoft.com/office/drawing/2014/main" id="{CD33E322-FF9E-FEC5-B7FC-91F6CC6ADD6C}"/>
+              </a:ext>
+            </a:extLst>
+          </p:cNvPr>
+          <p:cNvSpPr>
+            <a:spLocks noGrp="1"/>
+          </p:cNvSpPr>
+          <p:nvPr>
+            <p:ph type="title"/>
+          </p:nvPr>
+        </p:nvSpPr>
+        <p:spPr>
+          <a:xfrm>
+            <a:off x="7320466" y="609600"/>
+            <a:ext cx="4140014" cy="1330839"/>
+          </a:xfrm>
+        </p:spPr>
+        <p:txBody>
+          <a:bodyPr>
+            <a:normAutofit/>
+          </a:bodyPr>
+          <a:lstStyle/>
+          <a:p>
+            <a:r>
+              <a:rPr lang="en-US"/>
+              <a:t>To The Code!</a:t>
+            </a:r>
+            <a:endParaRPr lang="en-US" dirty="0"/>
+          </a:p>
+        </p:txBody>
+      </p:sp>
+      <p:pic>
+        <p:nvPicPr>
+          <p:cNvPr id="13" name="Picture 4" descr="A cat in a bag">
+            <a:extLst>
+              <a:ext uri="{FF2B5EF4-FFF2-40B4-BE49-F238E27FC236}">
+                <a16:creationId xmlns:a16="http://schemas.microsoft.com/office/drawing/2014/main" id="{B3968FFE-EF7A-9E2C-F72B-CDF87176AC2A}"/>
+              </a:ext>
+            </a:extLst>
+          </p:cNvPr>
+          <p:cNvPicPr>
+            <a:picLocks noChangeAspect="1"/>
+          </p:cNvPicPr>
+          <p:nvPr/>
+        </p:nvPicPr>
+        <p:blipFill rotWithShape="1">
+          <a:blip r:embed="rId2"/>
+          <a:srcRect l="19982" r="12842" b="-1"/>
+          <a:stretch/>
+        </p:blipFill>
+        <p:spPr>
+          <a:xfrm>
+            <a:off x="20" y="10"/>
+            <a:ext cx="6901711" cy="6857990"/>
+          </a:xfrm>
+          <a:custGeom>
+            <a:avLst/>
+            <a:gdLst/>
+            <a:ahLst/>
+            <a:cxnLst/>
+            <a:rect l="l" t="t" r="r" b="b"/>
+            <a:pathLst>
+              <a:path w="6901731" h="6858000">
+                <a:moveTo>
+                  <a:pt x="0" y="0"/>
+                </a:moveTo>
+                <a:lnTo>
+                  <a:pt x="6897896" y="5958"/>
+                </a:lnTo>
+                <a:lnTo>
+                  <a:pt x="6866823" y="62592"/>
+                </a:lnTo>
+                <a:lnTo>
+                  <a:pt x="6901731" y="89476"/>
+                </a:lnTo>
+                <a:lnTo>
+                  <a:pt x="6901731" y="103833"/>
+                </a:lnTo>
+                <a:lnTo>
+                  <a:pt x="6900034" y="110092"/>
+                </a:lnTo>
+                <a:lnTo>
+                  <a:pt x="6901731" y="113679"/>
+                </a:lnTo>
+                <a:lnTo>
+                  <a:pt x="6901731" y="405560"/>
+                </a:lnTo>
+                <a:lnTo>
+                  <a:pt x="6900456" y="429509"/>
+                </a:lnTo>
+                <a:cubicBezTo>
+                  <a:pt x="6892773" y="535647"/>
+                  <a:pt x="6878314" y="537918"/>
+                  <a:pt x="6886342" y="636808"/>
+                </a:cubicBezTo>
+                <a:cubicBezTo>
+                  <a:pt x="6892506" y="756883"/>
+                  <a:pt x="6864504" y="771443"/>
+                  <a:pt x="6851784" y="839073"/>
+                </a:cubicBezTo>
+                <a:cubicBezTo>
+                  <a:pt x="6838675" y="892655"/>
+                  <a:pt x="6864124" y="961738"/>
+                  <a:pt x="6845760" y="994930"/>
+                </a:cubicBezTo>
+                <a:cubicBezTo>
+                  <a:pt x="6833572" y="1024166"/>
+                  <a:pt x="6859282" y="1058905"/>
+                  <a:pt x="6845601" y="1112932"/>
+                </a:cubicBezTo>
+                <a:cubicBezTo>
+                  <a:pt x="6838700" y="1149910"/>
+                  <a:pt x="6829138" y="1151035"/>
+                  <a:pt x="6820235" y="1187433"/>
+                </a:cubicBezTo>
+                <a:cubicBezTo>
+                  <a:pt x="6815504" y="1196464"/>
+                  <a:pt x="6777707" y="1338549"/>
+                  <a:pt x="6759643" y="1337010"/>
+                </a:cubicBezTo>
+                <a:cubicBezTo>
+                  <a:pt x="6737660" y="1337296"/>
+                  <a:pt x="6760650" y="1396341"/>
+                  <a:pt x="6736375" y="1382272"/>
+                </a:cubicBezTo>
+                <a:cubicBezTo>
+                  <a:pt x="6755741" y="1415836"/>
+                  <a:pt x="6714675" y="1414567"/>
+                  <a:pt x="6701292" y="1432111"/>
+                </a:cubicBezTo>
+                <a:cubicBezTo>
+                  <a:pt x="6721110" y="1460185"/>
+                  <a:pt x="6692106" y="1490815"/>
+                  <a:pt x="6686578" y="1518624"/>
+                </a:cubicBezTo>
+                <a:cubicBezTo>
+                  <a:pt x="6682512" y="1567002"/>
+                  <a:pt x="6679579" y="1571443"/>
+                  <a:pt x="6670824" y="1607743"/>
+                </a:cubicBezTo>
+                <a:cubicBezTo>
+                  <a:pt x="6671133" y="1629590"/>
+                  <a:pt x="6663161" y="1656870"/>
+                  <a:pt x="6664392" y="1696405"/>
+                </a:cubicBezTo>
+                <a:cubicBezTo>
+                  <a:pt x="6655686" y="1770486"/>
+                  <a:pt x="6641938" y="1757082"/>
+                  <a:pt x="6642880" y="1812372"/>
+                </a:cubicBezTo>
+                <a:cubicBezTo>
+                  <a:pt x="6638579" y="1872475"/>
+                  <a:pt x="6619231" y="1825476"/>
+                  <a:pt x="6612547" y="1876437"/>
+                </a:cubicBezTo>
+                <a:cubicBezTo>
+                  <a:pt x="6600695" y="1913834"/>
+                  <a:pt x="6591061" y="1923231"/>
+                  <a:pt x="6571760" y="1953331"/>
+                </a:cubicBezTo>
+                <a:cubicBezTo>
+                  <a:pt x="6561039" y="1989021"/>
+                  <a:pt x="6544090" y="2087896"/>
+                  <a:pt x="6520213" y="2096455"/>
+                </a:cubicBezTo>
+                <a:lnTo>
+                  <a:pt x="6492461" y="2188148"/>
+                </a:lnTo>
+                <a:cubicBezTo>
+                  <a:pt x="6504372" y="2211333"/>
+                  <a:pt x="6489131" y="2253220"/>
+                  <a:pt x="6471854" y="2259117"/>
+                </a:cubicBezTo>
+                <a:cubicBezTo>
+                  <a:pt x="6466151" y="2287829"/>
+                  <a:pt x="6440452" y="2301346"/>
+                  <a:pt x="6439832" y="2328334"/>
+                </a:cubicBezTo>
+                <a:cubicBezTo>
+                  <a:pt x="6431013" y="2351201"/>
+                  <a:pt x="6444250" y="2396409"/>
+                  <a:pt x="6425162" y="2408211"/>
+                </a:cubicBezTo>
+                <a:lnTo>
+                  <a:pt x="6417221" y="2427382"/>
+                </a:lnTo>
+                <a:lnTo>
+                  <a:pt x="6425030" y="2464387"/>
+                </a:lnTo>
+                <a:lnTo>
+                  <a:pt x="6406293" y="2472223"/>
+                </a:lnTo>
+                <a:cubicBezTo>
+                  <a:pt x="6406862" y="2477277"/>
+                  <a:pt x="6406486" y="2491723"/>
+                  <a:pt x="6405400" y="2493547"/>
+                </a:cubicBezTo>
+                <a:lnTo>
+                  <a:pt x="6374829" y="2532070"/>
+                </a:lnTo>
+                <a:cubicBezTo>
+                  <a:pt x="6374597" y="2545374"/>
+                  <a:pt x="6360976" y="2563797"/>
+                  <a:pt x="6350864" y="2577422"/>
+                </a:cubicBezTo>
+                <a:cubicBezTo>
+                  <a:pt x="6327056" y="2632768"/>
+                  <a:pt x="6341262" y="2616275"/>
+                  <a:pt x="6329174" y="2663854"/>
+                </a:cubicBezTo>
+                <a:cubicBezTo>
+                  <a:pt x="6326303" y="2703642"/>
+                  <a:pt x="6332854" y="2709643"/>
+                  <a:pt x="6315095" y="2741507"/>
+                </a:cubicBezTo>
+                <a:cubicBezTo>
+                  <a:pt x="6319921" y="2740191"/>
+                  <a:pt x="6321925" y="2742004"/>
+                  <a:pt x="6322463" y="2745641"/>
+                </a:cubicBezTo>
+                <a:cubicBezTo>
+                  <a:pt x="6322245" y="2747982"/>
+                  <a:pt x="6322027" y="2750323"/>
+                  <a:pt x="6321808" y="2752663"/>
+                </a:cubicBezTo>
+                <a:lnTo>
+                  <a:pt x="6314569" y="2756718"/>
+                </a:lnTo>
+                <a:cubicBezTo>
+                  <a:pt x="6289324" y="2773686"/>
+                  <a:pt x="6317551" y="2780051"/>
+                  <a:pt x="6315211" y="2811618"/>
+                </a:cubicBezTo>
+                <a:cubicBezTo>
+                  <a:pt x="6315620" y="2826627"/>
+                  <a:pt x="6296047" y="2885298"/>
+                  <a:pt x="6302211" y="2882314"/>
+                </a:cubicBezTo>
+                <a:lnTo>
+                  <a:pt x="6286167" y="2949597"/>
+                </a:lnTo>
+                <a:cubicBezTo>
+                  <a:pt x="6286401" y="2994618"/>
+                  <a:pt x="6286615" y="2971464"/>
+                  <a:pt x="6287037" y="3008578"/>
+                </a:cubicBezTo>
+                <a:cubicBezTo>
+                  <a:pt x="6293795" y="3029535"/>
+                  <a:pt x="6274405" y="3114154"/>
+                  <a:pt x="6259150" y="3123139"/>
+                </a:cubicBezTo>
+                <a:cubicBezTo>
+                  <a:pt x="6250085" y="3189063"/>
+                  <a:pt x="6269067" y="3151280"/>
+                  <a:pt x="6272249" y="3227854"/>
+                </a:cubicBezTo>
+                <a:cubicBezTo>
+                  <a:pt x="6278775" y="3295842"/>
+                  <a:pt x="6289216" y="3303765"/>
+                  <a:pt x="6292288" y="3378383"/>
+                </a:cubicBezTo>
+                <a:cubicBezTo>
+                  <a:pt x="6303894" y="3395995"/>
+                  <a:pt x="6287498" y="3432581"/>
+                  <a:pt x="6288328" y="3459618"/>
+                </a:cubicBezTo>
+                <a:cubicBezTo>
+                  <a:pt x="6289158" y="3486653"/>
+                  <a:pt x="6299937" y="3538735"/>
+                  <a:pt x="6297272" y="3540603"/>
+                </a:cubicBezTo>
+                <a:cubicBezTo>
+                  <a:pt x="6296849" y="3577379"/>
+                  <a:pt x="6294184" y="3587943"/>
+                  <a:pt x="6291001" y="3638374"/>
+                </a:cubicBezTo>
+                <a:cubicBezTo>
+                  <a:pt x="6283026" y="3666794"/>
+                  <a:pt x="6265833" y="3731744"/>
+                  <a:pt x="6283592" y="3763609"/>
+                </a:cubicBezTo>
+                <a:cubicBezTo>
+                  <a:pt x="6264286" y="3758340"/>
+                  <a:pt x="6290177" y="3803150"/>
+                  <a:pt x="6274068" y="3814506"/>
+                </a:cubicBezTo>
+                <a:cubicBezTo>
+                  <a:pt x="6260645" y="3821643"/>
+                  <a:pt x="6265372" y="3836902"/>
+                  <a:pt x="6262850" y="3850454"/>
+                </a:cubicBezTo>
+                <a:cubicBezTo>
+                  <a:pt x="6250418" y="3863479"/>
+                  <a:pt x="6250660" y="3955243"/>
+                  <a:pt x="6257357" y="3975474"/>
+                </a:cubicBezTo>
+                <a:cubicBezTo>
+                  <a:pt x="6245091" y="4036737"/>
+                  <a:pt x="6237535" y="4029237"/>
+                  <a:pt x="6257889" y="4073155"/>
+                </a:cubicBezTo>
+                <a:cubicBezTo>
+                  <a:pt x="6259272" y="4085906"/>
+                  <a:pt x="6239882" y="4116397"/>
+                  <a:pt x="6237441" y="4126638"/>
+                </a:cubicBezTo>
+                <a:lnTo>
+                  <a:pt x="6245587" y="4172738"/>
+                </a:lnTo>
+                <a:lnTo>
+                  <a:pt x="6235772" y="4176721"/>
+                </a:lnTo>
+                <a:lnTo>
+                  <a:pt x="6233287" y="4195136"/>
+                </a:lnTo>
+                <a:lnTo>
+                  <a:pt x="6234619" y="4280850"/>
+                </a:lnTo>
+                <a:cubicBezTo>
+                  <a:pt x="6239453" y="4320763"/>
+                  <a:pt x="6223309" y="4337596"/>
+                  <a:pt x="6219318" y="4402526"/>
+                </a:cubicBezTo>
+                <a:cubicBezTo>
+                  <a:pt x="6205466" y="4516209"/>
+                  <a:pt x="6216183" y="4588729"/>
+                  <a:pt x="6216810" y="4651172"/>
+                </a:cubicBezTo>
+                <a:cubicBezTo>
+                  <a:pt x="6217673" y="4756959"/>
+                  <a:pt x="6228654" y="4824005"/>
+                  <a:pt x="6225945" y="4916779"/>
+                </a:cubicBezTo>
+                <a:cubicBezTo>
+                  <a:pt x="6217032" y="4993010"/>
+                  <a:pt x="6264271" y="4984591"/>
+                  <a:pt x="6230174" y="5051379"/>
+                </a:cubicBezTo>
+                <a:cubicBezTo>
+                  <a:pt x="6235713" y="5056951"/>
+                  <a:pt x="6239420" y="5163714"/>
+                  <a:pt x="6242600" y="5170879"/>
+                </a:cubicBezTo>
+                <a:lnTo>
+                  <a:pt x="6235996" y="5216428"/>
+                </a:lnTo>
+                <a:lnTo>
+                  <a:pt x="6214638" y="5285298"/>
+                </a:lnTo>
+                <a:cubicBezTo>
+                  <a:pt x="6211392" y="5297492"/>
+                  <a:pt x="6225576" y="5312063"/>
+                  <a:pt x="6228432" y="5317696"/>
+                </a:cubicBezTo>
+                <a:lnTo>
+                  <a:pt x="6246496" y="5398787"/>
+                </a:lnTo>
+                <a:lnTo>
+                  <a:pt x="6244793" y="5399530"/>
+                </a:lnTo>
+                <a:lnTo>
+                  <a:pt x="6241695" y="5406948"/>
+                </a:lnTo>
+                <a:lnTo>
+                  <a:pt x="6267461" y="5499413"/>
+                </a:lnTo>
+                <a:cubicBezTo>
+                  <a:pt x="6285387" y="5533848"/>
+                  <a:pt x="6284888" y="5550029"/>
+                  <a:pt x="6295987" y="5582659"/>
+                </a:cubicBezTo>
+                <a:cubicBezTo>
+                  <a:pt x="6311253" y="5681724"/>
+                  <a:pt x="6295439" y="5695558"/>
+                  <a:pt x="6364803" y="5784263"/>
+                </a:cubicBezTo>
+                <a:cubicBezTo>
+                  <a:pt x="6379348" y="5818651"/>
+                  <a:pt x="6412475" y="5906802"/>
+                  <a:pt x="6423050" y="5922637"/>
+                </a:cubicBezTo>
+                <a:cubicBezTo>
+                  <a:pt x="6445210" y="5973612"/>
+                  <a:pt x="6468179" y="6023873"/>
+                  <a:pt x="6497767" y="6090108"/>
+                </a:cubicBezTo>
+                <a:cubicBezTo>
+                  <a:pt x="6571895" y="6150548"/>
+                  <a:pt x="6572491" y="6236583"/>
+                  <a:pt x="6606710" y="6281543"/>
+                </a:cubicBezTo>
+                <a:cubicBezTo>
+                  <a:pt x="6633675" y="6335892"/>
+                  <a:pt x="6654357" y="6388782"/>
+                  <a:pt x="6667540" y="6443715"/>
+                </a:cubicBezTo>
+                <a:cubicBezTo>
+                  <a:pt x="6685192" y="6466826"/>
+                  <a:pt x="6650500" y="6508701"/>
+                  <a:pt x="6659722" y="6550105"/>
+                </a:cubicBezTo>
+                <a:cubicBezTo>
+                  <a:pt x="6665926" y="6645044"/>
+                  <a:pt x="6669126" y="6627536"/>
+                  <a:pt x="6671805" y="6687397"/>
+                </a:cubicBezTo>
+                <a:cubicBezTo>
+                  <a:pt x="6682671" y="6733683"/>
+                  <a:pt x="6665210" y="6772117"/>
+                  <a:pt x="6669658" y="6806602"/>
+                </a:cubicBezTo>
+                <a:cubicBezTo>
+                  <a:pt x="6661174" y="6812658"/>
+                  <a:pt x="6667097" y="6831470"/>
+                  <a:pt x="6675783" y="6850325"/>
+                </a:cubicBezTo>
+                <a:lnTo>
+                  <a:pt x="6679704" y="6858000"/>
+                </a:lnTo>
+                <a:lnTo>
+                  <a:pt x="4532241" y="6858000"/>
+                </a:lnTo>
+                <a:lnTo>
+                  <a:pt x="1208596" y="6858000"/>
+                </a:lnTo>
+                <a:lnTo>
+                  <a:pt x="0" y="6858000"/>
+                </a:lnTo>
+                <a:close/>
+              </a:path>
+            </a:pathLst>
+          </a:custGeom>
+        </p:spPr>
+      </p:pic>
+      <p:sp>
+        <p:nvSpPr>
+          <p:cNvPr id="3" name="Content Placeholder 2">
+            <a:extLst>
+              <a:ext uri="{FF2B5EF4-FFF2-40B4-BE49-F238E27FC236}">
+                <a16:creationId xmlns:a16="http://schemas.microsoft.com/office/drawing/2014/main" id="{56A92389-8F5E-6DEC-97C7-0241422D866B}"/>
+              </a:ext>
+            </a:extLst>
+          </p:cNvPr>
+          <p:cNvSpPr>
+            <a:spLocks noGrp="1"/>
+          </p:cNvSpPr>
+          <p:nvPr>
+            <p:ph idx="1"/>
+          </p:nvPr>
+        </p:nvSpPr>
+        <p:spPr>
+          <a:xfrm>
+            <a:off x="7320465" y="2194102"/>
+            <a:ext cx="4140013" cy="3908586"/>
+          </a:xfrm>
+        </p:spPr>
+        <p:txBody>
+          <a:bodyPr>
+            <a:normAutofit/>
+          </a:bodyPr>
+          <a:lstStyle/>
+          <a:p>
+            <a:pPr marL="0" indent="0">
+              <a:buNone/>
+            </a:pPr>
+            <a:r>
+              <a:rPr lang="en-US" sz="2000"/>
+              <a:t>Dataset: cats.csv</a:t>
+            </a:r>
+          </a:p>
+          <a:p>
+            <a:pPr marL="0" indent="0">
+              <a:buNone/>
+            </a:pPr>
+            <a:r>
+              <a:rPr lang="en-US" sz="2000"/>
+              <a:t>File: cat_survey.ipynb</a:t>
+            </a:r>
+          </a:p>
+          <a:p>
+            <a:endParaRPr lang="en-US" sz="2000"/>
+          </a:p>
+        </p:txBody>
+      </p:sp>
+    </p:spTree>
+    <p:extLst>
+      <p:ext uri="{BB962C8B-B14F-4D97-AF65-F5344CB8AC3E}">
+        <p14:creationId xmlns:p14="http://schemas.microsoft.com/office/powerpoint/2010/main" val="1226423476"/>
+      </p:ext>
+    </p:extLst>
+  </p:cSld>
+  <p:clrMapOvr>
+    <a:masterClrMapping/>
+  </p:clrMapOvr>
+</p:sld>
+</file>
+
+<file path=ppt/slides/slide32.xml><?xml version="1.0" encoding="utf-8"?>
+<p:sld xmlns:a="http://schemas.openxmlformats.org/drawingml/2006/main" xmlns:r="http://schemas.openxmlformats.org/officeDocument/2006/relationships" xmlns:p="http://schemas.openxmlformats.org/presentationml/2006/main">
+  <p:cSld>
+    <p:spTree>
+      <p:nvGrpSpPr>
+        <p:cNvPr id="1" name=""/>
+        <p:cNvGrpSpPr/>
+        <p:nvPr/>
+      </p:nvGrpSpPr>
+      <p:grpSpPr>
+        <a:xfrm>
+          <a:off x="0" y="0"/>
+          <a:ext cx="0" cy="0"/>
+          <a:chOff x="0" y="0"/>
+          <a:chExt cx="0" cy="0"/>
+        </a:xfrm>
+      </p:grpSpPr>
+      <p:sp>
+        <p:nvSpPr>
+          <p:cNvPr id="2" name="Title 1">
+            <a:extLst>
+              <a:ext uri="{FF2B5EF4-FFF2-40B4-BE49-F238E27FC236}">
+                <a16:creationId xmlns:a16="http://schemas.microsoft.com/office/drawing/2014/main" id="{F6A55ED8-01F9-6FD1-3D22-D00052C867A2}"/>
+              </a:ext>
+            </a:extLst>
+          </p:cNvPr>
+          <p:cNvSpPr>
+            <a:spLocks noGrp="1"/>
+          </p:cNvSpPr>
+          <p:nvPr>
+            <p:ph type="title"/>
+          </p:nvPr>
+        </p:nvSpPr>
+        <p:spPr/>
+        <p:txBody>
+          <a:bodyPr/>
+          <a:lstStyle/>
+          <a:p>
+            <a:endParaRPr lang="en-US"/>
+          </a:p>
+        </p:txBody>
+      </p:sp>
+      <p:sp>
+        <p:nvSpPr>
+          <p:cNvPr id="3" name="Content Placeholder 2">
+            <a:extLst>
+              <a:ext uri="{FF2B5EF4-FFF2-40B4-BE49-F238E27FC236}">
+                <a16:creationId xmlns:a16="http://schemas.microsoft.com/office/drawing/2014/main" id="{C02BE5D8-6E59-9940-4600-A1291C7659D4}"/>
+              </a:ext>
+            </a:extLst>
+          </p:cNvPr>
+          <p:cNvSpPr>
+            <a:spLocks noGrp="1"/>
+          </p:cNvSpPr>
+          <p:nvPr>
+            <p:ph idx="1"/>
+          </p:nvPr>
+        </p:nvSpPr>
+        <p:spPr/>
+        <p:txBody>
+          <a:bodyPr/>
+          <a:lstStyle/>
+          <a:p>
+            <a:endParaRPr lang="en-US"/>
+          </a:p>
+        </p:txBody>
+      </p:sp>
+    </p:spTree>
+    <p:extLst>
+      <p:ext uri="{BB962C8B-B14F-4D97-AF65-F5344CB8AC3E}">
+        <p14:creationId xmlns:p14="http://schemas.microsoft.com/office/powerpoint/2010/main" val="1205484315"/>
+      </p:ext>
+    </p:extLst>
+  </p:cSld>
+  <p:clrMapOvr>
+    <a:masterClrMapping/>
+  </p:clrMapOvr>
+</p:sld>
+</file>
+
+<file path=ppt/slides/slide33.xml><?xml version="1.0" encoding="utf-8"?>
+<p:sld xmlns:a="http://schemas.openxmlformats.org/drawingml/2006/main" xmlns:r="http://schemas.openxmlformats.org/officeDocument/2006/relationships" xmlns:p="http://schemas.openxmlformats.org/presentationml/2006/main">
+  <p:cSld>
+    <p:bg>
+      <p:bgPr>
+        <a:solidFill>
+          <a:schemeClr val="bg1"/>
+        </a:solidFill>
+        <a:effectLst/>
+      </p:bgPr>
+    </p:bg>
+    <p:spTree>
+      <p:nvGrpSpPr>
+        <p:cNvPr id="1" name=""/>
+        <p:cNvGrpSpPr/>
+        <p:nvPr/>
+      </p:nvGrpSpPr>
+      <p:grpSpPr>
+        <a:xfrm>
+          <a:off x="0" y="0"/>
+          <a:ext cx="0" cy="0"/>
+          <a:chOff x="0" y="0"/>
+          <a:chExt cx="0" cy="0"/>
+        </a:xfrm>
+      </p:grpSpPr>
+      <p:sp useBgFill="1">
+        <p:nvSpPr>
+          <p:cNvPr id="9" name="Rectangle 8">
+            <a:extLst>
+              <a:ext uri="{FF2B5EF4-FFF2-40B4-BE49-F238E27FC236}">
+                <a16:creationId xmlns:a16="http://schemas.microsoft.com/office/drawing/2014/main" id="{8108D317-7CBD-4897-BD1F-959436D2A3BE}"/>
+              </a:ext>
+              <a:ext uri="{C183D7F6-B498-43B3-948B-1728B52AA6E4}">
+                <adec:decorative xmlns:adec="http://schemas.microsoft.com/office/drawing/2017/decorative" val="1"/>
+              </a:ext>
+            </a:extLst>
+          </p:cNvPr>
+          <p:cNvSpPr>
+            <a:spLocks noGrp="1" noRot="1" noChangeAspect="1" noMove="1" noResize="1" noEditPoints="1" noAdjustHandles="1" noChangeArrowheads="1" noChangeShapeType="1" noTextEdit="1"/>
+          </p:cNvSpPr>
+          <p:nvPr>
+            <p:extLst>
+              <p:ext uri="{386F3935-93C4-4BCD-93E2-E3B085C9AB24}">
+                <p16:designElem xmlns:p16="http://schemas.microsoft.com/office/powerpoint/2015/main" val="1"/>
+              </p:ext>
+            </p:extLst>
+          </p:nvPr>
+        </p:nvSpPr>
+        <p:spPr>
+          <a:xfrm>
+            <a:off x="0" y="0"/>
+            <a:ext cx="12192000" cy="6858000"/>
+          </a:xfrm>
+          <a:prstGeom prst="rect">
+            <a:avLst/>
+          </a:prstGeom>
+          <a:ln>
+            <a:noFill/>
+          </a:ln>
+        </p:spPr>
+        <p:style>
+          <a:lnRef idx="2">
+            <a:schemeClr val="accent1">
+              <a:shade val="50000"/>
+            </a:schemeClr>
+          </a:lnRef>
+          <a:fillRef idx="1">
+            <a:schemeClr val="accent1"/>
+          </a:fillRef>
+          <a:effectRef idx="0">
+            <a:schemeClr val="accent1"/>
+          </a:effectRef>
+          <a:fontRef idx="minor">
+            <a:schemeClr val="lt1"/>
+          </a:fontRef>
+        </p:style>
+        <p:txBody>
+          <a:bodyPr rtlCol="0" anchor="ctr"/>
+          <a:lstStyle/>
+          <a:p>
+            <a:pPr algn="ctr"/>
+            <a:endParaRPr lang="en-US"/>
+          </a:p>
+        </p:txBody>
+      </p:sp>
+      <p:sp>
+        <p:nvSpPr>
+          <p:cNvPr id="2" name="Title 1">
+            <a:extLst>
+              <a:ext uri="{FF2B5EF4-FFF2-40B4-BE49-F238E27FC236}">
+                <a16:creationId xmlns:a16="http://schemas.microsoft.com/office/drawing/2014/main" id="{5B809870-A867-3574-A5A3-7FF8D32DAF76}"/>
+              </a:ext>
+            </a:extLst>
+          </p:cNvPr>
+          <p:cNvSpPr>
+            <a:spLocks noGrp="1"/>
+          </p:cNvSpPr>
+          <p:nvPr>
+            <p:ph type="title"/>
+          </p:nvPr>
+        </p:nvSpPr>
+        <p:spPr>
+          <a:xfrm>
+            <a:off x="7255564" y="834888"/>
+            <a:ext cx="4314645" cy="1268958"/>
+          </a:xfrm>
+        </p:spPr>
+        <p:txBody>
+          <a:bodyPr anchor="b">
+            <a:normAutofit/>
+          </a:bodyPr>
+          <a:lstStyle/>
+          <a:p>
+            <a:r>
+              <a:rPr lang="en-US" sz="3200"/>
+              <a:t>To The Code!</a:t>
+            </a:r>
+          </a:p>
+        </p:txBody>
+      </p:sp>
+      <p:pic>
+        <p:nvPicPr>
+          <p:cNvPr id="5" name="Picture 4" descr="Isolated cat paw and tail">
+            <a:extLst>
+              <a:ext uri="{FF2B5EF4-FFF2-40B4-BE49-F238E27FC236}">
+                <a16:creationId xmlns:a16="http://schemas.microsoft.com/office/drawing/2014/main" id="{E4F7DEFD-9A54-2B2A-1FC2-ADB2BF86F162}"/>
+              </a:ext>
+            </a:extLst>
+          </p:cNvPr>
+          <p:cNvPicPr>
+            <a:picLocks noChangeAspect="1"/>
+          </p:cNvPicPr>
+          <p:nvPr/>
+        </p:nvPicPr>
+        <p:blipFill rotWithShape="1">
+          <a:blip r:embed="rId2"/>
+          <a:srcRect l="14379" r="20973" b="-1"/>
+          <a:stretch/>
+        </p:blipFill>
+        <p:spPr>
+          <a:xfrm>
+            <a:off x="20" y="10"/>
+            <a:ext cx="6717436" cy="6857990"/>
+          </a:xfrm>
+          <a:custGeom>
+            <a:avLst/>
+            <a:gdLst/>
+            <a:ahLst/>
+            <a:cxnLst/>
+            <a:rect l="l" t="t" r="r" b="b"/>
+            <a:pathLst>
+              <a:path w="6717456" h="6858000">
+                <a:moveTo>
+                  <a:pt x="0" y="0"/>
+                </a:moveTo>
+                <a:lnTo>
+                  <a:pt x="6149468" y="0"/>
+                </a:lnTo>
+                <a:lnTo>
+                  <a:pt x="6202448" y="162605"/>
+                </a:lnTo>
+                <a:cubicBezTo>
+                  <a:pt x="6535625" y="1263763"/>
+                  <a:pt x="6717456" y="2453207"/>
+                  <a:pt x="6717456" y="3694043"/>
+                </a:cubicBezTo>
+                <a:cubicBezTo>
+                  <a:pt x="6717456" y="4757617"/>
+                  <a:pt x="6583866" y="5783433"/>
+                  <a:pt x="6335883" y="6748259"/>
+                </a:cubicBezTo>
+                <a:lnTo>
+                  <a:pt x="6305198" y="6858000"/>
+                </a:lnTo>
+                <a:lnTo>
+                  <a:pt x="0" y="6858000"/>
+                </a:lnTo>
+                <a:close/>
+              </a:path>
+            </a:pathLst>
+          </a:custGeom>
+          <a:effectLst>
+            <a:outerShdw blurRad="50800" dist="38100" algn="l" rotWithShape="0">
+              <a:schemeClr val="bg1">
+                <a:lumMod val="85000"/>
+                <a:alpha val="30000"/>
+              </a:schemeClr>
+            </a:outerShdw>
+          </a:effectLst>
+        </p:spPr>
+      </p:pic>
+      <p:sp>
+        <p:nvSpPr>
+          <p:cNvPr id="11" name="Rectangle 10">
+            <a:extLst>
+              <a:ext uri="{FF2B5EF4-FFF2-40B4-BE49-F238E27FC236}">
+                <a16:creationId xmlns:a16="http://schemas.microsoft.com/office/drawing/2014/main" id="{D6297641-8B9F-4767-9606-8A11313227BF}"/>
+              </a:ext>
+              <a:ext uri="{C183D7F6-B498-43B3-948B-1728B52AA6E4}">
+                <adec:decorative xmlns:adec="http://schemas.microsoft.com/office/drawing/2017/decorative" val="1"/>
+              </a:ext>
+            </a:extLst>
+          </p:cNvPr>
+          <p:cNvSpPr>
+            <a:spLocks noGrp="1" noRot="1" noChangeAspect="1" noMove="1" noResize="1" noEditPoints="1" noAdjustHandles="1" noChangeArrowheads="1" noChangeShapeType="1" noTextEdit="1"/>
+          </p:cNvSpPr>
+          <p:nvPr>
+            <p:extLst>
+              <p:ext uri="{386F3935-93C4-4BCD-93E2-E3B085C9AB24}">
+                <p16:designElem xmlns:p16="http://schemas.microsoft.com/office/powerpoint/2015/main" val="1"/>
+              </p:ext>
+            </p:extLst>
+          </p:nvPr>
+        </p:nvSpPr>
+        <p:spPr>
+          <a:xfrm rot="5400000">
+            <a:off x="7589864" y="387939"/>
+            <a:ext cx="73152" cy="548640"/>
+          </a:xfrm>
+          <a:prstGeom prst="rect">
+            <a:avLst/>
+          </a:prstGeom>
+          <a:solidFill>
+            <a:schemeClr val="accent2"/>
+          </a:solidFill>
+          <a:ln>
+            <a:noFill/>
+          </a:ln>
+        </p:spPr>
+        <p:style>
+          <a:lnRef idx="2">
+            <a:schemeClr val="accent1">
+              <a:shade val="50000"/>
+            </a:schemeClr>
+          </a:lnRef>
+          <a:fillRef idx="1">
+            <a:schemeClr val="accent1"/>
+          </a:fillRef>
+          <a:effectRef idx="0">
+            <a:schemeClr val="accent1"/>
+          </a:effectRef>
+          <a:fontRef idx="minor">
+            <a:schemeClr val="lt1"/>
+          </a:fontRef>
+        </p:style>
+        <p:txBody>
+          <a:bodyPr rtlCol="0" anchor="ctr"/>
+          <a:lstStyle/>
+          <a:p>
+            <a:pPr algn="ctr"/>
+            <a:endParaRPr lang="en-US">
+              <a:solidFill>
+                <a:prstClr val="white"/>
+              </a:solidFill>
+              <a:latin typeface="Calibri" panose="020F0502020204030204"/>
+            </a:endParaRPr>
+          </a:p>
+        </p:txBody>
+      </p:sp>
+      <p:sp>
+        <p:nvSpPr>
+          <p:cNvPr id="13" name="Rectangle 12">
+            <a:extLst>
+              <a:ext uri="{FF2B5EF4-FFF2-40B4-BE49-F238E27FC236}">
+                <a16:creationId xmlns:a16="http://schemas.microsoft.com/office/drawing/2014/main" id="{D8F3CA65-EA00-46B4-9616-39E6853F7BED}"/>
+              </a:ext>
+              <a:ext uri="{C183D7F6-B498-43B3-948B-1728B52AA6E4}">
+                <adec:decorative xmlns:adec="http://schemas.microsoft.com/office/drawing/2017/decorative" val="1"/>
+              </a:ext>
+            </a:extLst>
+          </p:cNvPr>
+          <p:cNvSpPr>
+            <a:spLocks noGrp="1" noRot="1" noChangeAspect="1" noMove="1" noResize="1" noEditPoints="1" noAdjustHandles="1" noChangeArrowheads="1" noChangeShapeType="1" noTextEdit="1"/>
+          </p:cNvSpPr>
+          <p:nvPr>
+            <p:extLst>
+              <p:ext uri="{386F3935-93C4-4BCD-93E2-E3B085C9AB24}">
+                <p16:designElem xmlns:p16="http://schemas.microsoft.com/office/powerpoint/2015/main" val="1"/>
+              </p:ext>
+            </p:extLst>
+          </p:nvPr>
+        </p:nvSpPr>
+        <p:spPr>
+          <a:xfrm>
+            <a:off x="7336172" y="2240371"/>
+            <a:ext cx="4206240" cy="18288"/>
+          </a:xfrm>
+          <a:prstGeom prst="rect">
+            <a:avLst/>
+          </a:prstGeom>
+          <a:solidFill>
+            <a:srgbClr val="D5D5D5"/>
+          </a:solidFill>
+          <a:ln w="3175">
+            <a:noFill/>
+          </a:ln>
+          <a:effectLst/>
+        </p:spPr>
+        <p:style>
+          <a:lnRef idx="2">
+            <a:schemeClr val="accent1">
+              <a:shade val="50000"/>
+            </a:schemeClr>
+          </a:lnRef>
+          <a:fillRef idx="1">
+            <a:schemeClr val="accent1"/>
+          </a:fillRef>
+          <a:effectRef idx="0">
+            <a:schemeClr val="accent1"/>
+          </a:effectRef>
+          <a:fontRef idx="minor">
+            <a:schemeClr val="lt1"/>
+          </a:fontRef>
+        </p:style>
+        <p:txBody>
+          <a:bodyPr rtlCol="0" anchor="ctr"/>
+          <a:lstStyle/>
+          <a:p>
+            <a:pPr algn="ctr"/>
+            <a:endParaRPr lang="en-US">
+              <a:solidFill>
+                <a:prstClr val="white"/>
+              </a:solidFill>
+              <a:latin typeface="Calibri" panose="020F0502020204030204"/>
+            </a:endParaRPr>
+          </a:p>
+        </p:txBody>
+      </p:sp>
+      <p:sp>
+        <p:nvSpPr>
+          <p:cNvPr id="3" name="Content Placeholder 2">
+            <a:extLst>
+              <a:ext uri="{FF2B5EF4-FFF2-40B4-BE49-F238E27FC236}">
+                <a16:creationId xmlns:a16="http://schemas.microsoft.com/office/drawing/2014/main" id="{A1C06C22-3B86-71B1-1571-4FFDD79A0DE1}"/>
+              </a:ext>
+            </a:extLst>
+          </p:cNvPr>
+          <p:cNvSpPr>
+            <a:spLocks noGrp="1"/>
+          </p:cNvSpPr>
+          <p:nvPr>
+            <p:ph idx="1"/>
+          </p:nvPr>
+        </p:nvSpPr>
+        <p:spPr>
+          <a:xfrm>
+            <a:off x="7255563" y="2557587"/>
+            <a:ext cx="4314645" cy="3717317"/>
+          </a:xfrm>
+        </p:spPr>
+        <p:txBody>
+          <a:bodyPr anchor="t">
+            <a:normAutofit/>
+          </a:bodyPr>
+          <a:lstStyle/>
+          <a:p>
+            <a:pPr marL="0" indent="0">
+              <a:buNone/>
+            </a:pPr>
+            <a:r>
+              <a:rPr lang="en-US" sz="1800"/>
+              <a:t>Dataset: cats.csv</a:t>
+            </a:r>
+          </a:p>
+          <a:p>
+            <a:pPr marL="0" indent="0">
+              <a:buNone/>
+            </a:pPr>
+            <a:r>
+              <a:rPr lang="en-US" sz="1800"/>
+              <a:t>File: cat_survey.ipynb</a:t>
+            </a:r>
+          </a:p>
+          <a:p>
+            <a:endParaRPr lang="en-US" sz="1800"/>
+          </a:p>
+        </p:txBody>
+      </p:sp>
+    </p:spTree>
+    <p:extLst>
+      <p:ext uri="{BB962C8B-B14F-4D97-AF65-F5344CB8AC3E}">
+        <p14:creationId xmlns:p14="http://schemas.microsoft.com/office/powerpoint/2010/main" val="2576042607"/>
       </p:ext>
     </p:extLst>
   </p:cSld>
